--- a/PyTut1_Intro.pptx
+++ b/PyTut1_Intro.pptx
@@ -6,41 +6,44 @@
   </p:sldMasterIdLst>
   <p:sldIdLst>
     <p:sldId id="256" r:id="rId2"/>
-    <p:sldId id="258" r:id="rId3"/>
-    <p:sldId id="257" r:id="rId4"/>
-    <p:sldId id="259" r:id="rId5"/>
-    <p:sldId id="275" r:id="rId6"/>
-    <p:sldId id="263" r:id="rId7"/>
-    <p:sldId id="262" r:id="rId8"/>
-    <p:sldId id="264" r:id="rId9"/>
-    <p:sldId id="261" r:id="rId10"/>
-    <p:sldId id="289" r:id="rId11"/>
-    <p:sldId id="290" r:id="rId12"/>
-    <p:sldId id="260" r:id="rId13"/>
-    <p:sldId id="269" r:id="rId14"/>
-    <p:sldId id="271" r:id="rId15"/>
-    <p:sldId id="270" r:id="rId16"/>
-    <p:sldId id="265" r:id="rId17"/>
-    <p:sldId id="272" r:id="rId18"/>
-    <p:sldId id="267" r:id="rId19"/>
-    <p:sldId id="273" r:id="rId20"/>
-    <p:sldId id="266" r:id="rId21"/>
-    <p:sldId id="268" r:id="rId22"/>
-    <p:sldId id="274" r:id="rId23"/>
-    <p:sldId id="287" r:id="rId24"/>
-    <p:sldId id="276" r:id="rId25"/>
-    <p:sldId id="286" r:id="rId26"/>
-    <p:sldId id="278" r:id="rId27"/>
-    <p:sldId id="291" r:id="rId28"/>
-    <p:sldId id="279" r:id="rId29"/>
-    <p:sldId id="288" r:id="rId30"/>
-    <p:sldId id="285" r:id="rId31"/>
-    <p:sldId id="284" r:id="rId32"/>
-    <p:sldId id="283" r:id="rId33"/>
-    <p:sldId id="282" r:id="rId34"/>
-    <p:sldId id="281" r:id="rId35"/>
-    <p:sldId id="280" r:id="rId36"/>
-    <p:sldId id="277" r:id="rId37"/>
+    <p:sldId id="295" r:id="rId3"/>
+    <p:sldId id="258" r:id="rId4"/>
+    <p:sldId id="257" r:id="rId5"/>
+    <p:sldId id="259" r:id="rId6"/>
+    <p:sldId id="275" r:id="rId7"/>
+    <p:sldId id="293" r:id="rId8"/>
+    <p:sldId id="263" r:id="rId9"/>
+    <p:sldId id="262" r:id="rId10"/>
+    <p:sldId id="264" r:id="rId11"/>
+    <p:sldId id="261" r:id="rId12"/>
+    <p:sldId id="289" r:id="rId13"/>
+    <p:sldId id="290" r:id="rId14"/>
+    <p:sldId id="260" r:id="rId15"/>
+    <p:sldId id="269" r:id="rId16"/>
+    <p:sldId id="271" r:id="rId17"/>
+    <p:sldId id="270" r:id="rId18"/>
+    <p:sldId id="265" r:id="rId19"/>
+    <p:sldId id="272" r:id="rId20"/>
+    <p:sldId id="267" r:id="rId21"/>
+    <p:sldId id="273" r:id="rId22"/>
+    <p:sldId id="266" r:id="rId23"/>
+    <p:sldId id="268" r:id="rId24"/>
+    <p:sldId id="274" r:id="rId25"/>
+    <p:sldId id="287" r:id="rId26"/>
+    <p:sldId id="276" r:id="rId27"/>
+    <p:sldId id="296" r:id="rId28"/>
+    <p:sldId id="286" r:id="rId29"/>
+    <p:sldId id="278" r:id="rId30"/>
+    <p:sldId id="291" r:id="rId31"/>
+    <p:sldId id="292" r:id="rId32"/>
+    <p:sldId id="279" r:id="rId33"/>
+    <p:sldId id="294" r:id="rId34"/>
+    <p:sldId id="288" r:id="rId35"/>
+    <p:sldId id="285" r:id="rId36"/>
+    <p:sldId id="284" r:id="rId37"/>
+    <p:sldId id="283" r:id="rId38"/>
+    <p:sldId id="280" r:id="rId39"/>
+    <p:sldId id="277" r:id="rId40"/>
   </p:sldIdLst>
   <p:sldSz cx="12192000" cy="6858000"/>
   <p:notesSz cx="6858000" cy="9144000"/>
@@ -296,7 +299,7 @@
           <a:p>
             <a:fld id="{A2EF2885-F4E9-4389-AA0C-7ED12AFA1E23}" type="datetimeFigureOut">
               <a:rPr lang="en-GB" smtClean="0"/>
-              <a:t>21/07/2020</a:t>
+              <a:t>10/02/2021</a:t>
             </a:fld>
             <a:endParaRPr lang="en-GB"/>
           </a:p>
@@ -496,7 +499,7 @@
           <a:p>
             <a:fld id="{A2EF2885-F4E9-4389-AA0C-7ED12AFA1E23}" type="datetimeFigureOut">
               <a:rPr lang="en-GB" smtClean="0"/>
-              <a:t>21/07/2020</a:t>
+              <a:t>10/02/2021</a:t>
             </a:fld>
             <a:endParaRPr lang="en-GB"/>
           </a:p>
@@ -706,7 +709,7 @@
           <a:p>
             <a:fld id="{A2EF2885-F4E9-4389-AA0C-7ED12AFA1E23}" type="datetimeFigureOut">
               <a:rPr lang="en-GB" smtClean="0"/>
-              <a:t>21/07/2020</a:t>
+              <a:t>10/02/2021</a:t>
             </a:fld>
             <a:endParaRPr lang="en-GB"/>
           </a:p>
@@ -906,7 +909,7 @@
           <a:p>
             <a:fld id="{A2EF2885-F4E9-4389-AA0C-7ED12AFA1E23}" type="datetimeFigureOut">
               <a:rPr lang="en-GB" smtClean="0"/>
-              <a:t>21/07/2020</a:t>
+              <a:t>10/02/2021</a:t>
             </a:fld>
             <a:endParaRPr lang="en-GB"/>
           </a:p>
@@ -1182,7 +1185,7 @@
           <a:p>
             <a:fld id="{A2EF2885-F4E9-4389-AA0C-7ED12AFA1E23}" type="datetimeFigureOut">
               <a:rPr lang="en-GB" smtClean="0"/>
-              <a:t>21/07/2020</a:t>
+              <a:t>10/02/2021</a:t>
             </a:fld>
             <a:endParaRPr lang="en-GB"/>
           </a:p>
@@ -1450,7 +1453,7 @@
           <a:p>
             <a:fld id="{A2EF2885-F4E9-4389-AA0C-7ED12AFA1E23}" type="datetimeFigureOut">
               <a:rPr lang="en-GB" smtClean="0"/>
-              <a:t>21/07/2020</a:t>
+              <a:t>10/02/2021</a:t>
             </a:fld>
             <a:endParaRPr lang="en-GB"/>
           </a:p>
@@ -1865,7 +1868,7 @@
           <a:p>
             <a:fld id="{A2EF2885-F4E9-4389-AA0C-7ED12AFA1E23}" type="datetimeFigureOut">
               <a:rPr lang="en-GB" smtClean="0"/>
-              <a:t>21/07/2020</a:t>
+              <a:t>10/02/2021</a:t>
             </a:fld>
             <a:endParaRPr lang="en-GB"/>
           </a:p>
@@ -2007,7 +2010,7 @@
           <a:p>
             <a:fld id="{A2EF2885-F4E9-4389-AA0C-7ED12AFA1E23}" type="datetimeFigureOut">
               <a:rPr lang="en-GB" smtClean="0"/>
-              <a:t>21/07/2020</a:t>
+              <a:t>10/02/2021</a:t>
             </a:fld>
             <a:endParaRPr lang="en-GB"/>
           </a:p>
@@ -2120,7 +2123,7 @@
           <a:p>
             <a:fld id="{A2EF2885-F4E9-4389-AA0C-7ED12AFA1E23}" type="datetimeFigureOut">
               <a:rPr lang="en-GB" smtClean="0"/>
-              <a:t>21/07/2020</a:t>
+              <a:t>10/02/2021</a:t>
             </a:fld>
             <a:endParaRPr lang="en-GB"/>
           </a:p>
@@ -2433,7 +2436,7 @@
           <a:p>
             <a:fld id="{A2EF2885-F4E9-4389-AA0C-7ED12AFA1E23}" type="datetimeFigureOut">
               <a:rPr lang="en-GB" smtClean="0"/>
-              <a:t>21/07/2020</a:t>
+              <a:t>10/02/2021</a:t>
             </a:fld>
             <a:endParaRPr lang="en-GB"/>
           </a:p>
@@ -2722,7 +2725,7 @@
           <a:p>
             <a:fld id="{A2EF2885-F4E9-4389-AA0C-7ED12AFA1E23}" type="datetimeFigureOut">
               <a:rPr lang="en-GB" smtClean="0"/>
-              <a:t>21/07/2020</a:t>
+              <a:t>10/02/2021</a:t>
             </a:fld>
             <a:endParaRPr lang="en-GB"/>
           </a:p>
@@ -2965,7 +2968,7 @@
           <a:p>
             <a:fld id="{A2EF2885-F4E9-4389-AA0C-7ED12AFA1E23}" type="datetimeFigureOut">
               <a:rPr lang="en-GB" smtClean="0"/>
-              <a:t>21/07/2020</a:t>
+              <a:t>10/02/2021</a:t>
             </a:fld>
             <a:endParaRPr lang="en-GB"/>
           </a:p>
@@ -3479,7 +3482,7 @@
           <p:cNvPr id="2" name="Title 1">
             <a:extLst>
               <a:ext uri="{FF2B5EF4-FFF2-40B4-BE49-F238E27FC236}">
-                <a16:creationId xmlns:a16="http://schemas.microsoft.com/office/drawing/2014/main" id="{563F4915-072C-49E5-BC68-37554FCC403D}"/>
+                <a16:creationId xmlns:a16="http://schemas.microsoft.com/office/drawing/2014/main" id="{B5C28CC0-8017-4F02-A17C-9118D9FD0CE5}"/>
               </a:ext>
             </a:extLst>
           </p:cNvPr>
@@ -3497,7 +3500,7 @@
           <a:p>
             <a:r>
               <a:rPr lang="en-GB" dirty="0"/>
-              <a:t>Python =&gt; Windows integration</a:t>
+              <a:t>Anaconda the Python distribution</a:t>
             </a:r>
           </a:p>
         </p:txBody>
@@ -3507,7 +3510,7 @@
           <p:cNvPr id="3" name="Content Placeholder 2">
             <a:extLst>
               <a:ext uri="{FF2B5EF4-FFF2-40B4-BE49-F238E27FC236}">
-                <a16:creationId xmlns:a16="http://schemas.microsoft.com/office/drawing/2014/main" id="{6A009B37-B0DE-4C77-A427-16DB76379E35}"/>
+                <a16:creationId xmlns:a16="http://schemas.microsoft.com/office/drawing/2014/main" id="{D4FC3A48-DCBF-4DAF-93E8-D71211327139}"/>
               </a:ext>
             </a:extLst>
           </p:cNvPr>
@@ -3521,199 +3524,86 @@
         <p:spPr/>
         <p:txBody>
           <a:bodyPr>
-            <a:normAutofit fontScale="92500" lnSpcReduction="10000"/>
+            <a:normAutofit lnSpcReduction="10000"/>
           </a:bodyPr>
           <a:lstStyle/>
           <a:p>
             <a:r>
               <a:rPr lang="en-GB" dirty="0"/>
-              <a:t>The dual account is a real challenge for python &amp; library installs.</a:t>
-            </a:r>
-          </a:p>
-          <a:p>
-            <a:r>
-              <a:rPr lang="en-GB" dirty="0"/>
-              <a:t>There is a launcher included in python 3.3+ (but not Anaconda).</a:t>
+              <a:t>Anaconda is the most popular Data Science Python (and 'R') distribution</a:t>
+            </a:r>
+          </a:p>
+          <a:p>
+            <a:r>
+              <a:rPr lang="en-GB" dirty="0"/>
+              <a:t>Full Anaconda is rather bloated and </a:t>
+            </a:r>
+            <a:r>
+              <a:rPr lang="en-GB" dirty="0" err="1"/>
+              <a:t>Miniconda</a:t>
+            </a:r>
+            <a:r>
+              <a:rPr lang="en-GB" dirty="0"/>
+              <a:t> is much smaller.</a:t>
+            </a:r>
+          </a:p>
+          <a:p>
+            <a:r>
+              <a:rPr lang="en-GB" dirty="0"/>
+              <a:t>"</a:t>
+            </a:r>
+            <a:r>
+              <a:rPr lang="en-GB" dirty="0" err="1"/>
+              <a:t>Conda</a:t>
+            </a:r>
+            <a:r>
+              <a:rPr lang="en-GB" dirty="0"/>
+              <a:t>" is a distribution and package management system containing 1000+ popular modules for python</a:t>
+            </a:r>
+          </a:p>
+          <a:p>
+            <a:r>
+              <a:rPr lang="en-GB" dirty="0"/>
+              <a:t>Most notable packages are:</a:t>
             </a:r>
           </a:p>
           <a:p>
             <a:pPr lvl="1"/>
             <a:r>
               <a:rPr lang="en-GB" dirty="0"/>
-              <a:t>Type "</a:t>
-            </a:r>
+              <a:t>click (CLI interface)</a:t>
+            </a:r>
+          </a:p>
+          <a:p>
+            <a:pPr lvl="1"/>
+            <a:r>
+              <a:rPr lang="en-GB" dirty="0"/>
+              <a:t>pandas (data wrangling)</a:t>
+            </a:r>
+          </a:p>
+          <a:p>
+            <a:pPr lvl="1"/>
+            <a:r>
+              <a:rPr lang="en-GB" dirty="0"/>
+              <a:t>matplotlib + seaborn (charting - difficult to install with pip)</a:t>
+            </a:r>
+          </a:p>
+          <a:p>
+            <a:pPr lvl="1"/>
             <a:r>
               <a:rPr lang="en-GB" dirty="0" err="1"/>
-              <a:t>py</a:t>
-            </a:r>
-            <a:r>
-              <a:rPr lang="en-GB" dirty="0"/>
-              <a:t>" from command line to check if installed.</a:t>
+              <a:t>xlsxwriter</a:t>
+            </a:r>
+            <a:r>
+              <a:rPr lang="en-GB" dirty="0"/>
+              <a:t> (Excel file creation)</a:t>
             </a:r>
           </a:p>
           <a:p>
             <a:pPr lvl="1"/>
             <a:r>
-              <a:rPr lang="en-GB" dirty="0">
-                <a:hlinkClick r:id="rId2"/>
-              </a:rPr>
-              <a:t>https://bitbucket.org/vinay.sajip/pylauncher/downloads/</a:t>
-            </a:r>
-            <a:endParaRPr lang="en-GB" dirty="0"/>
-          </a:p>
-          <a:p>
-            <a:r>
-              <a:rPr lang="en-GB" dirty="0"/>
-              <a:t>Checking associations:</a:t>
-            </a:r>
-          </a:p>
-          <a:p>
-            <a:pPr marL="457200" lvl="1" indent="0">
-              <a:buNone/>
-            </a:pPr>
-            <a:r>
-              <a:rPr lang="en-GB" dirty="0">
-                <a:latin typeface="Courier New" panose="02070309020205020404" pitchFamily="49" charset="0"/>
-                <a:cs typeface="Courier New" panose="02070309020205020404" pitchFamily="49" charset="0"/>
-              </a:rPr>
-              <a:t>&gt; </a:t>
-            </a:r>
-            <a:r>
-              <a:rPr lang="en-GB" dirty="0" err="1">
-                <a:latin typeface="Courier New" panose="02070309020205020404" pitchFamily="49" charset="0"/>
-                <a:cs typeface="Courier New" panose="02070309020205020404" pitchFamily="49" charset="0"/>
-              </a:rPr>
-              <a:t>ftype</a:t>
-            </a:r>
-            <a:r>
-              <a:rPr lang="en-GB" dirty="0">
-                <a:latin typeface="Courier New" panose="02070309020205020404" pitchFamily="49" charset="0"/>
-                <a:cs typeface="Courier New" panose="02070309020205020404" pitchFamily="49" charset="0"/>
-              </a:rPr>
-              <a:t> | </a:t>
-            </a:r>
-            <a:r>
-              <a:rPr lang="en-GB" dirty="0" err="1">
-                <a:latin typeface="Courier New" panose="02070309020205020404" pitchFamily="49" charset="0"/>
-                <a:cs typeface="Courier New" panose="02070309020205020404" pitchFamily="49" charset="0"/>
-              </a:rPr>
-              <a:t>findstr</a:t>
-            </a:r>
-            <a:r>
-              <a:rPr lang="en-GB" dirty="0">
-                <a:latin typeface="Courier New" panose="02070309020205020404" pitchFamily="49" charset="0"/>
-                <a:cs typeface="Courier New" panose="02070309020205020404" pitchFamily="49" charset="0"/>
-              </a:rPr>
-              <a:t> -i python</a:t>
-            </a:r>
-          </a:p>
-          <a:p>
-            <a:pPr marL="457200" lvl="1" indent="0">
-              <a:buNone/>
-            </a:pPr>
-            <a:r>
-              <a:rPr lang="en-GB" dirty="0">
-                <a:latin typeface="Courier New" panose="02070309020205020404" pitchFamily="49" charset="0"/>
-                <a:cs typeface="Courier New" panose="02070309020205020404" pitchFamily="49" charset="0"/>
-              </a:rPr>
-              <a:t>&gt; </a:t>
-            </a:r>
-            <a:r>
-              <a:rPr lang="en-GB" dirty="0" err="1">
-                <a:latin typeface="Courier New" panose="02070309020205020404" pitchFamily="49" charset="0"/>
-                <a:cs typeface="Courier New" panose="02070309020205020404" pitchFamily="49" charset="0"/>
-              </a:rPr>
-              <a:t>assoc</a:t>
-            </a:r>
-            <a:r>
-              <a:rPr lang="en-GB" dirty="0">
-                <a:latin typeface="Courier New" panose="02070309020205020404" pitchFamily="49" charset="0"/>
-                <a:cs typeface="Courier New" panose="02070309020205020404" pitchFamily="49" charset="0"/>
-              </a:rPr>
-              <a:t> | </a:t>
-            </a:r>
-            <a:r>
-              <a:rPr lang="en-GB" dirty="0" err="1">
-                <a:latin typeface="Courier New" panose="02070309020205020404" pitchFamily="49" charset="0"/>
-                <a:cs typeface="Courier New" panose="02070309020205020404" pitchFamily="49" charset="0"/>
-              </a:rPr>
-              <a:t>findstr</a:t>
-            </a:r>
-            <a:r>
-              <a:rPr lang="en-GB" dirty="0">
-                <a:latin typeface="Courier New" panose="02070309020205020404" pitchFamily="49" charset="0"/>
-                <a:cs typeface="Courier New" panose="02070309020205020404" pitchFamily="49" charset="0"/>
-              </a:rPr>
-              <a:t> -i python</a:t>
-            </a:r>
-            <a:endParaRPr lang="en-GB" dirty="0"/>
-          </a:p>
-          <a:p>
-            <a:r>
-              <a:rPr lang="en-GB" dirty="0"/>
-              <a:t>Setting file type (as admin):</a:t>
-            </a:r>
-          </a:p>
-          <a:p>
-            <a:pPr marL="457200" lvl="1" indent="0">
-              <a:buNone/>
-            </a:pPr>
-            <a:r>
-              <a:rPr lang="en-GB" dirty="0">
-                <a:latin typeface="Courier New" panose="02070309020205020404" pitchFamily="49" charset="0"/>
-                <a:cs typeface="Courier New" panose="02070309020205020404" pitchFamily="49" charset="0"/>
-              </a:rPr>
-              <a:t>&gt; </a:t>
-            </a:r>
-            <a:r>
-              <a:rPr lang="en-GB" dirty="0" err="1">
-                <a:latin typeface="Courier New" panose="02070309020205020404" pitchFamily="49" charset="0"/>
-                <a:cs typeface="Courier New" panose="02070309020205020404" pitchFamily="49" charset="0"/>
-              </a:rPr>
-              <a:t>ftype</a:t>
-            </a:r>
-            <a:r>
-              <a:rPr lang="en-GB" dirty="0">
-                <a:latin typeface="Courier New" panose="02070309020205020404" pitchFamily="49" charset="0"/>
-                <a:cs typeface="Courier New" panose="02070309020205020404" pitchFamily="49" charset="0"/>
-              </a:rPr>
-              <a:t> </a:t>
-            </a:r>
-            <a:r>
-              <a:rPr lang="en-GB" dirty="0" err="1">
-                <a:latin typeface="Courier New" panose="02070309020205020404" pitchFamily="49" charset="0"/>
-                <a:cs typeface="Courier New" panose="02070309020205020404" pitchFamily="49" charset="0"/>
-              </a:rPr>
-              <a:t>Python.File</a:t>
-            </a:r>
-            <a:r>
-              <a:rPr lang="en-GB" dirty="0">
-                <a:latin typeface="Courier New" panose="02070309020205020404" pitchFamily="49" charset="0"/>
-                <a:cs typeface="Courier New" panose="02070309020205020404" pitchFamily="49" charset="0"/>
-              </a:rPr>
-              <a:t>="C:\Anaconda\python.exe" "%1" %*</a:t>
-            </a:r>
-          </a:p>
-          <a:p>
-            <a:r>
-              <a:rPr lang="en-GB" dirty="0"/>
-              <a:t>Right click a ".</a:t>
-            </a:r>
-            <a:r>
-              <a:rPr lang="en-GB" dirty="0" err="1"/>
-              <a:t>py</a:t>
-            </a:r>
-            <a:r>
-              <a:rPr lang="en-GB" dirty="0"/>
-              <a:t>" file and choose program as default to associate with the correct python.exe (in </a:t>
-            </a:r>
-            <a:r>
-              <a:rPr lang="en-GB" dirty="0" err="1"/>
-              <a:t>miniconda</a:t>
-            </a:r>
-            <a:r>
-              <a:rPr lang="en-GB" dirty="0"/>
-              <a:t>).</a:t>
+              <a:rPr lang="en-GB" dirty="0"/>
+              <a:t>flask (lightweight web framework)</a:t>
             </a:r>
           </a:p>
         </p:txBody>
@@ -3721,7 +3611,7 @@
     </p:spTree>
     <p:extLst>
       <p:ext uri="{BB962C8B-B14F-4D97-AF65-F5344CB8AC3E}">
-        <p14:creationId xmlns:p14="http://schemas.microsoft.com/office/powerpoint/2010/main" val="156137289"/>
+        <p14:creationId xmlns:p14="http://schemas.microsoft.com/office/powerpoint/2010/main" val="2238632758"/>
       </p:ext>
     </p:extLst>
   </p:cSld>
@@ -3753,7 +3643,7 @@
           <p:cNvPr id="2" name="Title 1">
             <a:extLst>
               <a:ext uri="{FF2B5EF4-FFF2-40B4-BE49-F238E27FC236}">
-                <a16:creationId xmlns:a16="http://schemas.microsoft.com/office/drawing/2014/main" id="{0F0333DE-9865-468F-8AA2-CCC33ACDD6EE}"/>
+                <a16:creationId xmlns:a16="http://schemas.microsoft.com/office/drawing/2014/main" id="{BD68B5CD-6AF7-4618-8CFE-9D49F59674F2}"/>
               </a:ext>
             </a:extLst>
           </p:cNvPr>
@@ -3771,7 +3661,7 @@
           <a:p>
             <a:r>
               <a:rPr lang="en-GB" dirty="0"/>
-              <a:t>Setting default Anaconda environment</a:t>
+              <a:t>Anaconda setup</a:t>
             </a:r>
           </a:p>
         </p:txBody>
@@ -3781,7 +3671,7 @@
           <p:cNvPr id="3" name="Content Placeholder 2">
             <a:extLst>
               <a:ext uri="{FF2B5EF4-FFF2-40B4-BE49-F238E27FC236}">
-                <a16:creationId xmlns:a16="http://schemas.microsoft.com/office/drawing/2014/main" id="{0A35A75D-FC01-47FF-A9AB-FBE1D6275022}"/>
+                <a16:creationId xmlns:a16="http://schemas.microsoft.com/office/drawing/2014/main" id="{C0594232-3BA9-4211-B55D-64B68A86DAEF}"/>
               </a:ext>
             </a:extLst>
           </p:cNvPr>
@@ -3794,122 +3684,268 @@
         </p:nvSpPr>
         <p:spPr/>
         <p:txBody>
-          <a:bodyPr/>
-          <a:lstStyle/>
-          <a:p>
-            <a:r>
-              <a:rPr lang="en-GB" dirty="0"/>
-              <a:t>Create your own launch script, e.g. condaenv.bat:</a:t>
-            </a:r>
-          </a:p>
-          <a:p>
-            <a:pPr marL="914400" lvl="2" indent="0">
+          <a:bodyPr>
+            <a:normAutofit fontScale="92500" lnSpcReduction="20000"/>
+          </a:bodyPr>
+          <a:lstStyle/>
+          <a:p>
+            <a:r>
+              <a:rPr lang="en-GB" dirty="0"/>
+              <a:t>Initializing shells:</a:t>
+            </a:r>
+          </a:p>
+          <a:p>
+            <a:pPr marL="457200" lvl="1" indent="0">
               <a:buNone/>
             </a:pPr>
             <a:r>
-              <a:rPr lang="en-GB" dirty="0">
-                <a:latin typeface="Courier New" panose="02070309020205020404" pitchFamily="49" charset="0"/>
-                <a:cs typeface="Courier New" panose="02070309020205020404" pitchFamily="49" charset="0"/>
-              </a:rPr>
-              <a:t>@call "C:\Miniconda3\condabin\conda_hook.bat</a:t>
-            </a:r>
-          </a:p>
-          <a:p>
-            <a:pPr marL="914400" lvl="2" indent="0">
+              <a:rPr lang="en-GB" dirty="0"/>
+              <a:t>&gt; [path to anaconda]\</a:t>
+            </a:r>
+            <a:r>
+              <a:rPr lang="en-GB" dirty="0" err="1"/>
+              <a:t>condabin</a:t>
+            </a:r>
+            <a:r>
+              <a:rPr lang="en-GB" dirty="0"/>
+              <a:t>\</a:t>
+            </a:r>
+            <a:r>
+              <a:rPr lang="en-GB" dirty="0" err="1"/>
+              <a:t>conda</a:t>
+            </a:r>
+            <a:r>
+              <a:rPr lang="en-GB" dirty="0"/>
+              <a:t> </a:t>
+            </a:r>
+            <a:r>
+              <a:rPr lang="en-GB" dirty="0" err="1"/>
+              <a:t>init</a:t>
+            </a:r>
+            <a:r>
+              <a:rPr lang="en-GB" dirty="0"/>
+              <a:t> --all</a:t>
+            </a:r>
+          </a:p>
+          <a:p>
+            <a:pPr marL="457200" lvl="1" indent="0">
               <a:buNone/>
             </a:pPr>
             <a:r>
-              <a:rPr lang="en-GB" dirty="0">
-                <a:latin typeface="Courier New" panose="02070309020205020404" pitchFamily="49" charset="0"/>
-                <a:cs typeface="Courier New" panose="02070309020205020404" pitchFamily="49" charset="0"/>
-              </a:rPr>
-              <a:t>@conda activate</a:t>
-            </a:r>
-          </a:p>
-          <a:p>
-            <a:r>
-              <a:rPr lang="en-GB" dirty="0"/>
-              <a:t>Setup the </a:t>
-            </a:r>
-            <a:r>
-              <a:rPr lang="en-GB" dirty="0" err="1"/>
-              <a:t>cmd</a:t>
-            </a:r>
-            <a:r>
-              <a:rPr lang="en-GB" dirty="0"/>
-              <a:t> registry to autorun your batch file:</a:t>
-            </a:r>
-          </a:p>
-          <a:p>
-            <a:pPr marL="914400" lvl="2" indent="0">
+              <a:rPr lang="en-GB" i="1" dirty="0"/>
+              <a:t>(Note that uninstall does not clean this up)</a:t>
+            </a:r>
+          </a:p>
+          <a:p>
+            <a:r>
+              <a:rPr lang="en-GB" dirty="0"/>
+              <a:t>Activating an environment:</a:t>
+            </a:r>
+          </a:p>
+          <a:p>
+            <a:pPr marL="457200" lvl="1" indent="0">
               <a:buNone/>
             </a:pPr>
             <a:r>
-              <a:rPr lang="en-GB" dirty="0">
-                <a:latin typeface="Courier New" panose="02070309020205020404" pitchFamily="49" charset="0"/>
-                <a:cs typeface="Courier New" panose="02070309020205020404" pitchFamily="49" charset="0"/>
-              </a:rPr>
-              <a:t>[HKEY_CURRENT_USER\Software\Microsoft\Command</a:t>
-            </a:r>
-          </a:p>
-          <a:p>
-            <a:pPr marL="914400" lvl="2" indent="0">
+              <a:rPr lang="en-GB" sz="2000" dirty="0">
+                <a:latin typeface="Courier New" panose="02070309020205020404" pitchFamily="49" charset="0"/>
+                <a:cs typeface="Courier New" panose="02070309020205020404" pitchFamily="49" charset="0"/>
+              </a:rPr>
+              <a:t>&gt; </a:t>
+            </a:r>
+            <a:r>
+              <a:rPr lang="en-GB" sz="2000" dirty="0" err="1">
+                <a:highlight>
+                  <a:srgbClr val="FFFF00"/>
+                </a:highlight>
+                <a:latin typeface="Courier New" panose="02070309020205020404" pitchFamily="49" charset="0"/>
+                <a:cs typeface="Courier New" panose="02070309020205020404" pitchFamily="49" charset="0"/>
+              </a:rPr>
+              <a:t>conda</a:t>
+            </a:r>
+            <a:r>
+              <a:rPr lang="en-GB" sz="2000" dirty="0">
+                <a:highlight>
+                  <a:srgbClr val="FFFF00"/>
+                </a:highlight>
+                <a:latin typeface="Courier New" panose="02070309020205020404" pitchFamily="49" charset="0"/>
+                <a:cs typeface="Courier New" panose="02070309020205020404" pitchFamily="49" charset="0"/>
+              </a:rPr>
+              <a:t> activate </a:t>
+            </a:r>
+            <a:r>
+              <a:rPr lang="en-GB" sz="2000" dirty="0">
+                <a:latin typeface="Courier New" panose="02070309020205020404" pitchFamily="49" charset="0"/>
+                <a:cs typeface="Courier New" panose="02070309020205020404" pitchFamily="49" charset="0"/>
+              </a:rPr>
+              <a:t>[env]</a:t>
+            </a:r>
+          </a:p>
+          <a:p>
+            <a:r>
+              <a:rPr lang="en-GB" dirty="0"/>
+              <a:t>To upgrade run the "Anaconda Prompt" and type:</a:t>
+            </a:r>
+          </a:p>
+          <a:p>
+            <a:pPr marL="457200" lvl="1" indent="0">
               <a:buNone/>
             </a:pPr>
             <a:r>
-              <a:rPr lang="en-GB" dirty="0" err="1">
-                <a:latin typeface="Courier New" panose="02070309020205020404" pitchFamily="49" charset="0"/>
-                <a:cs typeface="Courier New" panose="02070309020205020404" pitchFamily="49" charset="0"/>
-              </a:rPr>
-              <a:t>AutoRun</a:t>
-            </a:r>
-            <a:r>
-              <a:rPr lang="en-GB" dirty="0">
-                <a:latin typeface="Courier New" panose="02070309020205020404" pitchFamily="49" charset="0"/>
-                <a:cs typeface="Courier New" panose="02070309020205020404" pitchFamily="49" charset="0"/>
-              </a:rPr>
-              <a:t> = "&lt;path to your bat file&gt;"</a:t>
-            </a:r>
+              <a:rPr lang="en-GB" sz="2000" dirty="0">
+                <a:latin typeface="Courier New" panose="02070309020205020404" pitchFamily="49" charset="0"/>
+                <a:cs typeface="Courier New" panose="02070309020205020404" pitchFamily="49" charset="0"/>
+              </a:rPr>
+              <a:t>&gt; </a:t>
+            </a:r>
+            <a:r>
+              <a:rPr lang="en-GB" sz="2000" dirty="0" err="1">
+                <a:latin typeface="Courier New" panose="02070309020205020404" pitchFamily="49" charset="0"/>
+                <a:cs typeface="Courier New" panose="02070309020205020404" pitchFamily="49" charset="0"/>
+              </a:rPr>
+              <a:t>conda</a:t>
+            </a:r>
+            <a:r>
+              <a:rPr lang="en-GB" sz="2000" dirty="0">
+                <a:latin typeface="Courier New" panose="02070309020205020404" pitchFamily="49" charset="0"/>
+                <a:cs typeface="Courier New" panose="02070309020205020404" pitchFamily="49" charset="0"/>
+              </a:rPr>
+              <a:t> update </a:t>
+            </a:r>
+            <a:r>
+              <a:rPr lang="en-GB" sz="2000" dirty="0" err="1">
+                <a:latin typeface="Courier New" panose="02070309020205020404" pitchFamily="49" charset="0"/>
+                <a:cs typeface="Courier New" panose="02070309020205020404" pitchFamily="49" charset="0"/>
+              </a:rPr>
+              <a:t>conda</a:t>
+            </a:r>
+            <a:endParaRPr lang="en-GB" sz="2000" dirty="0">
+              <a:latin typeface="Courier New" panose="02070309020205020404" pitchFamily="49" charset="0"/>
+              <a:cs typeface="Courier New" panose="02070309020205020404" pitchFamily="49" charset="0"/>
+            </a:endParaRPr>
+          </a:p>
+          <a:p>
+            <a:pPr marL="457200" lvl="1" indent="0">
+              <a:buNone/>
+            </a:pPr>
+            <a:r>
+              <a:rPr lang="en-GB" sz="2000" dirty="0">
+                <a:latin typeface="Courier New" panose="02070309020205020404" pitchFamily="49" charset="0"/>
+                <a:cs typeface="Courier New" panose="02070309020205020404" pitchFamily="49" charset="0"/>
+              </a:rPr>
+              <a:t>&gt; </a:t>
+            </a:r>
+            <a:r>
+              <a:rPr lang="en-GB" sz="2000" dirty="0" err="1">
+                <a:latin typeface="Courier New" panose="02070309020205020404" pitchFamily="49" charset="0"/>
+                <a:cs typeface="Courier New" panose="02070309020205020404" pitchFamily="49" charset="0"/>
+              </a:rPr>
+              <a:t>conda</a:t>
+            </a:r>
+            <a:r>
+              <a:rPr lang="en-GB" sz="2000" dirty="0">
+                <a:latin typeface="Courier New" panose="02070309020205020404" pitchFamily="49" charset="0"/>
+                <a:cs typeface="Courier New" panose="02070309020205020404" pitchFamily="49" charset="0"/>
+              </a:rPr>
+              <a:t> update anaconda</a:t>
+            </a:r>
+          </a:p>
+          <a:p>
+            <a:r>
+              <a:rPr lang="en-GB" dirty="0"/>
+              <a:t>Clean up old Anaconda packages from prompt using::</a:t>
+            </a:r>
+          </a:p>
+          <a:p>
+            <a:pPr marL="457200" lvl="1" indent="0">
+              <a:buNone/>
+            </a:pPr>
+            <a:r>
+              <a:rPr lang="en-GB" sz="2000" dirty="0">
+                <a:latin typeface="Courier New" panose="02070309020205020404" pitchFamily="49" charset="0"/>
+                <a:cs typeface="Courier New" panose="02070309020205020404" pitchFamily="49" charset="0"/>
+              </a:rPr>
+              <a:t>&gt; </a:t>
+            </a:r>
+            <a:r>
+              <a:rPr lang="en-GB" sz="2000" dirty="0" err="1">
+                <a:latin typeface="Courier New" panose="02070309020205020404" pitchFamily="49" charset="0"/>
+                <a:cs typeface="Courier New" panose="02070309020205020404" pitchFamily="49" charset="0"/>
+              </a:rPr>
+              <a:t>conda</a:t>
+            </a:r>
+            <a:r>
+              <a:rPr lang="en-GB" sz="2000" dirty="0">
+                <a:latin typeface="Courier New" panose="02070309020205020404" pitchFamily="49" charset="0"/>
+                <a:cs typeface="Courier New" panose="02070309020205020404" pitchFamily="49" charset="0"/>
+              </a:rPr>
+              <a:t> clean -a --dry-run</a:t>
+            </a:r>
+          </a:p>
+          <a:p>
+            <a:pPr marL="457200" lvl="1" indent="0">
+              <a:buNone/>
+            </a:pPr>
+            <a:r>
+              <a:rPr lang="en-GB" sz="2000" dirty="0">
+                <a:latin typeface="Courier New" panose="02070309020205020404" pitchFamily="49" charset="0"/>
+                <a:cs typeface="Courier New" panose="02070309020205020404" pitchFamily="49" charset="0"/>
+              </a:rPr>
+              <a:t>&gt; </a:t>
+            </a:r>
+            <a:r>
+              <a:rPr lang="en-GB" sz="2000" dirty="0" err="1">
+                <a:latin typeface="Courier New" panose="02070309020205020404" pitchFamily="49" charset="0"/>
+                <a:cs typeface="Courier New" panose="02070309020205020404" pitchFamily="49" charset="0"/>
+              </a:rPr>
+              <a:t>conda</a:t>
+            </a:r>
+            <a:r>
+              <a:rPr lang="en-GB" sz="2000" dirty="0">
+                <a:latin typeface="Courier New" panose="02070309020205020404" pitchFamily="49" charset="0"/>
+                <a:cs typeface="Courier New" panose="02070309020205020404" pitchFamily="49" charset="0"/>
+              </a:rPr>
+              <a:t> clean -a -y</a:t>
+            </a:r>
+          </a:p>
+          <a:p>
+            <a:r>
+              <a:rPr lang="en-GB" dirty="0"/>
+              <a:t>Rebuild Anaconda Start menu::</a:t>
+            </a:r>
+          </a:p>
+          <a:p>
+            <a:pPr marL="457200" lvl="1" indent="0">
+              <a:buNone/>
+            </a:pPr>
+            <a:r>
+              <a:rPr lang="en-GB" sz="2100" dirty="0">
+                <a:latin typeface="Courier New" panose="02070309020205020404" pitchFamily="49" charset="0"/>
+                <a:cs typeface="Courier New" panose="02070309020205020404" pitchFamily="49" charset="0"/>
+              </a:rPr>
+              <a:t>&gt; "C:\Anaconda3\pythonw.exe" "C:\Anaconda3\Lib\_nsis.py" </a:t>
+            </a:r>
+            <a:r>
+              <a:rPr lang="en-GB" sz="2100" dirty="0" err="1">
+                <a:latin typeface="Courier New" panose="02070309020205020404" pitchFamily="49" charset="0"/>
+                <a:cs typeface="Courier New" panose="02070309020205020404" pitchFamily="49" charset="0"/>
+              </a:rPr>
+              <a:t>mkmenus</a:t>
+            </a:r>
+            <a:endParaRPr lang="en-GB" sz="2100" dirty="0">
+              <a:latin typeface="Courier New" panose="02070309020205020404" pitchFamily="49" charset="0"/>
+              <a:cs typeface="Courier New" panose="02070309020205020404" pitchFamily="49" charset="0"/>
+            </a:endParaRPr>
           </a:p>
           <a:p>
             <a:endParaRPr lang="en-GB" dirty="0"/>
           </a:p>
         </p:txBody>
       </p:sp>
-      <p:pic>
-        <p:nvPicPr>
-          <p:cNvPr id="4" name="Picture 3">
-            <a:extLst>
-              <a:ext uri="{FF2B5EF4-FFF2-40B4-BE49-F238E27FC236}">
-                <a16:creationId xmlns:a16="http://schemas.microsoft.com/office/drawing/2014/main" id="{D1054EC0-1706-4321-B9DC-F3B6A57B7110}"/>
-              </a:ext>
-            </a:extLst>
-          </p:cNvPr>
-          <p:cNvPicPr>
-            <a:picLocks noChangeAspect="1"/>
-          </p:cNvPicPr>
-          <p:nvPr/>
-        </p:nvPicPr>
-        <p:blipFill>
-          <a:blip r:embed="rId2"/>
-          <a:stretch>
-            <a:fillRect/>
-          </a:stretch>
-        </p:blipFill>
-        <p:spPr>
-          <a:xfrm>
-            <a:off x="4398550" y="4225634"/>
-            <a:ext cx="7106642" cy="2086266"/>
-          </a:xfrm>
-          <a:prstGeom prst="rect">
-            <a:avLst/>
-          </a:prstGeom>
-        </p:spPr>
-      </p:pic>
     </p:spTree>
     <p:extLst>
       <p:ext uri="{BB962C8B-B14F-4D97-AF65-F5344CB8AC3E}">
-        <p14:creationId xmlns:p14="http://schemas.microsoft.com/office/powerpoint/2010/main" val="1718620227"/>
+        <p14:creationId xmlns:p14="http://schemas.microsoft.com/office/powerpoint/2010/main" val="634923055"/>
       </p:ext>
     </p:extLst>
   </p:cSld>
@@ -3941,7 +3977,7 @@
           <p:cNvPr id="2" name="Title 1">
             <a:extLst>
               <a:ext uri="{FF2B5EF4-FFF2-40B4-BE49-F238E27FC236}">
-                <a16:creationId xmlns:a16="http://schemas.microsoft.com/office/drawing/2014/main" id="{5DD392FC-1830-417C-BC32-FA64EB5C16FE}"/>
+                <a16:creationId xmlns:a16="http://schemas.microsoft.com/office/drawing/2014/main" id="{563F4915-072C-49E5-BC68-37554FCC403D}"/>
               </a:ext>
             </a:extLst>
           </p:cNvPr>
@@ -3959,7 +3995,7 @@
           <a:p>
             <a:r>
               <a:rPr lang="en-GB" dirty="0"/>
-              <a:t>First steps into the REPL</a:t>
+              <a:t>Python =&gt; Windows integration</a:t>
             </a:r>
           </a:p>
         </p:txBody>
@@ -3969,7 +4005,7 @@
           <p:cNvPr id="3" name="Content Placeholder 2">
             <a:extLst>
               <a:ext uri="{FF2B5EF4-FFF2-40B4-BE49-F238E27FC236}">
-                <a16:creationId xmlns:a16="http://schemas.microsoft.com/office/drawing/2014/main" id="{185188A8-B3C5-45CF-9035-58C1D2B94928}"/>
+                <a16:creationId xmlns:a16="http://schemas.microsoft.com/office/drawing/2014/main" id="{6A009B37-B0DE-4C77-A427-16DB76379E35}"/>
               </a:ext>
             </a:extLst>
           </p:cNvPr>
@@ -3980,16 +4016,76 @@
             <p:ph idx="1"/>
           </p:nvPr>
         </p:nvSpPr>
-        <p:spPr/>
+        <p:spPr>
+          <a:xfrm>
+            <a:off x="838200" y="1466850"/>
+            <a:ext cx="10515600" cy="4862513"/>
+          </a:xfrm>
+        </p:spPr>
         <p:txBody>
           <a:bodyPr>
-            <a:normAutofit fontScale="62500" lnSpcReduction="20000"/>
+            <a:normAutofit fontScale="70000" lnSpcReduction="20000"/>
           </a:bodyPr>
           <a:lstStyle/>
           <a:p>
             <a:r>
               <a:rPr lang="en-GB" dirty="0"/>
-              <a:t>From a command prompt type:</a:t>
+              <a:t>The dual account is a real challenge for python &amp; library installs.</a:t>
+            </a:r>
+          </a:p>
+          <a:p>
+            <a:pPr lvl="1"/>
+            <a:r>
+              <a:rPr lang="en-GB" dirty="0"/>
+              <a:t>You may need to check the settings below in both normal accounts and your &lt;name&gt;x account.</a:t>
+            </a:r>
+          </a:p>
+          <a:p>
+            <a:r>
+              <a:rPr lang="en-GB" dirty="0"/>
+              <a:t>There is a launcher included in python 3.3+ (but not Anaconda).</a:t>
+            </a:r>
+          </a:p>
+          <a:p>
+            <a:pPr lvl="1"/>
+            <a:r>
+              <a:rPr lang="en-GB" dirty="0"/>
+              <a:t>Type "</a:t>
+            </a:r>
+            <a:r>
+              <a:rPr lang="en-GB" dirty="0" err="1"/>
+              <a:t>py</a:t>
+            </a:r>
+            <a:r>
+              <a:rPr lang="en-GB" dirty="0"/>
+              <a:t>" from command line to check if installed.</a:t>
+            </a:r>
+          </a:p>
+          <a:p>
+            <a:pPr lvl="1"/>
+            <a:r>
+              <a:rPr lang="en-GB" dirty="0"/>
+              <a:t>Get from </a:t>
+            </a:r>
+            <a:r>
+              <a:rPr lang="en-GB" dirty="0">
+                <a:hlinkClick r:id="rId2"/>
+              </a:rPr>
+              <a:t>https://bitbucket.org/vinay.sajip/pylauncher/downloads/</a:t>
+            </a:r>
+            <a:endParaRPr lang="en-GB" dirty="0"/>
+          </a:p>
+          <a:p>
+            <a:pPr lvl="1"/>
+            <a:r>
+              <a:rPr lang="en-GB" dirty="0"/>
+              <a:t>Try setting PYLAUNCH_DEBUG=1 in the environment to debug launcher issues.</a:t>
+            </a:r>
+          </a:p>
+          <a:p>
+            <a:r>
+              <a:rPr lang="en-GB" dirty="0"/>
+              <a:t>Checking associations:</a:t>
             </a:r>
           </a:p>
           <a:p>
@@ -3997,32 +4093,112 @@
               <a:buNone/>
             </a:pPr>
             <a:r>
-              <a:rPr lang="en-GB" sz="3000" dirty="0">
-                <a:latin typeface="Courier New" panose="02070309020205020404" pitchFamily="49" charset="0"/>
-                <a:cs typeface="Courier New" panose="02070309020205020404" pitchFamily="49" charset="0"/>
-              </a:rPr>
-              <a:t>&gt; python</a:t>
-            </a:r>
-          </a:p>
-          <a:p>
-            <a:r>
-              <a:rPr lang="en-GB" dirty="0"/>
-              <a:t>Once you have a python prompt, try these commands:</a:t>
-            </a:r>
-          </a:p>
-          <a:p>
+              <a:rPr lang="en-GB" dirty="0">
+                <a:latin typeface="Courier New" panose="02070309020205020404" pitchFamily="49" charset="0"/>
+                <a:cs typeface="Courier New" panose="02070309020205020404" pitchFamily="49" charset="0"/>
+              </a:rPr>
+              <a:t>&gt; </a:t>
+            </a:r>
+            <a:r>
+              <a:rPr lang="en-GB" dirty="0" err="1">
+                <a:latin typeface="Courier New" panose="02070309020205020404" pitchFamily="49" charset="0"/>
+                <a:cs typeface="Courier New" panose="02070309020205020404" pitchFamily="49" charset="0"/>
+              </a:rPr>
+              <a:t>ftype</a:t>
+            </a:r>
+            <a:r>
+              <a:rPr lang="en-GB" dirty="0">
+                <a:latin typeface="Courier New" panose="02070309020205020404" pitchFamily="49" charset="0"/>
+                <a:cs typeface="Courier New" panose="02070309020205020404" pitchFamily="49" charset="0"/>
+              </a:rPr>
+              <a:t> | </a:t>
+            </a:r>
+            <a:r>
+              <a:rPr lang="en-GB" dirty="0" err="1">
+                <a:latin typeface="Courier New" panose="02070309020205020404" pitchFamily="49" charset="0"/>
+                <a:cs typeface="Courier New" panose="02070309020205020404" pitchFamily="49" charset="0"/>
+              </a:rPr>
+              <a:t>findstr</a:t>
+            </a:r>
+            <a:r>
+              <a:rPr lang="en-GB" dirty="0">
+                <a:latin typeface="Courier New" panose="02070309020205020404" pitchFamily="49" charset="0"/>
+                <a:cs typeface="Courier New" panose="02070309020205020404" pitchFamily="49" charset="0"/>
+              </a:rPr>
+              <a:t> -i python</a:t>
+            </a:r>
+          </a:p>
+          <a:p>
+            <a:pPr marL="457200" lvl="1" indent="0">
+              <a:buNone/>
+            </a:pPr>
+            <a:r>
+              <a:rPr lang="en-GB" dirty="0">
+                <a:latin typeface="Courier New" panose="02070309020205020404" pitchFamily="49" charset="0"/>
+                <a:cs typeface="Courier New" panose="02070309020205020404" pitchFamily="49" charset="0"/>
+              </a:rPr>
+              <a:t>&gt; </a:t>
+            </a:r>
+            <a:r>
+              <a:rPr lang="en-GB" dirty="0" err="1">
+                <a:latin typeface="Courier New" panose="02070309020205020404" pitchFamily="49" charset="0"/>
+                <a:cs typeface="Courier New" panose="02070309020205020404" pitchFamily="49" charset="0"/>
+              </a:rPr>
+              <a:t>assoc</a:t>
+            </a:r>
+            <a:r>
+              <a:rPr lang="en-GB" dirty="0">
+                <a:latin typeface="Courier New" panose="02070309020205020404" pitchFamily="49" charset="0"/>
+                <a:cs typeface="Courier New" panose="02070309020205020404" pitchFamily="49" charset="0"/>
+              </a:rPr>
+              <a:t> | </a:t>
+            </a:r>
+            <a:r>
+              <a:rPr lang="en-GB" dirty="0" err="1">
+                <a:latin typeface="Courier New" panose="02070309020205020404" pitchFamily="49" charset="0"/>
+                <a:cs typeface="Courier New" panose="02070309020205020404" pitchFamily="49" charset="0"/>
+              </a:rPr>
+              <a:t>findstr</a:t>
+            </a:r>
+            <a:r>
+              <a:rPr lang="en-GB" dirty="0">
+                <a:latin typeface="Courier New" panose="02070309020205020404" pitchFamily="49" charset="0"/>
+                <a:cs typeface="Courier New" panose="02070309020205020404" pitchFamily="49" charset="0"/>
+              </a:rPr>
+              <a:t> -i python</a:t>
+            </a:r>
             <a:endParaRPr lang="en-GB" dirty="0"/>
           </a:p>
           <a:p>
+            <a:r>
+              <a:rPr lang="en-GB" dirty="0"/>
+              <a:t>Setting file type (as admin):</a:t>
+            </a:r>
+          </a:p>
+          <a:p>
             <a:pPr marL="457200" lvl="1" indent="0">
               <a:buNone/>
             </a:pPr>
             <a:r>
-              <a:rPr lang="en-GB" sz="3100" dirty="0">
-                <a:latin typeface="Courier New" panose="02070309020205020404" pitchFamily="49" charset="0"/>
-                <a:cs typeface="Courier New" panose="02070309020205020404" pitchFamily="49" charset="0"/>
-              </a:rPr>
-              <a:t>1+2*3</a:t>
+              <a:rPr lang="en-GB" dirty="0">
+                <a:latin typeface="Courier New" panose="02070309020205020404" pitchFamily="49" charset="0"/>
+                <a:cs typeface="Courier New" panose="02070309020205020404" pitchFamily="49" charset="0"/>
+              </a:rPr>
+              <a:t>&gt; </a:t>
+            </a:r>
+            <a:r>
+              <a:rPr lang="en-GB" dirty="0" err="1">
+                <a:latin typeface="Courier New" panose="02070309020205020404" pitchFamily="49" charset="0"/>
+                <a:cs typeface="Courier New" panose="02070309020205020404" pitchFamily="49" charset="0"/>
+              </a:rPr>
+              <a:t>ftype</a:t>
+            </a:r>
+            <a:r>
+              <a:rPr lang="en-GB" dirty="0">
+                <a:latin typeface="Courier New" panose="02070309020205020404" pitchFamily="49" charset="0"/>
+                <a:cs typeface="Courier New" panose="02070309020205020404" pitchFamily="49" charset="0"/>
+              </a:rPr>
+              <a:t> &lt;specification&gt; as per example:</a:t>
             </a:r>
           </a:p>
           <a:p>
@@ -4030,11 +4206,18 @@
               <a:buNone/>
             </a:pPr>
             <a:r>
-              <a:rPr lang="en-GB" sz="3100" dirty="0">
-                <a:latin typeface="Courier New" panose="02070309020205020404" pitchFamily="49" charset="0"/>
-                <a:cs typeface="Courier New" panose="02070309020205020404" pitchFamily="49" charset="0"/>
-              </a:rPr>
-              <a:t>print 'Hello World!'  # This would work under python2</a:t>
+              <a:rPr lang="en-GB" dirty="0" err="1">
+                <a:latin typeface="Courier New" panose="02070309020205020404" pitchFamily="49" charset="0"/>
+                <a:cs typeface="Courier New" panose="02070309020205020404" pitchFamily="49" charset="0"/>
+              </a:rPr>
+              <a:t>Python.ArchiveFile</a:t>
+            </a:r>
+            <a:r>
+              <a:rPr lang="en-GB" dirty="0">
+                <a:latin typeface="Courier New" panose="02070309020205020404" pitchFamily="49" charset="0"/>
+                <a:cs typeface="Courier New" panose="02070309020205020404" pitchFamily="49" charset="0"/>
+              </a:rPr>
+              <a:t>="C:\WINDOWS\py.exe" "%L" %*</a:t>
             </a:r>
           </a:p>
           <a:p>
@@ -4042,11 +4225,18 @@
               <a:buNone/>
             </a:pPr>
             <a:r>
-              <a:rPr lang="en-GB" sz="3100" dirty="0">
-                <a:latin typeface="Courier New" panose="02070309020205020404" pitchFamily="49" charset="0"/>
-                <a:cs typeface="Courier New" panose="02070309020205020404" pitchFamily="49" charset="0"/>
-              </a:rPr>
-              <a:t>print('Hello World!')</a:t>
+              <a:rPr lang="en-GB" dirty="0" err="1">
+                <a:latin typeface="Courier New" panose="02070309020205020404" pitchFamily="49" charset="0"/>
+                <a:cs typeface="Courier New" panose="02070309020205020404" pitchFamily="49" charset="0"/>
+              </a:rPr>
+              <a:t>Python.CompiledFile</a:t>
+            </a:r>
+            <a:r>
+              <a:rPr lang="en-GB" dirty="0">
+                <a:latin typeface="Courier New" panose="02070309020205020404" pitchFamily="49" charset="0"/>
+                <a:cs typeface="Courier New" panose="02070309020205020404" pitchFamily="49" charset="0"/>
+              </a:rPr>
+              <a:t>="C:\WINDOWS\py.exe" "%L" %*</a:t>
             </a:r>
           </a:p>
           <a:p>
@@ -4054,11 +4244,18 @@
               <a:buNone/>
             </a:pPr>
             <a:r>
-              <a:rPr lang="en-GB" sz="3100" dirty="0">
-                <a:latin typeface="Courier New" panose="02070309020205020404" pitchFamily="49" charset="0"/>
-                <a:cs typeface="Courier New" panose="02070309020205020404" pitchFamily="49" charset="0"/>
-              </a:rPr>
-              <a:t>name = 'Fred'</a:t>
+              <a:rPr lang="en-GB" dirty="0" err="1">
+                <a:latin typeface="Courier New" panose="02070309020205020404" pitchFamily="49" charset="0"/>
+                <a:cs typeface="Courier New" panose="02070309020205020404" pitchFamily="49" charset="0"/>
+              </a:rPr>
+              <a:t>Python.File</a:t>
+            </a:r>
+            <a:r>
+              <a:rPr lang="en-GB" dirty="0">
+                <a:latin typeface="Courier New" panose="02070309020205020404" pitchFamily="49" charset="0"/>
+                <a:cs typeface="Courier New" panose="02070309020205020404" pitchFamily="49" charset="0"/>
+              </a:rPr>
+              <a:t>="C:\WINDOWS\py.exe" "%L" %*</a:t>
             </a:r>
           </a:p>
           <a:p>
@@ -4066,11 +4263,18 @@
               <a:buNone/>
             </a:pPr>
             <a:r>
-              <a:rPr lang="en-GB" sz="3100" dirty="0">
-                <a:latin typeface="Courier New" panose="02070309020205020404" pitchFamily="49" charset="0"/>
-                <a:cs typeface="Courier New" panose="02070309020205020404" pitchFamily="49" charset="0"/>
-              </a:rPr>
-              <a:t>print(name)</a:t>
+              <a:rPr lang="en-GB" dirty="0" err="1">
+                <a:latin typeface="Courier New" panose="02070309020205020404" pitchFamily="49" charset="0"/>
+                <a:cs typeface="Courier New" panose="02070309020205020404" pitchFamily="49" charset="0"/>
+              </a:rPr>
+              <a:t>Python.NoConArchiveFile</a:t>
+            </a:r>
+            <a:r>
+              <a:rPr lang="en-GB" dirty="0">
+                <a:latin typeface="Courier New" panose="02070309020205020404" pitchFamily="49" charset="0"/>
+                <a:cs typeface="Courier New" panose="02070309020205020404" pitchFamily="49" charset="0"/>
+              </a:rPr>
+              <a:t>="C:\WINDOWS\pyw.exe" "%L" %*</a:t>
             </a:r>
           </a:p>
           <a:p>
@@ -4078,99 +4282,40 @@
               <a:buNone/>
             </a:pPr>
             <a:r>
-              <a:rPr lang="en-GB" sz="3100" dirty="0">
-                <a:latin typeface="Courier New" panose="02070309020205020404" pitchFamily="49" charset="0"/>
-                <a:cs typeface="Courier New" panose="02070309020205020404" pitchFamily="49" charset="0"/>
-              </a:rPr>
-              <a:t>greet = "Hello " + name + '!'</a:t>
-            </a:r>
-          </a:p>
-          <a:p>
-            <a:pPr marL="457200" lvl="1" indent="0">
-              <a:buNone/>
-            </a:pPr>
-            <a:r>
-              <a:rPr lang="en-GB" sz="3100" dirty="0">
-                <a:latin typeface="Courier New" panose="02070309020205020404" pitchFamily="49" charset="0"/>
-                <a:cs typeface="Courier New" panose="02070309020205020404" pitchFamily="49" charset="0"/>
-              </a:rPr>
-              <a:t>print(greet)</a:t>
-            </a:r>
-          </a:p>
-          <a:p>
-            <a:pPr marL="457200" lvl="1" indent="0">
-              <a:buNone/>
-            </a:pPr>
-            <a:r>
-              <a:rPr lang="en-GB" sz="3100" dirty="0">
-                <a:latin typeface="Courier New" panose="02070309020205020404" pitchFamily="49" charset="0"/>
-                <a:cs typeface="Courier New" panose="02070309020205020404" pitchFamily="49" charset="0"/>
-              </a:rPr>
-              <a:t>name = input('Enter your name?’)</a:t>
-            </a:r>
-          </a:p>
-          <a:p>
-            <a:pPr marL="457200" lvl="1" indent="0">
-              <a:buNone/>
-            </a:pPr>
-            <a:r>
-              <a:rPr lang="en-GB" sz="3100" dirty="0">
-                <a:latin typeface="Courier New" panose="02070309020205020404" pitchFamily="49" charset="0"/>
-                <a:cs typeface="Courier New" panose="02070309020205020404" pitchFamily="49" charset="0"/>
-              </a:rPr>
-              <a:t>print(</a:t>
-            </a:r>
-            <a:r>
-              <a:rPr lang="en-GB" sz="3100" dirty="0" err="1">
-                <a:latin typeface="Courier New" panose="02070309020205020404" pitchFamily="49" charset="0"/>
-                <a:cs typeface="Courier New" panose="02070309020205020404" pitchFamily="49" charset="0"/>
-              </a:rPr>
-              <a:t>f'Hello</a:t>
-            </a:r>
-            <a:r>
-              <a:rPr lang="en-GB" sz="3100" dirty="0">
-                <a:latin typeface="Courier New" panose="02070309020205020404" pitchFamily="49" charset="0"/>
-                <a:cs typeface="Courier New" panose="02070309020205020404" pitchFamily="49" charset="0"/>
-              </a:rPr>
-              <a:t> {</a:t>
-            </a:r>
-            <a:r>
-              <a:rPr lang="en-GB" sz="3100" dirty="0" err="1">
-                <a:latin typeface="Courier New" panose="02070309020205020404" pitchFamily="49" charset="0"/>
-                <a:cs typeface="Courier New" panose="02070309020205020404" pitchFamily="49" charset="0"/>
-              </a:rPr>
-              <a:t>name.upper</a:t>
-            </a:r>
-            <a:r>
-              <a:rPr lang="en-GB" sz="3100" dirty="0">
-                <a:latin typeface="Courier New" panose="02070309020205020404" pitchFamily="49" charset="0"/>
-                <a:cs typeface="Courier New" panose="02070309020205020404" pitchFamily="49" charset="0"/>
-              </a:rPr>
-              <a:t>()}!')</a:t>
-            </a:r>
-          </a:p>
-          <a:p>
-            <a:pPr marL="457200" lvl="1" indent="0">
-              <a:buNone/>
-            </a:pPr>
-            <a:r>
-              <a:rPr lang="en-GB" sz="3100" dirty="0">
-                <a:latin typeface="Courier New" panose="02070309020205020404" pitchFamily="49" charset="0"/>
-                <a:cs typeface="Courier New" panose="02070309020205020404" pitchFamily="49" charset="0"/>
-              </a:rPr>
-              <a:t>import this</a:t>
-            </a:r>
-          </a:p>
-          <a:p>
-            <a:pPr marL="457200" lvl="1" indent="0">
-              <a:buNone/>
-            </a:pPr>
-            <a:r>
-              <a:rPr lang="en-GB" sz="3100" dirty="0">
-                <a:latin typeface="Courier New" panose="02070309020205020404" pitchFamily="49" charset="0"/>
-                <a:cs typeface="Courier New" panose="02070309020205020404" pitchFamily="49" charset="0"/>
-              </a:rPr>
-              <a:t>help()</a:t>
+              <a:rPr lang="en-GB" dirty="0" err="1">
+                <a:latin typeface="Courier New" panose="02070309020205020404" pitchFamily="49" charset="0"/>
+                <a:cs typeface="Courier New" panose="02070309020205020404" pitchFamily="49" charset="0"/>
+              </a:rPr>
+              <a:t>Python.NoConFile</a:t>
+            </a:r>
+            <a:r>
+              <a:rPr lang="en-GB" dirty="0">
+                <a:latin typeface="Courier New" panose="02070309020205020404" pitchFamily="49" charset="0"/>
+                <a:cs typeface="Courier New" panose="02070309020205020404" pitchFamily="49" charset="0"/>
+              </a:rPr>
+              <a:t>="C:\WINDOWS\pyw.exe" "%L" %*</a:t>
+            </a:r>
+          </a:p>
+          <a:p>
+            <a:r>
+              <a:rPr lang="en-GB" dirty="0"/>
+              <a:t>Within explorer right click any ".</a:t>
+            </a:r>
+            <a:r>
+              <a:rPr lang="en-GB" dirty="0" err="1"/>
+              <a:t>py</a:t>
+            </a:r>
+            <a:r>
+              <a:rPr lang="en-GB" dirty="0"/>
+              <a:t>" file and choose program as default to associate with the correct py.exe (in windows directory) or python.exe (in </a:t>
+            </a:r>
+            <a:r>
+              <a:rPr lang="en-GB" dirty="0" err="1"/>
+              <a:t>miniconda</a:t>
+            </a:r>
+            <a:r>
+              <a:rPr lang="en-GB" dirty="0"/>
+              <a:t> directory).</a:t>
             </a:r>
           </a:p>
         </p:txBody>
@@ -4178,7 +4323,7 @@
     </p:spTree>
     <p:extLst>
       <p:ext uri="{BB962C8B-B14F-4D97-AF65-F5344CB8AC3E}">
-        <p14:creationId xmlns:p14="http://schemas.microsoft.com/office/powerpoint/2010/main" val="460136510"/>
+        <p14:creationId xmlns:p14="http://schemas.microsoft.com/office/powerpoint/2010/main" val="156137289"/>
       </p:ext>
     </p:extLst>
   </p:cSld>
@@ -4210,7 +4355,7 @@
           <p:cNvPr id="2" name="Title 1">
             <a:extLst>
               <a:ext uri="{FF2B5EF4-FFF2-40B4-BE49-F238E27FC236}">
-                <a16:creationId xmlns:a16="http://schemas.microsoft.com/office/drawing/2014/main" id="{F29D4635-A1B2-430B-B803-F4F25072B5CB}"/>
+                <a16:creationId xmlns:a16="http://schemas.microsoft.com/office/drawing/2014/main" id="{0F0333DE-9865-468F-8AA2-CCC33ACDD6EE}"/>
               </a:ext>
             </a:extLst>
           </p:cNvPr>
@@ -4228,7 +4373,7 @@
           <a:p>
             <a:r>
               <a:rPr lang="en-GB" dirty="0"/>
-              <a:t>Code block indentation</a:t>
+              <a:t>Setting default Anaconda environment</a:t>
             </a:r>
           </a:p>
         </p:txBody>
@@ -4238,7 +4383,7 @@
           <p:cNvPr id="3" name="Content Placeholder 2">
             <a:extLst>
               <a:ext uri="{FF2B5EF4-FFF2-40B4-BE49-F238E27FC236}">
-                <a16:creationId xmlns:a16="http://schemas.microsoft.com/office/drawing/2014/main" id="{4BB03DAF-B3F6-490B-A4F3-7F1AA831BCDD}"/>
+                <a16:creationId xmlns:a16="http://schemas.microsoft.com/office/drawing/2014/main" id="{0A35A75D-FC01-47FF-A9AB-FBE1D6275022}"/>
               </a:ext>
             </a:extLst>
           </p:cNvPr>
@@ -4249,169 +4394,56 @@
             <p:ph idx="1"/>
           </p:nvPr>
         </p:nvSpPr>
-        <p:spPr/>
+        <p:spPr>
+          <a:xfrm>
+            <a:off x="838200" y="1825625"/>
+            <a:ext cx="10515600" cy="2281154"/>
+          </a:xfrm>
+        </p:spPr>
         <p:txBody>
           <a:bodyPr>
-            <a:normAutofit fontScale="70000" lnSpcReduction="20000"/>
+            <a:normAutofit fontScale="77500" lnSpcReduction="20000"/>
           </a:bodyPr>
           <a:lstStyle/>
           <a:p>
             <a:r>
               <a:rPr lang="en-GB" dirty="0"/>
-              <a:t>Python isn’t delimited and uses indentation to separate code blocks:</a:t>
-            </a:r>
-          </a:p>
-          <a:p>
-            <a:pPr marL="457200" lvl="1" indent="0">
+              <a:t>Configure anaconda to activate base (does not seem to work):</a:t>
+            </a:r>
+          </a:p>
+          <a:p>
+            <a:pPr marL="914400" lvl="2" indent="0">
               <a:buNone/>
             </a:pPr>
             <a:r>
-              <a:rPr lang="en-GB" sz="2500" dirty="0">
-                <a:latin typeface="Courier New" panose="02070309020205020404" pitchFamily="49" charset="0"/>
-                <a:cs typeface="Courier New" panose="02070309020205020404" pitchFamily="49" charset="0"/>
-              </a:rPr>
-              <a:t>    </a:t>
-            </a:r>
-          </a:p>
-          <a:p>
-            <a:pPr marL="457200" lvl="1" indent="0">
-              <a:buNone/>
-            </a:pPr>
-            <a:r>
-              <a:rPr lang="en-GB" sz="2500" dirty="0">
-                <a:latin typeface="Courier New" panose="02070309020205020404" pitchFamily="49" charset="0"/>
-                <a:cs typeface="Courier New" panose="02070309020205020404" pitchFamily="49" charset="0"/>
-              </a:rPr>
-              <a:t>if age &lt; 18:</a:t>
-            </a:r>
-          </a:p>
-          <a:p>
-            <a:pPr marL="457200" lvl="1" indent="0">
-              <a:buNone/>
-            </a:pPr>
-            <a:r>
-              <a:rPr lang="en-GB" sz="2500" dirty="0">
-                <a:highlight>
-                  <a:srgbClr val="FFFF00"/>
-                </a:highlight>
-                <a:latin typeface="Courier New" panose="02070309020205020404" pitchFamily="49" charset="0"/>
-                <a:cs typeface="Courier New" panose="02070309020205020404" pitchFamily="49" charset="0"/>
-              </a:rPr>
-              <a:t>    </a:t>
-            </a:r>
-            <a:r>
-              <a:rPr lang="en-GB" sz="2500" dirty="0">
-                <a:latin typeface="Courier New" panose="02070309020205020404" pitchFamily="49" charset="0"/>
-                <a:cs typeface="Courier New" panose="02070309020205020404" pitchFamily="49" charset="0"/>
-              </a:rPr>
-              <a:t>print('You cannot drink’)</a:t>
-            </a:r>
-          </a:p>
-          <a:p>
-            <a:pPr marL="457200" lvl="1" indent="0">
-              <a:buNone/>
-            </a:pPr>
-            <a:r>
-              <a:rPr lang="en-GB" sz="2500" dirty="0">
-                <a:highlight>
-                  <a:srgbClr val="FFFF00"/>
-                </a:highlight>
-                <a:latin typeface="Courier New" panose="02070309020205020404" pitchFamily="49" charset="0"/>
-                <a:cs typeface="Courier New" panose="02070309020205020404" pitchFamily="49" charset="0"/>
-              </a:rPr>
-              <a:t>    </a:t>
-            </a:r>
-            <a:r>
-              <a:rPr lang="en-GB" sz="2500" dirty="0">
-                <a:latin typeface="Courier New" panose="02070309020205020404" pitchFamily="49" charset="0"/>
-                <a:cs typeface="Courier New" panose="02070309020205020404" pitchFamily="49" charset="0"/>
-              </a:rPr>
-              <a:t>if age == 17:</a:t>
-            </a:r>
-          </a:p>
-          <a:p>
-            <a:pPr marL="457200" lvl="1" indent="0">
-              <a:buNone/>
-            </a:pPr>
-            <a:r>
-              <a:rPr lang="en-GB" sz="2500" dirty="0">
-                <a:highlight>
-                  <a:srgbClr val="FFFF00"/>
-                </a:highlight>
-                <a:latin typeface="Courier New" panose="02070309020205020404" pitchFamily="49" charset="0"/>
-                <a:cs typeface="Courier New" panose="02070309020205020404" pitchFamily="49" charset="0"/>
-              </a:rPr>
-              <a:t>        </a:t>
-            </a:r>
-            <a:r>
-              <a:rPr lang="en-GB" sz="2500" dirty="0">
-                <a:latin typeface="Courier New" panose="02070309020205020404" pitchFamily="49" charset="0"/>
-                <a:cs typeface="Courier New" panose="02070309020205020404" pitchFamily="49" charset="0"/>
-              </a:rPr>
-              <a:t>print('But you can drive')</a:t>
-            </a:r>
-          </a:p>
-          <a:p>
-            <a:pPr marL="457200" lvl="1" indent="0">
-              <a:buNone/>
-            </a:pPr>
-            <a:r>
-              <a:rPr lang="en-GB" sz="2500" dirty="0">
-                <a:latin typeface="Courier New" panose="02070309020205020404" pitchFamily="49" charset="0"/>
-                <a:cs typeface="Courier New" panose="02070309020205020404" pitchFamily="49" charset="0"/>
-              </a:rPr>
-              <a:t>else:</a:t>
-            </a:r>
-          </a:p>
-          <a:p>
-            <a:pPr marL="457200" lvl="1" indent="0">
-              <a:buNone/>
-            </a:pPr>
-            <a:r>
-              <a:rPr lang="en-GB" sz="2500" dirty="0">
-                <a:highlight>
-                  <a:srgbClr val="FFFF00"/>
-                </a:highlight>
-                <a:latin typeface="Courier New" panose="02070309020205020404" pitchFamily="49" charset="0"/>
-                <a:cs typeface="Courier New" panose="02070309020205020404" pitchFamily="49" charset="0"/>
-              </a:rPr>
-              <a:t>    </a:t>
-            </a:r>
-            <a:r>
-              <a:rPr lang="en-GB" sz="2500" dirty="0">
-                <a:latin typeface="Courier New" panose="02070309020205020404" pitchFamily="49" charset="0"/>
-                <a:cs typeface="Courier New" panose="02070309020205020404" pitchFamily="49" charset="0"/>
-              </a:rPr>
-              <a:t>print('You can drink and drive')</a:t>
-            </a:r>
-          </a:p>
-          <a:p>
-            <a:pPr marL="457200" lvl="1" indent="0">
-              <a:buNone/>
-            </a:pPr>
-            <a:r>
-              <a:rPr lang="en-GB" sz="2500" dirty="0">
-                <a:highlight>
-                  <a:srgbClr val="FFFF00"/>
-                </a:highlight>
-                <a:latin typeface="Courier New" panose="02070309020205020404" pitchFamily="49" charset="0"/>
-                <a:cs typeface="Courier New" panose="02070309020205020404" pitchFamily="49" charset="0"/>
-              </a:rPr>
-              <a:t>    </a:t>
-            </a:r>
-            <a:r>
-              <a:rPr lang="en-GB" sz="2500" dirty="0">
-                <a:latin typeface="Courier New" panose="02070309020205020404" pitchFamily="49" charset="0"/>
-                <a:cs typeface="Courier New" panose="02070309020205020404" pitchFamily="49" charset="0"/>
-              </a:rPr>
-              <a:t>print('But you must not, "drink and drive"')</a:t>
-            </a:r>
-          </a:p>
-          <a:p>
-            <a:pPr marL="457200" lvl="1" indent="0">
-              <a:buNone/>
-            </a:pPr>
-            <a:endParaRPr lang="en-GB" sz="2500" dirty="0">
+              <a:rPr lang="en-US" altLang="en-US" sz="2100" dirty="0" err="1">
+                <a:latin typeface="Courier New" panose="02070309020205020404" pitchFamily="49" charset="0"/>
+                <a:cs typeface="Courier New" panose="02070309020205020404" pitchFamily="49" charset="0"/>
+              </a:rPr>
+              <a:t>conda</a:t>
+            </a:r>
+            <a:r>
+              <a:rPr lang="en-US" altLang="en-US" sz="2100" dirty="0">
+                <a:latin typeface="Courier New" panose="02070309020205020404" pitchFamily="49" charset="0"/>
+                <a:cs typeface="Courier New" panose="02070309020205020404" pitchFamily="49" charset="0"/>
+              </a:rPr>
+              <a:t> config --set </a:t>
+            </a:r>
+            <a:r>
+              <a:rPr lang="en-US" altLang="en-US" sz="2100" dirty="0" err="1">
+                <a:latin typeface="Courier New" panose="02070309020205020404" pitchFamily="49" charset="0"/>
+                <a:cs typeface="Courier New" panose="02070309020205020404" pitchFamily="49" charset="0"/>
+              </a:rPr>
+              <a:t>auto_activate_base</a:t>
+            </a:r>
+            <a:r>
+              <a:rPr lang="en-US" altLang="en-US" sz="2100" dirty="0">
+                <a:latin typeface="Courier New" panose="02070309020205020404" pitchFamily="49" charset="0"/>
+                <a:cs typeface="Courier New" panose="02070309020205020404" pitchFamily="49" charset="0"/>
+              </a:rPr>
+              <a:t> false </a:t>
+            </a:r>
+            <a:endParaRPr lang="en-GB" sz="2100" dirty="0">
               <a:latin typeface="Courier New" panose="02070309020205020404" pitchFamily="49" charset="0"/>
               <a:cs typeface="Courier New" panose="02070309020205020404" pitchFamily="49" charset="0"/>
             </a:endParaRPr>
@@ -4419,47 +4451,211 @@
           <a:p>
             <a:r>
               <a:rPr lang="en-GB" dirty="0"/>
-              <a:t>Can be spaces or tabs but must be consistent (</a:t>
+              <a:t>Alternative hack is to create your own launch script, e.g. condaenv.bat:</a:t>
+            </a:r>
+          </a:p>
+          <a:p>
+            <a:pPr marL="914400" lvl="2" indent="0">
+              <a:buNone/>
+            </a:pPr>
+            <a:r>
+              <a:rPr lang="en-GB" dirty="0">
+                <a:latin typeface="Courier New" panose="02070309020205020404" pitchFamily="49" charset="0"/>
+                <a:cs typeface="Courier New" panose="02070309020205020404" pitchFamily="49" charset="0"/>
+              </a:rPr>
+              <a:t>@call "C:\Miniconda3\condabin\conda_hook.bat</a:t>
+            </a:r>
+          </a:p>
+          <a:p>
+            <a:pPr marL="914400" lvl="2" indent="0">
+              <a:buNone/>
+            </a:pPr>
+            <a:r>
+              <a:rPr lang="en-GB" dirty="0">
+                <a:latin typeface="Courier New" panose="02070309020205020404" pitchFamily="49" charset="0"/>
+                <a:cs typeface="Courier New" panose="02070309020205020404" pitchFamily="49" charset="0"/>
+              </a:rPr>
+              <a:t>@conda activate</a:t>
+            </a:r>
+          </a:p>
+          <a:p>
+            <a:r>
+              <a:rPr lang="en-GB" dirty="0"/>
+              <a:t>Setup the </a:t>
             </a:r>
             <a:r>
               <a:rPr lang="en-GB" dirty="0" err="1"/>
-              <a:t>Tabnanny</a:t>
-            </a:r>
-            <a:r>
-              <a:rPr lang="en-GB" dirty="0"/>
-              <a:t> is a tool to fix indentation issues).</a:t>
-            </a:r>
-          </a:p>
-          <a:p>
-            <a:r>
-              <a:rPr lang="en-GB" dirty="0"/>
-              <a:t>To exit the REPL on Windows type Ctrl-Z &lt;enter&gt; </a:t>
-            </a:r>
-          </a:p>
-          <a:p>
-            <a:r>
-              <a:rPr lang="en-GB" dirty="0"/>
-              <a:t>Unix type Ctrl-D</a:t>
-            </a:r>
-          </a:p>
-          <a:p>
-            <a:r>
-              <a:rPr lang="en-GB" dirty="0"/>
-              <a:t>Or type "exit()"</a:t>
+              <a:t>cmd</a:t>
+            </a:r>
+            <a:r>
+              <a:rPr lang="en-GB" dirty="0"/>
+              <a:t> registry to autorun your batch file (may need overwriting):</a:t>
+            </a:r>
+          </a:p>
+          <a:p>
+            <a:pPr marL="914400" lvl="2" indent="0">
+              <a:buNone/>
+            </a:pPr>
+            <a:r>
+              <a:rPr lang="en-GB" dirty="0">
+                <a:latin typeface="Courier New" panose="02070309020205020404" pitchFamily="49" charset="0"/>
+                <a:cs typeface="Courier New" panose="02070309020205020404" pitchFamily="49" charset="0"/>
+              </a:rPr>
+              <a:t>[HKEY_CURRENT_USER\Software\Microsoft\Command</a:t>
+            </a:r>
+          </a:p>
+          <a:p>
+            <a:pPr marL="914400" lvl="2" indent="0">
+              <a:buNone/>
+            </a:pPr>
+            <a:r>
+              <a:rPr lang="en-GB" dirty="0" err="1">
+                <a:latin typeface="Courier New" panose="02070309020205020404" pitchFamily="49" charset="0"/>
+                <a:cs typeface="Courier New" panose="02070309020205020404" pitchFamily="49" charset="0"/>
+              </a:rPr>
+              <a:t>AutoRun</a:t>
+            </a:r>
+            <a:r>
+              <a:rPr lang="en-GB" dirty="0">
+                <a:latin typeface="Courier New" panose="02070309020205020404" pitchFamily="49" charset="0"/>
+                <a:cs typeface="Courier New" panose="02070309020205020404" pitchFamily="49" charset="0"/>
+              </a:rPr>
+              <a:t> = "&lt;path to your bat file&gt;"</a:t>
             </a:r>
           </a:p>
           <a:p>
             <a:endParaRPr lang="en-GB" dirty="0"/>
           </a:p>
-          <a:p>
-            <a:endParaRPr lang="en-GB" dirty="0"/>
+        </p:txBody>
+      </p:sp>
+      <p:pic>
+        <p:nvPicPr>
+          <p:cNvPr id="4" name="Picture 3">
+            <a:extLst>
+              <a:ext uri="{FF2B5EF4-FFF2-40B4-BE49-F238E27FC236}">
+                <a16:creationId xmlns:a16="http://schemas.microsoft.com/office/drawing/2014/main" id="{D1054EC0-1706-4321-B9DC-F3B6A57B7110}"/>
+              </a:ext>
+            </a:extLst>
+          </p:cNvPr>
+          <p:cNvPicPr>
+            <a:picLocks noChangeAspect="1"/>
+          </p:cNvPicPr>
+          <p:nvPr/>
+        </p:nvPicPr>
+        <p:blipFill>
+          <a:blip r:embed="rId2"/>
+          <a:stretch>
+            <a:fillRect/>
+          </a:stretch>
+        </p:blipFill>
+        <p:spPr>
+          <a:xfrm>
+            <a:off x="4398550" y="4225634"/>
+            <a:ext cx="7106642" cy="2086266"/>
+          </a:xfrm>
+          <a:prstGeom prst="rect">
+            <a:avLst/>
+          </a:prstGeom>
+        </p:spPr>
+      </p:pic>
+      <p:sp>
+        <p:nvSpPr>
+          <p:cNvPr id="6" name="Rectangle 2">
+            <a:extLst>
+              <a:ext uri="{FF2B5EF4-FFF2-40B4-BE49-F238E27FC236}">
+                <a16:creationId xmlns:a16="http://schemas.microsoft.com/office/drawing/2014/main" id="{4AFDA25D-A69F-45A5-9676-1E861D031CFB}"/>
+              </a:ext>
+            </a:extLst>
+          </p:cNvPr>
+          <p:cNvSpPr>
+            <a:spLocks noChangeArrowheads="1"/>
+          </p:cNvSpPr>
+          <p:nvPr/>
+        </p:nvSpPr>
+        <p:spPr bwMode="auto">
+          <a:xfrm>
+            <a:off x="0" y="90100"/>
+            <a:ext cx="65" cy="276999"/>
+          </a:xfrm>
+          <a:prstGeom prst="rect">
+            <a:avLst/>
+          </a:prstGeom>
+          <a:noFill/>
+          <a:ln>
+            <a:noFill/>
+          </a:ln>
+          <a:effectLst/>
+          <a:extLst>
+            <a:ext uri="{909E8E84-426E-40DD-AFC4-6F175D3DCCD1}">
+              <a14:hiddenFill xmlns:a14="http://schemas.microsoft.com/office/drawing/2010/main">
+                <a:solidFill>
+                  <a:schemeClr val="accent1"/>
+                </a:solidFill>
+              </a14:hiddenFill>
+            </a:ext>
+            <a:ext uri="{91240B29-F687-4F45-9708-019B960494DF}">
+              <a14:hiddenLine xmlns:a14="http://schemas.microsoft.com/office/drawing/2010/main" w="9525">
+                <a:solidFill>
+                  <a:schemeClr val="tx1"/>
+                </a:solidFill>
+                <a:miter lim="800000"/>
+                <a:headEnd/>
+                <a:tailEnd/>
+              </a14:hiddenLine>
+            </a:ext>
+            <a:ext uri="{AF507438-7753-43E0-B8FC-AC1667EBCBE1}">
+              <a14:hiddenEffects xmlns:a14="http://schemas.microsoft.com/office/drawing/2010/main">
+                <a:effectLst>
+                  <a:outerShdw dist="35921" dir="2700000" algn="ctr" rotWithShape="0">
+                    <a:schemeClr val="bg2"/>
+                  </a:outerShdw>
+                </a:effectLst>
+              </a14:hiddenEffects>
+            </a:ext>
+          </a:extLst>
+        </p:spPr>
+        <p:txBody>
+          <a:bodyPr vert="horz" wrap="none" lIns="0" tIns="0" rIns="0" bIns="0" numCol="1" anchor="ctr" anchorCtr="0" compatLnSpc="1">
+            <a:prstTxWarp prst="textNoShape">
+              <a:avLst/>
+            </a:prstTxWarp>
+            <a:spAutoFit/>
+          </a:bodyPr>
+          <a:lstStyle/>
+          <a:p>
+            <a:pPr marL="0" marR="0" lvl="0" indent="0" algn="l" defTabSz="914400" rtl="0" eaLnBrk="0" fontAlgn="base" latinLnBrk="0" hangingPunct="0">
+              <a:lnSpc>
+                <a:spcPct val="100000"/>
+              </a:lnSpc>
+              <a:spcBef>
+                <a:spcPct val="0"/>
+              </a:spcBef>
+              <a:spcAft>
+                <a:spcPct val="0"/>
+              </a:spcAft>
+              <a:buClrTx/>
+              <a:buSzTx/>
+              <a:buFontTx/>
+              <a:buNone/>
+              <a:tabLst/>
+            </a:pPr>
+            <a:endParaRPr kumimoji="0" lang="en-US" altLang="en-US" sz="1800" b="0" i="0" u="none" strike="noStrike" cap="none" normalizeH="0" baseline="0" dirty="0">
+              <a:ln>
+                <a:noFill/>
+              </a:ln>
+              <a:solidFill>
+                <a:schemeClr val="tx1"/>
+              </a:solidFill>
+              <a:effectLst/>
+              <a:latin typeface="Arial" panose="020B0604020202020204" pitchFamily="34" charset="0"/>
+            </a:endParaRPr>
           </a:p>
         </p:txBody>
       </p:sp>
     </p:spTree>
     <p:extLst>
       <p:ext uri="{BB962C8B-B14F-4D97-AF65-F5344CB8AC3E}">
-        <p14:creationId xmlns:p14="http://schemas.microsoft.com/office/powerpoint/2010/main" val="1856569591"/>
+        <p14:creationId xmlns:p14="http://schemas.microsoft.com/office/powerpoint/2010/main" val="1718620227"/>
       </p:ext>
     </p:extLst>
   </p:cSld>
@@ -4491,6 +4687,596 @@
           <p:cNvPr id="2" name="Title 1">
             <a:extLst>
               <a:ext uri="{FF2B5EF4-FFF2-40B4-BE49-F238E27FC236}">
+                <a16:creationId xmlns:a16="http://schemas.microsoft.com/office/drawing/2014/main" id="{5DD392FC-1830-417C-BC32-FA64EB5C16FE}"/>
+              </a:ext>
+            </a:extLst>
+          </p:cNvPr>
+          <p:cNvSpPr>
+            <a:spLocks noGrp="1"/>
+          </p:cNvSpPr>
+          <p:nvPr>
+            <p:ph type="title"/>
+          </p:nvPr>
+        </p:nvSpPr>
+        <p:spPr/>
+        <p:txBody>
+          <a:bodyPr/>
+          <a:lstStyle/>
+          <a:p>
+            <a:r>
+              <a:rPr lang="en-GB" dirty="0"/>
+              <a:t>First steps into the REPL</a:t>
+            </a:r>
+          </a:p>
+        </p:txBody>
+      </p:sp>
+      <p:sp>
+        <p:nvSpPr>
+          <p:cNvPr id="3" name="Content Placeholder 2">
+            <a:extLst>
+              <a:ext uri="{FF2B5EF4-FFF2-40B4-BE49-F238E27FC236}">
+                <a16:creationId xmlns:a16="http://schemas.microsoft.com/office/drawing/2014/main" id="{185188A8-B3C5-45CF-9035-58C1D2B94928}"/>
+              </a:ext>
+            </a:extLst>
+          </p:cNvPr>
+          <p:cNvSpPr>
+            <a:spLocks noGrp="1"/>
+          </p:cNvSpPr>
+          <p:nvPr>
+            <p:ph idx="1"/>
+          </p:nvPr>
+        </p:nvSpPr>
+        <p:spPr/>
+        <p:txBody>
+          <a:bodyPr>
+            <a:normAutofit fontScale="55000" lnSpcReduction="20000"/>
+          </a:bodyPr>
+          <a:lstStyle/>
+          <a:p>
+            <a:r>
+              <a:rPr lang="en-GB" dirty="0"/>
+              <a:t>From a command prompt type (or try the </a:t>
+            </a:r>
+            <a:r>
+              <a:rPr lang="en-GB" dirty="0" err="1"/>
+              <a:t>pylauncher</a:t>
+            </a:r>
+            <a:r>
+              <a:rPr lang="en-GB" dirty="0"/>
+              <a:t> "</a:t>
+            </a:r>
+            <a:r>
+              <a:rPr lang="en-GB" dirty="0" err="1"/>
+              <a:t>py</a:t>
+            </a:r>
+            <a:r>
+              <a:rPr lang="en-GB" dirty="0"/>
+              <a:t>"):</a:t>
+            </a:r>
+          </a:p>
+          <a:p>
+            <a:pPr marL="457200" lvl="1" indent="0">
+              <a:buNone/>
+            </a:pPr>
+            <a:r>
+              <a:rPr lang="en-GB" sz="3000" dirty="0">
+                <a:latin typeface="Courier New" panose="02070309020205020404" pitchFamily="49" charset="0"/>
+                <a:cs typeface="Courier New" panose="02070309020205020404" pitchFamily="49" charset="0"/>
+              </a:rPr>
+              <a:t>&gt; python</a:t>
+            </a:r>
+          </a:p>
+          <a:p>
+            <a:r>
+              <a:rPr lang="en-GB" dirty="0"/>
+              <a:t>Once you have a python prompt, try these commands:</a:t>
+            </a:r>
+          </a:p>
+          <a:p>
+            <a:endParaRPr lang="en-GB" dirty="0"/>
+          </a:p>
+          <a:p>
+            <a:pPr marL="457200" lvl="1" indent="0">
+              <a:buNone/>
+            </a:pPr>
+            <a:r>
+              <a:rPr lang="en-GB" sz="3100" dirty="0">
+                <a:latin typeface="Courier New" panose="02070309020205020404" pitchFamily="49" charset="0"/>
+                <a:cs typeface="Courier New" panose="02070309020205020404" pitchFamily="49" charset="0"/>
+              </a:rPr>
+              <a:t>1+2*3</a:t>
+            </a:r>
+          </a:p>
+          <a:p>
+            <a:pPr marL="457200" lvl="1" indent="0">
+              <a:buNone/>
+            </a:pPr>
+            <a:r>
+              <a:rPr lang="en-GB" sz="3100" dirty="0">
+                <a:latin typeface="Courier New" panose="02070309020205020404" pitchFamily="49" charset="0"/>
+                <a:cs typeface="Courier New" panose="02070309020205020404" pitchFamily="49" charset="0"/>
+              </a:rPr>
+              <a:t>print 'Hello World!'  # This would work under python2</a:t>
+            </a:r>
+          </a:p>
+          <a:p>
+            <a:pPr marL="457200" lvl="1" indent="0">
+              <a:buNone/>
+            </a:pPr>
+            <a:r>
+              <a:rPr lang="en-GB" sz="3100" dirty="0">
+                <a:latin typeface="Courier New" panose="02070309020205020404" pitchFamily="49" charset="0"/>
+                <a:cs typeface="Courier New" panose="02070309020205020404" pitchFamily="49" charset="0"/>
+              </a:rPr>
+              <a:t>print('Hello World!') # Parenthesis needed for Python3</a:t>
+            </a:r>
+          </a:p>
+          <a:p>
+            <a:pPr marL="457200" lvl="1" indent="0">
+              <a:buNone/>
+            </a:pPr>
+            <a:r>
+              <a:rPr lang="en-GB" sz="3100" dirty="0">
+                <a:latin typeface="Courier New" panose="02070309020205020404" pitchFamily="49" charset="0"/>
+                <a:cs typeface="Courier New" panose="02070309020205020404" pitchFamily="49" charset="0"/>
+              </a:rPr>
+              <a:t>name = 'Fred'</a:t>
+            </a:r>
+          </a:p>
+          <a:p>
+            <a:pPr marL="457200" lvl="1" indent="0">
+              <a:buNone/>
+            </a:pPr>
+            <a:r>
+              <a:rPr lang="en-GB" sz="3100" dirty="0">
+                <a:latin typeface="Courier New" panose="02070309020205020404" pitchFamily="49" charset="0"/>
+                <a:cs typeface="Courier New" panose="02070309020205020404" pitchFamily="49" charset="0"/>
+              </a:rPr>
+              <a:t>print(name)</a:t>
+            </a:r>
+          </a:p>
+          <a:p>
+            <a:pPr marL="457200" lvl="1" indent="0">
+              <a:buNone/>
+            </a:pPr>
+            <a:r>
+              <a:rPr lang="en-GB" sz="3100" dirty="0">
+                <a:latin typeface="Courier New" panose="02070309020205020404" pitchFamily="49" charset="0"/>
+                <a:cs typeface="Courier New" panose="02070309020205020404" pitchFamily="49" charset="0"/>
+              </a:rPr>
+              <a:t>greet = "Hello " + name + '!'</a:t>
+            </a:r>
+          </a:p>
+          <a:p>
+            <a:pPr marL="457200" lvl="1" indent="0">
+              <a:buNone/>
+            </a:pPr>
+            <a:r>
+              <a:rPr lang="en-GB" sz="3100" dirty="0">
+                <a:latin typeface="Courier New" panose="02070309020205020404" pitchFamily="49" charset="0"/>
+                <a:cs typeface="Courier New" panose="02070309020205020404" pitchFamily="49" charset="0"/>
+              </a:rPr>
+              <a:t>print(greet)</a:t>
+            </a:r>
+          </a:p>
+          <a:p>
+            <a:pPr marL="457200" lvl="1" indent="0">
+              <a:buNone/>
+            </a:pPr>
+            <a:r>
+              <a:rPr lang="en-GB" sz="3100" dirty="0">
+                <a:latin typeface="Courier New" panose="02070309020205020404" pitchFamily="49" charset="0"/>
+                <a:cs typeface="Courier New" panose="02070309020205020404" pitchFamily="49" charset="0"/>
+              </a:rPr>
+              <a:t>name = input('Enter your name?’)</a:t>
+            </a:r>
+          </a:p>
+          <a:p>
+            <a:pPr marL="457200" lvl="1" indent="0">
+              <a:buNone/>
+            </a:pPr>
+            <a:r>
+              <a:rPr lang="en-GB" sz="3100" dirty="0">
+                <a:latin typeface="Courier New" panose="02070309020205020404" pitchFamily="49" charset="0"/>
+                <a:cs typeface="Courier New" panose="02070309020205020404" pitchFamily="49" charset="0"/>
+              </a:rPr>
+              <a:t>print(</a:t>
+            </a:r>
+            <a:r>
+              <a:rPr lang="en-GB" sz="3100" dirty="0" err="1">
+                <a:latin typeface="Courier New" panose="02070309020205020404" pitchFamily="49" charset="0"/>
+                <a:cs typeface="Courier New" panose="02070309020205020404" pitchFamily="49" charset="0"/>
+              </a:rPr>
+              <a:t>f'Hello</a:t>
+            </a:r>
+            <a:r>
+              <a:rPr lang="en-GB" sz="3100" dirty="0">
+                <a:latin typeface="Courier New" panose="02070309020205020404" pitchFamily="49" charset="0"/>
+                <a:cs typeface="Courier New" panose="02070309020205020404" pitchFamily="49" charset="0"/>
+              </a:rPr>
+              <a:t> {</a:t>
+            </a:r>
+            <a:r>
+              <a:rPr lang="en-GB" sz="3100" dirty="0" err="1">
+                <a:latin typeface="Courier New" panose="02070309020205020404" pitchFamily="49" charset="0"/>
+                <a:cs typeface="Courier New" panose="02070309020205020404" pitchFamily="49" charset="0"/>
+              </a:rPr>
+              <a:t>name.upper</a:t>
+            </a:r>
+            <a:r>
+              <a:rPr lang="en-GB" sz="3100" dirty="0">
+                <a:latin typeface="Courier New" panose="02070309020205020404" pitchFamily="49" charset="0"/>
+                <a:cs typeface="Courier New" panose="02070309020205020404" pitchFamily="49" charset="0"/>
+              </a:rPr>
+              <a:t>()}!')</a:t>
+            </a:r>
+          </a:p>
+          <a:p>
+            <a:pPr marL="457200" lvl="1" indent="0">
+              <a:buNone/>
+            </a:pPr>
+            <a:r>
+              <a:rPr lang="en-GB" sz="3100" dirty="0">
+                <a:latin typeface="Courier New" panose="02070309020205020404" pitchFamily="49" charset="0"/>
+                <a:cs typeface="Courier New" panose="02070309020205020404" pitchFamily="49" charset="0"/>
+              </a:rPr>
+              <a:t>import this</a:t>
+            </a:r>
+          </a:p>
+          <a:p>
+            <a:pPr marL="457200" lvl="1" indent="0">
+              <a:buNone/>
+            </a:pPr>
+            <a:r>
+              <a:rPr lang="en-GB" sz="3100" dirty="0">
+                <a:latin typeface="Courier New" panose="02070309020205020404" pitchFamily="49" charset="0"/>
+                <a:cs typeface="Courier New" panose="02070309020205020404" pitchFamily="49" charset="0"/>
+              </a:rPr>
+              <a:t>help()</a:t>
+            </a:r>
+          </a:p>
+          <a:p>
+            <a:pPr marL="457200" lvl="1" indent="0">
+              <a:buNone/>
+            </a:pPr>
+            <a:endParaRPr lang="en-GB" sz="3100" dirty="0">
+              <a:latin typeface="Courier New" panose="02070309020205020404" pitchFamily="49" charset="0"/>
+              <a:cs typeface="Courier New" panose="02070309020205020404" pitchFamily="49" charset="0"/>
+            </a:endParaRPr>
+          </a:p>
+          <a:p>
+            <a:r>
+              <a:rPr lang="en-GB" sz="2700" dirty="0"/>
+              <a:t>&lt;Ctrl&gt;+Z or exit() to get out</a:t>
+            </a:r>
+          </a:p>
+          <a:p>
+            <a:pPr marL="457200" lvl="1" indent="0">
+              <a:buNone/>
+            </a:pPr>
+            <a:endParaRPr lang="en-GB" sz="3100" dirty="0">
+              <a:latin typeface="Courier New" panose="02070309020205020404" pitchFamily="49" charset="0"/>
+              <a:cs typeface="Courier New" panose="02070309020205020404" pitchFamily="49" charset="0"/>
+            </a:endParaRPr>
+          </a:p>
+        </p:txBody>
+      </p:sp>
+    </p:spTree>
+    <p:extLst>
+      <p:ext uri="{BB962C8B-B14F-4D97-AF65-F5344CB8AC3E}">
+        <p14:creationId xmlns:p14="http://schemas.microsoft.com/office/powerpoint/2010/main" val="460136510"/>
+      </p:ext>
+    </p:extLst>
+  </p:cSld>
+  <p:clrMapOvr>
+    <a:masterClrMapping/>
+  </p:clrMapOvr>
+</p:sld>
+</file>
+
+<file path=ppt/slides/slide15.xml><?xml version="1.0" encoding="utf-8"?>
+<p:sld xmlns:a="http://schemas.openxmlformats.org/drawingml/2006/main" xmlns:r="http://schemas.openxmlformats.org/officeDocument/2006/relationships" xmlns:p="http://schemas.openxmlformats.org/presentationml/2006/main">
+  <p:cSld>
+    <p:spTree>
+      <p:nvGrpSpPr>
+        <p:cNvPr id="1" name=""/>
+        <p:cNvGrpSpPr/>
+        <p:nvPr/>
+      </p:nvGrpSpPr>
+      <p:grpSpPr>
+        <a:xfrm>
+          <a:off x="0" y="0"/>
+          <a:ext cx="0" cy="0"/>
+          <a:chOff x="0" y="0"/>
+          <a:chExt cx="0" cy="0"/>
+        </a:xfrm>
+      </p:grpSpPr>
+      <p:sp>
+        <p:nvSpPr>
+          <p:cNvPr id="2" name="Title 1">
+            <a:extLst>
+              <a:ext uri="{FF2B5EF4-FFF2-40B4-BE49-F238E27FC236}">
+                <a16:creationId xmlns:a16="http://schemas.microsoft.com/office/drawing/2014/main" id="{F29D4635-A1B2-430B-B803-F4F25072B5CB}"/>
+              </a:ext>
+            </a:extLst>
+          </p:cNvPr>
+          <p:cNvSpPr>
+            <a:spLocks noGrp="1"/>
+          </p:cNvSpPr>
+          <p:nvPr>
+            <p:ph type="title"/>
+          </p:nvPr>
+        </p:nvSpPr>
+        <p:spPr/>
+        <p:txBody>
+          <a:bodyPr/>
+          <a:lstStyle/>
+          <a:p>
+            <a:r>
+              <a:rPr lang="en-GB" dirty="0"/>
+              <a:t>Code block indentation</a:t>
+            </a:r>
+          </a:p>
+        </p:txBody>
+      </p:sp>
+      <p:sp>
+        <p:nvSpPr>
+          <p:cNvPr id="3" name="Content Placeholder 2">
+            <a:extLst>
+              <a:ext uri="{FF2B5EF4-FFF2-40B4-BE49-F238E27FC236}">
+                <a16:creationId xmlns:a16="http://schemas.microsoft.com/office/drawing/2014/main" id="{4BB03DAF-B3F6-490B-A4F3-7F1AA831BCDD}"/>
+              </a:ext>
+            </a:extLst>
+          </p:cNvPr>
+          <p:cNvSpPr>
+            <a:spLocks noGrp="1"/>
+          </p:cNvSpPr>
+          <p:nvPr>
+            <p:ph idx="1"/>
+          </p:nvPr>
+        </p:nvSpPr>
+        <p:spPr/>
+        <p:txBody>
+          <a:bodyPr>
+            <a:normAutofit fontScale="70000" lnSpcReduction="20000"/>
+          </a:bodyPr>
+          <a:lstStyle/>
+          <a:p>
+            <a:r>
+              <a:rPr lang="en-GB" dirty="0"/>
+              <a:t>Python isn’t delimited and uses indentation to separate code blocks:</a:t>
+            </a:r>
+          </a:p>
+          <a:p>
+            <a:pPr marL="457200" lvl="1" indent="0">
+              <a:buNone/>
+            </a:pPr>
+            <a:r>
+              <a:rPr lang="en-GB" sz="2500" dirty="0">
+                <a:latin typeface="Courier New" panose="02070309020205020404" pitchFamily="49" charset="0"/>
+                <a:cs typeface="Courier New" panose="02070309020205020404" pitchFamily="49" charset="0"/>
+              </a:rPr>
+              <a:t>    </a:t>
+            </a:r>
+          </a:p>
+          <a:p>
+            <a:pPr marL="457200" lvl="1" indent="0">
+              <a:buNone/>
+            </a:pPr>
+            <a:r>
+              <a:rPr lang="en-GB" sz="2500" dirty="0">
+                <a:latin typeface="Courier New" panose="02070309020205020404" pitchFamily="49" charset="0"/>
+                <a:cs typeface="Courier New" panose="02070309020205020404" pitchFamily="49" charset="0"/>
+              </a:rPr>
+              <a:t>if age &lt; 18:</a:t>
+            </a:r>
+          </a:p>
+          <a:p>
+            <a:pPr marL="457200" lvl="1" indent="0">
+              <a:buNone/>
+            </a:pPr>
+            <a:r>
+              <a:rPr lang="en-GB" sz="2500" dirty="0">
+                <a:highlight>
+                  <a:srgbClr val="FFFF00"/>
+                </a:highlight>
+                <a:latin typeface="Courier New" panose="02070309020205020404" pitchFamily="49" charset="0"/>
+                <a:cs typeface="Courier New" panose="02070309020205020404" pitchFamily="49" charset="0"/>
+              </a:rPr>
+              <a:t>    </a:t>
+            </a:r>
+            <a:r>
+              <a:rPr lang="en-GB" sz="2500" dirty="0">
+                <a:latin typeface="Courier New" panose="02070309020205020404" pitchFamily="49" charset="0"/>
+                <a:cs typeface="Courier New" panose="02070309020205020404" pitchFamily="49" charset="0"/>
+              </a:rPr>
+              <a:t>print('You cannot drink’)</a:t>
+            </a:r>
+          </a:p>
+          <a:p>
+            <a:pPr marL="457200" lvl="1" indent="0">
+              <a:buNone/>
+            </a:pPr>
+            <a:r>
+              <a:rPr lang="en-GB" sz="2500" dirty="0">
+                <a:highlight>
+                  <a:srgbClr val="FFFF00"/>
+                </a:highlight>
+                <a:latin typeface="Courier New" panose="02070309020205020404" pitchFamily="49" charset="0"/>
+                <a:cs typeface="Courier New" panose="02070309020205020404" pitchFamily="49" charset="0"/>
+              </a:rPr>
+              <a:t>    </a:t>
+            </a:r>
+            <a:r>
+              <a:rPr lang="en-GB" sz="2500" dirty="0">
+                <a:latin typeface="Courier New" panose="02070309020205020404" pitchFamily="49" charset="0"/>
+                <a:cs typeface="Courier New" panose="02070309020205020404" pitchFamily="49" charset="0"/>
+              </a:rPr>
+              <a:t>if age == 17:</a:t>
+            </a:r>
+          </a:p>
+          <a:p>
+            <a:pPr marL="457200" lvl="1" indent="0">
+              <a:buNone/>
+            </a:pPr>
+            <a:r>
+              <a:rPr lang="en-GB" sz="2500" dirty="0">
+                <a:highlight>
+                  <a:srgbClr val="FFFF00"/>
+                </a:highlight>
+                <a:latin typeface="Courier New" panose="02070309020205020404" pitchFamily="49" charset="0"/>
+                <a:cs typeface="Courier New" panose="02070309020205020404" pitchFamily="49" charset="0"/>
+              </a:rPr>
+              <a:t>        </a:t>
+            </a:r>
+            <a:r>
+              <a:rPr lang="en-GB" sz="2500" dirty="0">
+                <a:latin typeface="Courier New" panose="02070309020205020404" pitchFamily="49" charset="0"/>
+                <a:cs typeface="Courier New" panose="02070309020205020404" pitchFamily="49" charset="0"/>
+              </a:rPr>
+              <a:t>print('But you can drive')</a:t>
+            </a:r>
+          </a:p>
+          <a:p>
+            <a:pPr marL="457200" lvl="1" indent="0">
+              <a:buNone/>
+            </a:pPr>
+            <a:r>
+              <a:rPr lang="en-GB" sz="2500" dirty="0">
+                <a:latin typeface="Courier New" panose="02070309020205020404" pitchFamily="49" charset="0"/>
+                <a:cs typeface="Courier New" panose="02070309020205020404" pitchFamily="49" charset="0"/>
+              </a:rPr>
+              <a:t>else:</a:t>
+            </a:r>
+          </a:p>
+          <a:p>
+            <a:pPr marL="457200" lvl="1" indent="0">
+              <a:buNone/>
+            </a:pPr>
+            <a:r>
+              <a:rPr lang="en-GB" sz="2500" dirty="0">
+                <a:highlight>
+                  <a:srgbClr val="FFFF00"/>
+                </a:highlight>
+                <a:latin typeface="Courier New" panose="02070309020205020404" pitchFamily="49" charset="0"/>
+                <a:cs typeface="Courier New" panose="02070309020205020404" pitchFamily="49" charset="0"/>
+              </a:rPr>
+              <a:t>    </a:t>
+            </a:r>
+            <a:r>
+              <a:rPr lang="en-GB" sz="2500" dirty="0">
+                <a:latin typeface="Courier New" panose="02070309020205020404" pitchFamily="49" charset="0"/>
+                <a:cs typeface="Courier New" panose="02070309020205020404" pitchFamily="49" charset="0"/>
+              </a:rPr>
+              <a:t>print('You can drink and drive')</a:t>
+            </a:r>
+          </a:p>
+          <a:p>
+            <a:pPr marL="457200" lvl="1" indent="0">
+              <a:buNone/>
+            </a:pPr>
+            <a:r>
+              <a:rPr lang="en-GB" sz="2500" dirty="0">
+                <a:highlight>
+                  <a:srgbClr val="FFFF00"/>
+                </a:highlight>
+                <a:latin typeface="Courier New" panose="02070309020205020404" pitchFamily="49" charset="0"/>
+                <a:cs typeface="Courier New" panose="02070309020205020404" pitchFamily="49" charset="0"/>
+              </a:rPr>
+              <a:t>    </a:t>
+            </a:r>
+            <a:r>
+              <a:rPr lang="en-GB" sz="2500" dirty="0">
+                <a:latin typeface="Courier New" panose="02070309020205020404" pitchFamily="49" charset="0"/>
+                <a:cs typeface="Courier New" panose="02070309020205020404" pitchFamily="49" charset="0"/>
+              </a:rPr>
+              <a:t>print('But you must not, "drink and drive"')</a:t>
+            </a:r>
+          </a:p>
+          <a:p>
+            <a:pPr marL="457200" lvl="1" indent="0">
+              <a:buNone/>
+            </a:pPr>
+            <a:endParaRPr lang="en-GB" sz="2500" dirty="0">
+              <a:latin typeface="Courier New" panose="02070309020205020404" pitchFamily="49" charset="0"/>
+              <a:cs typeface="Courier New" panose="02070309020205020404" pitchFamily="49" charset="0"/>
+            </a:endParaRPr>
+          </a:p>
+          <a:p>
+            <a:r>
+              <a:rPr lang="en-GB" dirty="0"/>
+              <a:t>Can be spaces or tabs but must be consistent (</a:t>
+            </a:r>
+            <a:r>
+              <a:rPr lang="en-GB" dirty="0" err="1"/>
+              <a:t>Tabnanny</a:t>
+            </a:r>
+            <a:r>
+              <a:rPr lang="en-GB" dirty="0"/>
+              <a:t> is a tool to fix indentation issues).</a:t>
+            </a:r>
+          </a:p>
+          <a:p>
+            <a:r>
+              <a:rPr lang="en-GB" dirty="0"/>
+              <a:t>To exit the REPL on Windows type Ctrl-Z &lt;enter&gt; </a:t>
+            </a:r>
+          </a:p>
+          <a:p>
+            <a:r>
+              <a:rPr lang="en-GB" dirty="0"/>
+              <a:t>Unix type Ctrl-D</a:t>
+            </a:r>
+          </a:p>
+          <a:p>
+            <a:r>
+              <a:rPr lang="en-GB" dirty="0"/>
+              <a:t>Or type "exit()"</a:t>
+            </a:r>
+          </a:p>
+          <a:p>
+            <a:endParaRPr lang="en-GB" dirty="0"/>
+          </a:p>
+          <a:p>
+            <a:endParaRPr lang="en-GB" dirty="0"/>
+          </a:p>
+        </p:txBody>
+      </p:sp>
+    </p:spTree>
+    <p:extLst>
+      <p:ext uri="{BB962C8B-B14F-4D97-AF65-F5344CB8AC3E}">
+        <p14:creationId xmlns:p14="http://schemas.microsoft.com/office/powerpoint/2010/main" val="1856569591"/>
+      </p:ext>
+    </p:extLst>
+  </p:cSld>
+  <p:clrMapOvr>
+    <a:masterClrMapping/>
+  </p:clrMapOvr>
+</p:sld>
+</file>
+
+<file path=ppt/slides/slide16.xml><?xml version="1.0" encoding="utf-8"?>
+<p:sld xmlns:a="http://schemas.openxmlformats.org/drawingml/2006/main" xmlns:r="http://schemas.openxmlformats.org/officeDocument/2006/relationships" xmlns:p="http://schemas.openxmlformats.org/presentationml/2006/main">
+  <p:cSld>
+    <p:spTree>
+      <p:nvGrpSpPr>
+        <p:cNvPr id="1" name=""/>
+        <p:cNvGrpSpPr/>
+        <p:nvPr/>
+      </p:nvGrpSpPr>
+      <p:grpSpPr>
+        <a:xfrm>
+          <a:off x="0" y="0"/>
+          <a:ext cx="0" cy="0"/>
+          <a:chOff x="0" y="0"/>
+          <a:chExt cx="0" cy="0"/>
+        </a:xfrm>
+      </p:grpSpPr>
+      <p:sp>
+        <p:nvSpPr>
+          <p:cNvPr id="2" name="Title 1">
+            <a:extLst>
+              <a:ext uri="{FF2B5EF4-FFF2-40B4-BE49-F238E27FC236}">
                 <a16:creationId xmlns:a16="http://schemas.microsoft.com/office/drawing/2014/main" id="{C6EF29FF-F8DC-4038-84B6-13920D916319}"/>
               </a:ext>
             </a:extLst>
@@ -4565,48 +5351,42 @@
                 <a:latin typeface="Courier New" panose="02070309020205020404" pitchFamily="49" charset="0"/>
                 <a:cs typeface="Courier New" panose="02070309020205020404" pitchFamily="49" charset="0"/>
               </a:rPr>
-              <a:t> \&lt;</a:t>
+              <a:t> %USERPROFILE%\Documents\</a:t>
             </a:r>
             <a:r>
               <a:rPr lang="en-GB" sz="1400" dirty="0" err="1">
                 <a:latin typeface="Courier New" panose="02070309020205020404" pitchFamily="49" charset="0"/>
                 <a:cs typeface="Courier New" panose="02070309020205020404" pitchFamily="49" charset="0"/>
               </a:rPr>
-              <a:t>yourname</a:t>
-            </a:r>
+              <a:t>pytut</a:t>
+            </a:r>
+            <a:endParaRPr lang="en-GB" sz="1400" dirty="0">
+              <a:latin typeface="Courier New" panose="02070309020205020404" pitchFamily="49" charset="0"/>
+              <a:cs typeface="Courier New" panose="02070309020205020404" pitchFamily="49" charset="0"/>
+            </a:endParaRPr>
+          </a:p>
+          <a:p>
+            <a:pPr marL="457200" lvl="1" indent="0">
+              <a:buNone/>
+            </a:pPr>
             <a:r>
               <a:rPr lang="en-GB" sz="1400" dirty="0">
                 <a:latin typeface="Courier New" panose="02070309020205020404" pitchFamily="49" charset="0"/>
                 <a:cs typeface="Courier New" panose="02070309020205020404" pitchFamily="49" charset="0"/>
               </a:rPr>
-              <a:t>&gt;tut</a:t>
-            </a:r>
-          </a:p>
-          <a:p>
-            <a:pPr marL="457200" lvl="1" indent="0">
-              <a:buNone/>
-            </a:pPr>
-            <a:r>
-              <a:rPr lang="en-GB" sz="1400" dirty="0">
-                <a:latin typeface="Courier New" panose="02070309020205020404" pitchFamily="49" charset="0"/>
-                <a:cs typeface="Courier New" panose="02070309020205020404" pitchFamily="49" charset="0"/>
-              </a:rPr>
-              <a:t>&gt; cd \&lt;</a:t>
+              <a:t>&gt; cd %USERPROFILE%\Documents\</a:t>
             </a:r>
             <a:r>
               <a:rPr lang="en-GB" sz="1400" dirty="0" err="1">
                 <a:latin typeface="Courier New" panose="02070309020205020404" pitchFamily="49" charset="0"/>
                 <a:cs typeface="Courier New" panose="02070309020205020404" pitchFamily="49" charset="0"/>
               </a:rPr>
-              <a:t>yourname</a:t>
-            </a:r>
-            <a:r>
-              <a:rPr lang="en-GB" sz="1400" dirty="0">
-                <a:latin typeface="Courier New" panose="02070309020205020404" pitchFamily="49" charset="0"/>
-                <a:cs typeface="Courier New" panose="02070309020205020404" pitchFamily="49" charset="0"/>
-              </a:rPr>
-              <a:t>&gt;tut</a:t>
-            </a:r>
+              <a:t>pytut</a:t>
+            </a:r>
+            <a:endParaRPr lang="en-GB" sz="1400" dirty="0">
+              <a:latin typeface="Courier New" panose="02070309020205020404" pitchFamily="49" charset="0"/>
+              <a:cs typeface="Courier New" panose="02070309020205020404" pitchFamily="49" charset="0"/>
+            </a:endParaRPr>
           </a:p>
           <a:p>
             <a:pPr marL="457200" lvl="1" indent="0">
@@ -4801,7 +5581,7 @@
 </p:sld>
 </file>
 
-<file path=ppt/slides/slide15.xml><?xml version="1.0" encoding="utf-8"?>
+<file path=ppt/slides/slide17.xml><?xml version="1.0" encoding="utf-8"?>
 <p:sld xmlns:a="http://schemas.openxmlformats.org/drawingml/2006/main" xmlns:r="http://schemas.openxmlformats.org/officeDocument/2006/relationships" xmlns:p="http://schemas.openxmlformats.org/presentationml/2006/main">
   <p:cSld>
     <p:spTree>
@@ -5087,7 +5867,7 @@
 </p:sld>
 </file>
 
-<file path=ppt/slides/slide16.xml><?xml version="1.0" encoding="utf-8"?>
+<file path=ppt/slides/slide18.xml><?xml version="1.0" encoding="utf-8"?>
 <p:sld xmlns:a="http://schemas.openxmlformats.org/drawingml/2006/main" xmlns:r="http://schemas.openxmlformats.org/officeDocument/2006/relationships" xmlns:p="http://schemas.openxmlformats.org/presentationml/2006/main">
   <p:cSld>
     <p:spTree>
@@ -5572,7 +6352,7 @@
 </p:sld>
 </file>
 
-<file path=ppt/slides/slide17.xml><?xml version="1.0" encoding="utf-8"?>
+<file path=ppt/slides/slide19.xml><?xml version="1.0" encoding="utf-8"?>
 <p:sld xmlns:a="http://schemas.openxmlformats.org/drawingml/2006/main" xmlns:r="http://schemas.openxmlformats.org/officeDocument/2006/relationships" xmlns:p="http://schemas.openxmlformats.org/presentationml/2006/main">
   <p:cSld>
     <p:spTree>
@@ -5974,7 +6754,7 @@
 </p:sld>
 </file>
 
-<file path=ppt/slides/slide18.xml><?xml version="1.0" encoding="utf-8"?>
+<file path=ppt/slides/slide2.xml><?xml version="1.0" encoding="utf-8"?>
 <p:sld xmlns:a="http://schemas.openxmlformats.org/drawingml/2006/main" xmlns:r="http://schemas.openxmlformats.org/officeDocument/2006/relationships" xmlns:p="http://schemas.openxmlformats.org/presentationml/2006/main">
   <p:cSld>
     <p:spTree>
@@ -5996,6 +6776,243 @@
           <p:cNvPr id="2" name="Title 1">
             <a:extLst>
               <a:ext uri="{FF2B5EF4-FFF2-40B4-BE49-F238E27FC236}">
+                <a16:creationId xmlns:a16="http://schemas.microsoft.com/office/drawing/2014/main" id="{806987FD-D01A-4747-B848-30539482D38F}"/>
+              </a:ext>
+            </a:extLst>
+          </p:cNvPr>
+          <p:cNvSpPr>
+            <a:spLocks noGrp="1"/>
+          </p:cNvSpPr>
+          <p:nvPr>
+            <p:ph type="title"/>
+          </p:nvPr>
+        </p:nvSpPr>
+        <p:spPr/>
+        <p:txBody>
+          <a:bodyPr/>
+          <a:lstStyle/>
+          <a:p>
+            <a:r>
+              <a:rPr lang="en-GB" dirty="0"/>
+              <a:t>Student system preparation</a:t>
+            </a:r>
+          </a:p>
+        </p:txBody>
+      </p:sp>
+      <p:sp>
+        <p:nvSpPr>
+          <p:cNvPr id="3" name="Content Placeholder 2">
+            <a:extLst>
+              <a:ext uri="{FF2B5EF4-FFF2-40B4-BE49-F238E27FC236}">
+                <a16:creationId xmlns:a16="http://schemas.microsoft.com/office/drawing/2014/main" id="{C9B577F9-DD82-4B43-A592-15A44395A58B}"/>
+              </a:ext>
+            </a:extLst>
+          </p:cNvPr>
+          <p:cNvSpPr>
+            <a:spLocks noGrp="1"/>
+          </p:cNvSpPr>
+          <p:nvPr>
+            <p:ph idx="1"/>
+          </p:nvPr>
+        </p:nvSpPr>
+        <p:spPr/>
+        <p:txBody>
+          <a:bodyPr>
+            <a:normAutofit/>
+          </a:bodyPr>
+          <a:lstStyle/>
+          <a:p>
+            <a:r>
+              <a:rPr lang="en-GB" dirty="0"/>
+              <a:t>Install Git for windows: https://git-scm.com/download/win</a:t>
+            </a:r>
+          </a:p>
+          <a:p>
+            <a:r>
+              <a:rPr lang="en-GB" dirty="0"/>
+              <a:t>Install </a:t>
+            </a:r>
+            <a:r>
+              <a:rPr lang="en-GB" dirty="0" err="1"/>
+              <a:t>Miniconda</a:t>
+            </a:r>
+            <a:r>
+              <a:rPr lang="en-GB" dirty="0"/>
+              <a:t>: </a:t>
+            </a:r>
+            <a:r>
+              <a:rPr lang="en-GB" dirty="0">
+                <a:hlinkClick r:id="rId2"/>
+              </a:rPr>
+              <a:t>https://docs.conda.io/en/latest/miniconda.html</a:t>
+            </a:r>
+            <a:endParaRPr lang="en-GB" dirty="0"/>
+          </a:p>
+          <a:p>
+            <a:pPr lvl="1"/>
+            <a:r>
+              <a:rPr lang="en-GB" dirty="0"/>
+              <a:t>At time of writing use python 3.8</a:t>
+            </a:r>
+          </a:p>
+          <a:p>
+            <a:r>
+              <a:rPr lang="en-GB" dirty="0"/>
+              <a:t>Install </a:t>
+            </a:r>
+            <a:r>
+              <a:rPr lang="en-GB" dirty="0" err="1"/>
+              <a:t>Vscode</a:t>
+            </a:r>
+            <a:r>
+              <a:rPr lang="en-GB" dirty="0"/>
+              <a:t>: </a:t>
+            </a:r>
+            <a:r>
+              <a:rPr lang="en-GB" dirty="0">
+                <a:hlinkClick r:id="rId3"/>
+              </a:rPr>
+              <a:t>https://code.visualstudio.com/</a:t>
+            </a:r>
+            <a:endParaRPr lang="en-GB" dirty="0"/>
+          </a:p>
+          <a:p>
+            <a:pPr lvl="1"/>
+            <a:r>
+              <a:rPr lang="en-GB" dirty="0"/>
+              <a:t>Use the stable build.</a:t>
+            </a:r>
+          </a:p>
+          <a:p>
+            <a:pPr lvl="1"/>
+            <a:r>
+              <a:rPr lang="en-GB" dirty="0"/>
+              <a:t>And install extensions for python &amp; </a:t>
+            </a:r>
+            <a:r>
+              <a:rPr lang="en-GB" dirty="0" err="1"/>
+              <a:t>pylance</a:t>
+            </a:r>
+            <a:r>
+              <a:rPr lang="en-GB" dirty="0"/>
+              <a:t>.</a:t>
+            </a:r>
+          </a:p>
+          <a:p>
+            <a:r>
+              <a:rPr lang="en-GB" dirty="0"/>
+              <a:t>Clone the tutorial repository using "GIT CMD":</a:t>
+            </a:r>
+          </a:p>
+          <a:p>
+            <a:pPr lvl="1">
+              <a:buFont typeface="Calibri" panose="020F0502020204030204" pitchFamily="34" charset="0"/>
+              <a:buChar char="›"/>
+            </a:pPr>
+            <a:r>
+              <a:rPr lang="en-GB" sz="1800" dirty="0" err="1">
+                <a:latin typeface="Courier New" panose="02070309020205020404" pitchFamily="49" charset="0"/>
+                <a:cs typeface="Courier New" panose="02070309020205020404" pitchFamily="49" charset="0"/>
+              </a:rPr>
+              <a:t>mkdir</a:t>
+            </a:r>
+            <a:r>
+              <a:rPr lang="en-GB" sz="1800" dirty="0">
+                <a:latin typeface="Courier New" panose="02070309020205020404" pitchFamily="49" charset="0"/>
+                <a:cs typeface="Courier New" panose="02070309020205020404" pitchFamily="49" charset="0"/>
+              </a:rPr>
+              <a:t> %USERPROFILE%\</a:t>
+            </a:r>
+            <a:r>
+              <a:rPr lang="en-GB" sz="1800" dirty="0" err="1">
+                <a:latin typeface="Courier New" panose="02070309020205020404" pitchFamily="49" charset="0"/>
+                <a:cs typeface="Courier New" panose="02070309020205020404" pitchFamily="49" charset="0"/>
+              </a:rPr>
+              <a:t>pytut</a:t>
+            </a:r>
+            <a:endParaRPr lang="en-GB" sz="1800" dirty="0">
+              <a:latin typeface="Courier New" panose="02070309020205020404" pitchFamily="49" charset="0"/>
+              <a:cs typeface="Courier New" panose="02070309020205020404" pitchFamily="49" charset="0"/>
+            </a:endParaRPr>
+          </a:p>
+          <a:p>
+            <a:pPr lvl="1">
+              <a:buFont typeface="Calibri" panose="020F0502020204030204" pitchFamily="34" charset="0"/>
+              <a:buChar char="›"/>
+            </a:pPr>
+            <a:r>
+              <a:rPr lang="en-GB" sz="1800" dirty="0">
+                <a:latin typeface="Courier New" panose="02070309020205020404" pitchFamily="49" charset="0"/>
+                <a:cs typeface="Courier New" panose="02070309020205020404" pitchFamily="49" charset="0"/>
+              </a:rPr>
+              <a:t>cd %USERPROFILE%\</a:t>
+            </a:r>
+            <a:r>
+              <a:rPr lang="en-GB" sz="1800" dirty="0" err="1">
+                <a:latin typeface="Courier New" panose="02070309020205020404" pitchFamily="49" charset="0"/>
+                <a:cs typeface="Courier New" panose="02070309020205020404" pitchFamily="49" charset="0"/>
+              </a:rPr>
+              <a:t>pytut</a:t>
+            </a:r>
+            <a:endParaRPr lang="en-GB" sz="1800" dirty="0">
+              <a:latin typeface="Courier New" panose="02070309020205020404" pitchFamily="49" charset="0"/>
+              <a:cs typeface="Courier New" panose="02070309020205020404" pitchFamily="49" charset="0"/>
+            </a:endParaRPr>
+          </a:p>
+          <a:p>
+            <a:pPr lvl="1">
+              <a:buFont typeface="Calibri" panose="020F0502020204030204" pitchFamily="34" charset="0"/>
+              <a:buChar char="›"/>
+            </a:pPr>
+            <a:r>
+              <a:rPr lang="en-GB" sz="1800" dirty="0">
+                <a:latin typeface="Courier New" panose="02070309020205020404" pitchFamily="49" charset="0"/>
+                <a:cs typeface="Courier New" panose="02070309020205020404" pitchFamily="49" charset="0"/>
+              </a:rPr>
+              <a:t>git clone https://github.com/mrkbutty/PythonTutButty01.git</a:t>
+            </a:r>
+          </a:p>
+          <a:p>
+            <a:pPr lvl="1"/>
+            <a:endParaRPr lang="en-GB" dirty="0"/>
+          </a:p>
+        </p:txBody>
+      </p:sp>
+    </p:spTree>
+    <p:extLst>
+      <p:ext uri="{BB962C8B-B14F-4D97-AF65-F5344CB8AC3E}">
+        <p14:creationId xmlns:p14="http://schemas.microsoft.com/office/powerpoint/2010/main" val="1168760780"/>
+      </p:ext>
+    </p:extLst>
+  </p:cSld>
+  <p:clrMapOvr>
+    <a:masterClrMapping/>
+  </p:clrMapOvr>
+</p:sld>
+</file>
+
+<file path=ppt/slides/slide20.xml><?xml version="1.0" encoding="utf-8"?>
+<p:sld xmlns:a="http://schemas.openxmlformats.org/drawingml/2006/main" xmlns:r="http://schemas.openxmlformats.org/officeDocument/2006/relationships" xmlns:p="http://schemas.openxmlformats.org/presentationml/2006/main">
+  <p:cSld>
+    <p:spTree>
+      <p:nvGrpSpPr>
+        <p:cNvPr id="1" name=""/>
+        <p:cNvGrpSpPr/>
+        <p:nvPr/>
+      </p:nvGrpSpPr>
+      <p:grpSpPr>
+        <a:xfrm>
+          <a:off x="0" y="0"/>
+          <a:ext cx="0" cy="0"/>
+          <a:chOff x="0" y="0"/>
+          <a:chExt cx="0" cy="0"/>
+        </a:xfrm>
+      </p:grpSpPr>
+      <p:sp>
+        <p:nvSpPr>
+          <p:cNvPr id="2" name="Title 1">
+            <a:extLst>
+              <a:ext uri="{FF2B5EF4-FFF2-40B4-BE49-F238E27FC236}">
                 <a16:creationId xmlns:a16="http://schemas.microsoft.com/office/drawing/2014/main" id="{B7316375-0FD6-4D07-8B13-337A22316672}"/>
               </a:ext>
             </a:extLst>
@@ -6152,7 +7169,7 @@
             </a:pPr>
             <a:r>
               <a:rPr lang="en-GB" dirty="0"/>
-              <a:t>&lt;tab\&gt; completion</a:t>
+              <a:t>&lt;tab&gt; completion</a:t>
             </a:r>
           </a:p>
           <a:p>
@@ -6161,7 +7178,7 @@
             </a:pPr>
             <a:r>
               <a:rPr lang="en-GB" dirty="0"/>
-              <a:t>&lt;command\&gt;? | ?&lt;command\&gt; = Object introspection and help (docstring)</a:t>
+              <a:t>&lt;command&gt;? | ?&lt;command&gt; = Object introspection and help (docstring)</a:t>
             </a:r>
           </a:p>
           <a:p>
@@ -6211,7 +7228,7 @@
 </p:sld>
 </file>
 
-<file path=ppt/slides/slide19.xml><?xml version="1.0" encoding="utf-8"?>
+<file path=ppt/slides/slide21.xml><?xml version="1.0" encoding="utf-8"?>
 <p:sld xmlns:a="http://schemas.openxmlformats.org/drawingml/2006/main" xmlns:r="http://schemas.openxmlformats.org/officeDocument/2006/relationships" xmlns:p="http://schemas.openxmlformats.org/presentationml/2006/main">
   <p:cSld>
     <p:spTree>
@@ -6320,7 +7337,7 @@
 </p:sld>
 </file>
 
-<file path=ppt/slides/slide2.xml><?xml version="1.0" encoding="utf-8"?>
+<file path=ppt/slides/slide22.xml><?xml version="1.0" encoding="utf-8"?>
 <p:sld xmlns:a="http://schemas.openxmlformats.org/drawingml/2006/main" xmlns:r="http://schemas.openxmlformats.org/officeDocument/2006/relationships" xmlns:p="http://schemas.openxmlformats.org/presentationml/2006/main">
   <p:cSld>
     <p:spTree>
@@ -6342,158 +7359,6 @@
           <p:cNvPr id="2" name="Title 1">
             <a:extLst>
               <a:ext uri="{FF2B5EF4-FFF2-40B4-BE49-F238E27FC236}">
-                <a16:creationId xmlns:a16="http://schemas.microsoft.com/office/drawing/2014/main" id="{884E3517-0C8B-4476-9E79-88F8C9CACC9B}"/>
-              </a:ext>
-            </a:extLst>
-          </p:cNvPr>
-          <p:cNvSpPr>
-            <a:spLocks noGrp="1"/>
-          </p:cNvSpPr>
-          <p:nvPr>
-            <p:ph type="title"/>
-          </p:nvPr>
-        </p:nvSpPr>
-        <p:spPr/>
-        <p:txBody>
-          <a:bodyPr/>
-          <a:lstStyle/>
-          <a:p>
-            <a:r>
-              <a:rPr lang="en-GB" dirty="0"/>
-              <a:t>Welcome</a:t>
-            </a:r>
-          </a:p>
-        </p:txBody>
-      </p:sp>
-      <p:sp>
-        <p:nvSpPr>
-          <p:cNvPr id="3" name="Content Placeholder 2">
-            <a:extLst>
-              <a:ext uri="{FF2B5EF4-FFF2-40B4-BE49-F238E27FC236}">
-                <a16:creationId xmlns:a16="http://schemas.microsoft.com/office/drawing/2014/main" id="{B1FA3FDA-AC5C-485F-A705-CA9E1480682B}"/>
-              </a:ext>
-            </a:extLst>
-          </p:cNvPr>
-          <p:cNvSpPr>
-            <a:spLocks noGrp="1"/>
-          </p:cNvSpPr>
-          <p:nvPr>
-            <p:ph idx="1"/>
-          </p:nvPr>
-        </p:nvSpPr>
-        <p:spPr/>
-        <p:txBody>
-          <a:bodyPr>
-            <a:normAutofit lnSpcReduction="10000"/>
-          </a:bodyPr>
-          <a:lstStyle/>
-          <a:p>
-            <a:r>
-              <a:rPr lang="en-GB" dirty="0"/>
-              <a:t>Note I'm not an experienced teacher, so please give feedback and ask questions as we go.</a:t>
-            </a:r>
-          </a:p>
-          <a:p>
-            <a:r>
-              <a:rPr lang="en-GB" dirty="0"/>
-              <a:t>When &amp; how long would you like to break for lunch?</a:t>
-            </a:r>
-          </a:p>
-          <a:p>
-            <a:r>
-              <a:rPr lang="en-GB" dirty="0"/>
-              <a:t>Let me know when you want or need a break.</a:t>
-            </a:r>
-          </a:p>
-          <a:p>
-            <a:endParaRPr lang="en-GB" dirty="0"/>
-          </a:p>
-          <a:p>
-            <a:r>
-              <a:rPr lang="en-GB" dirty="0"/>
-              <a:t>About me &amp; you:</a:t>
-            </a:r>
-          </a:p>
-          <a:p>
-            <a:pPr marL="914400" lvl="1" indent="-457200">
-              <a:buFont typeface="+mj-lt"/>
-              <a:buAutoNum type="arabicPeriod"/>
-            </a:pPr>
-            <a:r>
-              <a:rPr lang="en-GB" dirty="0"/>
-              <a:t>Your favourite learning technique (book, classroom, video, etc)? </a:t>
-            </a:r>
-          </a:p>
-          <a:p>
-            <a:pPr marL="914400" lvl="1" indent="-457200">
-              <a:buFont typeface="+mj-lt"/>
-              <a:buAutoNum type="arabicPeriod"/>
-            </a:pPr>
-            <a:r>
-              <a:rPr lang="en-GB" dirty="0"/>
-              <a:t>Python experience?</a:t>
-            </a:r>
-          </a:p>
-          <a:p>
-            <a:pPr marL="914400" lvl="1" indent="-457200">
-              <a:buFont typeface="+mj-lt"/>
-              <a:buAutoNum type="arabicPeriod"/>
-            </a:pPr>
-            <a:r>
-              <a:rPr lang="en-GB" dirty="0"/>
-              <a:t>Other programming experience?</a:t>
-            </a:r>
-          </a:p>
-          <a:p>
-            <a:pPr marL="914400" lvl="1" indent="-457200">
-              <a:buFont typeface="+mj-lt"/>
-              <a:buAutoNum type="arabicPeriod"/>
-            </a:pPr>
-            <a:r>
-              <a:rPr lang="en-GB" dirty="0"/>
-              <a:t>Why you want to learn Python and what you might use it for?</a:t>
-            </a:r>
-          </a:p>
-          <a:p>
-            <a:endParaRPr lang="en-GB" dirty="0"/>
-          </a:p>
-        </p:txBody>
-      </p:sp>
-    </p:spTree>
-    <p:extLst>
-      <p:ext uri="{BB962C8B-B14F-4D97-AF65-F5344CB8AC3E}">
-        <p14:creationId xmlns:p14="http://schemas.microsoft.com/office/powerpoint/2010/main" val="4232109534"/>
-      </p:ext>
-    </p:extLst>
-  </p:cSld>
-  <p:clrMapOvr>
-    <a:masterClrMapping/>
-  </p:clrMapOvr>
-</p:sld>
-</file>
-
-<file path=ppt/slides/slide20.xml><?xml version="1.0" encoding="utf-8"?>
-<p:sld xmlns:a="http://schemas.openxmlformats.org/drawingml/2006/main" xmlns:r="http://schemas.openxmlformats.org/officeDocument/2006/relationships" xmlns:p="http://schemas.openxmlformats.org/presentationml/2006/main">
-  <p:cSld>
-    <p:spTree>
-      <p:nvGrpSpPr>
-        <p:cNvPr id="1" name=""/>
-        <p:cNvGrpSpPr/>
-        <p:nvPr/>
-      </p:nvGrpSpPr>
-      <p:grpSpPr>
-        <a:xfrm>
-          <a:off x="0" y="0"/>
-          <a:ext cx="0" cy="0"/>
-          <a:chOff x="0" y="0"/>
-          <a:chExt cx="0" cy="0"/>
-        </a:xfrm>
-      </p:grpSpPr>
-      <p:sp>
-        <p:nvSpPr>
-          <p:cNvPr id="2" name="Title 1">
-            <a:extLst>
-              <a:ext uri="{FF2B5EF4-FFF2-40B4-BE49-F238E27FC236}">
                 <a16:creationId xmlns:a16="http://schemas.microsoft.com/office/drawing/2014/main" id="{12D5E925-6DBC-4510-A0F2-E739D747F2CD}"/>
               </a:ext>
             </a:extLst>
@@ -6545,12 +7410,27 @@
             <p:ph idx="1"/>
           </p:nvPr>
         </p:nvSpPr>
-        <p:spPr/>
+        <p:spPr>
+          <a:xfrm>
+            <a:off x="838200" y="1556084"/>
+            <a:ext cx="9734550" cy="2863515"/>
+          </a:xfrm>
+        </p:spPr>
         <p:txBody>
           <a:bodyPr>
-            <a:normAutofit fontScale="55000" lnSpcReduction="20000"/>
+            <a:normAutofit fontScale="77500" lnSpcReduction="20000"/>
           </a:bodyPr>
           <a:lstStyle/>
+          <a:p>
+            <a:r>
+              <a:rPr lang="en-GB" dirty="0" err="1"/>
+              <a:t>Jupyter</a:t>
+            </a:r>
+            <a:r>
+              <a:rPr lang="en-GB" dirty="0"/>
+              <a:t> is the newer language agnostic frontend.</a:t>
+            </a:r>
+          </a:p>
           <a:p>
             <a:r>
               <a:rPr lang="en-GB" dirty="0"/>
@@ -6574,7 +7454,7 @@
           <a:p>
             <a:r>
               <a:rPr lang="en-GB" dirty="0"/>
-              <a:t>From Anaconda start the "</a:t>
+              <a:t>From Anaconda menu start the "</a:t>
             </a:r>
             <a:r>
               <a:rPr lang="en-GB" dirty="0" err="1"/>
@@ -6594,128 +7474,301 @@
             </a:r>
           </a:p>
           <a:p>
+            <a:pPr lvl="1"/>
+            <a:r>
+              <a:rPr lang="en-GB" dirty="0"/>
+              <a:t>Note that CWD is %USERPROFILE% directory unless you use CLI.</a:t>
+            </a:r>
+          </a:p>
+          <a:p>
+            <a:pPr lvl="1"/>
+            <a:r>
+              <a:rPr lang="en-GB" dirty="0" err="1"/>
+              <a:t>Miniconda</a:t>
+            </a:r>
+            <a:r>
+              <a:rPr lang="en-GB" dirty="0"/>
+              <a:t> users may need to install with "</a:t>
+            </a:r>
+            <a:r>
+              <a:rPr lang="en-GB" dirty="0" err="1"/>
+              <a:t>conda</a:t>
+            </a:r>
+            <a:r>
+              <a:rPr lang="en-GB" dirty="0"/>
+              <a:t> install </a:t>
+            </a:r>
+            <a:r>
+              <a:rPr lang="en-GB" dirty="0" err="1"/>
+              <a:t>jupyter</a:t>
+            </a:r>
+            <a:r>
+              <a:rPr lang="en-GB" dirty="0"/>
+              <a:t>"</a:t>
+            </a:r>
+          </a:p>
+          <a:p>
+            <a:r>
+              <a:rPr lang="en-GB" dirty="0"/>
+              <a:t>Once opened a New=&gt;Python3 notebook you can rename from "Untitled" to "#Scrap"</a:t>
+            </a:r>
+          </a:p>
+          <a:p>
             <a:endParaRPr lang="en-GB" dirty="0"/>
           </a:p>
           <a:p>
-            <a:r>
-              <a:rPr lang="en-GB" dirty="0"/>
-              <a:t> </a:t>
-            </a:r>
-            <a:r>
-              <a:rPr lang="en-GB" b="1" dirty="0"/>
-              <a:t>&lt;ESC&gt; </a:t>
-            </a:r>
-            <a:r>
-              <a:rPr lang="en-GB" dirty="0"/>
-              <a:t>= command mode </a:t>
-            </a:r>
-          </a:p>
-          <a:p>
-            <a:r>
-              <a:rPr lang="en-GB" b="1" dirty="0"/>
-              <a:t>&lt;Enter&gt; </a:t>
-            </a:r>
-            <a:r>
-              <a:rPr lang="en-GB" dirty="0"/>
-              <a:t>=  edit mode</a:t>
-            </a:r>
-          </a:p>
-          <a:p>
-            <a:r>
-              <a:rPr lang="en-GB" b="1" dirty="0"/>
-              <a:t>h</a:t>
-            </a:r>
-            <a:r>
-              <a:rPr lang="en-GB" dirty="0"/>
-              <a:t> = help in command mode</a:t>
-            </a:r>
-          </a:p>
-          <a:p>
-            <a:r>
-              <a:rPr lang="en-GB" b="1" dirty="0"/>
-              <a:t>a</a:t>
-            </a:r>
-            <a:r>
-              <a:rPr lang="en-GB" dirty="0"/>
-              <a:t> = create cell above</a:t>
-            </a:r>
-          </a:p>
-          <a:p>
-            <a:r>
-              <a:rPr lang="en-GB" b="1" dirty="0"/>
-              <a:t>b </a:t>
-            </a:r>
-            <a:r>
-              <a:rPr lang="en-GB" dirty="0"/>
-              <a:t>= create cell below</a:t>
-            </a:r>
-          </a:p>
-          <a:p>
-            <a:r>
-              <a:rPr lang="en-GB" b="1" dirty="0"/>
-              <a:t>dd</a:t>
-            </a:r>
-            <a:r>
-              <a:rPr lang="en-GB" dirty="0"/>
-              <a:t> = delete cell</a:t>
-            </a:r>
-          </a:p>
-          <a:p>
-            <a:r>
-              <a:rPr lang="en-GB" b="1" dirty="0"/>
-              <a:t>L</a:t>
-            </a:r>
-            <a:r>
-              <a:rPr lang="en-GB" dirty="0"/>
-              <a:t> = Toggle line numbers</a:t>
-            </a:r>
-          </a:p>
-          <a:p>
-            <a:r>
-              <a:rPr lang="en-GB" b="1" dirty="0"/>
-              <a:t>&lt;shift&gt;+&lt;tab&gt; </a:t>
-            </a:r>
-            <a:r>
-              <a:rPr lang="en-GB" dirty="0"/>
-              <a:t>= Show parameter help (doc string)</a:t>
-            </a:r>
-          </a:p>
-          <a:p>
-            <a:r>
-              <a:rPr lang="en-GB" b="1" dirty="0"/>
-              <a:t>&lt;shift&gt;+&lt;enter&gt; </a:t>
-            </a:r>
-            <a:r>
-              <a:rPr lang="en-GB" dirty="0"/>
-              <a:t>= run cell</a:t>
-            </a:r>
-          </a:p>
-          <a:p>
-            <a:r>
-              <a:rPr lang="en-GB" b="1" dirty="0"/>
-              <a:t>! </a:t>
-            </a:r>
-            <a:r>
-              <a:rPr lang="en-GB" dirty="0"/>
-              <a:t>= to run shell commands</a:t>
-            </a:r>
-          </a:p>
-          <a:p>
-            <a:r>
-              <a:rPr lang="en-GB" b="1" dirty="0"/>
-              <a:t>%magic </a:t>
-            </a:r>
-            <a:r>
-              <a:rPr lang="en-GB" dirty="0"/>
-              <a:t>and </a:t>
-            </a:r>
-            <a:r>
-              <a:rPr lang="en-GB" b="1" dirty="0"/>
-              <a:t>%%magic</a:t>
-            </a:r>
-          </a:p>
-        </p:txBody>
-      </p:sp>
+            <a:endParaRPr lang="en-GB" dirty="0"/>
+          </a:p>
+          <a:p>
+            <a:endParaRPr lang="en-GB" dirty="0"/>
+          </a:p>
+        </p:txBody>
+      </p:sp>
+      <p:graphicFrame>
+        <p:nvGraphicFramePr>
+          <p:cNvPr id="5" name="Table 5">
+            <a:extLst>
+              <a:ext uri="{FF2B5EF4-FFF2-40B4-BE49-F238E27FC236}">
+                <a16:creationId xmlns:a16="http://schemas.microsoft.com/office/drawing/2014/main" id="{46877776-C3FB-48D6-9168-550FDB643477}"/>
+              </a:ext>
+            </a:extLst>
+          </p:cNvPr>
+          <p:cNvGraphicFramePr>
+            <a:graphicFrameLocks noGrp="1"/>
+          </p:cNvGraphicFramePr>
+          <p:nvPr>
+            <p:extLst>
+              <p:ext uri="{D42A27DB-BD31-4B8C-83A1-F6EECF244321}">
+                <p14:modId xmlns:p14="http://schemas.microsoft.com/office/powerpoint/2010/main" val="1752658271"/>
+              </p:ext>
+            </p:extLst>
+          </p:nvPr>
+        </p:nvGraphicFramePr>
+        <p:xfrm>
+          <a:off x="838200" y="4563775"/>
+          <a:ext cx="8514348" cy="2011680"/>
+        </p:xfrm>
+        <a:graphic>
+          <a:graphicData uri="http://schemas.openxmlformats.org/drawingml/2006/table">
+            <a:tbl>
+              <a:tblPr firstRow="1" bandRow="1">
+                <a:tableStyleId>{5C22544A-7EE6-4342-B048-85BDC9FD1C3A}</a:tableStyleId>
+              </a:tblPr>
+              <a:tblGrid>
+                <a:gridCol w="3449443">
+                  <a:extLst>
+                    <a:ext uri="{9D8B030D-6E8A-4147-A177-3AD203B41FA5}">
+                      <a16:colId xmlns:a16="http://schemas.microsoft.com/office/drawing/2014/main" val="117355706"/>
+                    </a:ext>
+                  </a:extLst>
+                </a:gridCol>
+                <a:gridCol w="5064905">
+                  <a:extLst>
+                    <a:ext uri="{9D8B030D-6E8A-4147-A177-3AD203B41FA5}">
+                      <a16:colId xmlns:a16="http://schemas.microsoft.com/office/drawing/2014/main" val="236687789"/>
+                    </a:ext>
+                  </a:extLst>
+                </a:gridCol>
+              </a:tblGrid>
+              <a:tr h="1462836">
+                <a:tc>
+                  <a:txBody>
+                    <a:bodyPr/>
+                    <a:lstStyle/>
+                    <a:p>
+                      <a:r>
+                        <a:rPr lang="en-GB" sz="1800" b="1" dirty="0"/>
+                        <a:t>&lt;ESC&gt; </a:t>
+                      </a:r>
+                      <a:r>
+                        <a:rPr lang="en-GB" sz="1800" dirty="0"/>
+                        <a:t>= command mode </a:t>
+                      </a:r>
+                    </a:p>
+                    <a:p>
+                      <a:r>
+                        <a:rPr lang="en-GB" sz="1800" b="1" dirty="0"/>
+                        <a:t>&lt;Enter&gt; </a:t>
+                      </a:r>
+                      <a:r>
+                        <a:rPr lang="en-GB" sz="1800" dirty="0"/>
+                        <a:t>=  edit mode</a:t>
+                      </a:r>
+                    </a:p>
+                    <a:p>
+                      <a:pPr marL="0" marR="0" lvl="0" indent="0" algn="l" defTabSz="914400" rtl="0" eaLnBrk="1" fontAlgn="auto" latinLnBrk="0" hangingPunct="1">
+                        <a:lnSpc>
+                          <a:spcPct val="100000"/>
+                        </a:lnSpc>
+                        <a:spcBef>
+                          <a:spcPts val="0"/>
+                        </a:spcBef>
+                        <a:spcAft>
+                          <a:spcPts val="0"/>
+                        </a:spcAft>
+                        <a:buClrTx/>
+                        <a:buSzTx/>
+                        <a:buFontTx/>
+                        <a:buNone/>
+                        <a:tabLst/>
+                        <a:defRPr/>
+                      </a:pPr>
+                      <a:r>
+                        <a:rPr lang="en-GB" sz="1800" b="1" dirty="0"/>
+                        <a:t>&lt;shift&gt;+&lt;enter&gt; </a:t>
+                      </a:r>
+                      <a:r>
+                        <a:rPr lang="en-GB" sz="1800" dirty="0"/>
+                        <a:t>= run cell</a:t>
+                      </a:r>
+                    </a:p>
+                    <a:p>
+                      <a:endParaRPr lang="en-GB" sz="1800" dirty="0"/>
+                    </a:p>
+                    <a:p>
+                      <a:r>
+                        <a:rPr lang="en-GB" sz="1800" b="1" dirty="0"/>
+                        <a:t>A</a:t>
+                      </a:r>
+                      <a:r>
+                        <a:rPr lang="en-GB" sz="1800" dirty="0"/>
+                        <a:t> = create cell above</a:t>
+                      </a:r>
+                    </a:p>
+                    <a:p>
+                      <a:r>
+                        <a:rPr lang="en-GB" sz="1800" b="1" dirty="0"/>
+                        <a:t>B </a:t>
+                      </a:r>
+                      <a:r>
+                        <a:rPr lang="en-GB" sz="1800" dirty="0"/>
+                        <a:t>= create cell below</a:t>
+                      </a:r>
+                    </a:p>
+                    <a:p>
+                      <a:r>
+                        <a:rPr lang="en-GB" sz="1800" b="1" dirty="0"/>
+                        <a:t>DD</a:t>
+                      </a:r>
+                      <a:r>
+                        <a:rPr lang="en-GB" sz="1800" dirty="0"/>
+                        <a:t> = delete cell</a:t>
+                      </a:r>
+                    </a:p>
+                  </a:txBody>
+                  <a:tcPr/>
+                </a:tc>
+                <a:tc>
+                  <a:txBody>
+                    <a:bodyPr/>
+                    <a:lstStyle/>
+                    <a:p>
+                      <a:pPr marL="0" marR="0" lvl="0" indent="0" algn="l" defTabSz="914400" rtl="0" eaLnBrk="1" fontAlgn="auto" latinLnBrk="0" hangingPunct="1">
+                        <a:lnSpc>
+                          <a:spcPct val="100000"/>
+                        </a:lnSpc>
+                        <a:spcBef>
+                          <a:spcPts val="0"/>
+                        </a:spcBef>
+                        <a:spcAft>
+                          <a:spcPts val="0"/>
+                        </a:spcAft>
+                        <a:buClrTx/>
+                        <a:buSzTx/>
+                        <a:buFontTx/>
+                        <a:buNone/>
+                        <a:tabLst/>
+                        <a:defRPr/>
+                      </a:pPr>
+                      <a:r>
+                        <a:rPr lang="en-GB" sz="1800" b="1" dirty="0"/>
+                        <a:t>H</a:t>
+                      </a:r>
+                      <a:r>
+                        <a:rPr lang="en-GB" sz="1800" dirty="0"/>
+                        <a:t> = help </a:t>
+                      </a:r>
+                    </a:p>
+                    <a:p>
+                      <a:pPr marL="0" marR="0" lvl="0" indent="0" algn="l" defTabSz="914400" rtl="0" eaLnBrk="1" fontAlgn="auto" latinLnBrk="0" hangingPunct="1">
+                        <a:lnSpc>
+                          <a:spcPct val="100000"/>
+                        </a:lnSpc>
+                        <a:spcBef>
+                          <a:spcPts val="0"/>
+                        </a:spcBef>
+                        <a:spcAft>
+                          <a:spcPts val="0"/>
+                        </a:spcAft>
+                        <a:buClrTx/>
+                        <a:buSzTx/>
+                        <a:buFontTx/>
+                        <a:buNone/>
+                        <a:tabLst/>
+                        <a:defRPr/>
+                      </a:pPr>
+                      <a:r>
+                        <a:rPr lang="en-GB" sz="1800" dirty="0"/>
+                        <a:t>M = set cell to markdown </a:t>
+                      </a:r>
+                    </a:p>
+                    <a:p>
+                      <a:r>
+                        <a:rPr lang="en-GB" sz="1800" b="1" dirty="0"/>
+                        <a:t>L</a:t>
+                      </a:r>
+                      <a:r>
+                        <a:rPr lang="en-GB" sz="1800" dirty="0"/>
+                        <a:t> = Toggle line numbers</a:t>
+                      </a:r>
+                    </a:p>
+                    <a:p>
+                      <a:r>
+                        <a:rPr lang="en-GB" sz="1800" b="1" dirty="0"/>
+                        <a:t>&lt;shift&gt;+&lt;tab&gt; </a:t>
+                      </a:r>
+                      <a:r>
+                        <a:rPr lang="en-GB" sz="1800" dirty="0"/>
+                        <a:t>= Show parameter help (doc string)</a:t>
+                      </a:r>
+                    </a:p>
+                    <a:p>
+                      <a:r>
+                        <a:rPr lang="en-GB" sz="1800" b="1" dirty="0"/>
+                        <a:t>! </a:t>
+                      </a:r>
+                      <a:r>
+                        <a:rPr lang="en-GB" sz="1800" dirty="0"/>
+                        <a:t>= to run shell commands</a:t>
+                      </a:r>
+                    </a:p>
+                    <a:p>
+                      <a:r>
+                        <a:rPr lang="en-GB" sz="1800" b="1" dirty="0"/>
+                        <a:t>%magic </a:t>
+                      </a:r>
+                      <a:r>
+                        <a:rPr lang="en-GB" sz="1800" dirty="0"/>
+                        <a:t>and </a:t>
+                      </a:r>
+                      <a:r>
+                        <a:rPr lang="en-GB" sz="1800" b="1" dirty="0"/>
+                        <a:t>%%magic</a:t>
+                      </a:r>
+                    </a:p>
+                  </a:txBody>
+                  <a:tcPr/>
+                </a:tc>
+                <a:extLst>
+                  <a:ext uri="{0D108BD9-81ED-4DB2-BD59-A6C34878D82A}">
+                    <a16:rowId xmlns:a16="http://schemas.microsoft.com/office/drawing/2014/main" val="3038612147"/>
+                  </a:ext>
+                </a:extLst>
+              </a:tr>
+            </a:tbl>
+          </a:graphicData>
+        </a:graphic>
+      </p:graphicFrame>
     </p:spTree>
     <p:extLst>
       <p:ext uri="{BB962C8B-B14F-4D97-AF65-F5344CB8AC3E}">
@@ -6729,7 +7782,7 @@
 </p:sld>
 </file>
 
-<file path=ppt/slides/slide21.xml><?xml version="1.0" encoding="utf-8"?>
+<file path=ppt/slides/slide23.xml><?xml version="1.0" encoding="utf-8"?>
 <p:sld xmlns:a="http://schemas.openxmlformats.org/drawingml/2006/main" xmlns:r="http://schemas.openxmlformats.org/officeDocument/2006/relationships" xmlns:p="http://schemas.openxmlformats.org/presentationml/2006/main">
   <p:cSld>
     <p:bg>
@@ -7013,7 +8066,7 @@
 </p:sld>
 </file>
 
-<file path=ppt/slides/slide22.xml><?xml version="1.0" encoding="utf-8"?>
+<file path=ppt/slides/slide24.xml><?xml version="1.0" encoding="utf-8"?>
 <p:sld xmlns:a="http://schemas.openxmlformats.org/drawingml/2006/main" xmlns:r="http://schemas.openxmlformats.org/officeDocument/2006/relationships" xmlns:p="http://schemas.openxmlformats.org/presentationml/2006/main">
   <p:cSld>
     <p:spTree>
@@ -7200,7 +8253,7 @@
 </p:sld>
 </file>
 
-<file path=ppt/slides/slide23.xml><?xml version="1.0" encoding="utf-8"?>
+<file path=ppt/slides/slide25.xml><?xml version="1.0" encoding="utf-8"?>
 <p:sld xmlns:a="http://schemas.openxmlformats.org/drawingml/2006/main" xmlns:r="http://schemas.openxmlformats.org/officeDocument/2006/relationships" xmlns:p="http://schemas.openxmlformats.org/presentationml/2006/main">
   <p:cSld>
     <p:spTree>
@@ -7375,278 +8428,6 @@
 </p:sld>
 </file>
 
-<file path=ppt/slides/slide24.xml><?xml version="1.0" encoding="utf-8"?>
-<p:sld xmlns:a="http://schemas.openxmlformats.org/drawingml/2006/main" xmlns:r="http://schemas.openxmlformats.org/officeDocument/2006/relationships" xmlns:p="http://schemas.openxmlformats.org/presentationml/2006/main">
-  <p:cSld>
-    <p:spTree>
-      <p:nvGrpSpPr>
-        <p:cNvPr id="1" name=""/>
-        <p:cNvGrpSpPr/>
-        <p:nvPr/>
-      </p:nvGrpSpPr>
-      <p:grpSpPr>
-        <a:xfrm>
-          <a:off x="0" y="0"/>
-          <a:ext cx="0" cy="0"/>
-          <a:chOff x="0" y="0"/>
-          <a:chExt cx="0" cy="0"/>
-        </a:xfrm>
-      </p:grpSpPr>
-      <p:sp>
-        <p:nvSpPr>
-          <p:cNvPr id="2" name="Title 1">
-            <a:extLst>
-              <a:ext uri="{FF2B5EF4-FFF2-40B4-BE49-F238E27FC236}">
-                <a16:creationId xmlns:a16="http://schemas.microsoft.com/office/drawing/2014/main" id="{44CBD7E2-2C85-4601-8211-79CA45E34E07}"/>
-              </a:ext>
-            </a:extLst>
-          </p:cNvPr>
-          <p:cNvSpPr>
-            <a:spLocks noGrp="1"/>
-          </p:cNvSpPr>
-          <p:nvPr>
-            <p:ph type="title"/>
-          </p:nvPr>
-        </p:nvSpPr>
-        <p:spPr/>
-        <p:txBody>
-          <a:bodyPr/>
-          <a:lstStyle/>
-          <a:p>
-            <a:r>
-              <a:rPr lang="en-GB" dirty="0"/>
-              <a:t>CLI programs</a:t>
-            </a:r>
-          </a:p>
-        </p:txBody>
-      </p:sp>
-      <p:sp>
-        <p:nvSpPr>
-          <p:cNvPr id="3" name="Content Placeholder 2">
-            <a:extLst>
-              <a:ext uri="{FF2B5EF4-FFF2-40B4-BE49-F238E27FC236}">
-                <a16:creationId xmlns:a16="http://schemas.microsoft.com/office/drawing/2014/main" id="{054509F0-1095-4CEE-9425-535BE7C1F051}"/>
-              </a:ext>
-            </a:extLst>
-          </p:cNvPr>
-          <p:cNvSpPr>
-            <a:spLocks noGrp="1"/>
-          </p:cNvSpPr>
-          <p:nvPr>
-            <p:ph idx="1"/>
-          </p:nvPr>
-        </p:nvSpPr>
-        <p:spPr/>
-        <p:txBody>
-          <a:bodyPr/>
-          <a:lstStyle/>
-          <a:p>
-            <a:r>
-              <a:rPr lang="en-GB" dirty="0"/>
-              <a:t>Why?</a:t>
-            </a:r>
-          </a:p>
-          <a:p>
-            <a:pPr lvl="1"/>
-            <a:r>
-              <a:rPr lang="en-GB" dirty="0"/>
-              <a:t>Quick to develop.</a:t>
-            </a:r>
-          </a:p>
-          <a:p>
-            <a:pPr lvl="1"/>
-            <a:r>
-              <a:rPr lang="en-GB" dirty="0"/>
-              <a:t>If you follow a structure can easily be included in web &amp; GUI apps.</a:t>
-            </a:r>
-          </a:p>
-          <a:p>
-            <a:endParaRPr lang="en-GB" dirty="0"/>
-          </a:p>
-          <a:p>
-            <a:r>
-              <a:rPr lang="en-GB" dirty="0"/>
-              <a:t>Good CLI program structure:</a:t>
-            </a:r>
-          </a:p>
-          <a:p>
-            <a:pPr lvl="1"/>
-            <a:r>
-              <a:rPr lang="en-GB" dirty="0"/>
-              <a:t>If __name__=='__main__' to call cli function.</a:t>
-            </a:r>
-          </a:p>
-          <a:p>
-            <a:pPr lvl="1"/>
-            <a:r>
-              <a:rPr lang="en-GB" dirty="0"/>
-              <a:t>cli function parses and handles arguments.</a:t>
-            </a:r>
-          </a:p>
-          <a:p>
-            <a:pPr lvl="1"/>
-            <a:r>
-              <a:rPr lang="en-GB" dirty="0"/>
-              <a:t>Separate functions with main processing functionality.</a:t>
-            </a:r>
-          </a:p>
-          <a:p>
-            <a:pPr lvl="1"/>
-            <a:r>
-              <a:rPr lang="en-GB" dirty="0"/>
-              <a:t>Separate functions to render the output (text, html, etc).</a:t>
-            </a:r>
-          </a:p>
-          <a:p>
-            <a:endParaRPr lang="en-GB" dirty="0"/>
-          </a:p>
-        </p:txBody>
-      </p:sp>
-    </p:spTree>
-    <p:extLst>
-      <p:ext uri="{BB962C8B-B14F-4D97-AF65-F5344CB8AC3E}">
-        <p14:creationId xmlns:p14="http://schemas.microsoft.com/office/powerpoint/2010/main" val="3200049500"/>
-      </p:ext>
-    </p:extLst>
-  </p:cSld>
-  <p:clrMapOvr>
-    <a:masterClrMapping/>
-  </p:clrMapOvr>
-</p:sld>
-</file>
-
-<file path=ppt/slides/slide25.xml><?xml version="1.0" encoding="utf-8"?>
-<p:sld xmlns:a="http://schemas.openxmlformats.org/drawingml/2006/main" xmlns:r="http://schemas.openxmlformats.org/officeDocument/2006/relationships" xmlns:p="http://schemas.openxmlformats.org/presentationml/2006/main">
-  <p:cSld>
-    <p:spTree>
-      <p:nvGrpSpPr>
-        <p:cNvPr id="1" name=""/>
-        <p:cNvGrpSpPr/>
-        <p:nvPr/>
-      </p:nvGrpSpPr>
-      <p:grpSpPr>
-        <a:xfrm>
-          <a:off x="0" y="0"/>
-          <a:ext cx="0" cy="0"/>
-          <a:chOff x="0" y="0"/>
-          <a:chExt cx="0" cy="0"/>
-        </a:xfrm>
-      </p:grpSpPr>
-      <p:sp>
-        <p:nvSpPr>
-          <p:cNvPr id="2" name="Title 1">
-            <a:extLst>
-              <a:ext uri="{FF2B5EF4-FFF2-40B4-BE49-F238E27FC236}">
-                <a16:creationId xmlns:a16="http://schemas.microsoft.com/office/drawing/2014/main" id="{BC8B7A67-057A-418A-BE69-7B42C8D0B8C2}"/>
-              </a:ext>
-            </a:extLst>
-          </p:cNvPr>
-          <p:cNvSpPr>
-            <a:spLocks noGrp="1"/>
-          </p:cNvSpPr>
-          <p:nvPr>
-            <p:ph type="title"/>
-          </p:nvPr>
-        </p:nvSpPr>
-        <p:spPr/>
-        <p:txBody>
-          <a:bodyPr/>
-          <a:lstStyle/>
-          <a:p>
-            <a:r>
-              <a:rPr lang="en-GB" dirty="0"/>
-              <a:t>First Programs</a:t>
-            </a:r>
-          </a:p>
-        </p:txBody>
-      </p:sp>
-      <p:sp>
-        <p:nvSpPr>
-          <p:cNvPr id="3" name="Content Placeholder 2">
-            <a:extLst>
-              <a:ext uri="{FF2B5EF4-FFF2-40B4-BE49-F238E27FC236}">
-                <a16:creationId xmlns:a16="http://schemas.microsoft.com/office/drawing/2014/main" id="{06714519-D303-440B-95DA-0B4E6B1A5C7F}"/>
-              </a:ext>
-            </a:extLst>
-          </p:cNvPr>
-          <p:cNvSpPr>
-            <a:spLocks noGrp="1"/>
-          </p:cNvSpPr>
-          <p:nvPr>
-            <p:ph idx="1"/>
-          </p:nvPr>
-        </p:nvSpPr>
-        <p:spPr/>
-        <p:txBody>
-          <a:bodyPr/>
-          <a:lstStyle/>
-          <a:p>
-            <a:r>
-              <a:rPr lang="en-GB" dirty="0"/>
-              <a:t>CLIargs1.py - Parameter </a:t>
-            </a:r>
-            <a:r>
-              <a:rPr lang="en-GB" dirty="0" err="1"/>
-              <a:t>argv</a:t>
-            </a:r>
-            <a:r>
-              <a:rPr lang="en-GB" dirty="0"/>
-              <a:t> in the sys module.</a:t>
-            </a:r>
-          </a:p>
-          <a:p>
-            <a:r>
-              <a:rPr lang="en-GB" dirty="0"/>
-              <a:t> CLIargs2.py - Program structure separating CLI parsing.</a:t>
-            </a:r>
-          </a:p>
-          <a:p>
-            <a:r>
-              <a:rPr lang="en-GB" dirty="0"/>
-              <a:t>CLIargs3.py - separating options and arguments.</a:t>
-            </a:r>
-          </a:p>
-          <a:p>
-            <a:r>
-              <a:rPr lang="en-GB" dirty="0"/>
-              <a:t>skeleton.py - Uses </a:t>
-            </a:r>
-            <a:r>
-              <a:rPr lang="en-GB" dirty="0" err="1"/>
-              <a:t>argparse</a:t>
-            </a:r>
-            <a:r>
-              <a:rPr lang="en-GB" dirty="0"/>
-              <a:t>, a helpful python built-in module.</a:t>
-            </a:r>
-          </a:p>
-          <a:p>
-            <a:endParaRPr lang="en-GB" dirty="0"/>
-          </a:p>
-          <a:p>
-            <a:r>
-              <a:rPr lang="en-GB" dirty="0"/>
-              <a:t>Take a look at clickskeleton.py</a:t>
-            </a:r>
-          </a:p>
-          <a:p>
-            <a:endParaRPr lang="en-GB" dirty="0"/>
-          </a:p>
-        </p:txBody>
-      </p:sp>
-    </p:spTree>
-    <p:extLst>
-      <p:ext uri="{BB962C8B-B14F-4D97-AF65-F5344CB8AC3E}">
-        <p14:creationId xmlns:p14="http://schemas.microsoft.com/office/powerpoint/2010/main" val="256861620"/>
-      </p:ext>
-    </p:extLst>
-  </p:cSld>
-  <p:clrMapOvr>
-    <a:masterClrMapping/>
-  </p:clrMapOvr>
-</p:sld>
-</file>
-
 <file path=ppt/slides/slide26.xml><?xml version="1.0" encoding="utf-8"?>
 <p:sld xmlns:a="http://schemas.openxmlformats.org/drawingml/2006/main" xmlns:r="http://schemas.openxmlformats.org/officeDocument/2006/relationships" xmlns:p="http://schemas.openxmlformats.org/presentationml/2006/main">
   <p:cSld>
@@ -7669,7 +8450,7 @@
           <p:cNvPr id="2" name="Title 1">
             <a:extLst>
               <a:ext uri="{FF2B5EF4-FFF2-40B4-BE49-F238E27FC236}">
-                <a16:creationId xmlns:a16="http://schemas.microsoft.com/office/drawing/2014/main" id="{EED91A9F-6594-4C5E-9183-18E7EE0476D1}"/>
+                <a16:creationId xmlns:a16="http://schemas.microsoft.com/office/drawing/2014/main" id="{44CBD7E2-2C85-4601-8211-79CA45E34E07}"/>
               </a:ext>
             </a:extLst>
           </p:cNvPr>
@@ -7687,7 +8468,7 @@
           <a:p>
             <a:r>
               <a:rPr lang="en-GB" dirty="0"/>
-              <a:t>CLI Exercise</a:t>
+              <a:t>CLI programs</a:t>
             </a:r>
           </a:p>
         </p:txBody>
@@ -7697,7 +8478,7 @@
           <p:cNvPr id="3" name="Content Placeholder 2">
             <a:extLst>
               <a:ext uri="{FF2B5EF4-FFF2-40B4-BE49-F238E27FC236}">
-                <a16:creationId xmlns:a16="http://schemas.microsoft.com/office/drawing/2014/main" id="{ABE9E0C3-D783-4670-A679-BFB19B4FD92D}"/>
+                <a16:creationId xmlns:a16="http://schemas.microsoft.com/office/drawing/2014/main" id="{054509F0-1095-4CEE-9425-535BE7C1F051}"/>
               </a:ext>
             </a:extLst>
           </p:cNvPr>
@@ -7710,36 +8491,73 @@
         </p:nvSpPr>
         <p:spPr/>
         <p:txBody>
-          <a:bodyPr/>
-          <a:lstStyle/>
-          <a:p>
-            <a:r>
-              <a:rPr lang="en-GB" dirty="0"/>
-              <a:t>Write CLI program to accept a filename and text string:</a:t>
+          <a:bodyPr>
+            <a:normAutofit lnSpcReduction="10000"/>
+          </a:bodyPr>
+          <a:lstStyle/>
+          <a:p>
+            <a:r>
+              <a:rPr lang="en-GB" dirty="0"/>
+              <a:t>Why?</a:t>
             </a:r>
           </a:p>
           <a:p>
             <a:pPr lvl="1"/>
             <a:r>
               <a:rPr lang="en-GB" dirty="0"/>
-              <a:t>Mygrep.py [options] &lt;filename&gt; &lt;text string&gt;</a:t>
-            </a:r>
-          </a:p>
-          <a:p>
-            <a:pPr lvl="2"/>
-            <a:r>
-              <a:rPr lang="en-GB" dirty="0"/>
-              <a:t>-c = case sensitive</a:t>
-            </a:r>
-          </a:p>
-          <a:p>
-            <a:r>
-              <a:rPr lang="en-GB" dirty="0"/>
-              <a:t>It needs to output any lines containing the text string.</a:t>
+              <a:t>Quick to develop.</a:t>
+            </a:r>
+          </a:p>
+          <a:p>
+            <a:pPr lvl="1"/>
+            <a:r>
+              <a:rPr lang="en-GB" dirty="0"/>
+              <a:t>If you follow a sensible structure can easily be included in web &amp; GUI apps.</a:t>
             </a:r>
           </a:p>
           <a:p>
             <a:endParaRPr lang="en-GB" dirty="0"/>
+          </a:p>
+          <a:p>
+            <a:r>
+              <a:rPr lang="en-GB" dirty="0"/>
+              <a:t>Good CLI program structure:</a:t>
+            </a:r>
+          </a:p>
+          <a:p>
+            <a:pPr lvl="1"/>
+            <a:r>
+              <a:rPr lang="en-GB" dirty="0"/>
+              <a:t>If __name__=='__main__' to call cli function.</a:t>
+            </a:r>
+          </a:p>
+          <a:p>
+            <a:pPr lvl="1"/>
+            <a:r>
+              <a:rPr lang="en-GB" dirty="0"/>
+              <a:t>cli function parses and handles CLI arguments.</a:t>
+            </a:r>
+          </a:p>
+          <a:p>
+            <a:pPr lvl="1"/>
+            <a:r>
+              <a:rPr lang="en-GB" dirty="0"/>
+              <a:t>Separate functions with main processing functionality.</a:t>
+            </a:r>
+          </a:p>
+          <a:p>
+            <a:pPr lvl="1"/>
+            <a:r>
+              <a:rPr lang="en-GB" dirty="0"/>
+              <a:t>Separate functions to render the output (text, html, etc).</a:t>
+            </a:r>
+          </a:p>
+          <a:p>
+            <a:pPr lvl="1"/>
+            <a:r>
+              <a:rPr lang="en-GB" dirty="0"/>
+              <a:t>It can be a good idea for render functions to return strings and only print when the format is 'text'.</a:t>
+            </a:r>
           </a:p>
           <a:p>
             <a:endParaRPr lang="en-GB" dirty="0"/>
@@ -7749,7 +8567,7 @@
     </p:spTree>
     <p:extLst>
       <p:ext uri="{BB962C8B-B14F-4D97-AF65-F5344CB8AC3E}">
-        <p14:creationId xmlns:p14="http://schemas.microsoft.com/office/powerpoint/2010/main" val="2822738175"/>
+        <p14:creationId xmlns:p14="http://schemas.microsoft.com/office/powerpoint/2010/main" val="3200049500"/>
       </p:ext>
     </p:extLst>
   </p:cSld>
@@ -7781,7 +8599,7 @@
           <p:cNvPr id="2" name="Title 1">
             <a:extLst>
               <a:ext uri="{FF2B5EF4-FFF2-40B4-BE49-F238E27FC236}">
-                <a16:creationId xmlns:a16="http://schemas.microsoft.com/office/drawing/2014/main" id="{DA735355-B8CE-4910-8A62-58E13133D490}"/>
+                <a16:creationId xmlns:a16="http://schemas.microsoft.com/office/drawing/2014/main" id="{29EF5BBE-7962-4EDB-91AC-DA34BC75AD21}"/>
               </a:ext>
             </a:extLst>
           </p:cNvPr>
@@ -7799,7 +8617,7 @@
           <a:p>
             <a:r>
               <a:rPr lang="en-GB" dirty="0"/>
-              <a:t>Debugging</a:t>
+              <a:t>Prepare for next section</a:t>
             </a:r>
           </a:p>
         </p:txBody>
@@ -7809,7 +8627,7 @@
           <p:cNvPr id="3" name="Content Placeholder 2">
             <a:extLst>
               <a:ext uri="{FF2B5EF4-FFF2-40B4-BE49-F238E27FC236}">
-                <a16:creationId xmlns:a16="http://schemas.microsoft.com/office/drawing/2014/main" id="{AC679C54-D6EE-4380-892F-96997D072DA5}"/>
+                <a16:creationId xmlns:a16="http://schemas.microsoft.com/office/drawing/2014/main" id="{C356B905-E81E-4C42-B26B-9031A23F484B}"/>
               </a:ext>
             </a:extLst>
           </p:cNvPr>
@@ -7822,273 +8640,91 @@
         </p:nvSpPr>
         <p:spPr/>
         <p:txBody>
-          <a:bodyPr>
-            <a:normAutofit fontScale="62500" lnSpcReduction="20000"/>
-          </a:bodyPr>
-          <a:lstStyle/>
-          <a:p>
-            <a:r>
-              <a:rPr lang="en-GB" dirty="0"/>
-              <a:t>Don't use print statements!  (prefer a debug output option)</a:t>
-            </a:r>
-          </a:p>
-          <a:p>
-            <a:r>
-              <a:rPr lang="en-GB" dirty="0"/>
-              <a:t>Running a script from command line with the debugger:</a:t>
-            </a:r>
-          </a:p>
-          <a:p>
-            <a:pPr marL="914400" lvl="2" indent="0">
-              <a:buNone/>
+          <a:bodyPr/>
+          <a:lstStyle/>
+          <a:p>
+            <a:r>
+              <a:rPr lang="en-GB" dirty="0"/>
+              <a:t>Clone the tutorial repository using "GIT CMD":</a:t>
+            </a:r>
+          </a:p>
+          <a:p>
+            <a:pPr lvl="1">
+              <a:buFont typeface="Calibri" panose="020F0502020204030204" pitchFamily="34" charset="0"/>
+              <a:buChar char="›"/>
             </a:pPr>
             <a:r>
-              <a:rPr lang="fr-FR" sz="2400" dirty="0">
-                <a:latin typeface="Courier New" panose="02070309020205020404" pitchFamily="49" charset="0"/>
-                <a:cs typeface="Courier New" panose="02070309020205020404" pitchFamily="49" charset="0"/>
-              </a:rPr>
-              <a:t>&gt; python -m pdb -c continue myscript.py</a:t>
-            </a:r>
-          </a:p>
-          <a:p>
-            <a:pPr lvl="1"/>
-            <a:r>
-              <a:rPr lang="en-GB" sz="2800" dirty="0"/>
-              <a:t>Or put one of these into a script to break into </a:t>
-            </a:r>
-            <a:r>
-              <a:rPr lang="en-GB" sz="2800" dirty="0" err="1"/>
-              <a:t>pdb</a:t>
-            </a:r>
-            <a:r>
-              <a:rPr lang="en-GB" sz="2800" dirty="0"/>
-              <a:t>:</a:t>
-            </a:r>
-          </a:p>
-          <a:p>
-            <a:pPr marL="914400" lvl="2" indent="0">
-              <a:buNone/>
+              <a:rPr lang="en-GB" sz="1800" dirty="0" err="1">
+                <a:latin typeface="Courier New" panose="02070309020205020404" pitchFamily="49" charset="0"/>
+                <a:cs typeface="Courier New" panose="02070309020205020404" pitchFamily="49" charset="0"/>
+              </a:rPr>
+              <a:t>mkdir</a:t>
+            </a:r>
+            <a:r>
+              <a:rPr lang="en-GB" sz="1800" dirty="0">
+                <a:latin typeface="Courier New" panose="02070309020205020404" pitchFamily="49" charset="0"/>
+                <a:cs typeface="Courier New" panose="02070309020205020404" pitchFamily="49" charset="0"/>
+              </a:rPr>
+              <a:t> %USERPROFILE%\</a:t>
+            </a:r>
+            <a:r>
+              <a:rPr lang="en-GB" sz="1800" dirty="0" err="1">
+                <a:latin typeface="Courier New" panose="02070309020205020404" pitchFamily="49" charset="0"/>
+                <a:cs typeface="Courier New" panose="02070309020205020404" pitchFamily="49" charset="0"/>
+              </a:rPr>
+              <a:t>pytut</a:t>
+            </a:r>
+            <a:endParaRPr lang="en-GB" sz="1800" dirty="0">
+              <a:latin typeface="Courier New" panose="02070309020205020404" pitchFamily="49" charset="0"/>
+              <a:cs typeface="Courier New" panose="02070309020205020404" pitchFamily="49" charset="0"/>
+            </a:endParaRPr>
+          </a:p>
+          <a:p>
+            <a:pPr lvl="1">
+              <a:buFont typeface="Calibri" panose="020F0502020204030204" pitchFamily="34" charset="0"/>
+              <a:buChar char="›"/>
             </a:pPr>
             <a:r>
-              <a:rPr lang="fr-FR" sz="2400" dirty="0">
-                <a:latin typeface="Courier New" panose="02070309020205020404" pitchFamily="49" charset="0"/>
-                <a:cs typeface="Courier New" panose="02070309020205020404" pitchFamily="49" charset="0"/>
-              </a:rPr>
-              <a:t>import pdb; </a:t>
-            </a:r>
-            <a:r>
-              <a:rPr lang="fr-FR" sz="2400" dirty="0" err="1">
-                <a:latin typeface="Courier New" panose="02070309020205020404" pitchFamily="49" charset="0"/>
-                <a:cs typeface="Courier New" panose="02070309020205020404" pitchFamily="49" charset="0"/>
-              </a:rPr>
-              <a:t>pdb.set_trace</a:t>
-            </a:r>
-            <a:r>
-              <a:rPr lang="fr-FR" sz="2400" dirty="0">
-                <a:latin typeface="Courier New" panose="02070309020205020404" pitchFamily="49" charset="0"/>
-                <a:cs typeface="Courier New" panose="02070309020205020404" pitchFamily="49" charset="0"/>
-              </a:rPr>
-              <a:t>()</a:t>
-            </a:r>
-          </a:p>
-          <a:p>
-            <a:pPr marL="914400" lvl="2" indent="0">
-              <a:buNone/>
+              <a:rPr lang="en-GB" sz="1800" dirty="0">
+                <a:latin typeface="Courier New" panose="02070309020205020404" pitchFamily="49" charset="0"/>
+                <a:cs typeface="Courier New" panose="02070309020205020404" pitchFamily="49" charset="0"/>
+              </a:rPr>
+              <a:t>cd %USERPROFILE%\</a:t>
+            </a:r>
+            <a:r>
+              <a:rPr lang="en-GB" sz="1800" dirty="0" err="1">
+                <a:latin typeface="Courier New" panose="02070309020205020404" pitchFamily="49" charset="0"/>
+                <a:cs typeface="Courier New" panose="02070309020205020404" pitchFamily="49" charset="0"/>
+              </a:rPr>
+              <a:t>pytut</a:t>
+            </a:r>
+            <a:endParaRPr lang="en-GB" sz="1800" dirty="0">
+              <a:latin typeface="Courier New" panose="02070309020205020404" pitchFamily="49" charset="0"/>
+              <a:cs typeface="Courier New" panose="02070309020205020404" pitchFamily="49" charset="0"/>
+            </a:endParaRPr>
+          </a:p>
+          <a:p>
+            <a:pPr lvl="1">
+              <a:buFont typeface="Calibri" panose="020F0502020204030204" pitchFamily="34" charset="0"/>
+              <a:buChar char="›"/>
             </a:pPr>
             <a:r>
-              <a:rPr lang="fr-FR" sz="2400" dirty="0" err="1">
-                <a:latin typeface="Courier New" panose="02070309020205020404" pitchFamily="49" charset="0"/>
-                <a:cs typeface="Courier New" panose="02070309020205020404" pitchFamily="49" charset="0"/>
-              </a:rPr>
-              <a:t>breakpoint</a:t>
-            </a:r>
-            <a:r>
-              <a:rPr lang="fr-FR" sz="2400" dirty="0">
-                <a:latin typeface="Courier New" panose="02070309020205020404" pitchFamily="49" charset="0"/>
-                <a:cs typeface="Courier New" panose="02070309020205020404" pitchFamily="49" charset="0"/>
-              </a:rPr>
-              <a:t>()  # Python 3.7+</a:t>
-            </a:r>
-            <a:endParaRPr lang="en-GB" sz="2400" dirty="0"/>
-          </a:p>
-          <a:p>
-            <a:r>
-              <a:rPr lang="en-GB" sz="3200" dirty="0"/>
-              <a:t>PDB Quick Ref:</a:t>
-            </a:r>
-          </a:p>
-          <a:p>
-            <a:pPr lvl="1"/>
-            <a:r>
-              <a:rPr lang="en-GB" sz="2800" b="1" dirty="0"/>
-              <a:t>h(</a:t>
-            </a:r>
-            <a:r>
-              <a:rPr lang="en-GB" sz="2800" b="1" dirty="0" err="1"/>
-              <a:t>elp</a:t>
-            </a:r>
-            <a:r>
-              <a:rPr lang="en-GB" sz="2800" b="1" dirty="0"/>
-              <a:t>) [command]</a:t>
-            </a:r>
-            <a:r>
-              <a:rPr lang="en-GB" sz="2800" dirty="0"/>
-              <a:t> = help.</a:t>
-            </a:r>
-            <a:r>
-              <a:rPr lang="en-GB" sz="2800" b="1" dirty="0"/>
-              <a:t> </a:t>
-            </a:r>
-          </a:p>
-          <a:p>
-            <a:pPr lvl="1"/>
-            <a:r>
-              <a:rPr lang="en-GB" sz="2800" b="1" dirty="0"/>
-              <a:t>p(</a:t>
-            </a:r>
-            <a:r>
-              <a:rPr lang="en-GB" sz="2800" b="1" dirty="0" err="1"/>
-              <a:t>rint</a:t>
-            </a:r>
-            <a:r>
-              <a:rPr lang="en-GB" sz="2800" b="1" dirty="0"/>
-              <a:t>) &lt;expr&gt;</a:t>
-            </a:r>
-            <a:r>
-              <a:rPr lang="en-GB" sz="2800" dirty="0"/>
-              <a:t> = print expression.</a:t>
-            </a:r>
-          </a:p>
-          <a:p>
-            <a:pPr lvl="1"/>
-            <a:r>
-              <a:rPr lang="en-GB" sz="2800" b="1" dirty="0"/>
-              <a:t>pp</a:t>
-            </a:r>
-            <a:r>
-              <a:rPr lang="en-GB" sz="2800" dirty="0"/>
-              <a:t> </a:t>
-            </a:r>
-            <a:r>
-              <a:rPr lang="en-GB" sz="2800" b="1" dirty="0"/>
-              <a:t>&lt;expr&gt;</a:t>
-            </a:r>
-            <a:r>
-              <a:rPr lang="en-GB" sz="2800" dirty="0"/>
-              <a:t> = pretty-print expression (good for long lists etc).</a:t>
-            </a:r>
-          </a:p>
-          <a:p>
-            <a:pPr lvl="1"/>
-            <a:r>
-              <a:rPr lang="en-GB" sz="2800" b="1" dirty="0"/>
-              <a:t>l(</a:t>
-            </a:r>
-            <a:r>
-              <a:rPr lang="en-GB" sz="2800" b="1" dirty="0" err="1"/>
-              <a:t>ist</a:t>
-            </a:r>
-            <a:r>
-              <a:rPr lang="en-GB" sz="2800" b="1" dirty="0"/>
-              <a:t>) [first [,last] | .] </a:t>
-            </a:r>
-            <a:r>
-              <a:rPr lang="en-GB" sz="2800" dirty="0"/>
-              <a:t>= list lines or '.' for current position.</a:t>
-            </a:r>
-          </a:p>
-          <a:p>
-            <a:pPr lvl="1"/>
-            <a:r>
-              <a:rPr lang="en-GB" sz="2800" b="1" dirty="0" err="1"/>
-              <a:t>ll</a:t>
-            </a:r>
-            <a:r>
-              <a:rPr lang="en-GB" sz="2800" dirty="0"/>
-              <a:t> = long list current function or frame.</a:t>
-            </a:r>
-          </a:p>
-          <a:p>
-            <a:pPr lvl="1"/>
-            <a:r>
-              <a:rPr lang="en-GB" sz="2800" b="1" dirty="0"/>
-              <a:t>n(</a:t>
-            </a:r>
-            <a:r>
-              <a:rPr lang="en-GB" sz="2800" b="1" dirty="0" err="1"/>
-              <a:t>ext</a:t>
-            </a:r>
-            <a:r>
-              <a:rPr lang="en-GB" sz="2800" b="1" dirty="0"/>
-              <a:t>)</a:t>
-            </a:r>
-            <a:r>
-              <a:rPr lang="en-GB" sz="2800" dirty="0"/>
-              <a:t> = execute until next.</a:t>
-            </a:r>
-          </a:p>
-          <a:p>
-            <a:pPr lvl="1"/>
-            <a:r>
-              <a:rPr lang="en-GB" sz="2800" b="1" dirty="0"/>
-              <a:t>s(</a:t>
-            </a:r>
-            <a:r>
-              <a:rPr lang="en-GB" sz="2800" b="1" dirty="0" err="1"/>
-              <a:t>tep</a:t>
-            </a:r>
-            <a:r>
-              <a:rPr lang="en-GB" sz="2800" b="1" dirty="0"/>
-              <a:t>)</a:t>
-            </a:r>
-            <a:r>
-              <a:rPr lang="en-GB" sz="2800" dirty="0"/>
-              <a:t> = execute and step into.</a:t>
-            </a:r>
-          </a:p>
-          <a:p>
-            <a:pPr lvl="1"/>
-            <a:r>
-              <a:rPr lang="en-GB" sz="2800" b="1" dirty="0" err="1"/>
-              <a:t>unt</a:t>
-            </a:r>
-            <a:r>
-              <a:rPr lang="en-GB" sz="2800" dirty="0"/>
-              <a:t> &lt;line&gt; = </a:t>
-            </a:r>
-            <a:r>
-              <a:rPr lang="en-GB" sz="2800" dirty="0" err="1"/>
-              <a:t>execuate</a:t>
-            </a:r>
-            <a:r>
-              <a:rPr lang="en-GB" sz="2800" dirty="0"/>
-              <a:t> up</a:t>
-            </a:r>
-          </a:p>
-          <a:p>
-            <a:r>
-              <a:rPr lang="en-GB" sz="3200" dirty="0" err="1"/>
-              <a:t>Excersize</a:t>
-            </a:r>
-            <a:r>
-              <a:rPr lang="en-GB" sz="3200" dirty="0"/>
-              <a:t>: Try the </a:t>
-            </a:r>
-            <a:r>
-              <a:rPr lang="en-GB" sz="3200" dirty="0" err="1"/>
-              <a:t>VScode</a:t>
-            </a:r>
-            <a:r>
-              <a:rPr lang="en-GB" sz="3200" dirty="0"/>
-              <a:t> debugger!</a:t>
-            </a:r>
+              <a:rPr lang="en-GB" sz="1800" dirty="0">
+                <a:latin typeface="Courier New" panose="02070309020205020404" pitchFamily="49" charset="0"/>
+                <a:cs typeface="Courier New" panose="02070309020205020404" pitchFamily="49" charset="0"/>
+              </a:rPr>
+              <a:t>git clone https://github.com/mrkbutty/PythonTutButty02.git</a:t>
+            </a:r>
+          </a:p>
+          <a:p>
+            <a:endParaRPr lang="en-GB" dirty="0"/>
           </a:p>
         </p:txBody>
       </p:sp>
     </p:spTree>
     <p:extLst>
       <p:ext uri="{BB962C8B-B14F-4D97-AF65-F5344CB8AC3E}">
-        <p14:creationId xmlns:p14="http://schemas.microsoft.com/office/powerpoint/2010/main" val="3973633028"/>
+        <p14:creationId xmlns:p14="http://schemas.microsoft.com/office/powerpoint/2010/main" val="3763992401"/>
       </p:ext>
     </p:extLst>
   </p:cSld>
@@ -8120,7 +8756,7 @@
           <p:cNvPr id="2" name="Title 1">
             <a:extLst>
               <a:ext uri="{FF2B5EF4-FFF2-40B4-BE49-F238E27FC236}">
-                <a16:creationId xmlns:a16="http://schemas.microsoft.com/office/drawing/2014/main" id="{8754449A-2896-4156-80F1-32DF04FBD1FD}"/>
+                <a16:creationId xmlns:a16="http://schemas.microsoft.com/office/drawing/2014/main" id="{BC8B7A67-057A-418A-BE69-7B42C8D0B8C2}"/>
               </a:ext>
             </a:extLst>
           </p:cNvPr>
@@ -8138,7 +8774,7 @@
           <a:p>
             <a:r>
               <a:rPr lang="en-GB" dirty="0"/>
-              <a:t>Regular expressions (Regex)</a:t>
+              <a:t>First Programs</a:t>
             </a:r>
           </a:p>
         </p:txBody>
@@ -8148,7 +8784,7 @@
           <p:cNvPr id="3" name="Content Placeholder 2">
             <a:extLst>
               <a:ext uri="{FF2B5EF4-FFF2-40B4-BE49-F238E27FC236}">
-                <a16:creationId xmlns:a16="http://schemas.microsoft.com/office/drawing/2014/main" id="{D4EE896F-360F-440B-9CB7-6A67DFFFB7CF}"/>
+                <a16:creationId xmlns:a16="http://schemas.microsoft.com/office/drawing/2014/main" id="{06714519-D303-440B-95DA-0B4E6B1A5C7F}"/>
               </a:ext>
             </a:extLst>
           </p:cNvPr>
@@ -8163,6 +8799,55 @@
         <p:txBody>
           <a:bodyPr/>
           <a:lstStyle/>
+          <a:p>
+            <a:r>
+              <a:rPr lang="en-GB" dirty="0"/>
+              <a:t>CLIargs1.py - Parameter </a:t>
+            </a:r>
+            <a:r>
+              <a:rPr lang="en-GB" dirty="0" err="1"/>
+              <a:t>argv</a:t>
+            </a:r>
+            <a:r>
+              <a:rPr lang="en-GB" dirty="0"/>
+              <a:t> in the sys module.</a:t>
+            </a:r>
+          </a:p>
+          <a:p>
+            <a:r>
+              <a:rPr lang="en-GB" dirty="0"/>
+              <a:t> CLIargs2.py - Program structure separating CLI parsing.</a:t>
+            </a:r>
+          </a:p>
+          <a:p>
+            <a:r>
+              <a:rPr lang="en-GB" dirty="0"/>
+              <a:t>CLIargs3.py - separating options and arguments.</a:t>
+            </a:r>
+          </a:p>
+          <a:p>
+            <a:r>
+              <a:rPr lang="en-GB" dirty="0"/>
+              <a:t>CLIskeleton.py - Uses </a:t>
+            </a:r>
+            <a:r>
+              <a:rPr lang="en-GB" dirty="0" err="1"/>
+              <a:t>argparse</a:t>
+            </a:r>
+            <a:r>
+              <a:rPr lang="en-GB" dirty="0"/>
+              <a:t>, a helpful python built-in module.</a:t>
+            </a:r>
+          </a:p>
+          <a:p>
+            <a:endParaRPr lang="en-GB" dirty="0"/>
+          </a:p>
+          <a:p>
+            <a:r>
+              <a:rPr lang="en-GB" dirty="0"/>
+              <a:t>Take a look at clickskeleton.py</a:t>
+            </a:r>
+          </a:p>
           <a:p>
             <a:endParaRPr lang="en-GB" dirty="0"/>
           </a:p>
@@ -8171,7 +8856,7 @@
     </p:spTree>
     <p:extLst>
       <p:ext uri="{BB962C8B-B14F-4D97-AF65-F5344CB8AC3E}">
-        <p14:creationId xmlns:p14="http://schemas.microsoft.com/office/powerpoint/2010/main" val="1753082729"/>
+        <p14:creationId xmlns:p14="http://schemas.microsoft.com/office/powerpoint/2010/main" val="256861620"/>
       </p:ext>
     </p:extLst>
   </p:cSld>
@@ -8203,7 +8888,7 @@
           <p:cNvPr id="2" name="Title 1">
             <a:extLst>
               <a:ext uri="{FF2B5EF4-FFF2-40B4-BE49-F238E27FC236}">
-                <a16:creationId xmlns:a16="http://schemas.microsoft.com/office/drawing/2014/main" id="{B1E69824-6AC9-4DD0-A10C-4C2B32A47247}"/>
+                <a16:creationId xmlns:a16="http://schemas.microsoft.com/office/drawing/2014/main" id="{EED91A9F-6594-4C5E-9183-18E7EE0476D1}"/>
               </a:ext>
             </a:extLst>
           </p:cNvPr>
@@ -8221,7 +8906,7 @@
           <a:p>
             <a:r>
               <a:rPr lang="en-GB" dirty="0"/>
-              <a:t>Zip module</a:t>
+              <a:t>CLI Exercise</a:t>
             </a:r>
           </a:p>
         </p:txBody>
@@ -8231,7 +8916,7 @@
           <p:cNvPr id="3" name="Content Placeholder 2">
             <a:extLst>
               <a:ext uri="{FF2B5EF4-FFF2-40B4-BE49-F238E27FC236}">
-                <a16:creationId xmlns:a16="http://schemas.microsoft.com/office/drawing/2014/main" id="{4AF21F0E-55A0-48EF-9287-4CFAECFE96CD}"/>
+                <a16:creationId xmlns:a16="http://schemas.microsoft.com/office/drawing/2014/main" id="{ABE9E0C3-D783-4670-A679-BFB19B4FD92D}"/>
               </a:ext>
             </a:extLst>
           </p:cNvPr>
@@ -8246,6 +8931,54 @@
         <p:txBody>
           <a:bodyPr/>
           <a:lstStyle/>
+          <a:p>
+            <a:r>
+              <a:rPr lang="en-GB" dirty="0"/>
+              <a:t>Write CLI program to accept a filename and text string:</a:t>
+            </a:r>
+          </a:p>
+          <a:p>
+            <a:pPr lvl="1"/>
+            <a:r>
+              <a:rPr lang="en-GB" dirty="0"/>
+              <a:t>mygrep.py [options] &lt;filename&gt; &lt;text string&gt;</a:t>
+            </a:r>
+          </a:p>
+          <a:p>
+            <a:pPr lvl="2"/>
+            <a:r>
+              <a:rPr lang="en-GB" dirty="0"/>
+              <a:t>-c = case sensitive</a:t>
+            </a:r>
+          </a:p>
+          <a:p>
+            <a:r>
+              <a:rPr lang="en-GB" dirty="0"/>
+              <a:t>It needs to output any lines containing the text string.</a:t>
+            </a:r>
+          </a:p>
+          <a:p>
+            <a:r>
+              <a:rPr lang="en-GB" dirty="0"/>
+              <a:t>By default supplied text searching should be case insensitive.</a:t>
+            </a:r>
+          </a:p>
+          <a:p>
+            <a:endParaRPr lang="en-GB" dirty="0"/>
+          </a:p>
+          <a:p>
+            <a:r>
+              <a:rPr lang="en-GB" dirty="0"/>
+              <a:t>Extra points:</a:t>
+            </a:r>
+          </a:p>
+          <a:p>
+            <a:pPr lvl="1"/>
+            <a:r>
+              <a:rPr lang="en-GB" dirty="0"/>
+              <a:t>Add arguments to provide statistics, e.g. number of lines, number of positive matches etc.</a:t>
+            </a:r>
+          </a:p>
           <a:p>
             <a:endParaRPr lang="en-GB" dirty="0"/>
           </a:p>
@@ -8254,7 +8987,7 @@
     </p:spTree>
     <p:extLst>
       <p:ext uri="{BB962C8B-B14F-4D97-AF65-F5344CB8AC3E}">
-        <p14:creationId xmlns:p14="http://schemas.microsoft.com/office/powerpoint/2010/main" val="3308359206"/>
+        <p14:creationId xmlns:p14="http://schemas.microsoft.com/office/powerpoint/2010/main" val="2822738175"/>
       </p:ext>
     </p:extLst>
   </p:cSld>
@@ -8286,7 +9019,7 @@
           <p:cNvPr id="2" name="Title 1">
             <a:extLst>
               <a:ext uri="{FF2B5EF4-FFF2-40B4-BE49-F238E27FC236}">
-                <a16:creationId xmlns:a16="http://schemas.microsoft.com/office/drawing/2014/main" id="{57EF5F65-6D29-4664-BD63-8AC442E978BE}"/>
+                <a16:creationId xmlns:a16="http://schemas.microsoft.com/office/drawing/2014/main" id="{884E3517-0C8B-4476-9E79-88F8C9CACC9B}"/>
               </a:ext>
             </a:extLst>
           </p:cNvPr>
@@ -8304,7 +9037,7 @@
           <a:p>
             <a:r>
               <a:rPr lang="en-GB" dirty="0"/>
-              <a:t>Agenda</a:t>
+              <a:t>Welcome</a:t>
             </a:r>
           </a:p>
         </p:txBody>
@@ -8314,7 +9047,7 @@
           <p:cNvPr id="3" name="Content Placeholder 2">
             <a:extLst>
               <a:ext uri="{FF2B5EF4-FFF2-40B4-BE49-F238E27FC236}">
-                <a16:creationId xmlns:a16="http://schemas.microsoft.com/office/drawing/2014/main" id="{2DF1287C-0B7B-4C2A-9F5D-99B8CCE4FE14}"/>
+                <a16:creationId xmlns:a16="http://schemas.microsoft.com/office/drawing/2014/main" id="{B1FA3FDA-AC5C-485F-A705-CA9E1480682B}"/>
               </a:ext>
             </a:extLst>
           </p:cNvPr>
@@ -8327,88 +9060,86 @@
         </p:nvSpPr>
         <p:spPr/>
         <p:txBody>
-          <a:bodyPr/>
-          <a:lstStyle/>
-          <a:p>
-            <a:r>
-              <a:rPr lang="en-GB" dirty="0"/>
-              <a:t>Intro to Python</a:t>
-            </a:r>
-          </a:p>
-          <a:p>
-            <a:r>
-              <a:rPr lang="en-GB" dirty="0"/>
-              <a:t>Installation and setup</a:t>
-            </a:r>
-          </a:p>
-          <a:p>
-            <a:r>
-              <a:rPr lang="en-GB" dirty="0"/>
-              <a:t>First steps with </a:t>
-            </a:r>
-            <a:r>
-              <a:rPr lang="en-GB" dirty="0" err="1"/>
-              <a:t>Repl</a:t>
-            </a:r>
-            <a:r>
-              <a:rPr lang="en-GB" dirty="0"/>
-              <a:t>, Scripts, </a:t>
-            </a:r>
-            <a:r>
-              <a:rPr lang="en-GB" dirty="0" err="1"/>
-              <a:t>Jupyter</a:t>
-            </a:r>
-            <a:r>
-              <a:rPr lang="en-GB" dirty="0"/>
-              <a:t> (</a:t>
-            </a:r>
-            <a:r>
-              <a:rPr lang="en-GB" dirty="0" err="1"/>
-              <a:t>iPython</a:t>
-            </a:r>
-            <a:r>
-              <a:rPr lang="en-GB" dirty="0"/>
-              <a:t>), </a:t>
-            </a:r>
-            <a:r>
-              <a:rPr lang="en-GB" dirty="0" err="1"/>
-              <a:t>Thonny</a:t>
-            </a:r>
-            <a:r>
-              <a:rPr lang="en-GB" dirty="0"/>
-              <a:t>!</a:t>
-            </a:r>
-          </a:p>
-          <a:p>
-            <a:r>
-              <a:rPr lang="en-GB" dirty="0"/>
-              <a:t>Core Language</a:t>
-            </a:r>
-          </a:p>
-          <a:p>
-            <a:r>
-              <a:rPr lang="en-GB" dirty="0"/>
-              <a:t>Modules &amp; namespaces</a:t>
-            </a:r>
-          </a:p>
-          <a:p>
-            <a:r>
-              <a:rPr lang="en-GB" dirty="0"/>
-              <a:t>Editors and IDE's</a:t>
-            </a:r>
-          </a:p>
-          <a:p>
-            <a:r>
-              <a:rPr lang="en-GB" dirty="0"/>
-              <a:t>Advanced Python (files, regex, ...)</a:t>
-            </a:r>
+          <a:bodyPr>
+            <a:normAutofit lnSpcReduction="10000"/>
+          </a:bodyPr>
+          <a:lstStyle/>
+          <a:p>
+            <a:r>
+              <a:rPr lang="en-GB" dirty="0"/>
+              <a:t>Note I'm not an experienced teacher, so please give feedback and ask questions as we go.</a:t>
+            </a:r>
+          </a:p>
+          <a:p>
+            <a:r>
+              <a:rPr lang="en-GB" dirty="0"/>
+              <a:t>When &amp; how long would you like to break for lunch?</a:t>
+            </a:r>
+          </a:p>
+          <a:p>
+            <a:r>
+              <a:rPr lang="en-GB" dirty="0"/>
+              <a:t>Let me know when you want or need a break.</a:t>
+            </a:r>
+          </a:p>
+          <a:p>
+            <a:endParaRPr lang="en-GB" dirty="0"/>
+          </a:p>
+          <a:p>
+            <a:r>
+              <a:rPr lang="en-GB" dirty="0"/>
+              <a:t>About me &amp; you:</a:t>
+            </a:r>
+          </a:p>
+          <a:p>
+            <a:pPr marL="914400" lvl="1" indent="-457200">
+              <a:buFont typeface="+mj-lt"/>
+              <a:buAutoNum type="arabicPeriod"/>
+            </a:pPr>
+            <a:r>
+              <a:rPr lang="en-GB" dirty="0"/>
+              <a:t>Your favourite learning technique (book, classroom, video, etc)? </a:t>
+            </a:r>
+          </a:p>
+          <a:p>
+            <a:pPr marL="914400" lvl="1" indent="-457200">
+              <a:buFont typeface="+mj-lt"/>
+              <a:buAutoNum type="arabicPeriod"/>
+            </a:pPr>
+            <a:r>
+              <a:rPr lang="en-GB" dirty="0"/>
+              <a:t>Python experience?</a:t>
+            </a:r>
+          </a:p>
+          <a:p>
+            <a:pPr marL="914400" lvl="1" indent="-457200">
+              <a:buFont typeface="+mj-lt"/>
+              <a:buAutoNum type="arabicPeriod"/>
+            </a:pPr>
+            <a:r>
+              <a:rPr lang="en-GB" dirty="0"/>
+              <a:t>Other programming experience?</a:t>
+            </a:r>
+          </a:p>
+          <a:p>
+            <a:pPr marL="914400" lvl="1" indent="-457200">
+              <a:buFont typeface="+mj-lt"/>
+              <a:buAutoNum type="arabicPeriod"/>
+            </a:pPr>
+            <a:r>
+              <a:rPr lang="en-GB" dirty="0"/>
+              <a:t>Why you want to learn Python and what you might use it for?</a:t>
+            </a:r>
+          </a:p>
+          <a:p>
+            <a:endParaRPr lang="en-GB" dirty="0"/>
           </a:p>
         </p:txBody>
       </p:sp>
     </p:spTree>
     <p:extLst>
       <p:ext uri="{BB962C8B-B14F-4D97-AF65-F5344CB8AC3E}">
-        <p14:creationId xmlns:p14="http://schemas.microsoft.com/office/powerpoint/2010/main" val="3144369974"/>
+        <p14:creationId xmlns:p14="http://schemas.microsoft.com/office/powerpoint/2010/main" val="4232109534"/>
       </p:ext>
     </p:extLst>
   </p:cSld>
@@ -8440,7 +9171,7 @@
           <p:cNvPr id="2" name="Title 1">
             <a:extLst>
               <a:ext uri="{FF2B5EF4-FFF2-40B4-BE49-F238E27FC236}">
-                <a16:creationId xmlns:a16="http://schemas.microsoft.com/office/drawing/2014/main" id="{5432E25F-B9C8-4D3E-8B46-942DE8D328FA}"/>
+                <a16:creationId xmlns:a16="http://schemas.microsoft.com/office/drawing/2014/main" id="{DA735355-B8CE-4910-8A62-58E13133D490}"/>
               </a:ext>
             </a:extLst>
           </p:cNvPr>
@@ -8458,7 +9189,7 @@
           <a:p>
             <a:r>
               <a:rPr lang="en-GB" dirty="0"/>
-              <a:t>Pandas</a:t>
+              <a:t>Debugging</a:t>
             </a:r>
           </a:p>
         </p:txBody>
@@ -8468,7 +9199,7 @@
           <p:cNvPr id="3" name="Content Placeholder 2">
             <a:extLst>
               <a:ext uri="{FF2B5EF4-FFF2-40B4-BE49-F238E27FC236}">
-                <a16:creationId xmlns:a16="http://schemas.microsoft.com/office/drawing/2014/main" id="{F3EA85B3-C2AA-4632-B8F8-967AAE5389E8}"/>
+                <a16:creationId xmlns:a16="http://schemas.microsoft.com/office/drawing/2014/main" id="{AC679C54-D6EE-4380-892F-96997D072DA5}"/>
               </a:ext>
             </a:extLst>
           </p:cNvPr>
@@ -8481,17 +9212,291 @@
         </p:nvSpPr>
         <p:spPr/>
         <p:txBody>
-          <a:bodyPr/>
-          <a:lstStyle/>
-          <a:p>
-            <a:endParaRPr lang="en-GB"/>
+          <a:bodyPr>
+            <a:normAutofit fontScale="62500" lnSpcReduction="20000"/>
+          </a:bodyPr>
+          <a:lstStyle/>
+          <a:p>
+            <a:r>
+              <a:rPr lang="en-GB" dirty="0"/>
+              <a:t>Don't use print statements! Unless you have to </a:t>
+            </a:r>
+            <a:r>
+              <a:rPr lang="en-GB" dirty="0">
+                <a:sym typeface="Wingdings" panose="05000000000000000000" pitchFamily="2" charset="2"/>
+              </a:rPr>
+              <a:t></a:t>
+            </a:r>
+            <a:r>
+              <a:rPr lang="en-GB" dirty="0"/>
+              <a:t> (prefer a debug output option)</a:t>
+            </a:r>
+          </a:p>
+          <a:p>
+            <a:r>
+              <a:rPr lang="en-GB" dirty="0"/>
+              <a:t>Running a script from command line with the debugger:</a:t>
+            </a:r>
+          </a:p>
+          <a:p>
+            <a:pPr marL="914400" lvl="2" indent="0">
+              <a:buNone/>
+            </a:pPr>
+            <a:r>
+              <a:rPr lang="fr-FR" sz="2400" dirty="0">
+                <a:latin typeface="Courier New" panose="02070309020205020404" pitchFamily="49" charset="0"/>
+                <a:cs typeface="Courier New" panose="02070309020205020404" pitchFamily="49" charset="0"/>
+              </a:rPr>
+              <a:t>&gt; python -m pdb -c continue myscript.py</a:t>
+            </a:r>
+          </a:p>
+          <a:p>
+            <a:pPr lvl="1"/>
+            <a:r>
+              <a:rPr lang="en-GB" sz="2800" dirty="0"/>
+              <a:t>Or put one of these into a script to break into </a:t>
+            </a:r>
+            <a:r>
+              <a:rPr lang="en-GB" sz="2800" dirty="0" err="1"/>
+              <a:t>pdb</a:t>
+            </a:r>
+            <a:r>
+              <a:rPr lang="en-GB" sz="2800" dirty="0"/>
+              <a:t>:</a:t>
+            </a:r>
+          </a:p>
+          <a:p>
+            <a:pPr marL="914400" lvl="2" indent="0">
+              <a:buNone/>
+            </a:pPr>
+            <a:r>
+              <a:rPr lang="fr-FR" sz="2400" dirty="0">
+                <a:latin typeface="Courier New" panose="02070309020205020404" pitchFamily="49" charset="0"/>
+                <a:cs typeface="Courier New" panose="02070309020205020404" pitchFamily="49" charset="0"/>
+              </a:rPr>
+              <a:t>import pdb; </a:t>
+            </a:r>
+            <a:r>
+              <a:rPr lang="fr-FR" sz="2400" dirty="0" err="1">
+                <a:latin typeface="Courier New" panose="02070309020205020404" pitchFamily="49" charset="0"/>
+                <a:cs typeface="Courier New" panose="02070309020205020404" pitchFamily="49" charset="0"/>
+              </a:rPr>
+              <a:t>pdb.set_trace</a:t>
+            </a:r>
+            <a:r>
+              <a:rPr lang="fr-FR" sz="2400" dirty="0">
+                <a:latin typeface="Courier New" panose="02070309020205020404" pitchFamily="49" charset="0"/>
+                <a:cs typeface="Courier New" panose="02070309020205020404" pitchFamily="49" charset="0"/>
+              </a:rPr>
+              <a:t>()</a:t>
+            </a:r>
+          </a:p>
+          <a:p>
+            <a:pPr marL="914400" lvl="2" indent="0">
+              <a:buNone/>
+            </a:pPr>
+            <a:r>
+              <a:rPr lang="fr-FR" sz="2400" dirty="0" err="1">
+                <a:latin typeface="Courier New" panose="02070309020205020404" pitchFamily="49" charset="0"/>
+                <a:cs typeface="Courier New" panose="02070309020205020404" pitchFamily="49" charset="0"/>
+              </a:rPr>
+              <a:t>breakpoint</a:t>
+            </a:r>
+            <a:r>
+              <a:rPr lang="fr-FR" sz="2400" dirty="0">
+                <a:latin typeface="Courier New" panose="02070309020205020404" pitchFamily="49" charset="0"/>
+                <a:cs typeface="Courier New" panose="02070309020205020404" pitchFamily="49" charset="0"/>
+              </a:rPr>
+              <a:t>()  # Python 3.7+</a:t>
+            </a:r>
+            <a:endParaRPr lang="en-GB" sz="2400" dirty="0"/>
+          </a:p>
+          <a:p>
+            <a:r>
+              <a:rPr lang="en-GB" sz="3200" dirty="0"/>
+              <a:t>PDB Quick Ref:</a:t>
+            </a:r>
+          </a:p>
+          <a:p>
+            <a:pPr lvl="1"/>
+            <a:r>
+              <a:rPr lang="en-GB" sz="2800" b="1" dirty="0"/>
+              <a:t>h(</a:t>
+            </a:r>
+            <a:r>
+              <a:rPr lang="en-GB" sz="2800" b="1" dirty="0" err="1"/>
+              <a:t>elp</a:t>
+            </a:r>
+            <a:r>
+              <a:rPr lang="en-GB" sz="2800" b="1" dirty="0"/>
+              <a:t>) [command]</a:t>
+            </a:r>
+            <a:r>
+              <a:rPr lang="en-GB" sz="2800" dirty="0"/>
+              <a:t> = help.</a:t>
+            </a:r>
+            <a:r>
+              <a:rPr lang="en-GB" sz="2800" b="1" dirty="0"/>
+              <a:t> </a:t>
+            </a:r>
+          </a:p>
+          <a:p>
+            <a:pPr lvl="1"/>
+            <a:r>
+              <a:rPr lang="en-GB" sz="2800" b="1" dirty="0"/>
+              <a:t>p(</a:t>
+            </a:r>
+            <a:r>
+              <a:rPr lang="en-GB" sz="2800" b="1" dirty="0" err="1"/>
+              <a:t>rint</a:t>
+            </a:r>
+            <a:r>
+              <a:rPr lang="en-GB" sz="2800" b="1" dirty="0"/>
+              <a:t>) &lt;expr&gt;</a:t>
+            </a:r>
+            <a:r>
+              <a:rPr lang="en-GB" sz="2800" dirty="0"/>
+              <a:t> = print expression.</a:t>
+            </a:r>
+          </a:p>
+          <a:p>
+            <a:pPr lvl="1"/>
+            <a:r>
+              <a:rPr lang="en-GB" sz="2800" b="1" dirty="0"/>
+              <a:t>pp</a:t>
+            </a:r>
+            <a:r>
+              <a:rPr lang="en-GB" sz="2800" dirty="0"/>
+              <a:t> </a:t>
+            </a:r>
+            <a:r>
+              <a:rPr lang="en-GB" sz="2800" b="1" dirty="0"/>
+              <a:t>&lt;expr&gt;</a:t>
+            </a:r>
+            <a:r>
+              <a:rPr lang="en-GB" sz="2800" dirty="0"/>
+              <a:t> = pretty-print expression (good for long lists etc).</a:t>
+            </a:r>
+          </a:p>
+          <a:p>
+            <a:pPr lvl="1"/>
+            <a:r>
+              <a:rPr lang="en-GB" sz="2800" b="1" dirty="0"/>
+              <a:t>l(</a:t>
+            </a:r>
+            <a:r>
+              <a:rPr lang="en-GB" sz="2800" b="1" dirty="0" err="1"/>
+              <a:t>ist</a:t>
+            </a:r>
+            <a:r>
+              <a:rPr lang="en-GB" sz="2800" b="1" dirty="0"/>
+              <a:t>) [first [,last] | .] </a:t>
+            </a:r>
+            <a:r>
+              <a:rPr lang="en-GB" sz="2800" dirty="0"/>
+              <a:t>= list lines or '.' for current position.  ("</a:t>
+            </a:r>
+            <a:r>
+              <a:rPr lang="en-GB" sz="2800" b="1" dirty="0">
+                <a:solidFill>
+                  <a:srgbClr val="FF0000"/>
+                </a:solidFill>
+              </a:rPr>
+              <a:t>L."</a:t>
+            </a:r>
+            <a:r>
+              <a:rPr lang="en-GB" sz="2800" dirty="0"/>
+              <a:t> is your friend)</a:t>
+            </a:r>
+          </a:p>
+          <a:p>
+            <a:pPr lvl="1"/>
+            <a:r>
+              <a:rPr lang="en-GB" sz="2800" b="1" dirty="0" err="1"/>
+              <a:t>ll</a:t>
+            </a:r>
+            <a:r>
+              <a:rPr lang="en-GB" sz="2800" dirty="0"/>
+              <a:t> = long list current function or frame.</a:t>
+            </a:r>
+          </a:p>
+          <a:p>
+            <a:pPr lvl="1"/>
+            <a:r>
+              <a:rPr lang="en-GB" sz="2800" b="1" dirty="0"/>
+              <a:t>n(</a:t>
+            </a:r>
+            <a:r>
+              <a:rPr lang="en-GB" sz="2800" b="1" dirty="0" err="1"/>
+              <a:t>ext</a:t>
+            </a:r>
+            <a:r>
+              <a:rPr lang="en-GB" sz="2800" b="1" dirty="0"/>
+              <a:t>)</a:t>
+            </a:r>
+            <a:r>
+              <a:rPr lang="en-GB" sz="2800" dirty="0"/>
+              <a:t> = execute until next.</a:t>
+            </a:r>
+          </a:p>
+          <a:p>
+            <a:pPr lvl="1"/>
+            <a:r>
+              <a:rPr lang="en-GB" sz="2800" b="1" dirty="0"/>
+              <a:t>s(</a:t>
+            </a:r>
+            <a:r>
+              <a:rPr lang="en-GB" sz="2800" b="1" dirty="0" err="1"/>
+              <a:t>tep</a:t>
+            </a:r>
+            <a:r>
+              <a:rPr lang="en-GB" sz="2800" b="1" dirty="0"/>
+              <a:t>)</a:t>
+            </a:r>
+            <a:r>
+              <a:rPr lang="en-GB" sz="2800" dirty="0"/>
+              <a:t> = execute and step into.</a:t>
+            </a:r>
+          </a:p>
+          <a:p>
+            <a:pPr lvl="1"/>
+            <a:r>
+              <a:rPr lang="en-GB" sz="2800" b="1" dirty="0" err="1"/>
+              <a:t>unt</a:t>
+            </a:r>
+            <a:r>
+              <a:rPr lang="en-GB" sz="2800" dirty="0"/>
+              <a:t> &lt;line&gt; = </a:t>
+            </a:r>
+            <a:r>
+              <a:rPr lang="en-GB" sz="2800" dirty="0" err="1"/>
+              <a:t>execuate</a:t>
+            </a:r>
+            <a:r>
+              <a:rPr lang="en-GB" sz="2800" dirty="0"/>
+              <a:t> up</a:t>
+            </a:r>
+          </a:p>
+          <a:p>
+            <a:r>
+              <a:rPr lang="en-GB" sz="3200" dirty="0"/>
+              <a:t>Exercise: Try the </a:t>
+            </a:r>
+            <a:r>
+              <a:rPr lang="en-GB" sz="3200" dirty="0" err="1"/>
+              <a:t>VScode</a:t>
+            </a:r>
+            <a:r>
+              <a:rPr lang="en-GB" sz="3200" dirty="0"/>
+              <a:t> debugger!</a:t>
+            </a:r>
           </a:p>
         </p:txBody>
       </p:sp>
     </p:spTree>
     <p:extLst>
       <p:ext uri="{BB962C8B-B14F-4D97-AF65-F5344CB8AC3E}">
-        <p14:creationId xmlns:p14="http://schemas.microsoft.com/office/powerpoint/2010/main" val="1425453680"/>
+        <p14:creationId xmlns:p14="http://schemas.microsoft.com/office/powerpoint/2010/main" val="3973633028"/>
       </p:ext>
     </p:extLst>
   </p:cSld>
@@ -8523,7 +9528,7 @@
           <p:cNvPr id="2" name="Title 1">
             <a:extLst>
               <a:ext uri="{FF2B5EF4-FFF2-40B4-BE49-F238E27FC236}">
-                <a16:creationId xmlns:a16="http://schemas.microsoft.com/office/drawing/2014/main" id="{5103E938-4484-4D84-8CA7-9BC166A3942C}"/>
+                <a16:creationId xmlns:a16="http://schemas.microsoft.com/office/drawing/2014/main" id="{C5787C28-36C9-40BB-ADAB-3F1AF370D100}"/>
               </a:ext>
             </a:extLst>
           </p:cNvPr>
@@ -8541,7 +9546,7 @@
           <a:p>
             <a:r>
               <a:rPr lang="en-GB" dirty="0"/>
-              <a:t>Output to Excel</a:t>
+              <a:t>Logging</a:t>
             </a:r>
           </a:p>
         </p:txBody>
@@ -8551,7 +9556,7 @@
           <p:cNvPr id="3" name="Content Placeholder 2">
             <a:extLst>
               <a:ext uri="{FF2B5EF4-FFF2-40B4-BE49-F238E27FC236}">
-                <a16:creationId xmlns:a16="http://schemas.microsoft.com/office/drawing/2014/main" id="{37A2E542-A5B5-4F9B-9990-4863002CFF9C}"/>
+                <a16:creationId xmlns:a16="http://schemas.microsoft.com/office/drawing/2014/main" id="{C4DA4780-E4D1-440E-AE49-1D548FB3F213}"/>
               </a:ext>
             </a:extLst>
           </p:cNvPr>
@@ -8567,14 +9572,92 @@
           <a:bodyPr/>
           <a:lstStyle/>
           <a:p>
-            <a:endParaRPr lang="en-GB"/>
+            <a:endParaRPr lang="en-GB" dirty="0"/>
+          </a:p>
+          <a:p>
+            <a:r>
+              <a:rPr lang="en-GB" dirty="0"/>
+              <a:t>To optimize do not do string interpolation as per:</a:t>
+            </a:r>
+          </a:p>
+          <a:p>
+            <a:pPr marL="914400" lvl="2" indent="0">
+              <a:buNone/>
+            </a:pPr>
+            <a:r>
+              <a:rPr lang="en-GB" dirty="0" err="1">
+                <a:latin typeface="Courier New" panose="02070309020205020404" pitchFamily="49" charset="0"/>
+                <a:cs typeface="Courier New" panose="02070309020205020404" pitchFamily="49" charset="0"/>
+              </a:rPr>
+              <a:t>logger.debug</a:t>
+            </a:r>
+            <a:r>
+              <a:rPr lang="en-GB" dirty="0">
+                <a:latin typeface="Courier New" panose="02070309020205020404" pitchFamily="49" charset="0"/>
+                <a:cs typeface="Courier New" panose="02070309020205020404" pitchFamily="49" charset="0"/>
+              </a:rPr>
+              <a:t>('oops caused by %s' % </a:t>
+            </a:r>
+            <a:r>
+              <a:rPr lang="en-GB" dirty="0" err="1">
+                <a:latin typeface="Courier New" panose="02070309020205020404" pitchFamily="49" charset="0"/>
+                <a:cs typeface="Courier New" panose="02070309020205020404" pitchFamily="49" charset="0"/>
+              </a:rPr>
+              <a:t>exc</a:t>
+            </a:r>
+            <a:r>
+              <a:rPr lang="en-GB" dirty="0">
+                <a:latin typeface="Courier New" panose="02070309020205020404" pitchFamily="49" charset="0"/>
+                <a:cs typeface="Courier New" panose="02070309020205020404" pitchFamily="49" charset="0"/>
+              </a:rPr>
+              <a:t>)</a:t>
+            </a:r>
+          </a:p>
+          <a:p>
+            <a:r>
+              <a:rPr lang="en-GB" dirty="0"/>
+              <a:t>Delay interpolation until message is emitted:</a:t>
+            </a:r>
+          </a:p>
+          <a:p>
+            <a:pPr marL="914400" lvl="2" indent="0">
+              <a:buNone/>
+            </a:pPr>
+            <a:r>
+              <a:rPr lang="en-GB" dirty="0" err="1">
+                <a:latin typeface="Courier New" panose="02070309020205020404" pitchFamily="49" charset="0"/>
+                <a:cs typeface="Courier New" panose="02070309020205020404" pitchFamily="49" charset="0"/>
+              </a:rPr>
+              <a:t>logger.debug</a:t>
+            </a:r>
+            <a:r>
+              <a:rPr lang="en-GB" dirty="0">
+                <a:latin typeface="Courier New" panose="02070309020205020404" pitchFamily="49" charset="0"/>
+                <a:cs typeface="Courier New" panose="02070309020205020404" pitchFamily="49" charset="0"/>
+              </a:rPr>
+              <a:t>('oops caused by %s', </a:t>
+            </a:r>
+            <a:r>
+              <a:rPr lang="en-GB" dirty="0" err="1">
+                <a:latin typeface="Courier New" panose="02070309020205020404" pitchFamily="49" charset="0"/>
+                <a:cs typeface="Courier New" panose="02070309020205020404" pitchFamily="49" charset="0"/>
+              </a:rPr>
+              <a:t>exc</a:t>
+            </a:r>
+            <a:r>
+              <a:rPr lang="en-GB" dirty="0">
+                <a:latin typeface="Courier New" panose="02070309020205020404" pitchFamily="49" charset="0"/>
+                <a:cs typeface="Courier New" panose="02070309020205020404" pitchFamily="49" charset="0"/>
+              </a:rPr>
+              <a:t>)</a:t>
+            </a:r>
           </a:p>
         </p:txBody>
       </p:sp>
     </p:spTree>
     <p:extLst>
       <p:ext uri="{BB962C8B-B14F-4D97-AF65-F5344CB8AC3E}">
-        <p14:creationId xmlns:p14="http://schemas.microsoft.com/office/powerpoint/2010/main" val="2726234750"/>
+        <p14:creationId xmlns:p14="http://schemas.microsoft.com/office/powerpoint/2010/main" val="320531137"/>
       </p:ext>
     </p:extLst>
   </p:cSld>
@@ -8606,7 +9689,7 @@
           <p:cNvPr id="2" name="Title 1">
             <a:extLst>
               <a:ext uri="{FF2B5EF4-FFF2-40B4-BE49-F238E27FC236}">
-                <a16:creationId xmlns:a16="http://schemas.microsoft.com/office/drawing/2014/main" id="{CF75FB92-46F9-4482-9C80-A949C4BC3BA2}"/>
+                <a16:creationId xmlns:a16="http://schemas.microsoft.com/office/drawing/2014/main" id="{8754449A-2896-4156-80F1-32DF04FBD1FD}"/>
               </a:ext>
             </a:extLst>
           </p:cNvPr>
@@ -8622,7 +9705,10 @@
           <a:bodyPr/>
           <a:lstStyle/>
           <a:p>
-            <a:endParaRPr lang="en-GB"/>
+            <a:r>
+              <a:rPr lang="en-GB" dirty="0"/>
+              <a:t>Regular expressions (Regex)</a:t>
+            </a:r>
           </a:p>
         </p:txBody>
       </p:sp>
@@ -8631,7 +9717,7 @@
           <p:cNvPr id="3" name="Content Placeholder 2">
             <a:extLst>
               <a:ext uri="{FF2B5EF4-FFF2-40B4-BE49-F238E27FC236}">
-                <a16:creationId xmlns:a16="http://schemas.microsoft.com/office/drawing/2014/main" id="{A78F84CD-AC9B-4A98-9082-3125C12034F9}"/>
+                <a16:creationId xmlns:a16="http://schemas.microsoft.com/office/drawing/2014/main" id="{D4EE896F-360F-440B-9CB7-6A67DFFFB7CF}"/>
               </a:ext>
             </a:extLst>
           </p:cNvPr>
@@ -8644,17 +9730,149 @@
         </p:nvSpPr>
         <p:spPr/>
         <p:txBody>
-          <a:bodyPr/>
-          <a:lstStyle/>
-          <a:p>
-            <a:endParaRPr lang="en-GB"/>
+          <a:bodyPr>
+            <a:normAutofit fontScale="85000" lnSpcReduction="20000"/>
+          </a:bodyPr>
+          <a:lstStyle/>
+          <a:p>
+            <a:r>
+              <a:rPr lang="en-GB" dirty="0"/>
+              <a:t>Play around on </a:t>
+            </a:r>
+            <a:r>
+              <a:rPr lang="en-GB" dirty="0">
+                <a:hlinkClick r:id="rId2"/>
+              </a:rPr>
+              <a:t>https://pythex.org/</a:t>
+            </a:r>
+            <a:r>
+              <a:rPr lang="en-GB" dirty="0"/>
+              <a:t>, copy below string test string:</a:t>
+            </a:r>
+          </a:p>
+          <a:p>
+            <a:endParaRPr lang="en-GB" dirty="0"/>
+          </a:p>
+          <a:p>
+            <a:pPr marL="0" indent="0">
+              <a:buNone/>
+            </a:pPr>
+            <a:r>
+              <a:rPr lang="en-GB" sz="2600" dirty="0">
+                <a:solidFill>
+                  <a:srgbClr val="FF0000"/>
+                </a:solidFill>
+                <a:latin typeface="Courier New" panose="02070309020205020404" pitchFamily="49" charset="0"/>
+                <a:cs typeface="Courier New" panose="02070309020205020404" pitchFamily="49" charset="0"/>
+              </a:rPr>
+              <a:t>The "quick" brown fox (may have jumped), [or not] over the lazy dog"</a:t>
+            </a:r>
+          </a:p>
+          <a:p>
+            <a:pPr lvl="1"/>
+            <a:endParaRPr lang="en-GB" dirty="0"/>
+          </a:p>
+          <a:p>
+            <a:pPr lvl="1"/>
+            <a:r>
+              <a:rPr lang="en-GB" dirty="0"/>
+              <a:t>Hint: See the cheat sheet on the </a:t>
+            </a:r>
+            <a:r>
+              <a:rPr lang="en-GB" dirty="0" err="1"/>
+              <a:t>Pythex</a:t>
+            </a:r>
+            <a:r>
+              <a:rPr lang="en-GB" dirty="0"/>
+              <a:t> page.</a:t>
+            </a:r>
+          </a:p>
+          <a:p>
+            <a:pPr lvl="1"/>
+            <a:r>
+              <a:rPr lang="en-GB" dirty="0"/>
+              <a:t>Try searching for the letter "o".</a:t>
+            </a:r>
+          </a:p>
+          <a:p>
+            <a:pPr lvl="1"/>
+            <a:r>
+              <a:rPr lang="en-GB" dirty="0"/>
+              <a:t>Try searching for the word "fox".</a:t>
+            </a:r>
+          </a:p>
+          <a:p>
+            <a:pPr lvl="1"/>
+            <a:r>
+              <a:rPr lang="en-GB" dirty="0"/>
+              <a:t>Search for all whitespace</a:t>
+            </a:r>
+          </a:p>
+          <a:p>
+            <a:pPr lvl="1"/>
+            <a:r>
+              <a:rPr lang="en-GB" dirty="0"/>
+              <a:t>Search for all non-whitespace</a:t>
+            </a:r>
+          </a:p>
+          <a:p>
+            <a:pPr lvl="1"/>
+            <a:r>
+              <a:rPr lang="en-GB" dirty="0"/>
+              <a:t>Try searching for the word "fox" followed by "dog".</a:t>
+            </a:r>
+          </a:p>
+          <a:p>
+            <a:pPr lvl="1"/>
+            <a:r>
+              <a:rPr lang="en-GB" dirty="0"/>
+              <a:t>Try searching for a </a:t>
+            </a:r>
+            <a:r>
+              <a:rPr lang="en-GB" u="sng" dirty="0"/>
+              <a:t>word</a:t>
+            </a:r>
+            <a:r>
+              <a:rPr lang="en-GB" dirty="0"/>
+              <a:t> with letter "o" or "a" in it.</a:t>
+            </a:r>
+          </a:p>
+          <a:p>
+            <a:pPr lvl="1"/>
+            <a:r>
+              <a:rPr lang="en-GB" dirty="0"/>
+              <a:t>Make groups of any word with an "o" in it.</a:t>
+            </a:r>
+          </a:p>
+          <a:p>
+            <a:pPr lvl="1"/>
+            <a:r>
+              <a:rPr lang="en-GB" dirty="0"/>
+              <a:t>Group words within []</a:t>
+            </a:r>
+          </a:p>
+          <a:p>
+            <a:pPr lvl="1"/>
+            <a:endParaRPr lang="en-GB" dirty="0"/>
+          </a:p>
+          <a:p>
+            <a:pPr lvl="1"/>
+            <a:endParaRPr lang="en-GB" dirty="0"/>
+          </a:p>
+          <a:p>
+            <a:pPr lvl="1"/>
+            <a:endParaRPr lang="en-GB" dirty="0"/>
+          </a:p>
+          <a:p>
+            <a:pPr lvl="1"/>
+            <a:endParaRPr lang="en-GB" dirty="0"/>
           </a:p>
         </p:txBody>
       </p:sp>
     </p:spTree>
     <p:extLst>
       <p:ext uri="{BB962C8B-B14F-4D97-AF65-F5344CB8AC3E}">
-        <p14:creationId xmlns:p14="http://schemas.microsoft.com/office/powerpoint/2010/main" val="3940687511"/>
+        <p14:creationId xmlns:p14="http://schemas.microsoft.com/office/powerpoint/2010/main" val="1753082729"/>
       </p:ext>
     </p:extLst>
   </p:cSld>
@@ -8686,7 +9904,7 @@
           <p:cNvPr id="2" name="Title 1">
             <a:extLst>
               <a:ext uri="{FF2B5EF4-FFF2-40B4-BE49-F238E27FC236}">
-                <a16:creationId xmlns:a16="http://schemas.microsoft.com/office/drawing/2014/main" id="{8764B17B-706F-4AE3-8276-B1C03AC3511B}"/>
+                <a16:creationId xmlns:a16="http://schemas.microsoft.com/office/drawing/2014/main" id="{B2AC0572-A8E6-475A-B56C-77F8C266E9EC}"/>
               </a:ext>
             </a:extLst>
           </p:cNvPr>
@@ -8702,7 +9920,10 @@
           <a:bodyPr/>
           <a:lstStyle/>
           <a:p>
-            <a:endParaRPr lang="en-GB"/>
+            <a:r>
+              <a:rPr lang="en-GB" dirty="0"/>
+              <a:t>Regex parsing program</a:t>
+            </a:r>
           </a:p>
         </p:txBody>
       </p:sp>
@@ -8711,7 +9932,7 @@
           <p:cNvPr id="3" name="Content Placeholder 2">
             <a:extLst>
               <a:ext uri="{FF2B5EF4-FFF2-40B4-BE49-F238E27FC236}">
-                <a16:creationId xmlns:a16="http://schemas.microsoft.com/office/drawing/2014/main" id="{8ADF3E3A-48BF-4470-BE0B-AEE6B7F22BFB}"/>
+                <a16:creationId xmlns:a16="http://schemas.microsoft.com/office/drawing/2014/main" id="{76C0E965-30D7-4679-AF6F-EFEF7253CEE3}"/>
               </a:ext>
             </a:extLst>
           </p:cNvPr>
@@ -8727,14 +9948,41 @@
           <a:bodyPr/>
           <a:lstStyle/>
           <a:p>
-            <a:endParaRPr lang="en-GB"/>
+            <a:r>
+              <a:rPr lang="en-GB" dirty="0"/>
+              <a:t>Using poolout.txt ....</a:t>
+            </a:r>
+          </a:p>
+          <a:p>
+            <a:r>
+              <a:rPr lang="en-GB" dirty="0"/>
+              <a:t>As reading store the pool number</a:t>
+            </a:r>
+          </a:p>
+          <a:p>
+            <a:r>
+              <a:rPr lang="en-GB" dirty="0"/>
+              <a:t>Find table xxx</a:t>
+            </a:r>
+          </a:p>
+          <a:p>
+            <a:r>
+              <a:rPr lang="en-GB" dirty="0"/>
+              <a:t>Store headings and data</a:t>
+            </a:r>
+          </a:p>
+          <a:p>
+            <a:r>
+              <a:rPr lang="en-GB" dirty="0"/>
+              <a:t>Output into a csv including pool number</a:t>
+            </a:r>
           </a:p>
         </p:txBody>
       </p:sp>
     </p:spTree>
     <p:extLst>
       <p:ext uri="{BB962C8B-B14F-4D97-AF65-F5344CB8AC3E}">
-        <p14:creationId xmlns:p14="http://schemas.microsoft.com/office/powerpoint/2010/main" val="3359607802"/>
+        <p14:creationId xmlns:p14="http://schemas.microsoft.com/office/powerpoint/2010/main" val="3096978650"/>
       </p:ext>
     </p:extLst>
   </p:cSld>
@@ -8766,7 +10014,7 @@
           <p:cNvPr id="2" name="Title 1">
             <a:extLst>
               <a:ext uri="{FF2B5EF4-FFF2-40B4-BE49-F238E27FC236}">
-                <a16:creationId xmlns:a16="http://schemas.microsoft.com/office/drawing/2014/main" id="{850F1BC5-A688-4C57-AC8F-8D549821B50B}"/>
+                <a16:creationId xmlns:a16="http://schemas.microsoft.com/office/drawing/2014/main" id="{B1E69824-6AC9-4DD0-A10C-4C2B32A47247}"/>
               </a:ext>
             </a:extLst>
           </p:cNvPr>
@@ -8782,7 +10030,10 @@
           <a:bodyPr/>
           <a:lstStyle/>
           <a:p>
-            <a:endParaRPr lang="en-GB"/>
+            <a:r>
+              <a:rPr lang="en-GB" dirty="0"/>
+              <a:t>Zip module</a:t>
+            </a:r>
           </a:p>
         </p:txBody>
       </p:sp>
@@ -8791,7 +10042,7 @@
           <p:cNvPr id="3" name="Content Placeholder 2">
             <a:extLst>
               <a:ext uri="{FF2B5EF4-FFF2-40B4-BE49-F238E27FC236}">
-                <a16:creationId xmlns:a16="http://schemas.microsoft.com/office/drawing/2014/main" id="{EE2556C6-49CC-4365-BC7B-990593598A81}"/>
+                <a16:creationId xmlns:a16="http://schemas.microsoft.com/office/drawing/2014/main" id="{4AF21F0E-55A0-48EF-9287-4CFAECFE96CD}"/>
               </a:ext>
             </a:extLst>
           </p:cNvPr>
@@ -8807,14 +10058,66 @@
           <a:bodyPr/>
           <a:lstStyle/>
           <a:p>
-            <a:endParaRPr lang="en-GB"/>
+            <a:r>
+              <a:rPr lang="en-GB" dirty="0"/>
+              <a:t>Create program to open zip file xxx</a:t>
+            </a:r>
+          </a:p>
+          <a:p>
+            <a:r>
+              <a:rPr lang="en-GB" dirty="0"/>
+              <a:t>List the contents</a:t>
+            </a:r>
+          </a:p>
+          <a:p>
+            <a:r>
+              <a:rPr lang="en-GB" dirty="0"/>
+              <a:t>Find a certain file </a:t>
+            </a:r>
+            <a:r>
+              <a:rPr lang="en-GB" dirty="0" err="1"/>
+              <a:t>yyy</a:t>
+            </a:r>
+            <a:endParaRPr lang="en-GB" dirty="0"/>
+          </a:p>
+          <a:p>
+            <a:r>
+              <a:rPr lang="en-GB" dirty="0"/>
+              <a:t>Get the file contents</a:t>
+            </a:r>
+          </a:p>
+          <a:p>
+            <a:r>
+              <a:rPr lang="en-GB" dirty="0"/>
+              <a:t>Search lines containing </a:t>
+            </a:r>
+            <a:r>
+              <a:rPr lang="en-GB" dirty="0" err="1"/>
+              <a:t>zzz</a:t>
+            </a:r>
+            <a:r>
+              <a:rPr lang="en-GB" dirty="0"/>
+              <a:t> and output</a:t>
+            </a:r>
+          </a:p>
+          <a:p>
+            <a:endParaRPr lang="en-GB" dirty="0"/>
+          </a:p>
+          <a:p>
+            <a:r>
+              <a:rPr lang="en-GB" dirty="0"/>
+              <a:t>Change previous regex program to make a zip file containing the csv file.  Go direct from memory to file or from intermediate csv file.</a:t>
+            </a:r>
+          </a:p>
+          <a:p>
+            <a:endParaRPr lang="en-GB" dirty="0"/>
           </a:p>
         </p:txBody>
       </p:sp>
     </p:spTree>
     <p:extLst>
       <p:ext uri="{BB962C8B-B14F-4D97-AF65-F5344CB8AC3E}">
-        <p14:creationId xmlns:p14="http://schemas.microsoft.com/office/powerpoint/2010/main" val="459007949"/>
+        <p14:creationId xmlns:p14="http://schemas.microsoft.com/office/powerpoint/2010/main" val="3308359206"/>
       </p:ext>
     </p:extLst>
   </p:cSld>
@@ -8846,7 +10149,7 @@
           <p:cNvPr id="2" name="Title 1">
             <a:extLst>
               <a:ext uri="{FF2B5EF4-FFF2-40B4-BE49-F238E27FC236}">
-                <a16:creationId xmlns:a16="http://schemas.microsoft.com/office/drawing/2014/main" id="{A148DC1C-96B3-487F-9B6E-848C20CF3C32}"/>
+                <a16:creationId xmlns:a16="http://schemas.microsoft.com/office/drawing/2014/main" id="{5432E25F-B9C8-4D3E-8B46-942DE8D328FA}"/>
               </a:ext>
             </a:extLst>
           </p:cNvPr>
@@ -8862,7 +10165,10 @@
           <a:bodyPr/>
           <a:lstStyle/>
           <a:p>
-            <a:endParaRPr lang="en-GB"/>
+            <a:r>
+              <a:rPr lang="en-GB" dirty="0"/>
+              <a:t>Pandas</a:t>
+            </a:r>
           </a:p>
         </p:txBody>
       </p:sp>
@@ -8871,7 +10177,7 @@
           <p:cNvPr id="3" name="Content Placeholder 2">
             <a:extLst>
               <a:ext uri="{FF2B5EF4-FFF2-40B4-BE49-F238E27FC236}">
-                <a16:creationId xmlns:a16="http://schemas.microsoft.com/office/drawing/2014/main" id="{2899C2A6-B345-41A5-A8AE-F3D6AC402136}"/>
+                <a16:creationId xmlns:a16="http://schemas.microsoft.com/office/drawing/2014/main" id="{F3EA85B3-C2AA-4632-B8F8-967AAE5389E8}"/>
               </a:ext>
             </a:extLst>
           </p:cNvPr>
@@ -8887,14 +10193,39 @@
           <a:bodyPr/>
           <a:lstStyle/>
           <a:p>
-            <a:endParaRPr lang="en-GB"/>
+            <a:r>
+              <a:rPr lang="en-GB" dirty="0"/>
+              <a:t>Read the previous csv file out of the </a:t>
+            </a:r>
+            <a:r>
+              <a:rPr lang="en-GB" dirty="0" err="1"/>
+              <a:t>zipfile</a:t>
+            </a:r>
+            <a:r>
+              <a:rPr lang="en-GB" dirty="0"/>
+              <a:t> into a </a:t>
+            </a:r>
+            <a:r>
+              <a:rPr lang="en-GB" dirty="0" err="1"/>
+              <a:t>Dataframe</a:t>
+            </a:r>
+            <a:endParaRPr lang="en-GB" dirty="0"/>
+          </a:p>
+          <a:p>
+            <a:r>
+              <a:rPr lang="en-GB" dirty="0"/>
+              <a:t>Average the columns</a:t>
+            </a:r>
+          </a:p>
+          <a:p>
+            <a:endParaRPr lang="en-GB" dirty="0"/>
           </a:p>
         </p:txBody>
       </p:sp>
     </p:spTree>
     <p:extLst>
       <p:ext uri="{BB962C8B-B14F-4D97-AF65-F5344CB8AC3E}">
-        <p14:creationId xmlns:p14="http://schemas.microsoft.com/office/powerpoint/2010/main" val="4172519110"/>
+        <p14:creationId xmlns:p14="http://schemas.microsoft.com/office/powerpoint/2010/main" val="1425453680"/>
       </p:ext>
     </p:extLst>
   </p:cSld>
@@ -8926,6 +10257,258 @@
           <p:cNvPr id="2" name="Title 1">
             <a:extLst>
               <a:ext uri="{FF2B5EF4-FFF2-40B4-BE49-F238E27FC236}">
+                <a16:creationId xmlns:a16="http://schemas.microsoft.com/office/drawing/2014/main" id="{5103E938-4484-4D84-8CA7-9BC166A3942C}"/>
+              </a:ext>
+            </a:extLst>
+          </p:cNvPr>
+          <p:cNvSpPr>
+            <a:spLocks noGrp="1"/>
+          </p:cNvSpPr>
+          <p:nvPr>
+            <p:ph type="title"/>
+          </p:nvPr>
+        </p:nvSpPr>
+        <p:spPr/>
+        <p:txBody>
+          <a:bodyPr/>
+          <a:lstStyle/>
+          <a:p>
+            <a:r>
+              <a:rPr lang="en-GB" dirty="0"/>
+              <a:t>Output to Excel</a:t>
+            </a:r>
+          </a:p>
+        </p:txBody>
+      </p:sp>
+      <p:sp>
+        <p:nvSpPr>
+          <p:cNvPr id="3" name="Content Placeholder 2">
+            <a:extLst>
+              <a:ext uri="{FF2B5EF4-FFF2-40B4-BE49-F238E27FC236}">
+                <a16:creationId xmlns:a16="http://schemas.microsoft.com/office/drawing/2014/main" id="{37A2E542-A5B5-4F9B-9990-4863002CFF9C}"/>
+              </a:ext>
+            </a:extLst>
+          </p:cNvPr>
+          <p:cNvSpPr>
+            <a:spLocks noGrp="1"/>
+          </p:cNvSpPr>
+          <p:nvPr>
+            <p:ph idx="1"/>
+          </p:nvPr>
+        </p:nvSpPr>
+        <p:spPr/>
+        <p:txBody>
+          <a:bodyPr/>
+          <a:lstStyle/>
+          <a:p>
+            <a:r>
+              <a:rPr lang="en-GB" dirty="0"/>
+              <a:t>Change the previous Regex program to output an excel file</a:t>
+            </a:r>
+          </a:p>
+          <a:p>
+            <a:r>
+              <a:rPr lang="en-GB" dirty="0"/>
+              <a:t>Change the Pandas program to read either a csv or an excel</a:t>
+            </a:r>
+          </a:p>
+        </p:txBody>
+      </p:sp>
+    </p:spTree>
+    <p:extLst>
+      <p:ext uri="{BB962C8B-B14F-4D97-AF65-F5344CB8AC3E}">
+        <p14:creationId xmlns:p14="http://schemas.microsoft.com/office/powerpoint/2010/main" val="2726234750"/>
+      </p:ext>
+    </p:extLst>
+  </p:cSld>
+  <p:clrMapOvr>
+    <a:masterClrMapping/>
+  </p:clrMapOvr>
+</p:sld>
+</file>
+
+<file path=ppt/slides/slide37.xml><?xml version="1.0" encoding="utf-8"?>
+<p:sld xmlns:a="http://schemas.openxmlformats.org/drawingml/2006/main" xmlns:r="http://schemas.openxmlformats.org/officeDocument/2006/relationships" xmlns:p="http://schemas.openxmlformats.org/presentationml/2006/main">
+  <p:cSld>
+    <p:spTree>
+      <p:nvGrpSpPr>
+        <p:cNvPr id="1" name=""/>
+        <p:cNvGrpSpPr/>
+        <p:nvPr/>
+      </p:nvGrpSpPr>
+      <p:grpSpPr>
+        <a:xfrm>
+          <a:off x="0" y="0"/>
+          <a:ext cx="0" cy="0"/>
+          <a:chOff x="0" y="0"/>
+          <a:chExt cx="0" cy="0"/>
+        </a:xfrm>
+      </p:grpSpPr>
+      <p:sp>
+        <p:nvSpPr>
+          <p:cNvPr id="2" name="Title 1">
+            <a:extLst>
+              <a:ext uri="{FF2B5EF4-FFF2-40B4-BE49-F238E27FC236}">
+                <a16:creationId xmlns:a16="http://schemas.microsoft.com/office/drawing/2014/main" id="{CF75FB92-46F9-4482-9C80-A949C4BC3BA2}"/>
+              </a:ext>
+            </a:extLst>
+          </p:cNvPr>
+          <p:cNvSpPr>
+            <a:spLocks noGrp="1"/>
+          </p:cNvSpPr>
+          <p:nvPr>
+            <p:ph type="title"/>
+          </p:nvPr>
+        </p:nvSpPr>
+        <p:spPr/>
+        <p:txBody>
+          <a:bodyPr/>
+          <a:lstStyle/>
+          <a:p>
+            <a:endParaRPr lang="en-GB"/>
+          </a:p>
+        </p:txBody>
+      </p:sp>
+      <p:sp>
+        <p:nvSpPr>
+          <p:cNvPr id="3" name="Content Placeholder 2">
+            <a:extLst>
+              <a:ext uri="{FF2B5EF4-FFF2-40B4-BE49-F238E27FC236}">
+                <a16:creationId xmlns:a16="http://schemas.microsoft.com/office/drawing/2014/main" id="{A78F84CD-AC9B-4A98-9082-3125C12034F9}"/>
+              </a:ext>
+            </a:extLst>
+          </p:cNvPr>
+          <p:cNvSpPr>
+            <a:spLocks noGrp="1"/>
+          </p:cNvSpPr>
+          <p:nvPr>
+            <p:ph idx="1"/>
+          </p:nvPr>
+        </p:nvSpPr>
+        <p:spPr/>
+        <p:txBody>
+          <a:bodyPr/>
+          <a:lstStyle/>
+          <a:p>
+            <a:endParaRPr lang="en-GB"/>
+          </a:p>
+        </p:txBody>
+      </p:sp>
+    </p:spTree>
+    <p:extLst>
+      <p:ext uri="{BB962C8B-B14F-4D97-AF65-F5344CB8AC3E}">
+        <p14:creationId xmlns:p14="http://schemas.microsoft.com/office/powerpoint/2010/main" val="3940687511"/>
+      </p:ext>
+    </p:extLst>
+  </p:cSld>
+  <p:clrMapOvr>
+    <a:masterClrMapping/>
+  </p:clrMapOvr>
+</p:sld>
+</file>
+
+<file path=ppt/slides/slide38.xml><?xml version="1.0" encoding="utf-8"?>
+<p:sld xmlns:a="http://schemas.openxmlformats.org/drawingml/2006/main" xmlns:r="http://schemas.openxmlformats.org/officeDocument/2006/relationships" xmlns:p="http://schemas.openxmlformats.org/presentationml/2006/main">
+  <p:cSld>
+    <p:spTree>
+      <p:nvGrpSpPr>
+        <p:cNvPr id="1" name=""/>
+        <p:cNvGrpSpPr/>
+        <p:nvPr/>
+      </p:nvGrpSpPr>
+      <p:grpSpPr>
+        <a:xfrm>
+          <a:off x="0" y="0"/>
+          <a:ext cx="0" cy="0"/>
+          <a:chOff x="0" y="0"/>
+          <a:chExt cx="0" cy="0"/>
+        </a:xfrm>
+      </p:grpSpPr>
+      <p:sp>
+        <p:nvSpPr>
+          <p:cNvPr id="2" name="Title 1">
+            <a:extLst>
+              <a:ext uri="{FF2B5EF4-FFF2-40B4-BE49-F238E27FC236}">
+                <a16:creationId xmlns:a16="http://schemas.microsoft.com/office/drawing/2014/main" id="{A148DC1C-96B3-487F-9B6E-848C20CF3C32}"/>
+              </a:ext>
+            </a:extLst>
+          </p:cNvPr>
+          <p:cNvSpPr>
+            <a:spLocks noGrp="1"/>
+          </p:cNvSpPr>
+          <p:nvPr>
+            <p:ph type="title"/>
+          </p:nvPr>
+        </p:nvSpPr>
+        <p:spPr/>
+        <p:txBody>
+          <a:bodyPr/>
+          <a:lstStyle/>
+          <a:p>
+            <a:endParaRPr lang="en-GB"/>
+          </a:p>
+        </p:txBody>
+      </p:sp>
+      <p:sp>
+        <p:nvSpPr>
+          <p:cNvPr id="3" name="Content Placeholder 2">
+            <a:extLst>
+              <a:ext uri="{FF2B5EF4-FFF2-40B4-BE49-F238E27FC236}">
+                <a16:creationId xmlns:a16="http://schemas.microsoft.com/office/drawing/2014/main" id="{2899C2A6-B345-41A5-A8AE-F3D6AC402136}"/>
+              </a:ext>
+            </a:extLst>
+          </p:cNvPr>
+          <p:cNvSpPr>
+            <a:spLocks noGrp="1"/>
+          </p:cNvSpPr>
+          <p:nvPr>
+            <p:ph idx="1"/>
+          </p:nvPr>
+        </p:nvSpPr>
+        <p:spPr/>
+        <p:txBody>
+          <a:bodyPr/>
+          <a:lstStyle/>
+          <a:p>
+            <a:endParaRPr lang="en-GB"/>
+          </a:p>
+        </p:txBody>
+      </p:sp>
+    </p:spTree>
+    <p:extLst>
+      <p:ext uri="{BB962C8B-B14F-4D97-AF65-F5344CB8AC3E}">
+        <p14:creationId xmlns:p14="http://schemas.microsoft.com/office/powerpoint/2010/main" val="4172519110"/>
+      </p:ext>
+    </p:extLst>
+  </p:cSld>
+  <p:clrMapOvr>
+    <a:masterClrMapping/>
+  </p:clrMapOvr>
+</p:sld>
+</file>
+
+<file path=ppt/slides/slide39.xml><?xml version="1.0" encoding="utf-8"?>
+<p:sld xmlns:a="http://schemas.openxmlformats.org/drawingml/2006/main" xmlns:r="http://schemas.openxmlformats.org/officeDocument/2006/relationships" xmlns:p="http://schemas.openxmlformats.org/presentationml/2006/main">
+  <p:cSld>
+    <p:spTree>
+      <p:nvGrpSpPr>
+        <p:cNvPr id="1" name=""/>
+        <p:cNvGrpSpPr/>
+        <p:nvPr/>
+      </p:nvGrpSpPr>
+      <p:grpSpPr>
+        <a:xfrm>
+          <a:off x="0" y="0"/>
+          <a:ext cx="0" cy="0"/>
+          <a:chOff x="0" y="0"/>
+          <a:chExt cx="0" cy="0"/>
+        </a:xfrm>
+      </p:grpSpPr>
+      <p:sp>
+        <p:nvSpPr>
+          <p:cNvPr id="2" name="Title 1">
+            <a:extLst>
+              <a:ext uri="{FF2B5EF4-FFF2-40B4-BE49-F238E27FC236}">
                 <a16:creationId xmlns:a16="http://schemas.microsoft.com/office/drawing/2014/main" id="{24990A36-0CC7-46BB-AAD7-3C5238C6BD08}"/>
               </a:ext>
             </a:extLst>
@@ -8943,10 +10526,9 @@
           <a:lstStyle/>
           <a:p>
             <a:r>
-              <a:rPr lang="en-GB"/>
-              <a:t>Other reading</a:t>
-            </a:r>
-            <a:endParaRPr lang="en-GB" dirty="0"/>
+              <a:rPr lang="en-GB" dirty="0"/>
+              <a:t>Other reading &amp; projects</a:t>
+            </a:r>
           </a:p>
         </p:txBody>
       </p:sp>
@@ -8989,6 +10571,51 @@
             <a:endParaRPr lang="en-GB" dirty="0"/>
           </a:p>
           <a:p>
+            <a:r>
+              <a:rPr lang="en-GB" dirty="0">
+                <a:hlinkClick r:id="rId4"/>
+              </a:rPr>
+              <a:t>https://github.com/vinta/awesome-python</a:t>
+            </a:r>
+            <a:endParaRPr lang="en-GB" dirty="0"/>
+          </a:p>
+          <a:p>
+            <a:r>
+              <a:rPr lang="en-GB" dirty="0">
+                <a:hlinkClick r:id="rId5"/>
+              </a:rPr>
+              <a:t>https://pythonawesome.com/</a:t>
+            </a:r>
+            <a:endParaRPr lang="en-GB" dirty="0"/>
+          </a:p>
+          <a:p>
+            <a:endParaRPr lang="en-GB" dirty="0"/>
+          </a:p>
+          <a:p>
+            <a:r>
+              <a:rPr lang="en-GB" dirty="0">
+                <a:hlinkClick r:id="rId6"/>
+              </a:rPr>
+              <a:t>https://www.streamlit.io/</a:t>
+            </a:r>
+            <a:endParaRPr lang="en-GB" dirty="0"/>
+          </a:p>
+          <a:p>
+            <a:r>
+              <a:rPr lang="en-GB" dirty="0">
+                <a:hlinkClick r:id="rId7"/>
+              </a:rPr>
+              <a:t>https://wooey.readthedocs.io/en/latest/</a:t>
+            </a:r>
+            <a:endParaRPr lang="en-GB" dirty="0"/>
+          </a:p>
+          <a:p>
+            <a:r>
+              <a:rPr lang="en-GB" dirty="0">
+                <a:hlinkClick r:id="rId8"/>
+              </a:rPr>
+              <a:t>https://github.com/man-group/dtale</a:t>
+            </a:r>
             <a:endParaRPr lang="en-GB" dirty="0"/>
           </a:p>
           <a:p>
@@ -9031,6 +10658,166 @@
           <p:cNvPr id="2" name="Title 1">
             <a:extLst>
               <a:ext uri="{FF2B5EF4-FFF2-40B4-BE49-F238E27FC236}">
+                <a16:creationId xmlns:a16="http://schemas.microsoft.com/office/drawing/2014/main" id="{57EF5F65-6D29-4664-BD63-8AC442E978BE}"/>
+              </a:ext>
+            </a:extLst>
+          </p:cNvPr>
+          <p:cNvSpPr>
+            <a:spLocks noGrp="1"/>
+          </p:cNvSpPr>
+          <p:nvPr>
+            <p:ph type="title"/>
+          </p:nvPr>
+        </p:nvSpPr>
+        <p:spPr/>
+        <p:txBody>
+          <a:bodyPr/>
+          <a:lstStyle/>
+          <a:p>
+            <a:r>
+              <a:rPr lang="en-GB" dirty="0"/>
+              <a:t>Agenda</a:t>
+            </a:r>
+          </a:p>
+        </p:txBody>
+      </p:sp>
+      <p:sp>
+        <p:nvSpPr>
+          <p:cNvPr id="3" name="Content Placeholder 2">
+            <a:extLst>
+              <a:ext uri="{FF2B5EF4-FFF2-40B4-BE49-F238E27FC236}">
+                <a16:creationId xmlns:a16="http://schemas.microsoft.com/office/drawing/2014/main" id="{2DF1287C-0B7B-4C2A-9F5D-99B8CCE4FE14}"/>
+              </a:ext>
+            </a:extLst>
+          </p:cNvPr>
+          <p:cNvSpPr>
+            <a:spLocks noGrp="1"/>
+          </p:cNvSpPr>
+          <p:nvPr>
+            <p:ph idx="1"/>
+          </p:nvPr>
+        </p:nvSpPr>
+        <p:spPr/>
+        <p:txBody>
+          <a:bodyPr/>
+          <a:lstStyle/>
+          <a:p>
+            <a:r>
+              <a:rPr lang="en-GB" dirty="0"/>
+              <a:t>Intro to Python</a:t>
+            </a:r>
+          </a:p>
+          <a:p>
+            <a:r>
+              <a:rPr lang="en-GB" dirty="0"/>
+              <a:t>Installation and setup</a:t>
+            </a:r>
+          </a:p>
+          <a:p>
+            <a:r>
+              <a:rPr lang="en-GB" dirty="0"/>
+              <a:t>First steps with </a:t>
+            </a:r>
+            <a:r>
+              <a:rPr lang="en-GB" dirty="0" err="1"/>
+              <a:t>Repl</a:t>
+            </a:r>
+            <a:r>
+              <a:rPr lang="en-GB" dirty="0"/>
+              <a:t>, Scripts, </a:t>
+            </a:r>
+            <a:r>
+              <a:rPr lang="en-GB" dirty="0" err="1"/>
+              <a:t>Jupyter</a:t>
+            </a:r>
+            <a:r>
+              <a:rPr lang="en-GB" dirty="0"/>
+              <a:t> (</a:t>
+            </a:r>
+            <a:r>
+              <a:rPr lang="en-GB" dirty="0" err="1"/>
+              <a:t>iPython</a:t>
+            </a:r>
+            <a:r>
+              <a:rPr lang="en-GB" dirty="0"/>
+              <a:t>), </a:t>
+            </a:r>
+            <a:r>
+              <a:rPr lang="en-GB" dirty="0" err="1"/>
+              <a:t>Thonny</a:t>
+            </a:r>
+            <a:r>
+              <a:rPr lang="en-GB" dirty="0"/>
+              <a:t>!</a:t>
+            </a:r>
+          </a:p>
+          <a:p>
+            <a:r>
+              <a:rPr lang="en-GB" dirty="0"/>
+              <a:t>Core Language</a:t>
+            </a:r>
+          </a:p>
+          <a:p>
+            <a:r>
+              <a:rPr lang="en-GB" dirty="0"/>
+              <a:t>Modules &amp; namespaces</a:t>
+            </a:r>
+          </a:p>
+          <a:p>
+            <a:r>
+              <a:rPr lang="en-GB" dirty="0"/>
+              <a:t>Editors and IDE's</a:t>
+            </a:r>
+          </a:p>
+          <a:p>
+            <a:r>
+              <a:rPr lang="en-GB" dirty="0"/>
+              <a:t>First standalone CLI programs</a:t>
+            </a:r>
+          </a:p>
+          <a:p>
+            <a:r>
+              <a:rPr lang="en-GB" dirty="0"/>
+              <a:t>Advanced Python (files, regex, zip files, pandas, excel)</a:t>
+            </a:r>
+          </a:p>
+        </p:txBody>
+      </p:sp>
+    </p:spTree>
+    <p:extLst>
+      <p:ext uri="{BB962C8B-B14F-4D97-AF65-F5344CB8AC3E}">
+        <p14:creationId xmlns:p14="http://schemas.microsoft.com/office/powerpoint/2010/main" val="3144369974"/>
+      </p:ext>
+    </p:extLst>
+  </p:cSld>
+  <p:clrMapOvr>
+    <a:masterClrMapping/>
+  </p:clrMapOvr>
+</p:sld>
+</file>
+
+<file path=ppt/slides/slide5.xml><?xml version="1.0" encoding="utf-8"?>
+<p:sld xmlns:a="http://schemas.openxmlformats.org/drawingml/2006/main" xmlns:r="http://schemas.openxmlformats.org/officeDocument/2006/relationships" xmlns:p="http://schemas.openxmlformats.org/presentationml/2006/main">
+  <p:cSld>
+    <p:spTree>
+      <p:nvGrpSpPr>
+        <p:cNvPr id="1" name=""/>
+        <p:cNvGrpSpPr/>
+        <p:nvPr/>
+      </p:nvGrpSpPr>
+      <p:grpSpPr>
+        <a:xfrm>
+          <a:off x="0" y="0"/>
+          <a:ext cx="0" cy="0"/>
+          <a:chOff x="0" y="0"/>
+          <a:chExt cx="0" cy="0"/>
+        </a:xfrm>
+      </p:grpSpPr>
+      <p:sp>
+        <p:nvSpPr>
+          <p:cNvPr id="2" name="Title 1">
+            <a:extLst>
+              <a:ext uri="{FF2B5EF4-FFF2-40B4-BE49-F238E27FC236}">
                 <a16:creationId xmlns:a16="http://schemas.microsoft.com/office/drawing/2014/main" id="{50CE4F8F-E1A3-484F-892F-7D03BCB15908}"/>
               </a:ext>
             </a:extLst>
@@ -9197,7 +10984,7 @@
 </p:sld>
 </file>
 
-<file path=ppt/slides/slide5.xml><?xml version="1.0" encoding="utf-8"?>
+<file path=ppt/slides/slide6.xml><?xml version="1.0" encoding="utf-8"?>
 <p:sld xmlns:a="http://schemas.openxmlformats.org/drawingml/2006/main" xmlns:r="http://schemas.openxmlformats.org/officeDocument/2006/relationships" xmlns:p="http://schemas.openxmlformats.org/presentationml/2006/main">
   <p:cSld>
     <p:spTree>
@@ -9402,7 +11189,252 @@
 </p:sld>
 </file>
 
-<file path=ppt/slides/slide6.xml><?xml version="1.0" encoding="utf-8"?>
+<file path=ppt/slides/slide7.xml><?xml version="1.0" encoding="utf-8"?>
+<p:sld xmlns:a="http://schemas.openxmlformats.org/drawingml/2006/main" xmlns:r="http://schemas.openxmlformats.org/officeDocument/2006/relationships" xmlns:p="http://schemas.openxmlformats.org/presentationml/2006/main">
+  <p:cSld>
+    <p:spTree>
+      <p:nvGrpSpPr>
+        <p:cNvPr id="1" name=""/>
+        <p:cNvGrpSpPr/>
+        <p:nvPr/>
+      </p:nvGrpSpPr>
+      <p:grpSpPr>
+        <a:xfrm>
+          <a:off x="0" y="0"/>
+          <a:ext cx="0" cy="0"/>
+          <a:chOff x="0" y="0"/>
+          <a:chExt cx="0" cy="0"/>
+        </a:xfrm>
+      </p:grpSpPr>
+      <p:sp>
+        <p:nvSpPr>
+          <p:cNvPr id="2" name="Title 1">
+            <a:extLst>
+              <a:ext uri="{FF2B5EF4-FFF2-40B4-BE49-F238E27FC236}">
+                <a16:creationId xmlns:a16="http://schemas.microsoft.com/office/drawing/2014/main" id="{ECB34CB3-1C90-452E-9DB8-B3A19C9DB75E}"/>
+              </a:ext>
+            </a:extLst>
+          </p:cNvPr>
+          <p:cNvSpPr>
+            <a:spLocks noGrp="1"/>
+          </p:cNvSpPr>
+          <p:nvPr>
+            <p:ph type="title"/>
+          </p:nvPr>
+        </p:nvSpPr>
+        <p:spPr/>
+        <p:txBody>
+          <a:bodyPr/>
+          <a:lstStyle/>
+          <a:p>
+            <a:r>
+              <a:rPr lang="en-GB" dirty="0"/>
+              <a:t>Python Ecosystem</a:t>
+            </a:r>
+          </a:p>
+        </p:txBody>
+      </p:sp>
+      <p:sp>
+        <p:nvSpPr>
+          <p:cNvPr id="3" name="Content Placeholder 2">
+            <a:extLst>
+              <a:ext uri="{FF2B5EF4-FFF2-40B4-BE49-F238E27FC236}">
+                <a16:creationId xmlns:a16="http://schemas.microsoft.com/office/drawing/2014/main" id="{DF276FE2-FFE9-40A7-BA2B-FE3CBFD19FC3}"/>
+              </a:ext>
+            </a:extLst>
+          </p:cNvPr>
+          <p:cNvSpPr>
+            <a:spLocks noGrp="1"/>
+          </p:cNvSpPr>
+          <p:nvPr>
+            <p:ph idx="1"/>
+          </p:nvPr>
+        </p:nvSpPr>
+        <p:spPr/>
+        <p:txBody>
+          <a:bodyPr>
+            <a:normAutofit lnSpcReduction="10000"/>
+          </a:bodyPr>
+          <a:lstStyle/>
+          <a:p>
+            <a:r>
+              <a:rPr lang="en-GB" dirty="0" err="1"/>
+              <a:t>Cpython</a:t>
+            </a:r>
+            <a:r>
+              <a:rPr lang="en-GB" dirty="0"/>
+              <a:t> (most widely used implementation of the language)</a:t>
+            </a:r>
+          </a:p>
+          <a:p>
+            <a:pPr lvl="1"/>
+            <a:r>
+              <a:rPr lang="en-GB" dirty="0"/>
+              <a:t>Standard Python Library</a:t>
+            </a:r>
+          </a:p>
+          <a:p>
+            <a:pPr lvl="1"/>
+            <a:r>
+              <a:rPr lang="en-GB" dirty="0"/>
+              <a:t>Standard tools - </a:t>
+            </a:r>
+            <a:r>
+              <a:rPr lang="en-GB" dirty="0">
+                <a:solidFill>
+                  <a:srgbClr val="FF0000"/>
+                </a:solidFill>
+              </a:rPr>
+              <a:t>pip</a:t>
+            </a:r>
+            <a:r>
+              <a:rPr lang="en-GB" dirty="0"/>
+              <a:t>, </a:t>
+            </a:r>
+            <a:r>
+              <a:rPr lang="en-GB" dirty="0" err="1"/>
+              <a:t>easyinstall</a:t>
+            </a:r>
+            <a:r>
+              <a:rPr lang="en-GB" dirty="0"/>
+              <a:t>, </a:t>
+            </a:r>
+            <a:r>
+              <a:rPr lang="en-GB" dirty="0" err="1"/>
+              <a:t>pdb</a:t>
+            </a:r>
+            <a:r>
+              <a:rPr lang="en-GB" dirty="0"/>
+              <a:t>, </a:t>
+            </a:r>
+            <a:r>
+              <a:rPr lang="en-GB" dirty="0" err="1"/>
+              <a:t>venv</a:t>
+            </a:r>
+            <a:r>
+              <a:rPr lang="en-GB" dirty="0"/>
+              <a:t>, 2to3, </a:t>
+            </a:r>
+            <a:r>
+              <a:rPr lang="en-GB" dirty="0" err="1"/>
+              <a:t>pydoc</a:t>
+            </a:r>
+            <a:r>
+              <a:rPr lang="en-GB" dirty="0"/>
+              <a:t>, </a:t>
+            </a:r>
+            <a:r>
+              <a:rPr lang="en-GB" dirty="0" err="1"/>
+              <a:t>tabnanny</a:t>
+            </a:r>
+            <a:endParaRPr lang="en-GB" dirty="0"/>
+          </a:p>
+          <a:p>
+            <a:r>
+              <a:rPr lang="en-GB" dirty="0" err="1"/>
+              <a:t>PyPi</a:t>
+            </a:r>
+            <a:r>
+              <a:rPr lang="en-GB" dirty="0"/>
+              <a:t> (aka the "Cheese shop")</a:t>
+            </a:r>
+          </a:p>
+          <a:p>
+            <a:pPr lvl="1"/>
+            <a:r>
+              <a:rPr lang="en-GB" dirty="0"/>
+              <a:t>Python Package Index with over 235K packages, accessed by "pip"</a:t>
+            </a:r>
+          </a:p>
+          <a:p>
+            <a:r>
+              <a:rPr lang="en-GB" dirty="0"/>
+              <a:t>Anaconda/</a:t>
+            </a:r>
+            <a:r>
+              <a:rPr lang="en-GB" dirty="0" err="1"/>
+              <a:t>Miniconda</a:t>
+            </a:r>
+            <a:r>
+              <a:rPr lang="en-GB" dirty="0"/>
+              <a:t> (Very large distribution with 1000's addons)</a:t>
+            </a:r>
+          </a:p>
+          <a:p>
+            <a:r>
+              <a:rPr lang="en-GB" dirty="0"/>
+              <a:t>Addon tools</a:t>
+            </a:r>
+          </a:p>
+          <a:p>
+            <a:pPr lvl="1"/>
+            <a:r>
+              <a:rPr lang="en-GB" dirty="0" err="1"/>
+              <a:t>ipython</a:t>
+            </a:r>
+            <a:r>
+              <a:rPr lang="en-GB" dirty="0"/>
+              <a:t>/</a:t>
+            </a:r>
+            <a:r>
+              <a:rPr lang="en-GB" dirty="0" err="1"/>
+              <a:t>Jupyter</a:t>
+            </a:r>
+            <a:r>
+              <a:rPr lang="en-GB" dirty="0"/>
+              <a:t> notebooks</a:t>
+            </a:r>
+          </a:p>
+          <a:p>
+            <a:pPr lvl="1"/>
+            <a:r>
+              <a:rPr lang="en-GB" dirty="0" err="1"/>
+              <a:t>Virtualenv</a:t>
+            </a:r>
+            <a:r>
+              <a:rPr lang="en-GB" dirty="0"/>
+              <a:t> (or use built-in "-m </a:t>
+            </a:r>
+            <a:r>
+              <a:rPr lang="en-GB" dirty="0" err="1"/>
+              <a:t>venv</a:t>
+            </a:r>
+            <a:r>
+              <a:rPr lang="en-GB" dirty="0"/>
+              <a:t>")</a:t>
+            </a:r>
+          </a:p>
+          <a:p>
+            <a:pPr lvl="1"/>
+            <a:r>
+              <a:rPr lang="en-GB" dirty="0" err="1"/>
+              <a:t>Pipx</a:t>
+            </a:r>
+            <a:r>
+              <a:rPr lang="en-GB" dirty="0"/>
+              <a:t> (Creates self contained tool installs)</a:t>
+            </a:r>
+          </a:p>
+          <a:p>
+            <a:pPr lvl="1"/>
+            <a:endParaRPr lang="en-GB" dirty="0"/>
+          </a:p>
+        </p:txBody>
+      </p:sp>
+    </p:spTree>
+    <p:extLst>
+      <p:ext uri="{BB962C8B-B14F-4D97-AF65-F5344CB8AC3E}">
+        <p14:creationId xmlns:p14="http://schemas.microsoft.com/office/powerpoint/2010/main" val="3139888064"/>
+      </p:ext>
+    </p:extLst>
+  </p:cSld>
+  <p:clrMapOvr>
+    <a:masterClrMapping/>
+  </p:clrMapOvr>
+</p:sld>
+</file>
+
+<file path=ppt/slides/slide8.xml><?xml version="1.0" encoding="utf-8"?>
 <p:sld xmlns:a="http://schemas.openxmlformats.org/drawingml/2006/main" xmlns:r="http://schemas.openxmlformats.org/officeDocument/2006/relationships" xmlns:p="http://schemas.openxmlformats.org/presentationml/2006/main">
   <p:cSld>
     <p:spTree>
@@ -9837,448 +11869,6 @@
 </p:sld>
 </file>
 
-<file path=ppt/slides/slide7.xml><?xml version="1.0" encoding="utf-8"?>
-<p:sld xmlns:a="http://schemas.openxmlformats.org/drawingml/2006/main" xmlns:r="http://schemas.openxmlformats.org/officeDocument/2006/relationships" xmlns:p="http://schemas.openxmlformats.org/presentationml/2006/main">
-  <p:cSld>
-    <p:spTree>
-      <p:nvGrpSpPr>
-        <p:cNvPr id="1" name=""/>
-        <p:cNvGrpSpPr/>
-        <p:nvPr/>
-      </p:nvGrpSpPr>
-      <p:grpSpPr>
-        <a:xfrm>
-          <a:off x="0" y="0"/>
-          <a:ext cx="0" cy="0"/>
-          <a:chOff x="0" y="0"/>
-          <a:chExt cx="0" cy="0"/>
-        </a:xfrm>
-      </p:grpSpPr>
-      <p:sp>
-        <p:nvSpPr>
-          <p:cNvPr id="2" name="Title 1">
-            <a:extLst>
-              <a:ext uri="{FF2B5EF4-FFF2-40B4-BE49-F238E27FC236}">
-                <a16:creationId xmlns:a16="http://schemas.microsoft.com/office/drawing/2014/main" id="{DF674FF4-5CA9-4925-8AAB-0D62ABB94B62}"/>
-              </a:ext>
-            </a:extLst>
-          </p:cNvPr>
-          <p:cNvSpPr>
-            <a:spLocks noGrp="1"/>
-          </p:cNvSpPr>
-          <p:nvPr>
-            <p:ph type="title"/>
-          </p:nvPr>
-        </p:nvSpPr>
-        <p:spPr/>
-        <p:txBody>
-          <a:bodyPr/>
-          <a:lstStyle/>
-          <a:p>
-            <a:r>
-              <a:rPr lang="en-GB" dirty="0"/>
-              <a:t>Install Anaconda or Python</a:t>
-            </a:r>
-          </a:p>
-        </p:txBody>
-      </p:sp>
-      <p:sp>
-        <p:nvSpPr>
-          <p:cNvPr id="3" name="Content Placeholder 2">
-            <a:extLst>
-              <a:ext uri="{FF2B5EF4-FFF2-40B4-BE49-F238E27FC236}">
-                <a16:creationId xmlns:a16="http://schemas.microsoft.com/office/drawing/2014/main" id="{1D4052D5-6EE9-414E-8590-20964D9802EB}"/>
-              </a:ext>
-            </a:extLst>
-          </p:cNvPr>
-          <p:cNvSpPr>
-            <a:spLocks noGrp="1"/>
-          </p:cNvSpPr>
-          <p:nvPr>
-            <p:ph idx="1"/>
-          </p:nvPr>
-        </p:nvSpPr>
-        <p:spPr/>
-        <p:txBody>
-          <a:bodyPr>
-            <a:normAutofit fontScale="92500" lnSpcReduction="10000"/>
-          </a:bodyPr>
-          <a:lstStyle/>
-          <a:p>
-            <a:r>
-              <a:rPr lang="en-GB" dirty="0"/>
-              <a:t>Download from:</a:t>
-            </a:r>
-          </a:p>
-          <a:p>
-            <a:pPr marL="457200" lvl="1" indent="0">
-              <a:buNone/>
-            </a:pPr>
-            <a:r>
-              <a:rPr lang="en-GB" dirty="0">
-                <a:hlinkClick r:id="rId2"/>
-              </a:rPr>
-              <a:t>https://www.python.org/downloads/release/python-380/</a:t>
-            </a:r>
-            <a:endParaRPr lang="en-GB" dirty="0"/>
-          </a:p>
-          <a:p>
-            <a:pPr marL="457200" lvl="1" indent="0">
-              <a:buNone/>
-            </a:pPr>
-            <a:r>
-              <a:rPr lang="en-GB" dirty="0"/>
-              <a:t>Or </a:t>
-            </a:r>
-            <a:r>
-              <a:rPr lang="en-GB" dirty="0">
-                <a:hlinkClick r:id="rId3"/>
-              </a:rPr>
-              <a:t>https://www.anaconda.com/download/</a:t>
-            </a:r>
-            <a:r>
-              <a:rPr lang="en-GB" dirty="0"/>
-              <a:t> </a:t>
-            </a:r>
-          </a:p>
-          <a:p>
-            <a:pPr marL="457200" lvl="1" indent="0">
-              <a:buNone/>
-            </a:pPr>
-            <a:r>
-              <a:rPr lang="en-GB" dirty="0"/>
-              <a:t>Or install minimal: </a:t>
-            </a:r>
-            <a:r>
-              <a:rPr lang="en-GB" dirty="0">
-                <a:highlight>
-                  <a:srgbClr val="FFFF00"/>
-                </a:highlight>
-                <a:hlinkClick r:id="rId4"/>
-              </a:rPr>
-              <a:t>https://docs.conda.io/en/latest/miniconda.html</a:t>
-            </a:r>
-            <a:r>
-              <a:rPr lang="en-GB" dirty="0">
-                <a:highlight>
-                  <a:srgbClr val="FFFF00"/>
-                </a:highlight>
-              </a:rPr>
-              <a:t> </a:t>
-            </a:r>
-          </a:p>
-          <a:p>
-            <a:pPr marL="457200" lvl="1" indent="0">
-              <a:buNone/>
-            </a:pPr>
-            <a:r>
-              <a:rPr lang="en-GB" i="1" dirty="0"/>
-              <a:t>Note: installing with dual x login means that administrator install is preferred.</a:t>
-            </a:r>
-          </a:p>
-          <a:p>
-            <a:r>
-              <a:rPr lang="en-GB" dirty="0"/>
-              <a:t>Recommend </a:t>
-            </a:r>
-            <a:r>
-              <a:rPr lang="en-GB" dirty="0" err="1"/>
-              <a:t>Miniconda</a:t>
-            </a:r>
-            <a:r>
-              <a:rPr lang="en-GB" dirty="0"/>
-              <a:t> or Python (other packages needed):</a:t>
-            </a:r>
-          </a:p>
-          <a:p>
-            <a:pPr marL="0" indent="0">
-              <a:buNone/>
-            </a:pPr>
-            <a:r>
-              <a:rPr lang="en-GB" sz="1800" i="1" dirty="0">
-                <a:latin typeface="Courier New" panose="02070309020205020404" pitchFamily="49" charset="0"/>
-                <a:cs typeface="Courier New" panose="02070309020205020404" pitchFamily="49" charset="0"/>
-              </a:rPr>
-              <a:t>	</a:t>
-            </a:r>
-            <a:r>
-              <a:rPr lang="en-GB" sz="1800" dirty="0">
-                <a:latin typeface="Courier New" panose="02070309020205020404" pitchFamily="49" charset="0"/>
-                <a:cs typeface="Courier New" panose="02070309020205020404" pitchFamily="49" charset="0"/>
-              </a:rPr>
-              <a:t>&gt; </a:t>
-            </a:r>
-            <a:r>
-              <a:rPr lang="en-GB" sz="1800" dirty="0" err="1">
-                <a:latin typeface="Courier New" panose="02070309020205020404" pitchFamily="49" charset="0"/>
-                <a:cs typeface="Courier New" panose="02070309020205020404" pitchFamily="49" charset="0"/>
-              </a:rPr>
-              <a:t>conda</a:t>
-            </a:r>
-            <a:r>
-              <a:rPr lang="en-GB" sz="1800" dirty="0">
-                <a:latin typeface="Courier New" panose="02070309020205020404" pitchFamily="49" charset="0"/>
-                <a:cs typeface="Courier New" panose="02070309020205020404" pitchFamily="49" charset="0"/>
-              </a:rPr>
-              <a:t> install </a:t>
-            </a:r>
-            <a:r>
-              <a:rPr lang="en-GB" sz="1800" dirty="0" err="1">
-                <a:latin typeface="Courier New" panose="02070309020205020404" pitchFamily="49" charset="0"/>
-                <a:cs typeface="Courier New" panose="02070309020205020404" pitchFamily="49" charset="0"/>
-              </a:rPr>
-              <a:t>jupyterlab</a:t>
-            </a:r>
-            <a:r>
-              <a:rPr lang="en-GB" sz="1800" dirty="0">
-                <a:latin typeface="Courier New" panose="02070309020205020404" pitchFamily="49" charset="0"/>
-                <a:cs typeface="Courier New" panose="02070309020205020404" pitchFamily="49" charset="0"/>
-              </a:rPr>
-              <a:t> click pandas matplotlib</a:t>
-            </a:r>
-          </a:p>
-          <a:p>
-            <a:pPr marL="0" indent="0">
-              <a:buNone/>
-            </a:pPr>
-            <a:r>
-              <a:rPr lang="en-GB" sz="1800" i="1" dirty="0">
-                <a:latin typeface="Courier New" panose="02070309020205020404" pitchFamily="49" charset="0"/>
-                <a:cs typeface="Courier New" panose="02070309020205020404" pitchFamily="49" charset="0"/>
-              </a:rPr>
-              <a:t>	</a:t>
-            </a:r>
-            <a:r>
-              <a:rPr lang="en-GB" sz="1800" dirty="0">
-                <a:latin typeface="Courier New" panose="02070309020205020404" pitchFamily="49" charset="0"/>
-                <a:cs typeface="Courier New" panose="02070309020205020404" pitchFamily="49" charset="0"/>
-              </a:rPr>
-              <a:t>&gt; for %i in (</a:t>
-            </a:r>
-            <a:r>
-              <a:rPr lang="en-GB" sz="1800" dirty="0" err="1">
-                <a:latin typeface="Courier New" panose="02070309020205020404" pitchFamily="49" charset="0"/>
-                <a:cs typeface="Courier New" panose="02070309020205020404" pitchFamily="49" charset="0"/>
-              </a:rPr>
-              <a:t>ipython,click,pandas</a:t>
-            </a:r>
-            <a:r>
-              <a:rPr lang="en-GB" sz="1800" dirty="0">
-                <a:latin typeface="Courier New" panose="02070309020205020404" pitchFamily="49" charset="0"/>
-                <a:cs typeface="Courier New" panose="02070309020205020404" pitchFamily="49" charset="0"/>
-              </a:rPr>
-              <a:t>) do pip install %i</a:t>
-            </a:r>
-          </a:p>
-          <a:p>
-            <a:pPr>
-              <a:lnSpc>
-                <a:spcPct val="100000"/>
-              </a:lnSpc>
-            </a:pPr>
-            <a:r>
-              <a:rPr lang="en-GB" dirty="0"/>
-              <a:t>Select latest version 3+ package.</a:t>
-            </a:r>
-          </a:p>
-          <a:p>
-            <a:pPr lvl="1">
-              <a:lnSpc>
-                <a:spcPct val="100000"/>
-              </a:lnSpc>
-            </a:pPr>
-            <a:r>
-              <a:rPr lang="en-GB" dirty="0"/>
-              <a:t>Most new programmers should use latest Python 3.</a:t>
-            </a:r>
-          </a:p>
-          <a:p>
-            <a:pPr lvl="1">
-              <a:lnSpc>
-                <a:spcPct val="100000"/>
-              </a:lnSpc>
-            </a:pPr>
-            <a:r>
-              <a:rPr lang="en-GB" dirty="0"/>
-              <a:t>Python 2 still around and Python 2.7 version is the best bridge to version 3.</a:t>
-            </a:r>
-          </a:p>
-        </p:txBody>
-      </p:sp>
-    </p:spTree>
-    <p:extLst>
-      <p:ext uri="{BB962C8B-B14F-4D97-AF65-F5344CB8AC3E}">
-        <p14:creationId xmlns:p14="http://schemas.microsoft.com/office/powerpoint/2010/main" val="1973521296"/>
-      </p:ext>
-    </p:extLst>
-  </p:cSld>
-  <p:clrMapOvr>
-    <a:masterClrMapping/>
-  </p:clrMapOvr>
-</p:sld>
-</file>
-
-<file path=ppt/slides/slide8.xml><?xml version="1.0" encoding="utf-8"?>
-<p:sld xmlns:a="http://schemas.openxmlformats.org/drawingml/2006/main" xmlns:r="http://schemas.openxmlformats.org/officeDocument/2006/relationships" xmlns:p="http://schemas.openxmlformats.org/presentationml/2006/main">
-  <p:cSld>
-    <p:spTree>
-      <p:nvGrpSpPr>
-        <p:cNvPr id="1" name=""/>
-        <p:cNvGrpSpPr/>
-        <p:nvPr/>
-      </p:nvGrpSpPr>
-      <p:grpSpPr>
-        <a:xfrm>
-          <a:off x="0" y="0"/>
-          <a:ext cx="0" cy="0"/>
-          <a:chOff x="0" y="0"/>
-          <a:chExt cx="0" cy="0"/>
-        </a:xfrm>
-      </p:grpSpPr>
-      <p:sp>
-        <p:nvSpPr>
-          <p:cNvPr id="2" name="Title 1">
-            <a:extLst>
-              <a:ext uri="{FF2B5EF4-FFF2-40B4-BE49-F238E27FC236}">
-                <a16:creationId xmlns:a16="http://schemas.microsoft.com/office/drawing/2014/main" id="{B5C28CC0-8017-4F02-A17C-9118D9FD0CE5}"/>
-              </a:ext>
-            </a:extLst>
-          </p:cNvPr>
-          <p:cNvSpPr>
-            <a:spLocks noGrp="1"/>
-          </p:cNvSpPr>
-          <p:nvPr>
-            <p:ph type="title"/>
-          </p:nvPr>
-        </p:nvSpPr>
-        <p:spPr/>
-        <p:txBody>
-          <a:bodyPr/>
-          <a:lstStyle/>
-          <a:p>
-            <a:r>
-              <a:rPr lang="en-GB" dirty="0"/>
-              <a:t>Anaconda the Python distribution</a:t>
-            </a:r>
-          </a:p>
-        </p:txBody>
-      </p:sp>
-      <p:sp>
-        <p:nvSpPr>
-          <p:cNvPr id="3" name="Content Placeholder 2">
-            <a:extLst>
-              <a:ext uri="{FF2B5EF4-FFF2-40B4-BE49-F238E27FC236}">
-                <a16:creationId xmlns:a16="http://schemas.microsoft.com/office/drawing/2014/main" id="{D4FC3A48-DCBF-4DAF-93E8-D71211327139}"/>
-              </a:ext>
-            </a:extLst>
-          </p:cNvPr>
-          <p:cNvSpPr>
-            <a:spLocks noGrp="1"/>
-          </p:cNvSpPr>
-          <p:nvPr>
-            <p:ph idx="1"/>
-          </p:nvPr>
-        </p:nvSpPr>
-        <p:spPr/>
-        <p:txBody>
-          <a:bodyPr>
-            <a:normAutofit lnSpcReduction="10000"/>
-          </a:bodyPr>
-          <a:lstStyle/>
-          <a:p>
-            <a:r>
-              <a:rPr lang="en-GB" dirty="0"/>
-              <a:t>Anaconda is the most popular Data Science Python (and 'R') distribution</a:t>
-            </a:r>
-          </a:p>
-          <a:p>
-            <a:r>
-              <a:rPr lang="en-GB" dirty="0"/>
-              <a:t>Full Anaconda is rather bloated and </a:t>
-            </a:r>
-            <a:r>
-              <a:rPr lang="en-GB" dirty="0" err="1"/>
-              <a:t>Miniconda</a:t>
-            </a:r>
-            <a:r>
-              <a:rPr lang="en-GB" dirty="0"/>
-              <a:t> is much smaller.</a:t>
-            </a:r>
-          </a:p>
-          <a:p>
-            <a:r>
-              <a:rPr lang="en-GB" dirty="0"/>
-              <a:t>"</a:t>
-            </a:r>
-            <a:r>
-              <a:rPr lang="en-GB" dirty="0" err="1"/>
-              <a:t>Conda</a:t>
-            </a:r>
-            <a:r>
-              <a:rPr lang="en-GB" dirty="0"/>
-              <a:t>" is a distribution and package management system containing 1000+ popular modules for python</a:t>
-            </a:r>
-          </a:p>
-          <a:p>
-            <a:r>
-              <a:rPr lang="en-GB" dirty="0"/>
-              <a:t>Most notable packages are:</a:t>
-            </a:r>
-          </a:p>
-          <a:p>
-            <a:pPr lvl="1"/>
-            <a:r>
-              <a:rPr lang="en-GB" dirty="0"/>
-              <a:t>click (CLI interface)</a:t>
-            </a:r>
-          </a:p>
-          <a:p>
-            <a:pPr lvl="1"/>
-            <a:r>
-              <a:rPr lang="en-GB" dirty="0"/>
-              <a:t>pandas (data wrangling)</a:t>
-            </a:r>
-          </a:p>
-          <a:p>
-            <a:pPr lvl="1"/>
-            <a:r>
-              <a:rPr lang="en-GB" dirty="0"/>
-              <a:t>matplotlib + seaborn (charting - difficult to install with pip)</a:t>
-            </a:r>
-          </a:p>
-          <a:p>
-            <a:pPr lvl="1"/>
-            <a:r>
-              <a:rPr lang="en-GB" dirty="0" err="1"/>
-              <a:t>xlsxwriter</a:t>
-            </a:r>
-            <a:r>
-              <a:rPr lang="en-GB" dirty="0"/>
-              <a:t> (Excel file creation)</a:t>
-            </a:r>
-          </a:p>
-          <a:p>
-            <a:pPr lvl="1"/>
-            <a:r>
-              <a:rPr lang="en-GB" dirty="0"/>
-              <a:t>flask (lightweight web framework)</a:t>
-            </a:r>
-          </a:p>
-        </p:txBody>
-      </p:sp>
-    </p:spTree>
-    <p:extLst>
-      <p:ext uri="{BB962C8B-B14F-4D97-AF65-F5344CB8AC3E}">
-        <p14:creationId xmlns:p14="http://schemas.microsoft.com/office/powerpoint/2010/main" val="2238632758"/>
-      </p:ext>
-    </p:extLst>
-  </p:cSld>
-  <p:clrMapOvr>
-    <a:masterClrMapping/>
-  </p:clrMapOvr>
-</p:sld>
-</file>
-
 <file path=ppt/slides/slide9.xml><?xml version="1.0" encoding="utf-8"?>
 <p:sld xmlns:a="http://schemas.openxmlformats.org/drawingml/2006/main" xmlns:r="http://schemas.openxmlformats.org/officeDocument/2006/relationships" xmlns:p="http://schemas.openxmlformats.org/presentationml/2006/main">
   <p:cSld>
@@ -10301,7 +11891,7 @@
           <p:cNvPr id="2" name="Title 1">
             <a:extLst>
               <a:ext uri="{FF2B5EF4-FFF2-40B4-BE49-F238E27FC236}">
-                <a16:creationId xmlns:a16="http://schemas.microsoft.com/office/drawing/2014/main" id="{BD68B5CD-6AF7-4618-8CFE-9D49F59674F2}"/>
+                <a16:creationId xmlns:a16="http://schemas.microsoft.com/office/drawing/2014/main" id="{DF674FF4-5CA9-4925-8AAB-0D62ABB94B62}"/>
               </a:ext>
             </a:extLst>
           </p:cNvPr>
@@ -10319,7 +11909,7 @@
           <a:p>
             <a:r>
               <a:rPr lang="en-GB" dirty="0"/>
-              <a:t>Anaconda setup</a:t>
+              <a:t>Install Anaconda or Python</a:t>
             </a:r>
           </a:p>
         </p:txBody>
@@ -10329,7 +11919,7 @@
           <p:cNvPr id="3" name="Content Placeholder 2">
             <a:extLst>
               <a:ext uri="{FF2B5EF4-FFF2-40B4-BE49-F238E27FC236}">
-                <a16:creationId xmlns:a16="http://schemas.microsoft.com/office/drawing/2014/main" id="{C0594232-3BA9-4211-B55D-64B68A86DAEF}"/>
+                <a16:creationId xmlns:a16="http://schemas.microsoft.com/office/drawing/2014/main" id="{1D4052D5-6EE9-414E-8590-20964D9802EB}"/>
               </a:ext>
             </a:extLst>
           </p:cNvPr>
@@ -10343,13 +11933,13 @@
         <p:spPr/>
         <p:txBody>
           <a:bodyPr>
-            <a:normAutofit fontScale="92500" lnSpcReduction="20000"/>
+            <a:normAutofit fontScale="92500" lnSpcReduction="10000"/>
           </a:bodyPr>
           <a:lstStyle/>
           <a:p>
             <a:r>
               <a:rPr lang="en-GB" dirty="0"/>
-              <a:t>Initializing shells:</a:t>
+              <a:t>Download from:</a:t>
             </a:r>
           </a:p>
           <a:p>
@@ -10357,92 +11947,56 @@
               <a:buNone/>
             </a:pPr>
             <a:r>
-              <a:rPr lang="en-GB" dirty="0"/>
-              <a:t>&gt; [path to anaconda]\</a:t>
-            </a:r>
-            <a:r>
-              <a:rPr lang="en-GB" dirty="0" err="1"/>
-              <a:t>condabin</a:t>
-            </a:r>
-            <a:r>
-              <a:rPr lang="en-GB" dirty="0"/>
-              <a:t>\</a:t>
-            </a:r>
-            <a:r>
-              <a:rPr lang="en-GB" dirty="0" err="1"/>
-              <a:t>conda</a:t>
+              <a:rPr lang="en-GB" dirty="0">
+                <a:hlinkClick r:id="rId2"/>
+              </a:rPr>
+              <a:t>https://www.python.org/downloads/release/python-380/</a:t>
+            </a:r>
+            <a:endParaRPr lang="en-GB" dirty="0"/>
+          </a:p>
+          <a:p>
+            <a:pPr marL="457200" lvl="1" indent="0">
+              <a:buNone/>
+            </a:pPr>
+            <a:r>
+              <a:rPr lang="en-GB" dirty="0"/>
+              <a:t>Or </a:t>
+            </a:r>
+            <a:r>
+              <a:rPr lang="en-GB" dirty="0">
+                <a:hlinkClick r:id="rId3"/>
+              </a:rPr>
+              <a:t>https://www.anaconda.com/download/</a:t>
             </a:r>
             <a:r>
               <a:rPr lang="en-GB" dirty="0"/>
               <a:t> </a:t>
             </a:r>
-            <a:r>
-              <a:rPr lang="en-GB" dirty="0" err="1"/>
-              <a:t>init</a:t>
-            </a:r>
-            <a:r>
-              <a:rPr lang="en-GB" dirty="0"/>
-              <a:t> --all</a:t>
-            </a:r>
           </a:p>
           <a:p>
             <a:pPr marL="457200" lvl="1" indent="0">
               <a:buNone/>
             </a:pPr>
             <a:r>
-              <a:rPr lang="en-GB" i="1" dirty="0"/>
-              <a:t>(Note that uninstall does not clean this up)</a:t>
-            </a:r>
-          </a:p>
-          <a:p>
-            <a:r>
-              <a:rPr lang="en-GB" dirty="0"/>
-              <a:t>Activating an environment:</a:t>
-            </a:r>
-          </a:p>
-          <a:p>
-            <a:pPr marL="457200" lvl="1" indent="0">
-              <a:buNone/>
-            </a:pPr>
-            <a:r>
-              <a:rPr lang="en-GB" sz="2000" dirty="0">
-                <a:latin typeface="Courier New" panose="02070309020205020404" pitchFamily="49" charset="0"/>
-                <a:cs typeface="Courier New" panose="02070309020205020404" pitchFamily="49" charset="0"/>
-              </a:rPr>
-              <a:t>&gt; </a:t>
-            </a:r>
-            <a:r>
-              <a:rPr lang="en-GB" sz="2000" dirty="0" err="1">
+              <a:rPr lang="en-GB" dirty="0"/>
+              <a:t>Or install minimal: </a:t>
+            </a:r>
+            <a:r>
+              <a:rPr lang="en-GB" dirty="0">
                 <a:highlight>
                   <a:srgbClr val="FFFF00"/>
                 </a:highlight>
-                <a:latin typeface="Courier New" panose="02070309020205020404" pitchFamily="49" charset="0"/>
-                <a:cs typeface="Courier New" panose="02070309020205020404" pitchFamily="49" charset="0"/>
-              </a:rPr>
-              <a:t>conda</a:t>
-            </a:r>
-            <a:r>
-              <a:rPr lang="en-GB" sz="2000" dirty="0">
+                <a:hlinkClick r:id="rId4"/>
+              </a:rPr>
+              <a:t>https://docs.conda.io/en/latest/miniconda.html</a:t>
+            </a:r>
+            <a:r>
+              <a:rPr lang="en-GB" dirty="0">
                 <a:highlight>
                   <a:srgbClr val="FFFF00"/>
                 </a:highlight>
-                <a:latin typeface="Courier New" panose="02070309020205020404" pitchFamily="49" charset="0"/>
-                <a:cs typeface="Courier New" panose="02070309020205020404" pitchFamily="49" charset="0"/>
-              </a:rPr>
-              <a:t> activate </a:t>
-            </a:r>
-            <a:r>
-              <a:rPr lang="en-GB" sz="2000" dirty="0">
-                <a:latin typeface="Courier New" panose="02070309020205020404" pitchFamily="49" charset="0"/>
-                <a:cs typeface="Courier New" panose="02070309020205020404" pitchFamily="49" charset="0"/>
-              </a:rPr>
-              <a:t>[env]</a:t>
-            </a:r>
-          </a:p>
-          <a:p>
-            <a:r>
-              <a:rPr lang="en-GB" dirty="0"/>
-              <a:t>To upgrade run the "Anaconda Prompt" and type:</a:t>
+              </a:rPr>
+              <a:t> </a:t>
             </a:r>
           </a:p>
           <a:p>
@@ -10450,160 +12004,143 @@
               <a:buNone/>
             </a:pPr>
             <a:r>
-              <a:rPr lang="en-GB" sz="2000" dirty="0">
+              <a:rPr lang="en-GB" i="1" dirty="0"/>
+              <a:t>Note: installing with dual x login means that administrator install is preferred.</a:t>
+            </a:r>
+          </a:p>
+          <a:p>
+            <a:r>
+              <a:rPr lang="en-GB" dirty="0"/>
+              <a:t>Recommend </a:t>
+            </a:r>
+            <a:r>
+              <a:rPr lang="en-GB" b="1" dirty="0" err="1"/>
+              <a:t>Miniconda</a:t>
+            </a:r>
+            <a:r>
+              <a:rPr lang="en-GB" dirty="0"/>
+              <a:t> or Python (other packages needed):</a:t>
+            </a:r>
+          </a:p>
+          <a:p>
+            <a:pPr marL="0" indent="0">
+              <a:buNone/>
+            </a:pPr>
+            <a:r>
+              <a:rPr lang="en-GB" sz="1800" i="1" dirty="0">
+                <a:latin typeface="Courier New" panose="02070309020205020404" pitchFamily="49" charset="0"/>
+                <a:cs typeface="Courier New" panose="02070309020205020404" pitchFamily="49" charset="0"/>
+              </a:rPr>
+              <a:t>	</a:t>
+            </a:r>
+            <a:r>
+              <a:rPr lang="en-GB" sz="1800" dirty="0">
                 <a:latin typeface="Courier New" panose="02070309020205020404" pitchFamily="49" charset="0"/>
                 <a:cs typeface="Courier New" panose="02070309020205020404" pitchFamily="49" charset="0"/>
               </a:rPr>
               <a:t>&gt; </a:t>
             </a:r>
             <a:r>
-              <a:rPr lang="en-GB" sz="2000" dirty="0" err="1">
+              <a:rPr lang="en-GB" sz="1800" dirty="0" err="1">
                 <a:latin typeface="Courier New" panose="02070309020205020404" pitchFamily="49" charset="0"/>
                 <a:cs typeface="Courier New" panose="02070309020205020404" pitchFamily="49" charset="0"/>
               </a:rPr>
               <a:t>conda</a:t>
             </a:r>
             <a:r>
-              <a:rPr lang="en-GB" sz="2000" dirty="0">
-                <a:latin typeface="Courier New" panose="02070309020205020404" pitchFamily="49" charset="0"/>
-                <a:cs typeface="Courier New" panose="02070309020205020404" pitchFamily="49" charset="0"/>
-              </a:rPr>
-              <a:t> update </a:t>
-            </a:r>
-            <a:r>
-              <a:rPr lang="en-GB" sz="2000" dirty="0" err="1">
-                <a:latin typeface="Courier New" panose="02070309020205020404" pitchFamily="49" charset="0"/>
-                <a:cs typeface="Courier New" panose="02070309020205020404" pitchFamily="49" charset="0"/>
-              </a:rPr>
-              <a:t>conda</a:t>
-            </a:r>
-            <a:endParaRPr lang="en-GB" sz="2000" dirty="0">
-              <a:latin typeface="Courier New" panose="02070309020205020404" pitchFamily="49" charset="0"/>
-              <a:cs typeface="Courier New" panose="02070309020205020404" pitchFamily="49" charset="0"/>
-            </a:endParaRPr>
-          </a:p>
-          <a:p>
-            <a:pPr marL="457200" lvl="1" indent="0">
+              <a:rPr lang="en-GB" sz="1800" dirty="0">
+                <a:latin typeface="Courier New" panose="02070309020205020404" pitchFamily="49" charset="0"/>
+                <a:cs typeface="Courier New" panose="02070309020205020404" pitchFamily="49" charset="0"/>
+              </a:rPr>
+              <a:t> install </a:t>
+            </a:r>
+            <a:r>
+              <a:rPr lang="en-GB" sz="1800" dirty="0" err="1">
+                <a:latin typeface="Courier New" panose="02070309020205020404" pitchFamily="49" charset="0"/>
+                <a:cs typeface="Courier New" panose="02070309020205020404" pitchFamily="49" charset="0"/>
+              </a:rPr>
+              <a:t>jupyterlab</a:t>
+            </a:r>
+            <a:r>
+              <a:rPr lang="en-GB" sz="1800" dirty="0">
+                <a:latin typeface="Courier New" panose="02070309020205020404" pitchFamily="49" charset="0"/>
+                <a:cs typeface="Courier New" panose="02070309020205020404" pitchFamily="49" charset="0"/>
+              </a:rPr>
+              <a:t> click pandas matplotlib</a:t>
+            </a:r>
+          </a:p>
+          <a:p>
+            <a:pPr marL="0" indent="0">
               <a:buNone/>
             </a:pPr>
             <a:r>
-              <a:rPr lang="en-GB" sz="2000" dirty="0">
-                <a:latin typeface="Courier New" panose="02070309020205020404" pitchFamily="49" charset="0"/>
-                <a:cs typeface="Courier New" panose="02070309020205020404" pitchFamily="49" charset="0"/>
-              </a:rPr>
-              <a:t>&gt; </a:t>
-            </a:r>
-            <a:r>
-              <a:rPr lang="en-GB" sz="2000" dirty="0" err="1">
-                <a:latin typeface="Courier New" panose="02070309020205020404" pitchFamily="49" charset="0"/>
-                <a:cs typeface="Courier New" panose="02070309020205020404" pitchFamily="49" charset="0"/>
-              </a:rPr>
-              <a:t>conda</a:t>
-            </a:r>
-            <a:r>
-              <a:rPr lang="en-GB" sz="2000" dirty="0">
-                <a:latin typeface="Courier New" panose="02070309020205020404" pitchFamily="49" charset="0"/>
-                <a:cs typeface="Courier New" panose="02070309020205020404" pitchFamily="49" charset="0"/>
-              </a:rPr>
-              <a:t> update anaconda</a:t>
-            </a:r>
-          </a:p>
-          <a:p>
-            <a:r>
-              <a:rPr lang="en-GB" dirty="0"/>
-              <a:t>Clean up old Anaconda packages from prompt using::</a:t>
-            </a:r>
-          </a:p>
-          <a:p>
-            <a:pPr marL="457200" lvl="1" indent="0">
-              <a:buNone/>
+              <a:rPr lang="en-GB" sz="1800" i="1" dirty="0">
+                <a:latin typeface="Courier New" panose="02070309020205020404" pitchFamily="49" charset="0"/>
+                <a:cs typeface="Courier New" panose="02070309020205020404" pitchFamily="49" charset="0"/>
+              </a:rPr>
+              <a:t>	</a:t>
+            </a:r>
+            <a:r>
+              <a:rPr lang="en-GB" sz="1800" dirty="0">
+                <a:latin typeface="Courier New" panose="02070309020205020404" pitchFamily="49" charset="0"/>
+                <a:cs typeface="Courier New" panose="02070309020205020404" pitchFamily="49" charset="0"/>
+              </a:rPr>
+              <a:t>&gt; for %i in (</a:t>
+            </a:r>
+            <a:r>
+              <a:rPr lang="en-GB" sz="1800" dirty="0" err="1">
+                <a:latin typeface="Courier New" panose="02070309020205020404" pitchFamily="49" charset="0"/>
+                <a:cs typeface="Courier New" panose="02070309020205020404" pitchFamily="49" charset="0"/>
+              </a:rPr>
+              <a:t>ipython,click,pandas</a:t>
+            </a:r>
+            <a:r>
+              <a:rPr lang="en-GB" sz="1800" dirty="0">
+                <a:latin typeface="Courier New" panose="02070309020205020404" pitchFamily="49" charset="0"/>
+                <a:cs typeface="Courier New" panose="02070309020205020404" pitchFamily="49" charset="0"/>
+              </a:rPr>
+              <a:t>) do pip install %i</a:t>
+            </a:r>
+          </a:p>
+          <a:p>
+            <a:pPr>
+              <a:lnSpc>
+                <a:spcPct val="100000"/>
+              </a:lnSpc>
             </a:pPr>
             <a:r>
-              <a:rPr lang="en-GB" sz="2000" dirty="0">
-                <a:latin typeface="Courier New" panose="02070309020205020404" pitchFamily="49" charset="0"/>
-                <a:cs typeface="Courier New" panose="02070309020205020404" pitchFamily="49" charset="0"/>
-              </a:rPr>
-              <a:t>&gt; </a:t>
-            </a:r>
-            <a:r>
-              <a:rPr lang="en-GB" sz="2000" dirty="0" err="1">
-                <a:latin typeface="Courier New" panose="02070309020205020404" pitchFamily="49" charset="0"/>
-                <a:cs typeface="Courier New" panose="02070309020205020404" pitchFamily="49" charset="0"/>
-              </a:rPr>
-              <a:t>conda</a:t>
-            </a:r>
-            <a:r>
-              <a:rPr lang="en-GB" sz="2000" dirty="0">
-                <a:latin typeface="Courier New" panose="02070309020205020404" pitchFamily="49" charset="0"/>
-                <a:cs typeface="Courier New" panose="02070309020205020404" pitchFamily="49" charset="0"/>
-              </a:rPr>
-              <a:t> clean -a --dry-run</a:t>
-            </a:r>
-          </a:p>
-          <a:p>
-            <a:pPr marL="457200" lvl="1" indent="0">
-              <a:buNone/>
+              <a:rPr lang="en-GB" dirty="0"/>
+              <a:t>Select latest version 3+ package.</a:t>
+            </a:r>
+          </a:p>
+          <a:p>
+            <a:pPr lvl="1">
+              <a:lnSpc>
+                <a:spcPct val="100000"/>
+              </a:lnSpc>
             </a:pPr>
             <a:r>
-              <a:rPr lang="en-GB" sz="2000" dirty="0">
-                <a:latin typeface="Courier New" panose="02070309020205020404" pitchFamily="49" charset="0"/>
-                <a:cs typeface="Courier New" panose="02070309020205020404" pitchFamily="49" charset="0"/>
-              </a:rPr>
-              <a:t>&gt; </a:t>
-            </a:r>
-            <a:r>
-              <a:rPr lang="en-GB" sz="2000" dirty="0" err="1">
-                <a:latin typeface="Courier New" panose="02070309020205020404" pitchFamily="49" charset="0"/>
-                <a:cs typeface="Courier New" panose="02070309020205020404" pitchFamily="49" charset="0"/>
-              </a:rPr>
-              <a:t>conda</a:t>
-            </a:r>
-            <a:r>
-              <a:rPr lang="en-GB" sz="2000" dirty="0">
-                <a:latin typeface="Courier New" panose="02070309020205020404" pitchFamily="49" charset="0"/>
-                <a:cs typeface="Courier New" panose="02070309020205020404" pitchFamily="49" charset="0"/>
-              </a:rPr>
-              <a:t> clean -a -y</a:t>
-            </a:r>
-          </a:p>
-          <a:p>
-            <a:r>
-              <a:rPr lang="en-GB" dirty="0"/>
-              <a:t>Rebuild Anaconda Start menu::</a:t>
-            </a:r>
-          </a:p>
-          <a:p>
-            <a:pPr marL="457200" lvl="1" indent="0">
-              <a:buNone/>
+              <a:rPr lang="en-GB" dirty="0"/>
+              <a:t>Most new programmers should use latest Python 3.</a:t>
+            </a:r>
+          </a:p>
+          <a:p>
+            <a:pPr lvl="1">
+              <a:lnSpc>
+                <a:spcPct val="100000"/>
+              </a:lnSpc>
             </a:pPr>
             <a:r>
-              <a:rPr lang="en-GB" sz="2100" dirty="0">
-                <a:latin typeface="Courier New" panose="02070309020205020404" pitchFamily="49" charset="0"/>
-                <a:cs typeface="Courier New" panose="02070309020205020404" pitchFamily="49" charset="0"/>
-              </a:rPr>
-              <a:t>&gt; "C:\Anaconda3\pythonw.exe" "C:\Anaconda3\Lib\_nsis.py" </a:t>
-            </a:r>
-            <a:r>
-              <a:rPr lang="en-GB" sz="2100" dirty="0" err="1">
-                <a:latin typeface="Courier New" panose="02070309020205020404" pitchFamily="49" charset="0"/>
-                <a:cs typeface="Courier New" panose="02070309020205020404" pitchFamily="49" charset="0"/>
-              </a:rPr>
-              <a:t>mkmenus</a:t>
-            </a:r>
-            <a:endParaRPr lang="en-GB" sz="2100" dirty="0">
-              <a:latin typeface="Courier New" panose="02070309020205020404" pitchFamily="49" charset="0"/>
-              <a:cs typeface="Courier New" panose="02070309020205020404" pitchFamily="49" charset="0"/>
-            </a:endParaRPr>
-          </a:p>
-          <a:p>
-            <a:endParaRPr lang="en-GB" dirty="0"/>
+              <a:rPr lang="en-GB" dirty="0"/>
+              <a:t>Python 2 still around and Python 2.7 version is the best bridge to version 3.</a:t>
+            </a:r>
           </a:p>
         </p:txBody>
       </p:sp>
     </p:spTree>
     <p:extLst>
       <p:ext uri="{BB962C8B-B14F-4D97-AF65-F5344CB8AC3E}">
-        <p14:creationId xmlns:p14="http://schemas.microsoft.com/office/powerpoint/2010/main" val="634923055"/>
+        <p14:creationId xmlns:p14="http://schemas.microsoft.com/office/powerpoint/2010/main" val="1973521296"/>
       </p:ext>
     </p:extLst>
   </p:cSld>

--- a/PyTut1_Intro.pptx
+++ b/PyTut1_Intro.pptx
@@ -303,7 +303,7 @@
           <a:p>
             <a:fld id="{A2EF2885-F4E9-4389-AA0C-7ED12AFA1E23}" type="datetimeFigureOut">
               <a:rPr lang="en-GB" smtClean="0"/>
-              <a:t>23/02/2021</a:t>
+              <a:t>01/03/2021</a:t>
             </a:fld>
             <a:endParaRPr lang="en-GB"/>
           </a:p>
@@ -503,7 +503,7 @@
           <a:p>
             <a:fld id="{A2EF2885-F4E9-4389-AA0C-7ED12AFA1E23}" type="datetimeFigureOut">
               <a:rPr lang="en-GB" smtClean="0"/>
-              <a:t>23/02/2021</a:t>
+              <a:t>01/03/2021</a:t>
             </a:fld>
             <a:endParaRPr lang="en-GB"/>
           </a:p>
@@ -713,7 +713,7 @@
           <a:p>
             <a:fld id="{A2EF2885-F4E9-4389-AA0C-7ED12AFA1E23}" type="datetimeFigureOut">
               <a:rPr lang="en-GB" smtClean="0"/>
-              <a:t>23/02/2021</a:t>
+              <a:t>01/03/2021</a:t>
             </a:fld>
             <a:endParaRPr lang="en-GB"/>
           </a:p>
@@ -913,7 +913,7 @@
           <a:p>
             <a:fld id="{A2EF2885-F4E9-4389-AA0C-7ED12AFA1E23}" type="datetimeFigureOut">
               <a:rPr lang="en-GB" smtClean="0"/>
-              <a:t>23/02/2021</a:t>
+              <a:t>01/03/2021</a:t>
             </a:fld>
             <a:endParaRPr lang="en-GB"/>
           </a:p>
@@ -1189,7 +1189,7 @@
           <a:p>
             <a:fld id="{A2EF2885-F4E9-4389-AA0C-7ED12AFA1E23}" type="datetimeFigureOut">
               <a:rPr lang="en-GB" smtClean="0"/>
-              <a:t>23/02/2021</a:t>
+              <a:t>01/03/2021</a:t>
             </a:fld>
             <a:endParaRPr lang="en-GB"/>
           </a:p>
@@ -1457,7 +1457,7 @@
           <a:p>
             <a:fld id="{A2EF2885-F4E9-4389-AA0C-7ED12AFA1E23}" type="datetimeFigureOut">
               <a:rPr lang="en-GB" smtClean="0"/>
-              <a:t>23/02/2021</a:t>
+              <a:t>01/03/2021</a:t>
             </a:fld>
             <a:endParaRPr lang="en-GB"/>
           </a:p>
@@ -1872,7 +1872,7 @@
           <a:p>
             <a:fld id="{A2EF2885-F4E9-4389-AA0C-7ED12AFA1E23}" type="datetimeFigureOut">
               <a:rPr lang="en-GB" smtClean="0"/>
-              <a:t>23/02/2021</a:t>
+              <a:t>01/03/2021</a:t>
             </a:fld>
             <a:endParaRPr lang="en-GB"/>
           </a:p>
@@ -2014,7 +2014,7 @@
           <a:p>
             <a:fld id="{A2EF2885-F4E9-4389-AA0C-7ED12AFA1E23}" type="datetimeFigureOut">
               <a:rPr lang="en-GB" smtClean="0"/>
-              <a:t>23/02/2021</a:t>
+              <a:t>01/03/2021</a:t>
             </a:fld>
             <a:endParaRPr lang="en-GB"/>
           </a:p>
@@ -2127,7 +2127,7 @@
           <a:p>
             <a:fld id="{A2EF2885-F4E9-4389-AA0C-7ED12AFA1E23}" type="datetimeFigureOut">
               <a:rPr lang="en-GB" smtClean="0"/>
-              <a:t>23/02/2021</a:t>
+              <a:t>01/03/2021</a:t>
             </a:fld>
             <a:endParaRPr lang="en-GB"/>
           </a:p>
@@ -2440,7 +2440,7 @@
           <a:p>
             <a:fld id="{A2EF2885-F4E9-4389-AA0C-7ED12AFA1E23}" type="datetimeFigureOut">
               <a:rPr lang="en-GB" smtClean="0"/>
-              <a:t>23/02/2021</a:t>
+              <a:t>01/03/2021</a:t>
             </a:fld>
             <a:endParaRPr lang="en-GB"/>
           </a:p>
@@ -2729,7 +2729,7 @@
           <a:p>
             <a:fld id="{A2EF2885-F4E9-4389-AA0C-7ED12AFA1E23}" type="datetimeFigureOut">
               <a:rPr lang="en-GB" smtClean="0"/>
-              <a:t>23/02/2021</a:t>
+              <a:t>01/03/2021</a:t>
             </a:fld>
             <a:endParaRPr lang="en-GB"/>
           </a:p>
@@ -2972,7 +2972,7 @@
           <a:p>
             <a:fld id="{A2EF2885-F4E9-4389-AA0C-7ED12AFA1E23}" type="datetimeFigureOut">
               <a:rPr lang="en-GB" smtClean="0"/>
-              <a:t>23/02/2021</a:t>
+              <a:t>01/03/2021</a:t>
             </a:fld>
             <a:endParaRPr lang="en-GB"/>
           </a:p>
@@ -6423,7 +6423,7 @@
                 <a:latin typeface="Courier New" panose="02070309020205020404" pitchFamily="49" charset="0"/>
                 <a:cs typeface="Courier New" panose="02070309020205020404" pitchFamily="49" charset="0"/>
               </a:rPr>
-              <a:t> %USERPROFILE%\Documents\</a:t>
+              <a:t> %USERPROFILE%\</a:t>
             </a:r>
             <a:r>
               <a:rPr lang="en-GB" sz="1400" dirty="0" err="1">
@@ -6446,7 +6446,7 @@
                 <a:latin typeface="Courier New" panose="02070309020205020404" pitchFamily="49" charset="0"/>
                 <a:cs typeface="Courier New" panose="02070309020205020404" pitchFamily="49" charset="0"/>
               </a:rPr>
-              <a:t>&gt; cd %USERPROFILE%\Documents\</a:t>
+              <a:t>&gt; cd %USERPROFILE%\</a:t>
             </a:r>
             <a:r>
               <a:rPr lang="en-GB" sz="1400" dirty="0" err="1">
@@ -6503,7 +6503,7 @@
                 <a:latin typeface="Courier New" panose="02070309020205020404" pitchFamily="49" charset="0"/>
                 <a:cs typeface="Courier New" panose="02070309020205020404" pitchFamily="49" charset="0"/>
               </a:rPr>
-              <a:t>    if name==None or name=='':</a:t>
+              <a:t>    if not name:</a:t>
             </a:r>
           </a:p>
           <a:p>
@@ -6560,7 +6560,7 @@
                 <a:latin typeface="Courier New" panose="02070309020205020404" pitchFamily="49" charset="0"/>
                 <a:cs typeface="Courier New" panose="02070309020205020404" pitchFamily="49" charset="0"/>
               </a:rPr>
-              <a:t>print(greet)</a:t>
+              <a:t>greet()</a:t>
             </a:r>
           </a:p>
           <a:p>
@@ -7034,7 +7034,7 @@
         </p:spPr>
         <p:txBody>
           <a:bodyPr>
-            <a:normAutofit fontScale="85000" lnSpcReduction="20000"/>
+            <a:normAutofit fontScale="77500" lnSpcReduction="20000"/>
           </a:bodyPr>
           <a:lstStyle/>
           <a:p>
@@ -7072,7 +7072,7 @@
             </a:pPr>
             <a:r>
               <a:rPr lang="en-GB" dirty="0"/>
-              <a:t>Type the same code from previous page into the </a:t>
+              <a:t>Create a new file and type the same code from previous page into the </a:t>
             </a:r>
             <a:r>
               <a:rPr lang="en-GB" dirty="0" err="1"/>
@@ -7080,7 +7080,15 @@
             </a:r>
             <a:r>
               <a:rPr lang="en-GB" dirty="0"/>
-              <a:t> editor and save as “greet1.py”.</a:t>
+              <a:t> editor and save as “greet1.py” into the </a:t>
+            </a:r>
+            <a:r>
+              <a:rPr lang="en-GB" dirty="0" err="1"/>
+              <a:t>pytut</a:t>
+            </a:r>
+            <a:r>
+              <a:rPr lang="en-GB" dirty="0"/>
+              <a:t> directory.</a:t>
             </a:r>
           </a:p>
           <a:p>

--- a/PyTut1_Intro.pptx
+++ b/PyTut1_Intro.pptx
@@ -49,8 +49,6 @@
     <p:sldId id="294" r:id="rId44"/>
     <p:sldId id="295" r:id="rId45"/>
     <p:sldId id="296" r:id="rId46"/>
-    <p:sldId id="297" r:id="rId47"/>
-    <p:sldId id="298" r:id="rId48"/>
   </p:sldIdLst>
   <p:sldSz cy="9000000" cx="9000000"/>
   <p:notesSz cx="6858000" cy="9144000"/>
@@ -3602,7 +3600,7 @@
       </p:grpSpPr>
       <p:sp>
         <p:nvSpPr>
-          <p:cNvPr id="309" name="Google Shape;309;p34:notes"/>
+          <p:cNvPr id="309" name="Google Shape;309;p35:notes"/>
           <p:cNvSpPr txBox="1"/>
           <p:nvPr>
             <p:ph idx="1" type="body"/>
@@ -3641,7 +3639,7 @@
       </p:sp>
       <p:sp>
         <p:nvSpPr>
-          <p:cNvPr id="310" name="Google Shape;310;p34:notes"/>
+          <p:cNvPr id="310" name="Google Shape;310;p35:notes"/>
           <p:cNvSpPr/>
           <p:nvPr>
             <p:ph idx="2" type="sldImg"/>
@@ -3701,7 +3699,7 @@
       </p:grpSpPr>
       <p:sp>
         <p:nvSpPr>
-          <p:cNvPr id="315" name="Google Shape;315;p35:notes"/>
+          <p:cNvPr id="315" name="Google Shape;315;p34:notes"/>
           <p:cNvSpPr txBox="1"/>
           <p:nvPr>
             <p:ph idx="1" type="body"/>
@@ -3740,7 +3738,7 @@
       </p:sp>
       <p:sp>
         <p:nvSpPr>
-          <p:cNvPr id="316" name="Google Shape;316;p35:notes"/>
+          <p:cNvPr id="316" name="Google Shape;316;p34:notes"/>
           <p:cNvSpPr/>
           <p:nvPr>
             <p:ph idx="2" type="sldImg"/>
@@ -4097,7 +4095,7 @@
       </p:grpSpPr>
       <p:sp>
         <p:nvSpPr>
-          <p:cNvPr id="333" name="Google Shape;333;p38:notes"/>
+          <p:cNvPr id="333" name="Google Shape;333;gc171f5067c_1_37:notes"/>
           <p:cNvSpPr txBox="1"/>
           <p:nvPr>
             <p:ph idx="1" type="body"/>
@@ -4136,7 +4134,7 @@
       </p:sp>
       <p:sp>
         <p:nvSpPr>
-          <p:cNvPr id="334" name="Google Shape;334;p38:notes"/>
+          <p:cNvPr id="334" name="Google Shape;334;gc171f5067c_1_37:notes"/>
           <p:cNvSpPr/>
           <p:nvPr>
             <p:ph idx="2" type="sldImg"/>
@@ -4196,7 +4194,7 @@
       </p:grpSpPr>
       <p:sp>
         <p:nvSpPr>
-          <p:cNvPr id="339" name="Google Shape;339;p39:notes"/>
+          <p:cNvPr id="339" name="Google Shape;339;p43:notes"/>
           <p:cNvSpPr txBox="1"/>
           <p:nvPr>
             <p:ph idx="1" type="body"/>
@@ -4235,205 +4233,7 @@
       </p:sp>
       <p:sp>
         <p:nvSpPr>
-          <p:cNvPr id="340" name="Google Shape;340;p39:notes"/>
-          <p:cNvSpPr/>
-          <p:nvPr>
-            <p:ph idx="2" type="sldImg"/>
-          </p:nvPr>
-        </p:nvSpPr>
-        <p:spPr>
-          <a:xfrm>
-            <a:off x="2143382" y="685800"/>
-            <a:ext cx="2572200" cy="3429000"/>
-          </a:xfrm>
-          <a:custGeom>
-            <a:rect b="b" l="l" r="r" t="t"/>
-            <a:pathLst>
-              <a:path extrusionOk="0" h="120000" w="120000">
-                <a:moveTo>
-                  <a:pt x="0" y="0"/>
-                </a:moveTo>
-                <a:lnTo>
-                  <a:pt x="120000" y="0"/>
-                </a:lnTo>
-                <a:lnTo>
-                  <a:pt x="120000" y="120000"/>
-                </a:lnTo>
-                <a:lnTo>
-                  <a:pt x="0" y="120000"/>
-                </a:lnTo>
-                <a:close/>
-              </a:path>
-            </a:pathLst>
-          </a:custGeom>
-        </p:spPr>
-      </p:sp>
-    </p:spTree>
-  </p:cSld>
-  <p:clrMapOvr>
-    <a:masterClrMapping/>
-  </p:clrMapOvr>
-</p:notes>
-</file>
-
-<file path=ppt/notesSlides/notesSlide42.xml><?xml version="1.0" encoding="utf-8"?>
-<p:notes xmlns:a="http://schemas.openxmlformats.org/drawingml/2006/main" xmlns:r="http://schemas.openxmlformats.org/officeDocument/2006/relationships" xmlns:mc="http://schemas.openxmlformats.org/markup-compatibility/2006" xmlns:mv="urn:schemas-microsoft-com:mac:vml" xmlns:p="http://schemas.openxmlformats.org/presentationml/2006/main" xmlns:c="http://schemas.openxmlformats.org/drawingml/2006/chart" xmlns:dgm="http://schemas.openxmlformats.org/drawingml/2006/diagram" xmlns:o="urn:schemas-microsoft-com:office:office" xmlns:v="urn:schemas-microsoft-com:vml" xmlns:pvml="urn:schemas-microsoft-com:office:powerpoint" xmlns:com="http://schemas.openxmlformats.org/drawingml/2006/compatibility" xmlns:p14="http://schemas.microsoft.com/office/powerpoint/2010/main" xmlns:p15="http://schemas.microsoft.com/office/powerpoint/2012/main" xmlns:ahyp="http://schemas.microsoft.com/office/drawing/2018/hyperlinkcolor" showMasterPhAnim="0" showMasterSp="0">
-  <p:cSld>
-    <p:spTree>
-      <p:nvGrpSpPr>
-        <p:cNvPr id="344" name="Shape 344"/>
-        <p:cNvGrpSpPr/>
-        <p:nvPr/>
-      </p:nvGrpSpPr>
-      <p:grpSpPr>
-        <a:xfrm>
-          <a:off x="0" y="0"/>
-          <a:ext cx="0" cy="0"/>
-          <a:chOff x="0" y="0"/>
-          <a:chExt cx="0" cy="0"/>
-        </a:xfrm>
-      </p:grpSpPr>
-      <p:sp>
-        <p:nvSpPr>
-          <p:cNvPr id="345" name="Google Shape;345;p40:notes"/>
-          <p:cNvSpPr txBox="1"/>
-          <p:nvPr>
-            <p:ph idx="1" type="body"/>
-          </p:nvPr>
-        </p:nvSpPr>
-        <p:spPr>
-          <a:xfrm>
-            <a:off x="685800" y="4343400"/>
-            <a:ext cx="5486400" cy="4114800"/>
-          </a:xfrm>
-          <a:prstGeom prst="rect">
-            <a:avLst/>
-          </a:prstGeom>
-        </p:spPr>
-        <p:txBody>
-          <a:bodyPr anchorCtr="0" anchor="t" bIns="91425" lIns="91425" spcFirstLastPara="1" rIns="91425" wrap="square" tIns="91425">
-            <a:noAutofit/>
-          </a:bodyPr>
-          <a:lstStyle/>
-          <a:p>
-            <a:pPr indent="0" lvl="0" marL="0" rtl="0" algn="l">
-              <a:spcBef>
-                <a:spcPts val="0"/>
-              </a:spcBef>
-              <a:spcAft>
-                <a:spcPts val="0"/>
-              </a:spcAft>
-              <a:buNone/>
-            </a:pPr>
-            <a:r>
-              <a:t/>
-            </a:r>
-            <a:endParaRPr/>
-          </a:p>
-        </p:txBody>
-      </p:sp>
-      <p:sp>
-        <p:nvSpPr>
-          <p:cNvPr id="346" name="Google Shape;346;p40:notes"/>
-          <p:cNvSpPr/>
-          <p:nvPr>
-            <p:ph idx="2" type="sldImg"/>
-          </p:nvPr>
-        </p:nvSpPr>
-        <p:spPr>
-          <a:xfrm>
-            <a:off x="2143382" y="685800"/>
-            <a:ext cx="2572200" cy="3429000"/>
-          </a:xfrm>
-          <a:custGeom>
-            <a:rect b="b" l="l" r="r" t="t"/>
-            <a:pathLst>
-              <a:path extrusionOk="0" h="120000" w="120000">
-                <a:moveTo>
-                  <a:pt x="0" y="0"/>
-                </a:moveTo>
-                <a:lnTo>
-                  <a:pt x="120000" y="0"/>
-                </a:lnTo>
-                <a:lnTo>
-                  <a:pt x="120000" y="120000"/>
-                </a:lnTo>
-                <a:lnTo>
-                  <a:pt x="0" y="120000"/>
-                </a:lnTo>
-                <a:close/>
-              </a:path>
-            </a:pathLst>
-          </a:custGeom>
-        </p:spPr>
-      </p:sp>
-    </p:spTree>
-  </p:cSld>
-  <p:clrMapOvr>
-    <a:masterClrMapping/>
-  </p:clrMapOvr>
-</p:notes>
-</file>
-
-<file path=ppt/notesSlides/notesSlide43.xml><?xml version="1.0" encoding="utf-8"?>
-<p:notes xmlns:a="http://schemas.openxmlformats.org/drawingml/2006/main" xmlns:r="http://schemas.openxmlformats.org/officeDocument/2006/relationships" xmlns:mc="http://schemas.openxmlformats.org/markup-compatibility/2006" xmlns:mv="urn:schemas-microsoft-com:mac:vml" xmlns:p="http://schemas.openxmlformats.org/presentationml/2006/main" xmlns:c="http://schemas.openxmlformats.org/drawingml/2006/chart" xmlns:dgm="http://schemas.openxmlformats.org/drawingml/2006/diagram" xmlns:o="urn:schemas-microsoft-com:office:office" xmlns:v="urn:schemas-microsoft-com:vml" xmlns:pvml="urn:schemas-microsoft-com:office:powerpoint" xmlns:com="http://schemas.openxmlformats.org/drawingml/2006/compatibility" xmlns:p14="http://schemas.microsoft.com/office/powerpoint/2010/main" xmlns:p15="http://schemas.microsoft.com/office/powerpoint/2012/main" xmlns:ahyp="http://schemas.microsoft.com/office/drawing/2018/hyperlinkcolor" showMasterPhAnim="0" showMasterSp="0">
-  <p:cSld>
-    <p:spTree>
-      <p:nvGrpSpPr>
-        <p:cNvPr id="350" name="Shape 350"/>
-        <p:cNvGrpSpPr/>
-        <p:nvPr/>
-      </p:nvGrpSpPr>
-      <p:grpSpPr>
-        <a:xfrm>
-          <a:off x="0" y="0"/>
-          <a:ext cx="0" cy="0"/>
-          <a:chOff x="0" y="0"/>
-          <a:chExt cx="0" cy="0"/>
-        </a:xfrm>
-      </p:grpSpPr>
-      <p:sp>
-        <p:nvSpPr>
-          <p:cNvPr id="351" name="Google Shape;351;p43:notes"/>
-          <p:cNvSpPr txBox="1"/>
-          <p:nvPr>
-            <p:ph idx="1" type="body"/>
-          </p:nvPr>
-        </p:nvSpPr>
-        <p:spPr>
-          <a:xfrm>
-            <a:off x="685800" y="4343400"/>
-            <a:ext cx="5486400" cy="4114800"/>
-          </a:xfrm>
-          <a:prstGeom prst="rect">
-            <a:avLst/>
-          </a:prstGeom>
-        </p:spPr>
-        <p:txBody>
-          <a:bodyPr anchorCtr="0" anchor="t" bIns="91425" lIns="91425" spcFirstLastPara="1" rIns="91425" wrap="square" tIns="91425">
-            <a:noAutofit/>
-          </a:bodyPr>
-          <a:lstStyle/>
-          <a:p>
-            <a:pPr indent="0" lvl="0" marL="0" rtl="0" algn="l">
-              <a:spcBef>
-                <a:spcPts val="0"/>
-              </a:spcBef>
-              <a:spcAft>
-                <a:spcPts val="0"/>
-              </a:spcAft>
-              <a:buNone/>
-            </a:pPr>
-            <a:r>
-              <a:t/>
-            </a:r>
-            <a:endParaRPr/>
-          </a:p>
-        </p:txBody>
-      </p:sp>
-      <p:sp>
-        <p:nvSpPr>
-          <p:cNvPr id="352" name="Google Shape;352;p43:notes"/>
+          <p:cNvPr id="340" name="Google Shape;340;p43:notes"/>
           <p:cNvSpPr/>
           <p:nvPr>
             <p:ph idx="2" type="sldImg"/>
@@ -5012,7 +4812,7 @@
             <a:normAutofit/>
           </a:bodyPr>
           <a:lstStyle>
-            <a:lvl1pPr lvl="0" algn="ctr">
+            <a:lvl1pPr lvl="0" rtl="0" algn="ctr">
               <a:lnSpc>
                 <a:spcPct val="90000"/>
               </a:lnSpc>
@@ -5030,7 +4830,7 @@
               <a:buNone/>
               <a:defRPr sz="6000"/>
             </a:lvl1pPr>
-            <a:lvl2pPr lvl="1">
+            <a:lvl2pPr lvl="1" rtl="0">
               <a:spcBef>
                 <a:spcPts val="0"/>
               </a:spcBef>
@@ -5041,7 +4841,7 @@
               <a:buNone/>
               <a:defRPr/>
             </a:lvl2pPr>
-            <a:lvl3pPr lvl="2">
+            <a:lvl3pPr lvl="2" rtl="0">
               <a:spcBef>
                 <a:spcPts val="0"/>
               </a:spcBef>
@@ -5052,7 +4852,7 @@
               <a:buNone/>
               <a:defRPr/>
             </a:lvl3pPr>
-            <a:lvl4pPr lvl="3">
+            <a:lvl4pPr lvl="3" rtl="0">
               <a:spcBef>
                 <a:spcPts val="0"/>
               </a:spcBef>
@@ -5063,7 +4863,7 @@
               <a:buNone/>
               <a:defRPr/>
             </a:lvl4pPr>
-            <a:lvl5pPr lvl="4">
+            <a:lvl5pPr lvl="4" rtl="0">
               <a:spcBef>
                 <a:spcPts val="0"/>
               </a:spcBef>
@@ -5074,7 +4874,7 @@
               <a:buNone/>
               <a:defRPr/>
             </a:lvl5pPr>
-            <a:lvl6pPr lvl="5">
+            <a:lvl6pPr lvl="5" rtl="0">
               <a:spcBef>
                 <a:spcPts val="0"/>
               </a:spcBef>
@@ -5085,7 +4885,7 @@
               <a:buNone/>
               <a:defRPr/>
             </a:lvl6pPr>
-            <a:lvl7pPr lvl="6">
+            <a:lvl7pPr lvl="6" rtl="0">
               <a:spcBef>
                 <a:spcPts val="0"/>
               </a:spcBef>
@@ -5096,7 +4896,7 @@
               <a:buNone/>
               <a:defRPr/>
             </a:lvl7pPr>
-            <a:lvl8pPr lvl="7">
+            <a:lvl8pPr lvl="7" rtl="0">
               <a:spcBef>
                 <a:spcPts val="0"/>
               </a:spcBef>
@@ -5107,7 +4907,7 @@
               <a:buNone/>
               <a:defRPr/>
             </a:lvl8pPr>
-            <a:lvl9pPr lvl="8">
+            <a:lvl9pPr lvl="8" rtl="0">
               <a:spcBef>
                 <a:spcPts val="0"/>
               </a:spcBef>
@@ -5148,7 +4948,7 @@
             <a:normAutofit/>
           </a:bodyPr>
           <a:lstStyle>
-            <a:lvl1pPr lvl="0" algn="ctr">
+            <a:lvl1pPr lvl="0" rtl="0" algn="ctr">
               <a:lnSpc>
                 <a:spcPct val="90000"/>
               </a:lnSpc>
@@ -5165,7 +4965,7 @@
               <a:buNone/>
               <a:defRPr sz="2400"/>
             </a:lvl1pPr>
-            <a:lvl2pPr lvl="1" algn="ctr">
+            <a:lvl2pPr lvl="1" rtl="0" algn="ctr">
               <a:lnSpc>
                 <a:spcPct val="90000"/>
               </a:lnSpc>
@@ -5182,7 +4982,7 @@
               <a:buNone/>
               <a:defRPr sz="2000"/>
             </a:lvl2pPr>
-            <a:lvl3pPr lvl="2" algn="ctr">
+            <a:lvl3pPr lvl="2" rtl="0" algn="ctr">
               <a:lnSpc>
                 <a:spcPct val="90000"/>
               </a:lnSpc>
@@ -5199,7 +4999,7 @@
               <a:buNone/>
               <a:defRPr sz="1800"/>
             </a:lvl3pPr>
-            <a:lvl4pPr lvl="3" algn="ctr">
+            <a:lvl4pPr lvl="3" rtl="0" algn="ctr">
               <a:lnSpc>
                 <a:spcPct val="90000"/>
               </a:lnSpc>
@@ -5216,7 +5016,7 @@
               <a:buNone/>
               <a:defRPr sz="1600"/>
             </a:lvl4pPr>
-            <a:lvl5pPr lvl="4" algn="ctr">
+            <a:lvl5pPr lvl="4" rtl="0" algn="ctr">
               <a:lnSpc>
                 <a:spcPct val="90000"/>
               </a:lnSpc>
@@ -5233,7 +5033,7 @@
               <a:buNone/>
               <a:defRPr sz="1600"/>
             </a:lvl5pPr>
-            <a:lvl6pPr lvl="5" algn="ctr">
+            <a:lvl6pPr lvl="5" rtl="0" algn="ctr">
               <a:lnSpc>
                 <a:spcPct val="90000"/>
               </a:lnSpc>
@@ -5250,7 +5050,7 @@
               <a:buNone/>
               <a:defRPr sz="1600"/>
             </a:lvl6pPr>
-            <a:lvl7pPr lvl="6" algn="ctr">
+            <a:lvl7pPr lvl="6" rtl="0" algn="ctr">
               <a:lnSpc>
                 <a:spcPct val="90000"/>
               </a:lnSpc>
@@ -5267,7 +5067,7 @@
               <a:buNone/>
               <a:defRPr sz="1600"/>
             </a:lvl7pPr>
-            <a:lvl8pPr lvl="7" algn="ctr">
+            <a:lvl8pPr lvl="7" rtl="0" algn="ctr">
               <a:lnSpc>
                 <a:spcPct val="90000"/>
               </a:lnSpc>
@@ -5284,7 +5084,7 @@
               <a:buNone/>
               <a:defRPr sz="1600"/>
             </a:lvl8pPr>
-            <a:lvl9pPr lvl="8" algn="ctr">
+            <a:lvl9pPr lvl="8" rtl="0" algn="ctr">
               <a:lnSpc>
                 <a:spcPct val="90000"/>
               </a:lnSpc>
@@ -5331,7 +5131,7 @@
             <a:noAutofit/>
           </a:bodyPr>
           <a:lstStyle>
-            <a:lvl1pPr lvl="0" algn="l">
+            <a:lvl1pPr lvl="0" rtl="0" algn="l">
               <a:spcBef>
                 <a:spcPts val="0"/>
               </a:spcBef>
@@ -5342,7 +5142,7 @@
               <a:buNone/>
               <a:defRPr/>
             </a:lvl1pPr>
-            <a:lvl2pPr lvl="1" algn="l">
+            <a:lvl2pPr lvl="1" rtl="0" algn="l">
               <a:spcBef>
                 <a:spcPts val="0"/>
               </a:spcBef>
@@ -5353,7 +5153,7 @@
               <a:buNone/>
               <a:defRPr/>
             </a:lvl2pPr>
-            <a:lvl3pPr lvl="2" algn="l">
+            <a:lvl3pPr lvl="2" rtl="0" algn="l">
               <a:spcBef>
                 <a:spcPts val="0"/>
               </a:spcBef>
@@ -5364,7 +5164,7 @@
               <a:buNone/>
               <a:defRPr/>
             </a:lvl3pPr>
-            <a:lvl4pPr lvl="3" algn="l">
+            <a:lvl4pPr lvl="3" rtl="0" algn="l">
               <a:spcBef>
                 <a:spcPts val="0"/>
               </a:spcBef>
@@ -5375,7 +5175,7 @@
               <a:buNone/>
               <a:defRPr/>
             </a:lvl4pPr>
-            <a:lvl5pPr lvl="4" algn="l">
+            <a:lvl5pPr lvl="4" rtl="0" algn="l">
               <a:spcBef>
                 <a:spcPts val="0"/>
               </a:spcBef>
@@ -5386,7 +5186,7 @@
               <a:buNone/>
               <a:defRPr/>
             </a:lvl5pPr>
-            <a:lvl6pPr lvl="5" algn="l">
+            <a:lvl6pPr lvl="5" rtl="0" algn="l">
               <a:spcBef>
                 <a:spcPts val="0"/>
               </a:spcBef>
@@ -5397,7 +5197,7 @@
               <a:buNone/>
               <a:defRPr/>
             </a:lvl6pPr>
-            <a:lvl7pPr lvl="6" algn="l">
+            <a:lvl7pPr lvl="6" rtl="0" algn="l">
               <a:spcBef>
                 <a:spcPts val="0"/>
               </a:spcBef>
@@ -5408,7 +5208,7 @@
               <a:buNone/>
               <a:defRPr/>
             </a:lvl7pPr>
-            <a:lvl8pPr lvl="7" algn="l">
+            <a:lvl8pPr lvl="7" rtl="0" algn="l">
               <a:spcBef>
                 <a:spcPts val="0"/>
               </a:spcBef>
@@ -5419,7 +5219,7 @@
               <a:buNone/>
               <a:defRPr/>
             </a:lvl8pPr>
-            <a:lvl9pPr lvl="8" algn="l">
+            <a:lvl9pPr lvl="8" rtl="0" algn="l">
               <a:spcBef>
                 <a:spcPts val="0"/>
               </a:spcBef>
@@ -5460,7 +5260,7 @@
             <a:noAutofit/>
           </a:bodyPr>
           <a:lstStyle>
-            <a:lvl1pPr lvl="0" algn="ctr">
+            <a:lvl1pPr lvl="0" rtl="0" algn="ctr">
               <a:spcBef>
                 <a:spcPts val="0"/>
               </a:spcBef>
@@ -5471,7 +5271,7 @@
               <a:buNone/>
               <a:defRPr/>
             </a:lvl1pPr>
-            <a:lvl2pPr lvl="1" algn="l">
+            <a:lvl2pPr lvl="1" rtl="0" algn="l">
               <a:spcBef>
                 <a:spcPts val="0"/>
               </a:spcBef>
@@ -5482,7 +5282,7 @@
               <a:buNone/>
               <a:defRPr/>
             </a:lvl2pPr>
-            <a:lvl3pPr lvl="2" algn="l">
+            <a:lvl3pPr lvl="2" rtl="0" algn="l">
               <a:spcBef>
                 <a:spcPts val="0"/>
               </a:spcBef>
@@ -5493,7 +5293,7 @@
               <a:buNone/>
               <a:defRPr/>
             </a:lvl3pPr>
-            <a:lvl4pPr lvl="3" algn="l">
+            <a:lvl4pPr lvl="3" rtl="0" algn="l">
               <a:spcBef>
                 <a:spcPts val="0"/>
               </a:spcBef>
@@ -5504,7 +5304,7 @@
               <a:buNone/>
               <a:defRPr/>
             </a:lvl4pPr>
-            <a:lvl5pPr lvl="4" algn="l">
+            <a:lvl5pPr lvl="4" rtl="0" algn="l">
               <a:spcBef>
                 <a:spcPts val="0"/>
               </a:spcBef>
@@ -5515,7 +5315,7 @@
               <a:buNone/>
               <a:defRPr/>
             </a:lvl5pPr>
-            <a:lvl6pPr lvl="5" algn="l">
+            <a:lvl6pPr lvl="5" rtl="0" algn="l">
               <a:spcBef>
                 <a:spcPts val="0"/>
               </a:spcBef>
@@ -5526,7 +5326,7 @@
               <a:buNone/>
               <a:defRPr/>
             </a:lvl6pPr>
-            <a:lvl7pPr lvl="6" algn="l">
+            <a:lvl7pPr lvl="6" rtl="0" algn="l">
               <a:spcBef>
                 <a:spcPts val="0"/>
               </a:spcBef>
@@ -5537,7 +5337,7 @@
               <a:buNone/>
               <a:defRPr/>
             </a:lvl7pPr>
-            <a:lvl8pPr lvl="7" algn="l">
+            <a:lvl8pPr lvl="7" rtl="0" algn="l">
               <a:spcBef>
                 <a:spcPts val="0"/>
               </a:spcBef>
@@ -5548,7 +5348,7 @@
               <a:buNone/>
               <a:defRPr/>
             </a:lvl8pPr>
-            <a:lvl9pPr lvl="8" algn="l">
+            <a:lvl9pPr lvl="8" rtl="0" algn="l">
               <a:spcBef>
                 <a:spcPts val="0"/>
               </a:spcBef>
@@ -5589,63 +5389,63 @@
             <a:noAutofit/>
           </a:bodyPr>
           <a:lstStyle>
-            <a:lvl1pPr indent="0" lvl="0" marL="0" algn="r">
+            <a:lvl1pPr indent="0" lvl="0" marL="0" rtl="0" algn="r">
               <a:spcBef>
                 <a:spcPts val="0"/>
               </a:spcBef>
               <a:buNone/>
               <a:defRPr/>
             </a:lvl1pPr>
-            <a:lvl2pPr indent="0" lvl="1" marL="0" algn="r">
+            <a:lvl2pPr indent="0" lvl="1" marL="0" rtl="0" algn="r">
               <a:spcBef>
                 <a:spcPts val="0"/>
               </a:spcBef>
               <a:buNone/>
               <a:defRPr/>
             </a:lvl2pPr>
-            <a:lvl3pPr indent="0" lvl="2" marL="0" algn="r">
+            <a:lvl3pPr indent="0" lvl="2" marL="0" rtl="0" algn="r">
               <a:spcBef>
                 <a:spcPts val="0"/>
               </a:spcBef>
               <a:buNone/>
               <a:defRPr/>
             </a:lvl3pPr>
-            <a:lvl4pPr indent="0" lvl="3" marL="0" algn="r">
+            <a:lvl4pPr indent="0" lvl="3" marL="0" rtl="0" algn="r">
               <a:spcBef>
                 <a:spcPts val="0"/>
               </a:spcBef>
               <a:buNone/>
               <a:defRPr/>
             </a:lvl4pPr>
-            <a:lvl5pPr indent="0" lvl="4" marL="0" algn="r">
+            <a:lvl5pPr indent="0" lvl="4" marL="0" rtl="0" algn="r">
               <a:spcBef>
                 <a:spcPts val="0"/>
               </a:spcBef>
               <a:buNone/>
               <a:defRPr/>
             </a:lvl5pPr>
-            <a:lvl6pPr indent="0" lvl="5" marL="0" algn="r">
+            <a:lvl6pPr indent="0" lvl="5" marL="0" rtl="0" algn="r">
               <a:spcBef>
                 <a:spcPts val="0"/>
               </a:spcBef>
               <a:buNone/>
               <a:defRPr/>
             </a:lvl6pPr>
-            <a:lvl7pPr indent="0" lvl="6" marL="0" algn="r">
+            <a:lvl7pPr indent="0" lvl="6" marL="0" rtl="0" algn="r">
               <a:spcBef>
                 <a:spcPts val="0"/>
               </a:spcBef>
               <a:buNone/>
               <a:defRPr/>
             </a:lvl7pPr>
-            <a:lvl8pPr indent="0" lvl="7" marL="0" algn="r">
+            <a:lvl8pPr indent="0" lvl="7" marL="0" rtl="0" algn="r">
               <a:spcBef>
                 <a:spcPts val="0"/>
               </a:spcBef>
               <a:buNone/>
               <a:defRPr/>
             </a:lvl8pPr>
-            <a:lvl9pPr indent="0" lvl="8" marL="0" algn="r">
+            <a:lvl9pPr indent="0" lvl="8" marL="0" rtl="0" algn="r">
               <a:spcBef>
                 <a:spcPts val="0"/>
               </a:spcBef>
@@ -5722,7 +5522,7 @@
             <a:normAutofit/>
           </a:bodyPr>
           <a:lstStyle>
-            <a:lvl1pPr lvl="0" algn="l">
+            <a:lvl1pPr lvl="0" rtl="0" algn="l">
               <a:lnSpc>
                 <a:spcPct val="90000"/>
               </a:lnSpc>
@@ -5739,7 +5539,7 @@
               <a:buNone/>
               <a:defRPr/>
             </a:lvl1pPr>
-            <a:lvl2pPr lvl="1">
+            <a:lvl2pPr lvl="1" rtl="0">
               <a:spcBef>
                 <a:spcPts val="0"/>
               </a:spcBef>
@@ -5750,7 +5550,7 @@
               <a:buNone/>
               <a:defRPr/>
             </a:lvl2pPr>
-            <a:lvl3pPr lvl="2">
+            <a:lvl3pPr lvl="2" rtl="0">
               <a:spcBef>
                 <a:spcPts val="0"/>
               </a:spcBef>
@@ -5761,7 +5561,7 @@
               <a:buNone/>
               <a:defRPr/>
             </a:lvl3pPr>
-            <a:lvl4pPr lvl="3">
+            <a:lvl4pPr lvl="3" rtl="0">
               <a:spcBef>
                 <a:spcPts val="0"/>
               </a:spcBef>
@@ -5772,7 +5572,7 @@
               <a:buNone/>
               <a:defRPr/>
             </a:lvl4pPr>
-            <a:lvl5pPr lvl="4">
+            <a:lvl5pPr lvl="4" rtl="0">
               <a:spcBef>
                 <a:spcPts val="0"/>
               </a:spcBef>
@@ -5783,7 +5583,7 @@
               <a:buNone/>
               <a:defRPr/>
             </a:lvl5pPr>
-            <a:lvl6pPr lvl="5">
+            <a:lvl6pPr lvl="5" rtl="0">
               <a:spcBef>
                 <a:spcPts val="0"/>
               </a:spcBef>
@@ -5794,7 +5594,7 @@
               <a:buNone/>
               <a:defRPr/>
             </a:lvl6pPr>
-            <a:lvl7pPr lvl="6">
+            <a:lvl7pPr lvl="6" rtl="0">
               <a:spcBef>
                 <a:spcPts val="0"/>
               </a:spcBef>
@@ -5805,7 +5605,7 @@
               <a:buNone/>
               <a:defRPr/>
             </a:lvl7pPr>
-            <a:lvl8pPr lvl="7">
+            <a:lvl8pPr lvl="7" rtl="0">
               <a:spcBef>
                 <a:spcPts val="0"/>
               </a:spcBef>
@@ -5816,7 +5616,7 @@
               <a:buNone/>
               <a:defRPr/>
             </a:lvl8pPr>
-            <a:lvl9pPr lvl="8">
+            <a:lvl9pPr lvl="8" rtl="0">
               <a:spcBef>
                 <a:spcPts val="0"/>
               </a:spcBef>
@@ -5857,7 +5657,7 @@
             <a:normAutofit/>
           </a:bodyPr>
           <a:lstStyle>
-            <a:lvl1pPr indent="-342900" lvl="0" marL="457200" algn="l">
+            <a:lvl1pPr indent="-342900" lvl="0" marL="457200" rtl="0" algn="l">
               <a:lnSpc>
                 <a:spcPct val="90000"/>
               </a:lnSpc>
@@ -5874,7 +5674,7 @@
               <a:buChar char="•"/>
               <a:defRPr/>
             </a:lvl1pPr>
-            <a:lvl2pPr indent="-342900" lvl="1" marL="914400" algn="l">
+            <a:lvl2pPr indent="-342900" lvl="1" marL="914400" rtl="0" algn="l">
               <a:lnSpc>
                 <a:spcPct val="90000"/>
               </a:lnSpc>
@@ -5891,7 +5691,7 @@
               <a:buChar char="•"/>
               <a:defRPr/>
             </a:lvl2pPr>
-            <a:lvl3pPr indent="-342900" lvl="2" marL="1371600" algn="l">
+            <a:lvl3pPr indent="-342900" lvl="2" marL="1371600" rtl="0" algn="l">
               <a:lnSpc>
                 <a:spcPct val="90000"/>
               </a:lnSpc>
@@ -5908,7 +5708,7 @@
               <a:buChar char="•"/>
               <a:defRPr/>
             </a:lvl3pPr>
-            <a:lvl4pPr indent="-342900" lvl="3" marL="1828800" algn="l">
+            <a:lvl4pPr indent="-342900" lvl="3" marL="1828800" rtl="0" algn="l">
               <a:lnSpc>
                 <a:spcPct val="90000"/>
               </a:lnSpc>
@@ -5925,7 +5725,7 @@
               <a:buChar char="•"/>
               <a:defRPr/>
             </a:lvl4pPr>
-            <a:lvl5pPr indent="-342900" lvl="4" marL="2286000" algn="l">
+            <a:lvl5pPr indent="-342900" lvl="4" marL="2286000" rtl="0" algn="l">
               <a:lnSpc>
                 <a:spcPct val="90000"/>
               </a:lnSpc>
@@ -5942,7 +5742,7 @@
               <a:buChar char="•"/>
               <a:defRPr/>
             </a:lvl5pPr>
-            <a:lvl6pPr indent="-342900" lvl="5" marL="2743200" algn="l">
+            <a:lvl6pPr indent="-342900" lvl="5" marL="2743200" rtl="0" algn="l">
               <a:lnSpc>
                 <a:spcPct val="90000"/>
               </a:lnSpc>
@@ -5959,7 +5759,7 @@
               <a:buChar char="•"/>
               <a:defRPr/>
             </a:lvl6pPr>
-            <a:lvl7pPr indent="-342900" lvl="6" marL="3200400" algn="l">
+            <a:lvl7pPr indent="-342900" lvl="6" marL="3200400" rtl="0" algn="l">
               <a:lnSpc>
                 <a:spcPct val="90000"/>
               </a:lnSpc>
@@ -5976,7 +5776,7 @@
               <a:buChar char="•"/>
               <a:defRPr/>
             </a:lvl7pPr>
-            <a:lvl8pPr indent="-342900" lvl="7" marL="3657600" algn="l">
+            <a:lvl8pPr indent="-342900" lvl="7" marL="3657600" rtl="0" algn="l">
               <a:lnSpc>
                 <a:spcPct val="90000"/>
               </a:lnSpc>
@@ -5993,7 +5793,7 @@
               <a:buChar char="•"/>
               <a:defRPr/>
             </a:lvl8pPr>
-            <a:lvl9pPr indent="-342900" lvl="8" marL="4114800" algn="l">
+            <a:lvl9pPr indent="-342900" lvl="8" marL="4114800" rtl="0" algn="l">
               <a:lnSpc>
                 <a:spcPct val="90000"/>
               </a:lnSpc>
@@ -6040,7 +5840,7 @@
             <a:noAutofit/>
           </a:bodyPr>
           <a:lstStyle>
-            <a:lvl1pPr lvl="0" algn="l">
+            <a:lvl1pPr lvl="0" rtl="0" algn="l">
               <a:spcBef>
                 <a:spcPts val="0"/>
               </a:spcBef>
@@ -6051,7 +5851,7 @@
               <a:buNone/>
               <a:defRPr/>
             </a:lvl1pPr>
-            <a:lvl2pPr lvl="1" algn="l">
+            <a:lvl2pPr lvl="1" rtl="0" algn="l">
               <a:spcBef>
                 <a:spcPts val="0"/>
               </a:spcBef>
@@ -6062,7 +5862,7 @@
               <a:buNone/>
               <a:defRPr/>
             </a:lvl2pPr>
-            <a:lvl3pPr lvl="2" algn="l">
+            <a:lvl3pPr lvl="2" rtl="0" algn="l">
               <a:spcBef>
                 <a:spcPts val="0"/>
               </a:spcBef>
@@ -6073,7 +5873,7 @@
               <a:buNone/>
               <a:defRPr/>
             </a:lvl3pPr>
-            <a:lvl4pPr lvl="3" algn="l">
+            <a:lvl4pPr lvl="3" rtl="0" algn="l">
               <a:spcBef>
                 <a:spcPts val="0"/>
               </a:spcBef>
@@ -6084,7 +5884,7 @@
               <a:buNone/>
               <a:defRPr/>
             </a:lvl4pPr>
-            <a:lvl5pPr lvl="4" algn="l">
+            <a:lvl5pPr lvl="4" rtl="0" algn="l">
               <a:spcBef>
                 <a:spcPts val="0"/>
               </a:spcBef>
@@ -6095,7 +5895,7 @@
               <a:buNone/>
               <a:defRPr/>
             </a:lvl5pPr>
-            <a:lvl6pPr lvl="5" algn="l">
+            <a:lvl6pPr lvl="5" rtl="0" algn="l">
               <a:spcBef>
                 <a:spcPts val="0"/>
               </a:spcBef>
@@ -6106,7 +5906,7 @@
               <a:buNone/>
               <a:defRPr/>
             </a:lvl6pPr>
-            <a:lvl7pPr lvl="6" algn="l">
+            <a:lvl7pPr lvl="6" rtl="0" algn="l">
               <a:spcBef>
                 <a:spcPts val="0"/>
               </a:spcBef>
@@ -6117,7 +5917,7 @@
               <a:buNone/>
               <a:defRPr/>
             </a:lvl7pPr>
-            <a:lvl8pPr lvl="7" algn="l">
+            <a:lvl8pPr lvl="7" rtl="0" algn="l">
               <a:spcBef>
                 <a:spcPts val="0"/>
               </a:spcBef>
@@ -6128,7 +5928,7 @@
               <a:buNone/>
               <a:defRPr/>
             </a:lvl8pPr>
-            <a:lvl9pPr lvl="8" algn="l">
+            <a:lvl9pPr lvl="8" rtl="0" algn="l">
               <a:spcBef>
                 <a:spcPts val="0"/>
               </a:spcBef>
@@ -6169,7 +5969,7 @@
             <a:noAutofit/>
           </a:bodyPr>
           <a:lstStyle>
-            <a:lvl1pPr lvl="0" algn="ctr">
+            <a:lvl1pPr lvl="0" rtl="0" algn="ctr">
               <a:spcBef>
                 <a:spcPts val="0"/>
               </a:spcBef>
@@ -6180,7 +5980,7 @@
               <a:buNone/>
               <a:defRPr/>
             </a:lvl1pPr>
-            <a:lvl2pPr lvl="1" algn="l">
+            <a:lvl2pPr lvl="1" rtl="0" algn="l">
               <a:spcBef>
                 <a:spcPts val="0"/>
               </a:spcBef>
@@ -6191,7 +5991,7 @@
               <a:buNone/>
               <a:defRPr/>
             </a:lvl2pPr>
-            <a:lvl3pPr lvl="2" algn="l">
+            <a:lvl3pPr lvl="2" rtl="0" algn="l">
               <a:spcBef>
                 <a:spcPts val="0"/>
               </a:spcBef>
@@ -6202,7 +6002,7 @@
               <a:buNone/>
               <a:defRPr/>
             </a:lvl3pPr>
-            <a:lvl4pPr lvl="3" algn="l">
+            <a:lvl4pPr lvl="3" rtl="0" algn="l">
               <a:spcBef>
                 <a:spcPts val="0"/>
               </a:spcBef>
@@ -6213,7 +6013,7 @@
               <a:buNone/>
               <a:defRPr/>
             </a:lvl4pPr>
-            <a:lvl5pPr lvl="4" algn="l">
+            <a:lvl5pPr lvl="4" rtl="0" algn="l">
               <a:spcBef>
                 <a:spcPts val="0"/>
               </a:spcBef>
@@ -6224,7 +6024,7 @@
               <a:buNone/>
               <a:defRPr/>
             </a:lvl5pPr>
-            <a:lvl6pPr lvl="5" algn="l">
+            <a:lvl6pPr lvl="5" rtl="0" algn="l">
               <a:spcBef>
                 <a:spcPts val="0"/>
               </a:spcBef>
@@ -6235,7 +6035,7 @@
               <a:buNone/>
               <a:defRPr/>
             </a:lvl6pPr>
-            <a:lvl7pPr lvl="6" algn="l">
+            <a:lvl7pPr lvl="6" rtl="0" algn="l">
               <a:spcBef>
                 <a:spcPts val="0"/>
               </a:spcBef>
@@ -6246,7 +6046,7 @@
               <a:buNone/>
               <a:defRPr/>
             </a:lvl7pPr>
-            <a:lvl8pPr lvl="7" algn="l">
+            <a:lvl8pPr lvl="7" rtl="0" algn="l">
               <a:spcBef>
                 <a:spcPts val="0"/>
               </a:spcBef>
@@ -6257,7 +6057,7 @@
               <a:buNone/>
               <a:defRPr/>
             </a:lvl8pPr>
-            <a:lvl9pPr lvl="8" algn="l">
+            <a:lvl9pPr lvl="8" rtl="0" algn="l">
               <a:spcBef>
                 <a:spcPts val="0"/>
               </a:spcBef>
@@ -6298,63 +6098,63 @@
             <a:noAutofit/>
           </a:bodyPr>
           <a:lstStyle>
-            <a:lvl1pPr indent="0" lvl="0" marL="0" algn="r">
+            <a:lvl1pPr indent="0" lvl="0" marL="0" rtl="0" algn="r">
               <a:spcBef>
                 <a:spcPts val="0"/>
               </a:spcBef>
               <a:buNone/>
               <a:defRPr/>
             </a:lvl1pPr>
-            <a:lvl2pPr indent="0" lvl="1" marL="0" algn="r">
+            <a:lvl2pPr indent="0" lvl="1" marL="0" rtl="0" algn="r">
               <a:spcBef>
                 <a:spcPts val="0"/>
               </a:spcBef>
               <a:buNone/>
               <a:defRPr/>
             </a:lvl2pPr>
-            <a:lvl3pPr indent="0" lvl="2" marL="0" algn="r">
+            <a:lvl3pPr indent="0" lvl="2" marL="0" rtl="0" algn="r">
               <a:spcBef>
                 <a:spcPts val="0"/>
               </a:spcBef>
               <a:buNone/>
               <a:defRPr/>
             </a:lvl3pPr>
-            <a:lvl4pPr indent="0" lvl="3" marL="0" algn="r">
+            <a:lvl4pPr indent="0" lvl="3" marL="0" rtl="0" algn="r">
               <a:spcBef>
                 <a:spcPts val="0"/>
               </a:spcBef>
               <a:buNone/>
               <a:defRPr/>
             </a:lvl4pPr>
-            <a:lvl5pPr indent="0" lvl="4" marL="0" algn="r">
+            <a:lvl5pPr indent="0" lvl="4" marL="0" rtl="0" algn="r">
               <a:spcBef>
                 <a:spcPts val="0"/>
               </a:spcBef>
               <a:buNone/>
               <a:defRPr/>
             </a:lvl5pPr>
-            <a:lvl6pPr indent="0" lvl="5" marL="0" algn="r">
+            <a:lvl6pPr indent="0" lvl="5" marL="0" rtl="0" algn="r">
               <a:spcBef>
                 <a:spcPts val="0"/>
               </a:spcBef>
               <a:buNone/>
               <a:defRPr/>
             </a:lvl6pPr>
-            <a:lvl7pPr indent="0" lvl="6" marL="0" algn="r">
+            <a:lvl7pPr indent="0" lvl="6" marL="0" rtl="0" algn="r">
               <a:spcBef>
                 <a:spcPts val="0"/>
               </a:spcBef>
               <a:buNone/>
               <a:defRPr/>
             </a:lvl7pPr>
-            <a:lvl8pPr indent="0" lvl="7" marL="0" algn="r">
+            <a:lvl8pPr indent="0" lvl="7" marL="0" rtl="0" algn="r">
               <a:spcBef>
                 <a:spcPts val="0"/>
               </a:spcBef>
               <a:buNone/>
               <a:defRPr/>
             </a:lvl8pPr>
-            <a:lvl9pPr indent="0" lvl="8" marL="0" algn="r">
+            <a:lvl9pPr indent="0" lvl="8" marL="0" rtl="0" algn="r">
               <a:spcBef>
                 <a:spcPts val="0"/>
               </a:spcBef>
@@ -6431,7 +6231,7 @@
             <a:normAutofit/>
           </a:bodyPr>
           <a:lstStyle>
-            <a:lvl1pPr lvl="0" algn="l">
+            <a:lvl1pPr lvl="0" rtl="0" algn="l">
               <a:lnSpc>
                 <a:spcPct val="90000"/>
               </a:lnSpc>
@@ -6448,7 +6248,7 @@
               <a:buNone/>
               <a:defRPr/>
             </a:lvl1pPr>
-            <a:lvl2pPr lvl="1">
+            <a:lvl2pPr lvl="1" rtl="0">
               <a:spcBef>
                 <a:spcPts val="0"/>
               </a:spcBef>
@@ -6459,7 +6259,7 @@
               <a:buNone/>
               <a:defRPr/>
             </a:lvl2pPr>
-            <a:lvl3pPr lvl="2">
+            <a:lvl3pPr lvl="2" rtl="0">
               <a:spcBef>
                 <a:spcPts val="0"/>
               </a:spcBef>
@@ -6470,7 +6270,7 @@
               <a:buNone/>
               <a:defRPr/>
             </a:lvl3pPr>
-            <a:lvl4pPr lvl="3">
+            <a:lvl4pPr lvl="3" rtl="0">
               <a:spcBef>
                 <a:spcPts val="0"/>
               </a:spcBef>
@@ -6481,7 +6281,7 @@
               <a:buNone/>
               <a:defRPr/>
             </a:lvl4pPr>
-            <a:lvl5pPr lvl="4">
+            <a:lvl5pPr lvl="4" rtl="0">
               <a:spcBef>
                 <a:spcPts val="0"/>
               </a:spcBef>
@@ -6492,7 +6292,7 @@
               <a:buNone/>
               <a:defRPr/>
             </a:lvl5pPr>
-            <a:lvl6pPr lvl="5">
+            <a:lvl6pPr lvl="5" rtl="0">
               <a:spcBef>
                 <a:spcPts val="0"/>
               </a:spcBef>
@@ -6503,7 +6303,7 @@
               <a:buNone/>
               <a:defRPr/>
             </a:lvl6pPr>
-            <a:lvl7pPr lvl="6">
+            <a:lvl7pPr lvl="6" rtl="0">
               <a:spcBef>
                 <a:spcPts val="0"/>
               </a:spcBef>
@@ -6514,7 +6314,7 @@
               <a:buNone/>
               <a:defRPr/>
             </a:lvl7pPr>
-            <a:lvl8pPr lvl="7">
+            <a:lvl8pPr lvl="7" rtl="0">
               <a:spcBef>
                 <a:spcPts val="0"/>
               </a:spcBef>
@@ -6525,7 +6325,7 @@
               <a:buNone/>
               <a:defRPr/>
             </a:lvl8pPr>
-            <a:lvl9pPr lvl="8">
+            <a:lvl9pPr lvl="8" rtl="0">
               <a:spcBef>
                 <a:spcPts val="0"/>
               </a:spcBef>
@@ -6566,7 +6366,7 @@
             <a:normAutofit/>
           </a:bodyPr>
           <a:lstStyle>
-            <a:lvl1pPr indent="-342900" lvl="0" marL="457200" algn="l">
+            <a:lvl1pPr indent="-342900" lvl="0" marL="457200" rtl="0" algn="l">
               <a:lnSpc>
                 <a:spcPct val="90000"/>
               </a:lnSpc>
@@ -6583,7 +6383,7 @@
               <a:buChar char="•"/>
               <a:defRPr/>
             </a:lvl1pPr>
-            <a:lvl2pPr indent="-342900" lvl="1" marL="914400" algn="l">
+            <a:lvl2pPr indent="-342900" lvl="1" marL="914400" rtl="0" algn="l">
               <a:lnSpc>
                 <a:spcPct val="90000"/>
               </a:lnSpc>
@@ -6600,7 +6400,7 @@
               <a:buChar char="•"/>
               <a:defRPr/>
             </a:lvl2pPr>
-            <a:lvl3pPr indent="-342900" lvl="2" marL="1371600" algn="l">
+            <a:lvl3pPr indent="-342900" lvl="2" marL="1371600" rtl="0" algn="l">
               <a:lnSpc>
                 <a:spcPct val="90000"/>
               </a:lnSpc>
@@ -6617,7 +6417,7 @@
               <a:buChar char="•"/>
               <a:defRPr/>
             </a:lvl3pPr>
-            <a:lvl4pPr indent="-342900" lvl="3" marL="1828800" algn="l">
+            <a:lvl4pPr indent="-342900" lvl="3" marL="1828800" rtl="0" algn="l">
               <a:lnSpc>
                 <a:spcPct val="90000"/>
               </a:lnSpc>
@@ -6634,7 +6434,7 @@
               <a:buChar char="•"/>
               <a:defRPr/>
             </a:lvl4pPr>
-            <a:lvl5pPr indent="-342900" lvl="4" marL="2286000" algn="l">
+            <a:lvl5pPr indent="-342900" lvl="4" marL="2286000" rtl="0" algn="l">
               <a:lnSpc>
                 <a:spcPct val="90000"/>
               </a:lnSpc>
@@ -6651,7 +6451,7 @@
               <a:buChar char="•"/>
               <a:defRPr/>
             </a:lvl5pPr>
-            <a:lvl6pPr indent="-342900" lvl="5" marL="2743200" algn="l">
+            <a:lvl6pPr indent="-342900" lvl="5" marL="2743200" rtl="0" algn="l">
               <a:lnSpc>
                 <a:spcPct val="90000"/>
               </a:lnSpc>
@@ -6668,7 +6468,7 @@
               <a:buChar char="•"/>
               <a:defRPr/>
             </a:lvl6pPr>
-            <a:lvl7pPr indent="-342900" lvl="6" marL="3200400" algn="l">
+            <a:lvl7pPr indent="-342900" lvl="6" marL="3200400" rtl="0" algn="l">
               <a:lnSpc>
                 <a:spcPct val="90000"/>
               </a:lnSpc>
@@ -6685,7 +6485,7 @@
               <a:buChar char="•"/>
               <a:defRPr/>
             </a:lvl7pPr>
-            <a:lvl8pPr indent="-342900" lvl="7" marL="3657600" algn="l">
+            <a:lvl8pPr indent="-342900" lvl="7" marL="3657600" rtl="0" algn="l">
               <a:lnSpc>
                 <a:spcPct val="90000"/>
               </a:lnSpc>
@@ -6702,7 +6502,7 @@
               <a:buChar char="•"/>
               <a:defRPr/>
             </a:lvl8pPr>
-            <a:lvl9pPr indent="-342900" lvl="8" marL="4114800" algn="l">
+            <a:lvl9pPr indent="-342900" lvl="8" marL="4114800" rtl="0" algn="l">
               <a:lnSpc>
                 <a:spcPct val="90000"/>
               </a:lnSpc>
@@ -6749,7 +6549,7 @@
             <a:noAutofit/>
           </a:bodyPr>
           <a:lstStyle>
-            <a:lvl1pPr lvl="0" algn="l">
+            <a:lvl1pPr lvl="0" rtl="0" algn="l">
               <a:spcBef>
                 <a:spcPts val="0"/>
               </a:spcBef>
@@ -6760,7 +6560,7 @@
               <a:buNone/>
               <a:defRPr/>
             </a:lvl1pPr>
-            <a:lvl2pPr lvl="1" algn="l">
+            <a:lvl2pPr lvl="1" rtl="0" algn="l">
               <a:spcBef>
                 <a:spcPts val="0"/>
               </a:spcBef>
@@ -6771,7 +6571,7 @@
               <a:buNone/>
               <a:defRPr/>
             </a:lvl2pPr>
-            <a:lvl3pPr lvl="2" algn="l">
+            <a:lvl3pPr lvl="2" rtl="0" algn="l">
               <a:spcBef>
                 <a:spcPts val="0"/>
               </a:spcBef>
@@ -6782,7 +6582,7 @@
               <a:buNone/>
               <a:defRPr/>
             </a:lvl3pPr>
-            <a:lvl4pPr lvl="3" algn="l">
+            <a:lvl4pPr lvl="3" rtl="0" algn="l">
               <a:spcBef>
                 <a:spcPts val="0"/>
               </a:spcBef>
@@ -6793,7 +6593,7 @@
               <a:buNone/>
               <a:defRPr/>
             </a:lvl4pPr>
-            <a:lvl5pPr lvl="4" algn="l">
+            <a:lvl5pPr lvl="4" rtl="0" algn="l">
               <a:spcBef>
                 <a:spcPts val="0"/>
               </a:spcBef>
@@ -6804,7 +6604,7 @@
               <a:buNone/>
               <a:defRPr/>
             </a:lvl5pPr>
-            <a:lvl6pPr lvl="5" algn="l">
+            <a:lvl6pPr lvl="5" rtl="0" algn="l">
               <a:spcBef>
                 <a:spcPts val="0"/>
               </a:spcBef>
@@ -6815,7 +6615,7 @@
               <a:buNone/>
               <a:defRPr/>
             </a:lvl6pPr>
-            <a:lvl7pPr lvl="6" algn="l">
+            <a:lvl7pPr lvl="6" rtl="0" algn="l">
               <a:spcBef>
                 <a:spcPts val="0"/>
               </a:spcBef>
@@ -6826,7 +6626,7 @@
               <a:buNone/>
               <a:defRPr/>
             </a:lvl7pPr>
-            <a:lvl8pPr lvl="7" algn="l">
+            <a:lvl8pPr lvl="7" rtl="0" algn="l">
               <a:spcBef>
                 <a:spcPts val="0"/>
               </a:spcBef>
@@ -6837,7 +6637,7 @@
               <a:buNone/>
               <a:defRPr/>
             </a:lvl8pPr>
-            <a:lvl9pPr lvl="8" algn="l">
+            <a:lvl9pPr lvl="8" rtl="0" algn="l">
               <a:spcBef>
                 <a:spcPts val="0"/>
               </a:spcBef>
@@ -6878,7 +6678,7 @@
             <a:noAutofit/>
           </a:bodyPr>
           <a:lstStyle>
-            <a:lvl1pPr lvl="0" algn="ctr">
+            <a:lvl1pPr lvl="0" rtl="0" algn="ctr">
               <a:spcBef>
                 <a:spcPts val="0"/>
               </a:spcBef>
@@ -6889,7 +6689,7 @@
               <a:buNone/>
               <a:defRPr/>
             </a:lvl1pPr>
-            <a:lvl2pPr lvl="1" algn="l">
+            <a:lvl2pPr lvl="1" rtl="0" algn="l">
               <a:spcBef>
                 <a:spcPts val="0"/>
               </a:spcBef>
@@ -6900,7 +6700,7 @@
               <a:buNone/>
               <a:defRPr/>
             </a:lvl2pPr>
-            <a:lvl3pPr lvl="2" algn="l">
+            <a:lvl3pPr lvl="2" rtl="0" algn="l">
               <a:spcBef>
                 <a:spcPts val="0"/>
               </a:spcBef>
@@ -6911,7 +6711,7 @@
               <a:buNone/>
               <a:defRPr/>
             </a:lvl3pPr>
-            <a:lvl4pPr lvl="3" algn="l">
+            <a:lvl4pPr lvl="3" rtl="0" algn="l">
               <a:spcBef>
                 <a:spcPts val="0"/>
               </a:spcBef>
@@ -6922,7 +6722,7 @@
               <a:buNone/>
               <a:defRPr/>
             </a:lvl4pPr>
-            <a:lvl5pPr lvl="4" algn="l">
+            <a:lvl5pPr lvl="4" rtl="0" algn="l">
               <a:spcBef>
                 <a:spcPts val="0"/>
               </a:spcBef>
@@ -6933,7 +6733,7 @@
               <a:buNone/>
               <a:defRPr/>
             </a:lvl5pPr>
-            <a:lvl6pPr lvl="5" algn="l">
+            <a:lvl6pPr lvl="5" rtl="0" algn="l">
               <a:spcBef>
                 <a:spcPts val="0"/>
               </a:spcBef>
@@ -6944,7 +6744,7 @@
               <a:buNone/>
               <a:defRPr/>
             </a:lvl6pPr>
-            <a:lvl7pPr lvl="6" algn="l">
+            <a:lvl7pPr lvl="6" rtl="0" algn="l">
               <a:spcBef>
                 <a:spcPts val="0"/>
               </a:spcBef>
@@ -6955,7 +6755,7 @@
               <a:buNone/>
               <a:defRPr/>
             </a:lvl7pPr>
-            <a:lvl8pPr lvl="7" algn="l">
+            <a:lvl8pPr lvl="7" rtl="0" algn="l">
               <a:spcBef>
                 <a:spcPts val="0"/>
               </a:spcBef>
@@ -6966,7 +6766,7 @@
               <a:buNone/>
               <a:defRPr/>
             </a:lvl8pPr>
-            <a:lvl9pPr lvl="8" algn="l">
+            <a:lvl9pPr lvl="8" rtl="0" algn="l">
               <a:spcBef>
                 <a:spcPts val="0"/>
               </a:spcBef>
@@ -7007,63 +6807,63 @@
             <a:noAutofit/>
           </a:bodyPr>
           <a:lstStyle>
-            <a:lvl1pPr indent="0" lvl="0" marL="0" algn="r">
+            <a:lvl1pPr indent="0" lvl="0" marL="0" rtl="0" algn="r">
               <a:spcBef>
                 <a:spcPts val="0"/>
               </a:spcBef>
               <a:buNone/>
               <a:defRPr/>
             </a:lvl1pPr>
-            <a:lvl2pPr indent="0" lvl="1" marL="0" algn="r">
+            <a:lvl2pPr indent="0" lvl="1" marL="0" rtl="0" algn="r">
               <a:spcBef>
                 <a:spcPts val="0"/>
               </a:spcBef>
               <a:buNone/>
               <a:defRPr/>
             </a:lvl2pPr>
-            <a:lvl3pPr indent="0" lvl="2" marL="0" algn="r">
+            <a:lvl3pPr indent="0" lvl="2" marL="0" rtl="0" algn="r">
               <a:spcBef>
                 <a:spcPts val="0"/>
               </a:spcBef>
               <a:buNone/>
               <a:defRPr/>
             </a:lvl3pPr>
-            <a:lvl4pPr indent="0" lvl="3" marL="0" algn="r">
+            <a:lvl4pPr indent="0" lvl="3" marL="0" rtl="0" algn="r">
               <a:spcBef>
                 <a:spcPts val="0"/>
               </a:spcBef>
               <a:buNone/>
               <a:defRPr/>
             </a:lvl4pPr>
-            <a:lvl5pPr indent="0" lvl="4" marL="0" algn="r">
+            <a:lvl5pPr indent="0" lvl="4" marL="0" rtl="0" algn="r">
               <a:spcBef>
                 <a:spcPts val="0"/>
               </a:spcBef>
               <a:buNone/>
               <a:defRPr/>
             </a:lvl5pPr>
-            <a:lvl6pPr indent="0" lvl="5" marL="0" algn="r">
+            <a:lvl6pPr indent="0" lvl="5" marL="0" rtl="0" algn="r">
               <a:spcBef>
                 <a:spcPts val="0"/>
               </a:spcBef>
               <a:buNone/>
               <a:defRPr/>
             </a:lvl6pPr>
-            <a:lvl7pPr indent="0" lvl="6" marL="0" algn="r">
+            <a:lvl7pPr indent="0" lvl="6" marL="0" rtl="0" algn="r">
               <a:spcBef>
                 <a:spcPts val="0"/>
               </a:spcBef>
               <a:buNone/>
               <a:defRPr/>
             </a:lvl7pPr>
-            <a:lvl8pPr indent="0" lvl="7" marL="0" algn="r">
+            <a:lvl8pPr indent="0" lvl="7" marL="0" rtl="0" algn="r">
               <a:spcBef>
                 <a:spcPts val="0"/>
               </a:spcBef>
               <a:buNone/>
               <a:defRPr/>
             </a:lvl8pPr>
-            <a:lvl9pPr indent="0" lvl="8" marL="0" algn="r">
+            <a:lvl9pPr indent="0" lvl="8" marL="0" rtl="0" algn="r">
               <a:spcBef>
                 <a:spcPts val="0"/>
               </a:spcBef>
@@ -7140,7 +6940,7 @@
             <a:normAutofit/>
           </a:bodyPr>
           <a:lstStyle>
-            <a:lvl1pPr lvl="0" algn="l">
+            <a:lvl1pPr lvl="0" rtl="0" algn="l">
               <a:lnSpc>
                 <a:spcPct val="90000"/>
               </a:lnSpc>
@@ -7157,7 +6957,7 @@
               <a:buNone/>
               <a:defRPr/>
             </a:lvl1pPr>
-            <a:lvl2pPr lvl="1">
+            <a:lvl2pPr lvl="1" rtl="0">
               <a:spcBef>
                 <a:spcPts val="0"/>
               </a:spcBef>
@@ -7168,7 +6968,7 @@
               <a:buNone/>
               <a:defRPr/>
             </a:lvl2pPr>
-            <a:lvl3pPr lvl="2">
+            <a:lvl3pPr lvl="2" rtl="0">
               <a:spcBef>
                 <a:spcPts val="0"/>
               </a:spcBef>
@@ -7179,7 +6979,7 @@
               <a:buNone/>
               <a:defRPr/>
             </a:lvl3pPr>
-            <a:lvl4pPr lvl="3">
+            <a:lvl4pPr lvl="3" rtl="0">
               <a:spcBef>
                 <a:spcPts val="0"/>
               </a:spcBef>
@@ -7190,7 +6990,7 @@
               <a:buNone/>
               <a:defRPr/>
             </a:lvl4pPr>
-            <a:lvl5pPr lvl="4">
+            <a:lvl5pPr lvl="4" rtl="0">
               <a:spcBef>
                 <a:spcPts val="0"/>
               </a:spcBef>
@@ -7201,7 +7001,7 @@
               <a:buNone/>
               <a:defRPr/>
             </a:lvl5pPr>
-            <a:lvl6pPr lvl="5">
+            <a:lvl6pPr lvl="5" rtl="0">
               <a:spcBef>
                 <a:spcPts val="0"/>
               </a:spcBef>
@@ -7212,7 +7012,7 @@
               <a:buNone/>
               <a:defRPr/>
             </a:lvl6pPr>
-            <a:lvl7pPr lvl="6">
+            <a:lvl7pPr lvl="6" rtl="0">
               <a:spcBef>
                 <a:spcPts val="0"/>
               </a:spcBef>
@@ -7223,7 +7023,7 @@
               <a:buNone/>
               <a:defRPr/>
             </a:lvl7pPr>
-            <a:lvl8pPr lvl="7">
+            <a:lvl8pPr lvl="7" rtl="0">
               <a:spcBef>
                 <a:spcPts val="0"/>
               </a:spcBef>
@@ -7234,7 +7034,7 @@
               <a:buNone/>
               <a:defRPr/>
             </a:lvl8pPr>
-            <a:lvl9pPr lvl="8">
+            <a:lvl9pPr lvl="8" rtl="0">
               <a:spcBef>
                 <a:spcPts val="0"/>
               </a:spcBef>
@@ -7275,7 +7075,7 @@
             <a:normAutofit/>
           </a:bodyPr>
           <a:lstStyle>
-            <a:lvl1pPr indent="-342900" lvl="0" marL="457200" algn="l">
+            <a:lvl1pPr indent="-342900" lvl="0" marL="457200" rtl="0" algn="l">
               <a:lnSpc>
                 <a:spcPct val="90000"/>
               </a:lnSpc>
@@ -7292,7 +7092,7 @@
               <a:buChar char="•"/>
               <a:defRPr/>
             </a:lvl1pPr>
-            <a:lvl2pPr indent="-342900" lvl="1" marL="914400" algn="l">
+            <a:lvl2pPr indent="-342900" lvl="1" marL="914400" rtl="0" algn="l">
               <a:lnSpc>
                 <a:spcPct val="90000"/>
               </a:lnSpc>
@@ -7309,7 +7109,7 @@
               <a:buChar char="•"/>
               <a:defRPr/>
             </a:lvl2pPr>
-            <a:lvl3pPr indent="-342900" lvl="2" marL="1371600" algn="l">
+            <a:lvl3pPr indent="-342900" lvl="2" marL="1371600" rtl="0" algn="l">
               <a:lnSpc>
                 <a:spcPct val="90000"/>
               </a:lnSpc>
@@ -7326,7 +7126,7 @@
               <a:buChar char="•"/>
               <a:defRPr/>
             </a:lvl3pPr>
-            <a:lvl4pPr indent="-342900" lvl="3" marL="1828800" algn="l">
+            <a:lvl4pPr indent="-342900" lvl="3" marL="1828800" rtl="0" algn="l">
               <a:lnSpc>
                 <a:spcPct val="90000"/>
               </a:lnSpc>
@@ -7343,7 +7143,7 @@
               <a:buChar char="•"/>
               <a:defRPr/>
             </a:lvl4pPr>
-            <a:lvl5pPr indent="-342900" lvl="4" marL="2286000" algn="l">
+            <a:lvl5pPr indent="-342900" lvl="4" marL="2286000" rtl="0" algn="l">
               <a:lnSpc>
                 <a:spcPct val="90000"/>
               </a:lnSpc>
@@ -7360,7 +7160,7 @@
               <a:buChar char="•"/>
               <a:defRPr/>
             </a:lvl5pPr>
-            <a:lvl6pPr indent="-342900" lvl="5" marL="2743200" algn="l">
+            <a:lvl6pPr indent="-342900" lvl="5" marL="2743200" rtl="0" algn="l">
               <a:lnSpc>
                 <a:spcPct val="90000"/>
               </a:lnSpc>
@@ -7377,7 +7177,7 @@
               <a:buChar char="•"/>
               <a:defRPr/>
             </a:lvl6pPr>
-            <a:lvl7pPr indent="-342900" lvl="6" marL="3200400" algn="l">
+            <a:lvl7pPr indent="-342900" lvl="6" marL="3200400" rtl="0" algn="l">
               <a:lnSpc>
                 <a:spcPct val="90000"/>
               </a:lnSpc>
@@ -7394,7 +7194,7 @@
               <a:buChar char="•"/>
               <a:defRPr/>
             </a:lvl7pPr>
-            <a:lvl8pPr indent="-342900" lvl="7" marL="3657600" algn="l">
+            <a:lvl8pPr indent="-342900" lvl="7" marL="3657600" rtl="0" algn="l">
               <a:lnSpc>
                 <a:spcPct val="90000"/>
               </a:lnSpc>
@@ -7411,7 +7211,7 @@
               <a:buChar char="•"/>
               <a:defRPr/>
             </a:lvl8pPr>
-            <a:lvl9pPr indent="-342900" lvl="8" marL="4114800" algn="l">
+            <a:lvl9pPr indent="-342900" lvl="8" marL="4114800" rtl="0" algn="l">
               <a:lnSpc>
                 <a:spcPct val="90000"/>
               </a:lnSpc>
@@ -7458,7 +7258,7 @@
             <a:noAutofit/>
           </a:bodyPr>
           <a:lstStyle>
-            <a:lvl1pPr lvl="0" algn="l">
+            <a:lvl1pPr lvl="0" rtl="0" algn="l">
               <a:spcBef>
                 <a:spcPts val="0"/>
               </a:spcBef>
@@ -7469,7 +7269,7 @@
               <a:buNone/>
               <a:defRPr/>
             </a:lvl1pPr>
-            <a:lvl2pPr lvl="1" algn="l">
+            <a:lvl2pPr lvl="1" rtl="0" algn="l">
               <a:spcBef>
                 <a:spcPts val="0"/>
               </a:spcBef>
@@ -7480,7 +7280,7 @@
               <a:buNone/>
               <a:defRPr/>
             </a:lvl2pPr>
-            <a:lvl3pPr lvl="2" algn="l">
+            <a:lvl3pPr lvl="2" rtl="0" algn="l">
               <a:spcBef>
                 <a:spcPts val="0"/>
               </a:spcBef>
@@ -7491,7 +7291,7 @@
               <a:buNone/>
               <a:defRPr/>
             </a:lvl3pPr>
-            <a:lvl4pPr lvl="3" algn="l">
+            <a:lvl4pPr lvl="3" rtl="0" algn="l">
               <a:spcBef>
                 <a:spcPts val="0"/>
               </a:spcBef>
@@ -7502,7 +7302,7 @@
               <a:buNone/>
               <a:defRPr/>
             </a:lvl4pPr>
-            <a:lvl5pPr lvl="4" algn="l">
+            <a:lvl5pPr lvl="4" rtl="0" algn="l">
               <a:spcBef>
                 <a:spcPts val="0"/>
               </a:spcBef>
@@ -7513,7 +7313,7 @@
               <a:buNone/>
               <a:defRPr/>
             </a:lvl5pPr>
-            <a:lvl6pPr lvl="5" algn="l">
+            <a:lvl6pPr lvl="5" rtl="0" algn="l">
               <a:spcBef>
                 <a:spcPts val="0"/>
               </a:spcBef>
@@ -7524,7 +7324,7 @@
               <a:buNone/>
               <a:defRPr/>
             </a:lvl6pPr>
-            <a:lvl7pPr lvl="6" algn="l">
+            <a:lvl7pPr lvl="6" rtl="0" algn="l">
               <a:spcBef>
                 <a:spcPts val="0"/>
               </a:spcBef>
@@ -7535,7 +7335,7 @@
               <a:buNone/>
               <a:defRPr/>
             </a:lvl7pPr>
-            <a:lvl8pPr lvl="7" algn="l">
+            <a:lvl8pPr lvl="7" rtl="0" algn="l">
               <a:spcBef>
                 <a:spcPts val="0"/>
               </a:spcBef>
@@ -7546,7 +7346,7 @@
               <a:buNone/>
               <a:defRPr/>
             </a:lvl8pPr>
-            <a:lvl9pPr lvl="8" algn="l">
+            <a:lvl9pPr lvl="8" rtl="0" algn="l">
               <a:spcBef>
                 <a:spcPts val="0"/>
               </a:spcBef>
@@ -7587,7 +7387,7 @@
             <a:noAutofit/>
           </a:bodyPr>
           <a:lstStyle>
-            <a:lvl1pPr lvl="0" algn="ctr">
+            <a:lvl1pPr lvl="0" rtl="0" algn="ctr">
               <a:spcBef>
                 <a:spcPts val="0"/>
               </a:spcBef>
@@ -7598,7 +7398,7 @@
               <a:buNone/>
               <a:defRPr/>
             </a:lvl1pPr>
-            <a:lvl2pPr lvl="1" algn="l">
+            <a:lvl2pPr lvl="1" rtl="0" algn="l">
               <a:spcBef>
                 <a:spcPts val="0"/>
               </a:spcBef>
@@ -7609,7 +7409,7 @@
               <a:buNone/>
               <a:defRPr/>
             </a:lvl2pPr>
-            <a:lvl3pPr lvl="2" algn="l">
+            <a:lvl3pPr lvl="2" rtl="0" algn="l">
               <a:spcBef>
                 <a:spcPts val="0"/>
               </a:spcBef>
@@ -7620,7 +7420,7 @@
               <a:buNone/>
               <a:defRPr/>
             </a:lvl3pPr>
-            <a:lvl4pPr lvl="3" algn="l">
+            <a:lvl4pPr lvl="3" rtl="0" algn="l">
               <a:spcBef>
                 <a:spcPts val="0"/>
               </a:spcBef>
@@ -7631,7 +7431,7 @@
               <a:buNone/>
               <a:defRPr/>
             </a:lvl4pPr>
-            <a:lvl5pPr lvl="4" algn="l">
+            <a:lvl5pPr lvl="4" rtl="0" algn="l">
               <a:spcBef>
                 <a:spcPts val="0"/>
               </a:spcBef>
@@ -7642,7 +7442,7 @@
               <a:buNone/>
               <a:defRPr/>
             </a:lvl5pPr>
-            <a:lvl6pPr lvl="5" algn="l">
+            <a:lvl6pPr lvl="5" rtl="0" algn="l">
               <a:spcBef>
                 <a:spcPts val="0"/>
               </a:spcBef>
@@ -7653,7 +7453,7 @@
               <a:buNone/>
               <a:defRPr/>
             </a:lvl6pPr>
-            <a:lvl7pPr lvl="6" algn="l">
+            <a:lvl7pPr lvl="6" rtl="0" algn="l">
               <a:spcBef>
                 <a:spcPts val="0"/>
               </a:spcBef>
@@ -7664,7 +7464,7 @@
               <a:buNone/>
               <a:defRPr/>
             </a:lvl7pPr>
-            <a:lvl8pPr lvl="7" algn="l">
+            <a:lvl8pPr lvl="7" rtl="0" algn="l">
               <a:spcBef>
                 <a:spcPts val="0"/>
               </a:spcBef>
@@ -7675,7 +7475,7 @@
               <a:buNone/>
               <a:defRPr/>
             </a:lvl8pPr>
-            <a:lvl9pPr lvl="8" algn="l">
+            <a:lvl9pPr lvl="8" rtl="0" algn="l">
               <a:spcBef>
                 <a:spcPts val="0"/>
               </a:spcBef>
@@ -7716,63 +7516,63 @@
             <a:noAutofit/>
           </a:bodyPr>
           <a:lstStyle>
-            <a:lvl1pPr indent="0" lvl="0" marL="0" algn="r">
+            <a:lvl1pPr indent="0" lvl="0" marL="0" rtl="0" algn="r">
               <a:spcBef>
                 <a:spcPts val="0"/>
               </a:spcBef>
               <a:buNone/>
               <a:defRPr/>
             </a:lvl1pPr>
-            <a:lvl2pPr indent="0" lvl="1" marL="0" algn="r">
+            <a:lvl2pPr indent="0" lvl="1" marL="0" rtl="0" algn="r">
               <a:spcBef>
                 <a:spcPts val="0"/>
               </a:spcBef>
               <a:buNone/>
               <a:defRPr/>
             </a:lvl2pPr>
-            <a:lvl3pPr indent="0" lvl="2" marL="0" algn="r">
+            <a:lvl3pPr indent="0" lvl="2" marL="0" rtl="0" algn="r">
               <a:spcBef>
                 <a:spcPts val="0"/>
               </a:spcBef>
               <a:buNone/>
               <a:defRPr/>
             </a:lvl3pPr>
-            <a:lvl4pPr indent="0" lvl="3" marL="0" algn="r">
+            <a:lvl4pPr indent="0" lvl="3" marL="0" rtl="0" algn="r">
               <a:spcBef>
                 <a:spcPts val="0"/>
               </a:spcBef>
               <a:buNone/>
               <a:defRPr/>
             </a:lvl4pPr>
-            <a:lvl5pPr indent="0" lvl="4" marL="0" algn="r">
+            <a:lvl5pPr indent="0" lvl="4" marL="0" rtl="0" algn="r">
               <a:spcBef>
                 <a:spcPts val="0"/>
               </a:spcBef>
               <a:buNone/>
               <a:defRPr/>
             </a:lvl5pPr>
-            <a:lvl6pPr indent="0" lvl="5" marL="0" algn="r">
+            <a:lvl6pPr indent="0" lvl="5" marL="0" rtl="0" algn="r">
               <a:spcBef>
                 <a:spcPts val="0"/>
               </a:spcBef>
               <a:buNone/>
               <a:defRPr/>
             </a:lvl6pPr>
-            <a:lvl7pPr indent="0" lvl="6" marL="0" algn="r">
+            <a:lvl7pPr indent="0" lvl="6" marL="0" rtl="0" algn="r">
               <a:spcBef>
                 <a:spcPts val="0"/>
               </a:spcBef>
               <a:buNone/>
               <a:defRPr/>
             </a:lvl7pPr>
-            <a:lvl8pPr indent="0" lvl="7" marL="0" algn="r">
+            <a:lvl8pPr indent="0" lvl="7" marL="0" rtl="0" algn="r">
               <a:spcBef>
                 <a:spcPts val="0"/>
               </a:spcBef>
               <a:buNone/>
               <a:defRPr/>
             </a:lvl8pPr>
-            <a:lvl9pPr indent="0" lvl="8" marL="0" algn="r">
+            <a:lvl9pPr indent="0" lvl="8" marL="0" rtl="0" algn="r">
               <a:spcBef>
                 <a:spcPts val="0"/>
               </a:spcBef>
@@ -7849,7 +7649,7 @@
             <a:normAutofit/>
           </a:bodyPr>
           <a:lstStyle>
-            <a:lvl1pPr lvl="0" algn="l">
+            <a:lvl1pPr lvl="0" rtl="0" algn="l">
               <a:lnSpc>
                 <a:spcPct val="90000"/>
               </a:lnSpc>
@@ -7867,7 +7667,7 @@
               <a:buNone/>
               <a:defRPr sz="6000"/>
             </a:lvl1pPr>
-            <a:lvl2pPr lvl="1">
+            <a:lvl2pPr lvl="1" rtl="0">
               <a:spcBef>
                 <a:spcPts val="0"/>
               </a:spcBef>
@@ -7878,7 +7678,7 @@
               <a:buNone/>
               <a:defRPr/>
             </a:lvl2pPr>
-            <a:lvl3pPr lvl="2">
+            <a:lvl3pPr lvl="2" rtl="0">
               <a:spcBef>
                 <a:spcPts val="0"/>
               </a:spcBef>
@@ -7889,7 +7689,7 @@
               <a:buNone/>
               <a:defRPr/>
             </a:lvl3pPr>
-            <a:lvl4pPr lvl="3">
+            <a:lvl4pPr lvl="3" rtl="0">
               <a:spcBef>
                 <a:spcPts val="0"/>
               </a:spcBef>
@@ -7900,7 +7700,7 @@
               <a:buNone/>
               <a:defRPr/>
             </a:lvl4pPr>
-            <a:lvl5pPr lvl="4">
+            <a:lvl5pPr lvl="4" rtl="0">
               <a:spcBef>
                 <a:spcPts val="0"/>
               </a:spcBef>
@@ -7911,7 +7711,7 @@
               <a:buNone/>
               <a:defRPr/>
             </a:lvl5pPr>
-            <a:lvl6pPr lvl="5">
+            <a:lvl6pPr lvl="5" rtl="0">
               <a:spcBef>
                 <a:spcPts val="0"/>
               </a:spcBef>
@@ -7922,7 +7722,7 @@
               <a:buNone/>
               <a:defRPr/>
             </a:lvl6pPr>
-            <a:lvl7pPr lvl="6">
+            <a:lvl7pPr lvl="6" rtl="0">
               <a:spcBef>
                 <a:spcPts val="0"/>
               </a:spcBef>
@@ -7933,7 +7733,7 @@
               <a:buNone/>
               <a:defRPr/>
             </a:lvl7pPr>
-            <a:lvl8pPr lvl="7">
+            <a:lvl8pPr lvl="7" rtl="0">
               <a:spcBef>
                 <a:spcPts val="0"/>
               </a:spcBef>
@@ -7944,7 +7744,7 @@
               <a:buNone/>
               <a:defRPr/>
             </a:lvl8pPr>
-            <a:lvl9pPr lvl="8">
+            <a:lvl9pPr lvl="8" rtl="0">
               <a:spcBef>
                 <a:spcPts val="0"/>
               </a:spcBef>
@@ -7985,7 +7785,7 @@
             <a:normAutofit/>
           </a:bodyPr>
           <a:lstStyle>
-            <a:lvl1pPr indent="-228600" lvl="0" marL="457200" algn="l">
+            <a:lvl1pPr indent="-228600" lvl="0" marL="457200" rtl="0" algn="l">
               <a:lnSpc>
                 <a:spcPct val="90000"/>
               </a:lnSpc>
@@ -8006,7 +7806,7 @@
                 </a:solidFill>
               </a:defRPr>
             </a:lvl1pPr>
-            <a:lvl2pPr indent="-228600" lvl="1" marL="914400" algn="l">
+            <a:lvl2pPr indent="-228600" lvl="1" marL="914400" rtl="0" algn="l">
               <a:lnSpc>
                 <a:spcPct val="90000"/>
               </a:lnSpc>
@@ -8027,7 +7827,7 @@
                 </a:solidFill>
               </a:defRPr>
             </a:lvl2pPr>
-            <a:lvl3pPr indent="-228600" lvl="2" marL="1371600" algn="l">
+            <a:lvl3pPr indent="-228600" lvl="2" marL="1371600" rtl="0" algn="l">
               <a:lnSpc>
                 <a:spcPct val="90000"/>
               </a:lnSpc>
@@ -8048,7 +7848,7 @@
                 </a:solidFill>
               </a:defRPr>
             </a:lvl3pPr>
-            <a:lvl4pPr indent="-228600" lvl="3" marL="1828800" algn="l">
+            <a:lvl4pPr indent="-228600" lvl="3" marL="1828800" rtl="0" algn="l">
               <a:lnSpc>
                 <a:spcPct val="90000"/>
               </a:lnSpc>
@@ -8069,7 +7869,7 @@
                 </a:solidFill>
               </a:defRPr>
             </a:lvl4pPr>
-            <a:lvl5pPr indent="-228600" lvl="4" marL="2286000" algn="l">
+            <a:lvl5pPr indent="-228600" lvl="4" marL="2286000" rtl="0" algn="l">
               <a:lnSpc>
                 <a:spcPct val="90000"/>
               </a:lnSpc>
@@ -8090,7 +7890,7 @@
                 </a:solidFill>
               </a:defRPr>
             </a:lvl5pPr>
-            <a:lvl6pPr indent="-228600" lvl="5" marL="2743200" algn="l">
+            <a:lvl6pPr indent="-228600" lvl="5" marL="2743200" rtl="0" algn="l">
               <a:lnSpc>
                 <a:spcPct val="90000"/>
               </a:lnSpc>
@@ -8111,7 +7911,7 @@
                 </a:solidFill>
               </a:defRPr>
             </a:lvl6pPr>
-            <a:lvl7pPr indent="-228600" lvl="6" marL="3200400" algn="l">
+            <a:lvl7pPr indent="-228600" lvl="6" marL="3200400" rtl="0" algn="l">
               <a:lnSpc>
                 <a:spcPct val="90000"/>
               </a:lnSpc>
@@ -8132,7 +7932,7 @@
                 </a:solidFill>
               </a:defRPr>
             </a:lvl7pPr>
-            <a:lvl8pPr indent="-228600" lvl="7" marL="3657600" algn="l">
+            <a:lvl8pPr indent="-228600" lvl="7" marL="3657600" rtl="0" algn="l">
               <a:lnSpc>
                 <a:spcPct val="90000"/>
               </a:lnSpc>
@@ -8153,7 +7953,7 @@
                 </a:solidFill>
               </a:defRPr>
             </a:lvl8pPr>
-            <a:lvl9pPr indent="-228600" lvl="8" marL="4114800" algn="l">
+            <a:lvl9pPr indent="-228600" lvl="8" marL="4114800" rtl="0" algn="l">
               <a:lnSpc>
                 <a:spcPct val="90000"/>
               </a:lnSpc>
@@ -8204,7 +8004,7 @@
             <a:noAutofit/>
           </a:bodyPr>
           <a:lstStyle>
-            <a:lvl1pPr lvl="0" algn="l">
+            <a:lvl1pPr lvl="0" rtl="0" algn="l">
               <a:spcBef>
                 <a:spcPts val="0"/>
               </a:spcBef>
@@ -8215,7 +8015,7 @@
               <a:buNone/>
               <a:defRPr/>
             </a:lvl1pPr>
-            <a:lvl2pPr lvl="1" algn="l">
+            <a:lvl2pPr lvl="1" rtl="0" algn="l">
               <a:spcBef>
                 <a:spcPts val="0"/>
               </a:spcBef>
@@ -8226,7 +8026,7 @@
               <a:buNone/>
               <a:defRPr/>
             </a:lvl2pPr>
-            <a:lvl3pPr lvl="2" algn="l">
+            <a:lvl3pPr lvl="2" rtl="0" algn="l">
               <a:spcBef>
                 <a:spcPts val="0"/>
               </a:spcBef>
@@ -8237,7 +8037,7 @@
               <a:buNone/>
               <a:defRPr/>
             </a:lvl3pPr>
-            <a:lvl4pPr lvl="3" algn="l">
+            <a:lvl4pPr lvl="3" rtl="0" algn="l">
               <a:spcBef>
                 <a:spcPts val="0"/>
               </a:spcBef>
@@ -8248,7 +8048,7 @@
               <a:buNone/>
               <a:defRPr/>
             </a:lvl4pPr>
-            <a:lvl5pPr lvl="4" algn="l">
+            <a:lvl5pPr lvl="4" rtl="0" algn="l">
               <a:spcBef>
                 <a:spcPts val="0"/>
               </a:spcBef>
@@ -8259,7 +8059,7 @@
               <a:buNone/>
               <a:defRPr/>
             </a:lvl5pPr>
-            <a:lvl6pPr lvl="5" algn="l">
+            <a:lvl6pPr lvl="5" rtl="0" algn="l">
               <a:spcBef>
                 <a:spcPts val="0"/>
               </a:spcBef>
@@ -8270,7 +8070,7 @@
               <a:buNone/>
               <a:defRPr/>
             </a:lvl6pPr>
-            <a:lvl7pPr lvl="6" algn="l">
+            <a:lvl7pPr lvl="6" rtl="0" algn="l">
               <a:spcBef>
                 <a:spcPts val="0"/>
               </a:spcBef>
@@ -8281,7 +8081,7 @@
               <a:buNone/>
               <a:defRPr/>
             </a:lvl7pPr>
-            <a:lvl8pPr lvl="7" algn="l">
+            <a:lvl8pPr lvl="7" rtl="0" algn="l">
               <a:spcBef>
                 <a:spcPts val="0"/>
               </a:spcBef>
@@ -8292,7 +8092,7 @@
               <a:buNone/>
               <a:defRPr/>
             </a:lvl8pPr>
-            <a:lvl9pPr lvl="8" algn="l">
+            <a:lvl9pPr lvl="8" rtl="0" algn="l">
               <a:spcBef>
                 <a:spcPts val="0"/>
               </a:spcBef>
@@ -8333,7 +8133,7 @@
             <a:noAutofit/>
           </a:bodyPr>
           <a:lstStyle>
-            <a:lvl1pPr lvl="0" algn="ctr">
+            <a:lvl1pPr lvl="0" rtl="0" algn="ctr">
               <a:spcBef>
                 <a:spcPts val="0"/>
               </a:spcBef>
@@ -8344,7 +8144,7 @@
               <a:buNone/>
               <a:defRPr/>
             </a:lvl1pPr>
-            <a:lvl2pPr lvl="1" algn="l">
+            <a:lvl2pPr lvl="1" rtl="0" algn="l">
               <a:spcBef>
                 <a:spcPts val="0"/>
               </a:spcBef>
@@ -8355,7 +8155,7 @@
               <a:buNone/>
               <a:defRPr/>
             </a:lvl2pPr>
-            <a:lvl3pPr lvl="2" algn="l">
+            <a:lvl3pPr lvl="2" rtl="0" algn="l">
               <a:spcBef>
                 <a:spcPts val="0"/>
               </a:spcBef>
@@ -8366,7 +8166,7 @@
               <a:buNone/>
               <a:defRPr/>
             </a:lvl3pPr>
-            <a:lvl4pPr lvl="3" algn="l">
+            <a:lvl4pPr lvl="3" rtl="0" algn="l">
               <a:spcBef>
                 <a:spcPts val="0"/>
               </a:spcBef>
@@ -8377,7 +8177,7 @@
               <a:buNone/>
               <a:defRPr/>
             </a:lvl4pPr>
-            <a:lvl5pPr lvl="4" algn="l">
+            <a:lvl5pPr lvl="4" rtl="0" algn="l">
               <a:spcBef>
                 <a:spcPts val="0"/>
               </a:spcBef>
@@ -8388,7 +8188,7 @@
               <a:buNone/>
               <a:defRPr/>
             </a:lvl5pPr>
-            <a:lvl6pPr lvl="5" algn="l">
+            <a:lvl6pPr lvl="5" rtl="0" algn="l">
               <a:spcBef>
                 <a:spcPts val="0"/>
               </a:spcBef>
@@ -8399,7 +8199,7 @@
               <a:buNone/>
               <a:defRPr/>
             </a:lvl6pPr>
-            <a:lvl7pPr lvl="6" algn="l">
+            <a:lvl7pPr lvl="6" rtl="0" algn="l">
               <a:spcBef>
                 <a:spcPts val="0"/>
               </a:spcBef>
@@ -8410,7 +8210,7 @@
               <a:buNone/>
               <a:defRPr/>
             </a:lvl7pPr>
-            <a:lvl8pPr lvl="7" algn="l">
+            <a:lvl8pPr lvl="7" rtl="0" algn="l">
               <a:spcBef>
                 <a:spcPts val="0"/>
               </a:spcBef>
@@ -8421,7 +8221,7 @@
               <a:buNone/>
               <a:defRPr/>
             </a:lvl8pPr>
-            <a:lvl9pPr lvl="8" algn="l">
+            <a:lvl9pPr lvl="8" rtl="0" algn="l">
               <a:spcBef>
                 <a:spcPts val="0"/>
               </a:spcBef>
@@ -8462,63 +8262,63 @@
             <a:noAutofit/>
           </a:bodyPr>
           <a:lstStyle>
-            <a:lvl1pPr indent="0" lvl="0" marL="0" algn="r">
+            <a:lvl1pPr indent="0" lvl="0" marL="0" rtl="0" algn="r">
               <a:spcBef>
                 <a:spcPts val="0"/>
               </a:spcBef>
               <a:buNone/>
               <a:defRPr/>
             </a:lvl1pPr>
-            <a:lvl2pPr indent="0" lvl="1" marL="0" algn="r">
+            <a:lvl2pPr indent="0" lvl="1" marL="0" rtl="0" algn="r">
               <a:spcBef>
                 <a:spcPts val="0"/>
               </a:spcBef>
               <a:buNone/>
               <a:defRPr/>
             </a:lvl2pPr>
-            <a:lvl3pPr indent="0" lvl="2" marL="0" algn="r">
+            <a:lvl3pPr indent="0" lvl="2" marL="0" rtl="0" algn="r">
               <a:spcBef>
                 <a:spcPts val="0"/>
               </a:spcBef>
               <a:buNone/>
               <a:defRPr/>
             </a:lvl3pPr>
-            <a:lvl4pPr indent="0" lvl="3" marL="0" algn="r">
+            <a:lvl4pPr indent="0" lvl="3" marL="0" rtl="0" algn="r">
               <a:spcBef>
                 <a:spcPts val="0"/>
               </a:spcBef>
               <a:buNone/>
               <a:defRPr/>
             </a:lvl4pPr>
-            <a:lvl5pPr indent="0" lvl="4" marL="0" algn="r">
+            <a:lvl5pPr indent="0" lvl="4" marL="0" rtl="0" algn="r">
               <a:spcBef>
                 <a:spcPts val="0"/>
               </a:spcBef>
               <a:buNone/>
               <a:defRPr/>
             </a:lvl5pPr>
-            <a:lvl6pPr indent="0" lvl="5" marL="0" algn="r">
+            <a:lvl6pPr indent="0" lvl="5" marL="0" rtl="0" algn="r">
               <a:spcBef>
                 <a:spcPts val="0"/>
               </a:spcBef>
               <a:buNone/>
               <a:defRPr/>
             </a:lvl6pPr>
-            <a:lvl7pPr indent="0" lvl="6" marL="0" algn="r">
+            <a:lvl7pPr indent="0" lvl="6" marL="0" rtl="0" algn="r">
               <a:spcBef>
                 <a:spcPts val="0"/>
               </a:spcBef>
               <a:buNone/>
               <a:defRPr/>
             </a:lvl7pPr>
-            <a:lvl8pPr indent="0" lvl="7" marL="0" algn="r">
+            <a:lvl8pPr indent="0" lvl="7" marL="0" rtl="0" algn="r">
               <a:spcBef>
                 <a:spcPts val="0"/>
               </a:spcBef>
               <a:buNone/>
               <a:defRPr/>
             </a:lvl8pPr>
-            <a:lvl9pPr indent="0" lvl="8" marL="0" algn="r">
+            <a:lvl9pPr indent="0" lvl="8" marL="0" rtl="0" algn="r">
               <a:spcBef>
                 <a:spcPts val="0"/>
               </a:spcBef>
@@ -8595,7 +8395,7 @@
             <a:normAutofit/>
           </a:bodyPr>
           <a:lstStyle>
-            <a:lvl1pPr lvl="0" algn="l">
+            <a:lvl1pPr lvl="0" rtl="0" algn="l">
               <a:lnSpc>
                 <a:spcPct val="90000"/>
               </a:lnSpc>
@@ -8612,7 +8412,7 @@
               <a:buNone/>
               <a:defRPr/>
             </a:lvl1pPr>
-            <a:lvl2pPr lvl="1">
+            <a:lvl2pPr lvl="1" rtl="0">
               <a:spcBef>
                 <a:spcPts val="0"/>
               </a:spcBef>
@@ -8623,7 +8423,7 @@
               <a:buNone/>
               <a:defRPr/>
             </a:lvl2pPr>
-            <a:lvl3pPr lvl="2">
+            <a:lvl3pPr lvl="2" rtl="0">
               <a:spcBef>
                 <a:spcPts val="0"/>
               </a:spcBef>
@@ -8634,7 +8434,7 @@
               <a:buNone/>
               <a:defRPr/>
             </a:lvl3pPr>
-            <a:lvl4pPr lvl="3">
+            <a:lvl4pPr lvl="3" rtl="0">
               <a:spcBef>
                 <a:spcPts val="0"/>
               </a:spcBef>
@@ -8645,7 +8445,7 @@
               <a:buNone/>
               <a:defRPr/>
             </a:lvl4pPr>
-            <a:lvl5pPr lvl="4">
+            <a:lvl5pPr lvl="4" rtl="0">
               <a:spcBef>
                 <a:spcPts val="0"/>
               </a:spcBef>
@@ -8656,7 +8456,7 @@
               <a:buNone/>
               <a:defRPr/>
             </a:lvl5pPr>
-            <a:lvl6pPr lvl="5">
+            <a:lvl6pPr lvl="5" rtl="0">
               <a:spcBef>
                 <a:spcPts val="0"/>
               </a:spcBef>
@@ -8667,7 +8467,7 @@
               <a:buNone/>
               <a:defRPr/>
             </a:lvl6pPr>
-            <a:lvl7pPr lvl="6">
+            <a:lvl7pPr lvl="6" rtl="0">
               <a:spcBef>
                 <a:spcPts val="0"/>
               </a:spcBef>
@@ -8678,7 +8478,7 @@
               <a:buNone/>
               <a:defRPr/>
             </a:lvl7pPr>
-            <a:lvl8pPr lvl="7">
+            <a:lvl8pPr lvl="7" rtl="0">
               <a:spcBef>
                 <a:spcPts val="0"/>
               </a:spcBef>
@@ -8689,7 +8489,7 @@
               <a:buNone/>
               <a:defRPr/>
             </a:lvl8pPr>
-            <a:lvl9pPr lvl="8">
+            <a:lvl9pPr lvl="8" rtl="0">
               <a:spcBef>
                 <a:spcPts val="0"/>
               </a:spcBef>
@@ -8730,7 +8530,7 @@
             <a:normAutofit/>
           </a:bodyPr>
           <a:lstStyle>
-            <a:lvl1pPr indent="-342900" lvl="0" marL="457200" algn="l">
+            <a:lvl1pPr indent="-342900" lvl="0" marL="457200" rtl="0" algn="l">
               <a:lnSpc>
                 <a:spcPct val="90000"/>
               </a:lnSpc>
@@ -8747,7 +8547,7 @@
               <a:buChar char="•"/>
               <a:defRPr/>
             </a:lvl1pPr>
-            <a:lvl2pPr indent="-342900" lvl="1" marL="914400" algn="l">
+            <a:lvl2pPr indent="-342900" lvl="1" marL="914400" rtl="0" algn="l">
               <a:lnSpc>
                 <a:spcPct val="90000"/>
               </a:lnSpc>
@@ -8764,7 +8564,7 @@
               <a:buChar char="•"/>
               <a:defRPr/>
             </a:lvl2pPr>
-            <a:lvl3pPr indent="-342900" lvl="2" marL="1371600" algn="l">
+            <a:lvl3pPr indent="-342900" lvl="2" marL="1371600" rtl="0" algn="l">
               <a:lnSpc>
                 <a:spcPct val="90000"/>
               </a:lnSpc>
@@ -8781,7 +8581,7 @@
               <a:buChar char="•"/>
               <a:defRPr/>
             </a:lvl3pPr>
-            <a:lvl4pPr indent="-342900" lvl="3" marL="1828800" algn="l">
+            <a:lvl4pPr indent="-342900" lvl="3" marL="1828800" rtl="0" algn="l">
               <a:lnSpc>
                 <a:spcPct val="90000"/>
               </a:lnSpc>
@@ -8798,7 +8598,7 @@
               <a:buChar char="•"/>
               <a:defRPr/>
             </a:lvl4pPr>
-            <a:lvl5pPr indent="-342900" lvl="4" marL="2286000" algn="l">
+            <a:lvl5pPr indent="-342900" lvl="4" marL="2286000" rtl="0" algn="l">
               <a:lnSpc>
                 <a:spcPct val="90000"/>
               </a:lnSpc>
@@ -8815,7 +8615,7 @@
               <a:buChar char="•"/>
               <a:defRPr/>
             </a:lvl5pPr>
-            <a:lvl6pPr indent="-342900" lvl="5" marL="2743200" algn="l">
+            <a:lvl6pPr indent="-342900" lvl="5" marL="2743200" rtl="0" algn="l">
               <a:lnSpc>
                 <a:spcPct val="90000"/>
               </a:lnSpc>
@@ -8832,7 +8632,7 @@
               <a:buChar char="•"/>
               <a:defRPr/>
             </a:lvl6pPr>
-            <a:lvl7pPr indent="-342900" lvl="6" marL="3200400" algn="l">
+            <a:lvl7pPr indent="-342900" lvl="6" marL="3200400" rtl="0" algn="l">
               <a:lnSpc>
                 <a:spcPct val="90000"/>
               </a:lnSpc>
@@ -8849,7 +8649,7 @@
               <a:buChar char="•"/>
               <a:defRPr/>
             </a:lvl7pPr>
-            <a:lvl8pPr indent="-342900" lvl="7" marL="3657600" algn="l">
+            <a:lvl8pPr indent="-342900" lvl="7" marL="3657600" rtl="0" algn="l">
               <a:lnSpc>
                 <a:spcPct val="90000"/>
               </a:lnSpc>
@@ -8866,7 +8666,7 @@
               <a:buChar char="•"/>
               <a:defRPr/>
             </a:lvl8pPr>
-            <a:lvl9pPr indent="-342900" lvl="8" marL="4114800" algn="l">
+            <a:lvl9pPr indent="-342900" lvl="8" marL="4114800" rtl="0" algn="l">
               <a:lnSpc>
                 <a:spcPct val="90000"/>
               </a:lnSpc>
@@ -8913,7 +8713,7 @@
             <a:normAutofit/>
           </a:bodyPr>
           <a:lstStyle>
-            <a:lvl1pPr indent="-342900" lvl="0" marL="457200" algn="l">
+            <a:lvl1pPr indent="-342900" lvl="0" marL="457200" rtl="0" algn="l">
               <a:lnSpc>
                 <a:spcPct val="90000"/>
               </a:lnSpc>
@@ -8930,7 +8730,7 @@
               <a:buChar char="•"/>
               <a:defRPr/>
             </a:lvl1pPr>
-            <a:lvl2pPr indent="-342900" lvl="1" marL="914400" algn="l">
+            <a:lvl2pPr indent="-342900" lvl="1" marL="914400" rtl="0" algn="l">
               <a:lnSpc>
                 <a:spcPct val="90000"/>
               </a:lnSpc>
@@ -8947,7 +8747,7 @@
               <a:buChar char="•"/>
               <a:defRPr/>
             </a:lvl2pPr>
-            <a:lvl3pPr indent="-342900" lvl="2" marL="1371600" algn="l">
+            <a:lvl3pPr indent="-342900" lvl="2" marL="1371600" rtl="0" algn="l">
               <a:lnSpc>
                 <a:spcPct val="90000"/>
               </a:lnSpc>
@@ -8964,7 +8764,7 @@
               <a:buChar char="•"/>
               <a:defRPr/>
             </a:lvl3pPr>
-            <a:lvl4pPr indent="-342900" lvl="3" marL="1828800" algn="l">
+            <a:lvl4pPr indent="-342900" lvl="3" marL="1828800" rtl="0" algn="l">
               <a:lnSpc>
                 <a:spcPct val="90000"/>
               </a:lnSpc>
@@ -8981,7 +8781,7 @@
               <a:buChar char="•"/>
               <a:defRPr/>
             </a:lvl4pPr>
-            <a:lvl5pPr indent="-342900" lvl="4" marL="2286000" algn="l">
+            <a:lvl5pPr indent="-342900" lvl="4" marL="2286000" rtl="0" algn="l">
               <a:lnSpc>
                 <a:spcPct val="90000"/>
               </a:lnSpc>
@@ -8998,7 +8798,7 @@
               <a:buChar char="•"/>
               <a:defRPr/>
             </a:lvl5pPr>
-            <a:lvl6pPr indent="-342900" lvl="5" marL="2743200" algn="l">
+            <a:lvl6pPr indent="-342900" lvl="5" marL="2743200" rtl="0" algn="l">
               <a:lnSpc>
                 <a:spcPct val="90000"/>
               </a:lnSpc>
@@ -9015,7 +8815,7 @@
               <a:buChar char="•"/>
               <a:defRPr/>
             </a:lvl6pPr>
-            <a:lvl7pPr indent="-342900" lvl="6" marL="3200400" algn="l">
+            <a:lvl7pPr indent="-342900" lvl="6" marL="3200400" rtl="0" algn="l">
               <a:lnSpc>
                 <a:spcPct val="90000"/>
               </a:lnSpc>
@@ -9032,7 +8832,7 @@
               <a:buChar char="•"/>
               <a:defRPr/>
             </a:lvl7pPr>
-            <a:lvl8pPr indent="-342900" lvl="7" marL="3657600" algn="l">
+            <a:lvl8pPr indent="-342900" lvl="7" marL="3657600" rtl="0" algn="l">
               <a:lnSpc>
                 <a:spcPct val="90000"/>
               </a:lnSpc>
@@ -9049,7 +8849,7 @@
               <a:buChar char="•"/>
               <a:defRPr/>
             </a:lvl8pPr>
-            <a:lvl9pPr indent="-342900" lvl="8" marL="4114800" algn="l">
+            <a:lvl9pPr indent="-342900" lvl="8" marL="4114800" rtl="0" algn="l">
               <a:lnSpc>
                 <a:spcPct val="90000"/>
               </a:lnSpc>
@@ -9096,7 +8896,7 @@
             <a:noAutofit/>
           </a:bodyPr>
           <a:lstStyle>
-            <a:lvl1pPr lvl="0" algn="l">
+            <a:lvl1pPr lvl="0" rtl="0" algn="l">
               <a:spcBef>
                 <a:spcPts val="0"/>
               </a:spcBef>
@@ -9107,7 +8907,7 @@
               <a:buNone/>
               <a:defRPr/>
             </a:lvl1pPr>
-            <a:lvl2pPr lvl="1" algn="l">
+            <a:lvl2pPr lvl="1" rtl="0" algn="l">
               <a:spcBef>
                 <a:spcPts val="0"/>
               </a:spcBef>
@@ -9118,7 +8918,7 @@
               <a:buNone/>
               <a:defRPr/>
             </a:lvl2pPr>
-            <a:lvl3pPr lvl="2" algn="l">
+            <a:lvl3pPr lvl="2" rtl="0" algn="l">
               <a:spcBef>
                 <a:spcPts val="0"/>
               </a:spcBef>
@@ -9129,7 +8929,7 @@
               <a:buNone/>
               <a:defRPr/>
             </a:lvl3pPr>
-            <a:lvl4pPr lvl="3" algn="l">
+            <a:lvl4pPr lvl="3" rtl="0" algn="l">
               <a:spcBef>
                 <a:spcPts val="0"/>
               </a:spcBef>
@@ -9140,7 +8940,7 @@
               <a:buNone/>
               <a:defRPr/>
             </a:lvl4pPr>
-            <a:lvl5pPr lvl="4" algn="l">
+            <a:lvl5pPr lvl="4" rtl="0" algn="l">
               <a:spcBef>
                 <a:spcPts val="0"/>
               </a:spcBef>
@@ -9151,7 +8951,7 @@
               <a:buNone/>
               <a:defRPr/>
             </a:lvl5pPr>
-            <a:lvl6pPr lvl="5" algn="l">
+            <a:lvl6pPr lvl="5" rtl="0" algn="l">
               <a:spcBef>
                 <a:spcPts val="0"/>
               </a:spcBef>
@@ -9162,7 +8962,7 @@
               <a:buNone/>
               <a:defRPr/>
             </a:lvl6pPr>
-            <a:lvl7pPr lvl="6" algn="l">
+            <a:lvl7pPr lvl="6" rtl="0" algn="l">
               <a:spcBef>
                 <a:spcPts val="0"/>
               </a:spcBef>
@@ -9173,7 +8973,7 @@
               <a:buNone/>
               <a:defRPr/>
             </a:lvl7pPr>
-            <a:lvl8pPr lvl="7" algn="l">
+            <a:lvl8pPr lvl="7" rtl="0" algn="l">
               <a:spcBef>
                 <a:spcPts val="0"/>
               </a:spcBef>
@@ -9184,7 +8984,7 @@
               <a:buNone/>
               <a:defRPr/>
             </a:lvl8pPr>
-            <a:lvl9pPr lvl="8" algn="l">
+            <a:lvl9pPr lvl="8" rtl="0" algn="l">
               <a:spcBef>
                 <a:spcPts val="0"/>
               </a:spcBef>
@@ -9225,7 +9025,7 @@
             <a:noAutofit/>
           </a:bodyPr>
           <a:lstStyle>
-            <a:lvl1pPr lvl="0" algn="ctr">
+            <a:lvl1pPr lvl="0" rtl="0" algn="ctr">
               <a:spcBef>
                 <a:spcPts val="0"/>
               </a:spcBef>
@@ -9236,7 +9036,7 @@
               <a:buNone/>
               <a:defRPr/>
             </a:lvl1pPr>
-            <a:lvl2pPr lvl="1" algn="l">
+            <a:lvl2pPr lvl="1" rtl="0" algn="l">
               <a:spcBef>
                 <a:spcPts val="0"/>
               </a:spcBef>
@@ -9247,7 +9047,7 @@
               <a:buNone/>
               <a:defRPr/>
             </a:lvl2pPr>
-            <a:lvl3pPr lvl="2" algn="l">
+            <a:lvl3pPr lvl="2" rtl="0" algn="l">
               <a:spcBef>
                 <a:spcPts val="0"/>
               </a:spcBef>
@@ -9258,7 +9058,7 @@
               <a:buNone/>
               <a:defRPr/>
             </a:lvl3pPr>
-            <a:lvl4pPr lvl="3" algn="l">
+            <a:lvl4pPr lvl="3" rtl="0" algn="l">
               <a:spcBef>
                 <a:spcPts val="0"/>
               </a:spcBef>
@@ -9269,7 +9069,7 @@
               <a:buNone/>
               <a:defRPr/>
             </a:lvl4pPr>
-            <a:lvl5pPr lvl="4" algn="l">
+            <a:lvl5pPr lvl="4" rtl="0" algn="l">
               <a:spcBef>
                 <a:spcPts val="0"/>
               </a:spcBef>
@@ -9280,7 +9080,7 @@
               <a:buNone/>
               <a:defRPr/>
             </a:lvl5pPr>
-            <a:lvl6pPr lvl="5" algn="l">
+            <a:lvl6pPr lvl="5" rtl="0" algn="l">
               <a:spcBef>
                 <a:spcPts val="0"/>
               </a:spcBef>
@@ -9291,7 +9091,7 @@
               <a:buNone/>
               <a:defRPr/>
             </a:lvl6pPr>
-            <a:lvl7pPr lvl="6" algn="l">
+            <a:lvl7pPr lvl="6" rtl="0" algn="l">
               <a:spcBef>
                 <a:spcPts val="0"/>
               </a:spcBef>
@@ -9302,7 +9102,7 @@
               <a:buNone/>
               <a:defRPr/>
             </a:lvl7pPr>
-            <a:lvl8pPr lvl="7" algn="l">
+            <a:lvl8pPr lvl="7" rtl="0" algn="l">
               <a:spcBef>
                 <a:spcPts val="0"/>
               </a:spcBef>
@@ -9313,7 +9113,7 @@
               <a:buNone/>
               <a:defRPr/>
             </a:lvl8pPr>
-            <a:lvl9pPr lvl="8" algn="l">
+            <a:lvl9pPr lvl="8" rtl="0" algn="l">
               <a:spcBef>
                 <a:spcPts val="0"/>
               </a:spcBef>
@@ -9354,63 +9154,63 @@
             <a:noAutofit/>
           </a:bodyPr>
           <a:lstStyle>
-            <a:lvl1pPr indent="0" lvl="0" marL="0" algn="r">
+            <a:lvl1pPr indent="0" lvl="0" marL="0" rtl="0" algn="r">
               <a:spcBef>
                 <a:spcPts val="0"/>
               </a:spcBef>
               <a:buNone/>
               <a:defRPr/>
             </a:lvl1pPr>
-            <a:lvl2pPr indent="0" lvl="1" marL="0" algn="r">
+            <a:lvl2pPr indent="0" lvl="1" marL="0" rtl="0" algn="r">
               <a:spcBef>
                 <a:spcPts val="0"/>
               </a:spcBef>
               <a:buNone/>
               <a:defRPr/>
             </a:lvl2pPr>
-            <a:lvl3pPr indent="0" lvl="2" marL="0" algn="r">
+            <a:lvl3pPr indent="0" lvl="2" marL="0" rtl="0" algn="r">
               <a:spcBef>
                 <a:spcPts val="0"/>
               </a:spcBef>
               <a:buNone/>
               <a:defRPr/>
             </a:lvl3pPr>
-            <a:lvl4pPr indent="0" lvl="3" marL="0" algn="r">
+            <a:lvl4pPr indent="0" lvl="3" marL="0" rtl="0" algn="r">
               <a:spcBef>
                 <a:spcPts val="0"/>
               </a:spcBef>
               <a:buNone/>
               <a:defRPr/>
             </a:lvl4pPr>
-            <a:lvl5pPr indent="0" lvl="4" marL="0" algn="r">
+            <a:lvl5pPr indent="0" lvl="4" marL="0" rtl="0" algn="r">
               <a:spcBef>
                 <a:spcPts val="0"/>
               </a:spcBef>
               <a:buNone/>
               <a:defRPr/>
             </a:lvl5pPr>
-            <a:lvl6pPr indent="0" lvl="5" marL="0" algn="r">
+            <a:lvl6pPr indent="0" lvl="5" marL="0" rtl="0" algn="r">
               <a:spcBef>
                 <a:spcPts val="0"/>
               </a:spcBef>
               <a:buNone/>
               <a:defRPr/>
             </a:lvl6pPr>
-            <a:lvl7pPr indent="0" lvl="6" marL="0" algn="r">
+            <a:lvl7pPr indent="0" lvl="6" marL="0" rtl="0" algn="r">
               <a:spcBef>
                 <a:spcPts val="0"/>
               </a:spcBef>
               <a:buNone/>
               <a:defRPr/>
             </a:lvl7pPr>
-            <a:lvl8pPr indent="0" lvl="7" marL="0" algn="r">
+            <a:lvl8pPr indent="0" lvl="7" marL="0" rtl="0" algn="r">
               <a:spcBef>
                 <a:spcPts val="0"/>
               </a:spcBef>
               <a:buNone/>
               <a:defRPr/>
             </a:lvl8pPr>
-            <a:lvl9pPr indent="0" lvl="8" marL="0" algn="r">
+            <a:lvl9pPr indent="0" lvl="8" marL="0" rtl="0" algn="r">
               <a:spcBef>
                 <a:spcPts val="0"/>
               </a:spcBef>
@@ -9487,7 +9287,7 @@
             <a:normAutofit/>
           </a:bodyPr>
           <a:lstStyle>
-            <a:lvl1pPr lvl="0" algn="l">
+            <a:lvl1pPr lvl="0" rtl="0" algn="l">
               <a:lnSpc>
                 <a:spcPct val="90000"/>
               </a:lnSpc>
@@ -9504,7 +9304,7 @@
               <a:buNone/>
               <a:defRPr/>
             </a:lvl1pPr>
-            <a:lvl2pPr lvl="1">
+            <a:lvl2pPr lvl="1" rtl="0">
               <a:spcBef>
                 <a:spcPts val="0"/>
               </a:spcBef>
@@ -9515,7 +9315,7 @@
               <a:buNone/>
               <a:defRPr/>
             </a:lvl2pPr>
-            <a:lvl3pPr lvl="2">
+            <a:lvl3pPr lvl="2" rtl="0">
               <a:spcBef>
                 <a:spcPts val="0"/>
               </a:spcBef>
@@ -9526,7 +9326,7 @@
               <a:buNone/>
               <a:defRPr/>
             </a:lvl3pPr>
-            <a:lvl4pPr lvl="3">
+            <a:lvl4pPr lvl="3" rtl="0">
               <a:spcBef>
                 <a:spcPts val="0"/>
               </a:spcBef>
@@ -9537,7 +9337,7 @@
               <a:buNone/>
               <a:defRPr/>
             </a:lvl4pPr>
-            <a:lvl5pPr lvl="4">
+            <a:lvl5pPr lvl="4" rtl="0">
               <a:spcBef>
                 <a:spcPts val="0"/>
               </a:spcBef>
@@ -9548,7 +9348,7 @@
               <a:buNone/>
               <a:defRPr/>
             </a:lvl5pPr>
-            <a:lvl6pPr lvl="5">
+            <a:lvl6pPr lvl="5" rtl="0">
               <a:spcBef>
                 <a:spcPts val="0"/>
               </a:spcBef>
@@ -9559,7 +9359,7 @@
               <a:buNone/>
               <a:defRPr/>
             </a:lvl6pPr>
-            <a:lvl7pPr lvl="6">
+            <a:lvl7pPr lvl="6" rtl="0">
               <a:spcBef>
                 <a:spcPts val="0"/>
               </a:spcBef>
@@ -9570,7 +9370,7 @@
               <a:buNone/>
               <a:defRPr/>
             </a:lvl7pPr>
-            <a:lvl8pPr lvl="7">
+            <a:lvl8pPr lvl="7" rtl="0">
               <a:spcBef>
                 <a:spcPts val="0"/>
               </a:spcBef>
@@ -9581,7 +9381,7 @@
               <a:buNone/>
               <a:defRPr/>
             </a:lvl8pPr>
-            <a:lvl9pPr lvl="8">
+            <a:lvl9pPr lvl="8" rtl="0">
               <a:spcBef>
                 <a:spcPts val="0"/>
               </a:spcBef>
@@ -9622,7 +9422,7 @@
             <a:normAutofit/>
           </a:bodyPr>
           <a:lstStyle>
-            <a:lvl1pPr indent="-228600" lvl="0" marL="457200" algn="l">
+            <a:lvl1pPr indent="-228600" lvl="0" marL="457200" rtl="0" algn="l">
               <a:lnSpc>
                 <a:spcPct val="90000"/>
               </a:lnSpc>
@@ -9639,7 +9439,7 @@
               <a:buNone/>
               <a:defRPr b="1" sz="2400"/>
             </a:lvl1pPr>
-            <a:lvl2pPr indent="-228600" lvl="1" marL="914400" algn="l">
+            <a:lvl2pPr indent="-228600" lvl="1" marL="914400" rtl="0" algn="l">
               <a:lnSpc>
                 <a:spcPct val="90000"/>
               </a:lnSpc>
@@ -9656,7 +9456,7 @@
               <a:buNone/>
               <a:defRPr b="1" sz="2000"/>
             </a:lvl2pPr>
-            <a:lvl3pPr indent="-228600" lvl="2" marL="1371600" algn="l">
+            <a:lvl3pPr indent="-228600" lvl="2" marL="1371600" rtl="0" algn="l">
               <a:lnSpc>
                 <a:spcPct val="90000"/>
               </a:lnSpc>
@@ -9673,7 +9473,7 @@
               <a:buNone/>
               <a:defRPr b="1" sz="1800"/>
             </a:lvl3pPr>
-            <a:lvl4pPr indent="-228600" lvl="3" marL="1828800" algn="l">
+            <a:lvl4pPr indent="-228600" lvl="3" marL="1828800" rtl="0" algn="l">
               <a:lnSpc>
                 <a:spcPct val="90000"/>
               </a:lnSpc>
@@ -9690,7 +9490,7 @@
               <a:buNone/>
               <a:defRPr b="1" sz="1600"/>
             </a:lvl4pPr>
-            <a:lvl5pPr indent="-228600" lvl="4" marL="2286000" algn="l">
+            <a:lvl5pPr indent="-228600" lvl="4" marL="2286000" rtl="0" algn="l">
               <a:lnSpc>
                 <a:spcPct val="90000"/>
               </a:lnSpc>
@@ -9707,7 +9507,7 @@
               <a:buNone/>
               <a:defRPr b="1" sz="1600"/>
             </a:lvl5pPr>
-            <a:lvl6pPr indent="-228600" lvl="5" marL="2743200" algn="l">
+            <a:lvl6pPr indent="-228600" lvl="5" marL="2743200" rtl="0" algn="l">
               <a:lnSpc>
                 <a:spcPct val="90000"/>
               </a:lnSpc>
@@ -9724,7 +9524,7 @@
               <a:buNone/>
               <a:defRPr b="1" sz="1600"/>
             </a:lvl6pPr>
-            <a:lvl7pPr indent="-228600" lvl="6" marL="3200400" algn="l">
+            <a:lvl7pPr indent="-228600" lvl="6" marL="3200400" rtl="0" algn="l">
               <a:lnSpc>
                 <a:spcPct val="90000"/>
               </a:lnSpc>
@@ -9741,7 +9541,7 @@
               <a:buNone/>
               <a:defRPr b="1" sz="1600"/>
             </a:lvl7pPr>
-            <a:lvl8pPr indent="-228600" lvl="7" marL="3657600" algn="l">
+            <a:lvl8pPr indent="-228600" lvl="7" marL="3657600" rtl="0" algn="l">
               <a:lnSpc>
                 <a:spcPct val="90000"/>
               </a:lnSpc>
@@ -9758,7 +9558,7 @@
               <a:buNone/>
               <a:defRPr b="1" sz="1600"/>
             </a:lvl8pPr>
-            <a:lvl9pPr indent="-228600" lvl="8" marL="4114800" algn="l">
+            <a:lvl9pPr indent="-228600" lvl="8" marL="4114800" rtl="0" algn="l">
               <a:lnSpc>
                 <a:spcPct val="90000"/>
               </a:lnSpc>
@@ -9805,7 +9605,7 @@
             <a:normAutofit/>
           </a:bodyPr>
           <a:lstStyle>
-            <a:lvl1pPr indent="-342900" lvl="0" marL="457200" algn="l">
+            <a:lvl1pPr indent="-342900" lvl="0" marL="457200" rtl="0" algn="l">
               <a:lnSpc>
                 <a:spcPct val="90000"/>
               </a:lnSpc>
@@ -9822,7 +9622,7 @@
               <a:buChar char="•"/>
               <a:defRPr/>
             </a:lvl1pPr>
-            <a:lvl2pPr indent="-342900" lvl="1" marL="914400" algn="l">
+            <a:lvl2pPr indent="-342900" lvl="1" marL="914400" rtl="0" algn="l">
               <a:lnSpc>
                 <a:spcPct val="90000"/>
               </a:lnSpc>
@@ -9839,7 +9639,7 @@
               <a:buChar char="•"/>
               <a:defRPr/>
             </a:lvl2pPr>
-            <a:lvl3pPr indent="-342900" lvl="2" marL="1371600" algn="l">
+            <a:lvl3pPr indent="-342900" lvl="2" marL="1371600" rtl="0" algn="l">
               <a:lnSpc>
                 <a:spcPct val="90000"/>
               </a:lnSpc>
@@ -9856,7 +9656,7 @@
               <a:buChar char="•"/>
               <a:defRPr/>
             </a:lvl3pPr>
-            <a:lvl4pPr indent="-342900" lvl="3" marL="1828800" algn="l">
+            <a:lvl4pPr indent="-342900" lvl="3" marL="1828800" rtl="0" algn="l">
               <a:lnSpc>
                 <a:spcPct val="90000"/>
               </a:lnSpc>
@@ -9873,7 +9673,7 @@
               <a:buChar char="•"/>
               <a:defRPr/>
             </a:lvl4pPr>
-            <a:lvl5pPr indent="-342900" lvl="4" marL="2286000" algn="l">
+            <a:lvl5pPr indent="-342900" lvl="4" marL="2286000" rtl="0" algn="l">
               <a:lnSpc>
                 <a:spcPct val="90000"/>
               </a:lnSpc>
@@ -9890,7 +9690,7 @@
               <a:buChar char="•"/>
               <a:defRPr/>
             </a:lvl5pPr>
-            <a:lvl6pPr indent="-342900" lvl="5" marL="2743200" algn="l">
+            <a:lvl6pPr indent="-342900" lvl="5" marL="2743200" rtl="0" algn="l">
               <a:lnSpc>
                 <a:spcPct val="90000"/>
               </a:lnSpc>
@@ -9907,7 +9707,7 @@
               <a:buChar char="•"/>
               <a:defRPr/>
             </a:lvl6pPr>
-            <a:lvl7pPr indent="-342900" lvl="6" marL="3200400" algn="l">
+            <a:lvl7pPr indent="-342900" lvl="6" marL="3200400" rtl="0" algn="l">
               <a:lnSpc>
                 <a:spcPct val="90000"/>
               </a:lnSpc>
@@ -9924,7 +9724,7 @@
               <a:buChar char="•"/>
               <a:defRPr/>
             </a:lvl7pPr>
-            <a:lvl8pPr indent="-342900" lvl="7" marL="3657600" algn="l">
+            <a:lvl8pPr indent="-342900" lvl="7" marL="3657600" rtl="0" algn="l">
               <a:lnSpc>
                 <a:spcPct val="90000"/>
               </a:lnSpc>
@@ -9941,7 +9741,7 @@
               <a:buChar char="•"/>
               <a:defRPr/>
             </a:lvl8pPr>
-            <a:lvl9pPr indent="-342900" lvl="8" marL="4114800" algn="l">
+            <a:lvl9pPr indent="-342900" lvl="8" marL="4114800" rtl="0" algn="l">
               <a:lnSpc>
                 <a:spcPct val="90000"/>
               </a:lnSpc>
@@ -9988,7 +9788,7 @@
             <a:normAutofit/>
           </a:bodyPr>
           <a:lstStyle>
-            <a:lvl1pPr indent="-228600" lvl="0" marL="457200" algn="l">
+            <a:lvl1pPr indent="-228600" lvl="0" marL="457200" rtl="0" algn="l">
               <a:lnSpc>
                 <a:spcPct val="90000"/>
               </a:lnSpc>
@@ -10005,7 +9805,7 @@
               <a:buNone/>
               <a:defRPr b="1" sz="2400"/>
             </a:lvl1pPr>
-            <a:lvl2pPr indent="-228600" lvl="1" marL="914400" algn="l">
+            <a:lvl2pPr indent="-228600" lvl="1" marL="914400" rtl="0" algn="l">
               <a:lnSpc>
                 <a:spcPct val="90000"/>
               </a:lnSpc>
@@ -10022,7 +9822,7 @@
               <a:buNone/>
               <a:defRPr b="1" sz="2000"/>
             </a:lvl2pPr>
-            <a:lvl3pPr indent="-228600" lvl="2" marL="1371600" algn="l">
+            <a:lvl3pPr indent="-228600" lvl="2" marL="1371600" rtl="0" algn="l">
               <a:lnSpc>
                 <a:spcPct val="90000"/>
               </a:lnSpc>
@@ -10039,7 +9839,7 @@
               <a:buNone/>
               <a:defRPr b="1" sz="1800"/>
             </a:lvl3pPr>
-            <a:lvl4pPr indent="-228600" lvl="3" marL="1828800" algn="l">
+            <a:lvl4pPr indent="-228600" lvl="3" marL="1828800" rtl="0" algn="l">
               <a:lnSpc>
                 <a:spcPct val="90000"/>
               </a:lnSpc>
@@ -10056,7 +9856,7 @@
               <a:buNone/>
               <a:defRPr b="1" sz="1600"/>
             </a:lvl4pPr>
-            <a:lvl5pPr indent="-228600" lvl="4" marL="2286000" algn="l">
+            <a:lvl5pPr indent="-228600" lvl="4" marL="2286000" rtl="0" algn="l">
               <a:lnSpc>
                 <a:spcPct val="90000"/>
               </a:lnSpc>
@@ -10073,7 +9873,7 @@
               <a:buNone/>
               <a:defRPr b="1" sz="1600"/>
             </a:lvl5pPr>
-            <a:lvl6pPr indent="-228600" lvl="5" marL="2743200" algn="l">
+            <a:lvl6pPr indent="-228600" lvl="5" marL="2743200" rtl="0" algn="l">
               <a:lnSpc>
                 <a:spcPct val="90000"/>
               </a:lnSpc>
@@ -10090,7 +9890,7 @@
               <a:buNone/>
               <a:defRPr b="1" sz="1600"/>
             </a:lvl6pPr>
-            <a:lvl7pPr indent="-228600" lvl="6" marL="3200400" algn="l">
+            <a:lvl7pPr indent="-228600" lvl="6" marL="3200400" rtl="0" algn="l">
               <a:lnSpc>
                 <a:spcPct val="90000"/>
               </a:lnSpc>
@@ -10107,7 +9907,7 @@
               <a:buNone/>
               <a:defRPr b="1" sz="1600"/>
             </a:lvl7pPr>
-            <a:lvl8pPr indent="-228600" lvl="7" marL="3657600" algn="l">
+            <a:lvl8pPr indent="-228600" lvl="7" marL="3657600" rtl="0" algn="l">
               <a:lnSpc>
                 <a:spcPct val="90000"/>
               </a:lnSpc>
@@ -10124,7 +9924,7 @@
               <a:buNone/>
               <a:defRPr b="1" sz="1600"/>
             </a:lvl8pPr>
-            <a:lvl9pPr indent="-228600" lvl="8" marL="4114800" algn="l">
+            <a:lvl9pPr indent="-228600" lvl="8" marL="4114800" rtl="0" algn="l">
               <a:lnSpc>
                 <a:spcPct val="90000"/>
               </a:lnSpc>
@@ -10171,7 +9971,7 @@
             <a:normAutofit/>
           </a:bodyPr>
           <a:lstStyle>
-            <a:lvl1pPr indent="-342900" lvl="0" marL="457200" algn="l">
+            <a:lvl1pPr indent="-342900" lvl="0" marL="457200" rtl="0" algn="l">
               <a:lnSpc>
                 <a:spcPct val="90000"/>
               </a:lnSpc>
@@ -10188,7 +9988,7 @@
               <a:buChar char="•"/>
               <a:defRPr/>
             </a:lvl1pPr>
-            <a:lvl2pPr indent="-342900" lvl="1" marL="914400" algn="l">
+            <a:lvl2pPr indent="-342900" lvl="1" marL="914400" rtl="0" algn="l">
               <a:lnSpc>
                 <a:spcPct val="90000"/>
               </a:lnSpc>
@@ -10205,7 +10005,7 @@
               <a:buChar char="•"/>
               <a:defRPr/>
             </a:lvl2pPr>
-            <a:lvl3pPr indent="-342900" lvl="2" marL="1371600" algn="l">
+            <a:lvl3pPr indent="-342900" lvl="2" marL="1371600" rtl="0" algn="l">
               <a:lnSpc>
                 <a:spcPct val="90000"/>
               </a:lnSpc>
@@ -10222,7 +10022,7 @@
               <a:buChar char="•"/>
               <a:defRPr/>
             </a:lvl3pPr>
-            <a:lvl4pPr indent="-342900" lvl="3" marL="1828800" algn="l">
+            <a:lvl4pPr indent="-342900" lvl="3" marL="1828800" rtl="0" algn="l">
               <a:lnSpc>
                 <a:spcPct val="90000"/>
               </a:lnSpc>
@@ -10239,7 +10039,7 @@
               <a:buChar char="•"/>
               <a:defRPr/>
             </a:lvl4pPr>
-            <a:lvl5pPr indent="-342900" lvl="4" marL="2286000" algn="l">
+            <a:lvl5pPr indent="-342900" lvl="4" marL="2286000" rtl="0" algn="l">
               <a:lnSpc>
                 <a:spcPct val="90000"/>
               </a:lnSpc>
@@ -10256,7 +10056,7 @@
               <a:buChar char="•"/>
               <a:defRPr/>
             </a:lvl5pPr>
-            <a:lvl6pPr indent="-342900" lvl="5" marL="2743200" algn="l">
+            <a:lvl6pPr indent="-342900" lvl="5" marL="2743200" rtl="0" algn="l">
               <a:lnSpc>
                 <a:spcPct val="90000"/>
               </a:lnSpc>
@@ -10273,7 +10073,7 @@
               <a:buChar char="•"/>
               <a:defRPr/>
             </a:lvl6pPr>
-            <a:lvl7pPr indent="-342900" lvl="6" marL="3200400" algn="l">
+            <a:lvl7pPr indent="-342900" lvl="6" marL="3200400" rtl="0" algn="l">
               <a:lnSpc>
                 <a:spcPct val="90000"/>
               </a:lnSpc>
@@ -10290,7 +10090,7 @@
               <a:buChar char="•"/>
               <a:defRPr/>
             </a:lvl7pPr>
-            <a:lvl8pPr indent="-342900" lvl="7" marL="3657600" algn="l">
+            <a:lvl8pPr indent="-342900" lvl="7" marL="3657600" rtl="0" algn="l">
               <a:lnSpc>
                 <a:spcPct val="90000"/>
               </a:lnSpc>
@@ -10307,7 +10107,7 @@
               <a:buChar char="•"/>
               <a:defRPr/>
             </a:lvl8pPr>
-            <a:lvl9pPr indent="-342900" lvl="8" marL="4114800" algn="l">
+            <a:lvl9pPr indent="-342900" lvl="8" marL="4114800" rtl="0" algn="l">
               <a:lnSpc>
                 <a:spcPct val="90000"/>
               </a:lnSpc>
@@ -10354,7 +10154,7 @@
             <a:noAutofit/>
           </a:bodyPr>
           <a:lstStyle>
-            <a:lvl1pPr lvl="0" algn="l">
+            <a:lvl1pPr lvl="0" rtl="0" algn="l">
               <a:spcBef>
                 <a:spcPts val="0"/>
               </a:spcBef>
@@ -10365,7 +10165,7 @@
               <a:buNone/>
               <a:defRPr/>
             </a:lvl1pPr>
-            <a:lvl2pPr lvl="1" algn="l">
+            <a:lvl2pPr lvl="1" rtl="0" algn="l">
               <a:spcBef>
                 <a:spcPts val="0"/>
               </a:spcBef>
@@ -10376,7 +10176,7 @@
               <a:buNone/>
               <a:defRPr/>
             </a:lvl2pPr>
-            <a:lvl3pPr lvl="2" algn="l">
+            <a:lvl3pPr lvl="2" rtl="0" algn="l">
               <a:spcBef>
                 <a:spcPts val="0"/>
               </a:spcBef>
@@ -10387,7 +10187,7 @@
               <a:buNone/>
               <a:defRPr/>
             </a:lvl3pPr>
-            <a:lvl4pPr lvl="3" algn="l">
+            <a:lvl4pPr lvl="3" rtl="0" algn="l">
               <a:spcBef>
                 <a:spcPts val="0"/>
               </a:spcBef>
@@ -10398,7 +10198,7 @@
               <a:buNone/>
               <a:defRPr/>
             </a:lvl4pPr>
-            <a:lvl5pPr lvl="4" algn="l">
+            <a:lvl5pPr lvl="4" rtl="0" algn="l">
               <a:spcBef>
                 <a:spcPts val="0"/>
               </a:spcBef>
@@ -10409,7 +10209,7 @@
               <a:buNone/>
               <a:defRPr/>
             </a:lvl5pPr>
-            <a:lvl6pPr lvl="5" algn="l">
+            <a:lvl6pPr lvl="5" rtl="0" algn="l">
               <a:spcBef>
                 <a:spcPts val="0"/>
               </a:spcBef>
@@ -10420,7 +10220,7 @@
               <a:buNone/>
               <a:defRPr/>
             </a:lvl6pPr>
-            <a:lvl7pPr lvl="6" algn="l">
+            <a:lvl7pPr lvl="6" rtl="0" algn="l">
               <a:spcBef>
                 <a:spcPts val="0"/>
               </a:spcBef>
@@ -10431,7 +10231,7 @@
               <a:buNone/>
               <a:defRPr/>
             </a:lvl7pPr>
-            <a:lvl8pPr lvl="7" algn="l">
+            <a:lvl8pPr lvl="7" rtl="0" algn="l">
               <a:spcBef>
                 <a:spcPts val="0"/>
               </a:spcBef>
@@ -10442,7 +10242,7 @@
               <a:buNone/>
               <a:defRPr/>
             </a:lvl8pPr>
-            <a:lvl9pPr lvl="8" algn="l">
+            <a:lvl9pPr lvl="8" rtl="0" algn="l">
               <a:spcBef>
                 <a:spcPts val="0"/>
               </a:spcBef>
@@ -10483,7 +10283,7 @@
             <a:noAutofit/>
           </a:bodyPr>
           <a:lstStyle>
-            <a:lvl1pPr lvl="0" algn="ctr">
+            <a:lvl1pPr lvl="0" rtl="0" algn="ctr">
               <a:spcBef>
                 <a:spcPts val="0"/>
               </a:spcBef>
@@ -10494,7 +10294,7 @@
               <a:buNone/>
               <a:defRPr/>
             </a:lvl1pPr>
-            <a:lvl2pPr lvl="1" algn="l">
+            <a:lvl2pPr lvl="1" rtl="0" algn="l">
               <a:spcBef>
                 <a:spcPts val="0"/>
               </a:spcBef>
@@ -10505,7 +10305,7 @@
               <a:buNone/>
               <a:defRPr/>
             </a:lvl2pPr>
-            <a:lvl3pPr lvl="2" algn="l">
+            <a:lvl3pPr lvl="2" rtl="0" algn="l">
               <a:spcBef>
                 <a:spcPts val="0"/>
               </a:spcBef>
@@ -10516,7 +10316,7 @@
               <a:buNone/>
               <a:defRPr/>
             </a:lvl3pPr>
-            <a:lvl4pPr lvl="3" algn="l">
+            <a:lvl4pPr lvl="3" rtl="0" algn="l">
               <a:spcBef>
                 <a:spcPts val="0"/>
               </a:spcBef>
@@ -10527,7 +10327,7 @@
               <a:buNone/>
               <a:defRPr/>
             </a:lvl4pPr>
-            <a:lvl5pPr lvl="4" algn="l">
+            <a:lvl5pPr lvl="4" rtl="0" algn="l">
               <a:spcBef>
                 <a:spcPts val="0"/>
               </a:spcBef>
@@ -10538,7 +10338,7 @@
               <a:buNone/>
               <a:defRPr/>
             </a:lvl5pPr>
-            <a:lvl6pPr lvl="5" algn="l">
+            <a:lvl6pPr lvl="5" rtl="0" algn="l">
               <a:spcBef>
                 <a:spcPts val="0"/>
               </a:spcBef>
@@ -10549,7 +10349,7 @@
               <a:buNone/>
               <a:defRPr/>
             </a:lvl6pPr>
-            <a:lvl7pPr lvl="6" algn="l">
+            <a:lvl7pPr lvl="6" rtl="0" algn="l">
               <a:spcBef>
                 <a:spcPts val="0"/>
               </a:spcBef>
@@ -10560,7 +10360,7 @@
               <a:buNone/>
               <a:defRPr/>
             </a:lvl7pPr>
-            <a:lvl8pPr lvl="7" algn="l">
+            <a:lvl8pPr lvl="7" rtl="0" algn="l">
               <a:spcBef>
                 <a:spcPts val="0"/>
               </a:spcBef>
@@ -10571,7 +10371,7 @@
               <a:buNone/>
               <a:defRPr/>
             </a:lvl8pPr>
-            <a:lvl9pPr lvl="8" algn="l">
+            <a:lvl9pPr lvl="8" rtl="0" algn="l">
               <a:spcBef>
                 <a:spcPts val="0"/>
               </a:spcBef>
@@ -10612,63 +10412,63 @@
             <a:noAutofit/>
           </a:bodyPr>
           <a:lstStyle>
-            <a:lvl1pPr indent="0" lvl="0" marL="0" algn="r">
+            <a:lvl1pPr indent="0" lvl="0" marL="0" rtl="0" algn="r">
               <a:spcBef>
                 <a:spcPts val="0"/>
               </a:spcBef>
               <a:buNone/>
               <a:defRPr/>
             </a:lvl1pPr>
-            <a:lvl2pPr indent="0" lvl="1" marL="0" algn="r">
+            <a:lvl2pPr indent="0" lvl="1" marL="0" rtl="0" algn="r">
               <a:spcBef>
                 <a:spcPts val="0"/>
               </a:spcBef>
               <a:buNone/>
               <a:defRPr/>
             </a:lvl2pPr>
-            <a:lvl3pPr indent="0" lvl="2" marL="0" algn="r">
+            <a:lvl3pPr indent="0" lvl="2" marL="0" rtl="0" algn="r">
               <a:spcBef>
                 <a:spcPts val="0"/>
               </a:spcBef>
               <a:buNone/>
               <a:defRPr/>
             </a:lvl3pPr>
-            <a:lvl4pPr indent="0" lvl="3" marL="0" algn="r">
+            <a:lvl4pPr indent="0" lvl="3" marL="0" rtl="0" algn="r">
               <a:spcBef>
                 <a:spcPts val="0"/>
               </a:spcBef>
               <a:buNone/>
               <a:defRPr/>
             </a:lvl4pPr>
-            <a:lvl5pPr indent="0" lvl="4" marL="0" algn="r">
+            <a:lvl5pPr indent="0" lvl="4" marL="0" rtl="0" algn="r">
               <a:spcBef>
                 <a:spcPts val="0"/>
               </a:spcBef>
               <a:buNone/>
               <a:defRPr/>
             </a:lvl5pPr>
-            <a:lvl6pPr indent="0" lvl="5" marL="0" algn="r">
+            <a:lvl6pPr indent="0" lvl="5" marL="0" rtl="0" algn="r">
               <a:spcBef>
                 <a:spcPts val="0"/>
               </a:spcBef>
               <a:buNone/>
               <a:defRPr/>
             </a:lvl6pPr>
-            <a:lvl7pPr indent="0" lvl="6" marL="0" algn="r">
+            <a:lvl7pPr indent="0" lvl="6" marL="0" rtl="0" algn="r">
               <a:spcBef>
                 <a:spcPts val="0"/>
               </a:spcBef>
               <a:buNone/>
               <a:defRPr/>
             </a:lvl7pPr>
-            <a:lvl8pPr indent="0" lvl="7" marL="0" algn="r">
+            <a:lvl8pPr indent="0" lvl="7" marL="0" rtl="0" algn="r">
               <a:spcBef>
                 <a:spcPts val="0"/>
               </a:spcBef>
               <a:buNone/>
               <a:defRPr/>
             </a:lvl8pPr>
-            <a:lvl9pPr indent="0" lvl="8" marL="0" algn="r">
+            <a:lvl9pPr indent="0" lvl="8" marL="0" rtl="0" algn="r">
               <a:spcBef>
                 <a:spcPts val="0"/>
               </a:spcBef>
@@ -10745,7 +10545,7 @@
             <a:normAutofit/>
           </a:bodyPr>
           <a:lstStyle>
-            <a:lvl1pPr lvl="0" algn="l">
+            <a:lvl1pPr lvl="0" rtl="0" algn="l">
               <a:lnSpc>
                 <a:spcPct val="90000"/>
               </a:lnSpc>
@@ -10762,7 +10562,7 @@
               <a:buNone/>
               <a:defRPr/>
             </a:lvl1pPr>
-            <a:lvl2pPr lvl="1">
+            <a:lvl2pPr lvl="1" rtl="0">
               <a:spcBef>
                 <a:spcPts val="0"/>
               </a:spcBef>
@@ -10773,7 +10573,7 @@
               <a:buNone/>
               <a:defRPr/>
             </a:lvl2pPr>
-            <a:lvl3pPr lvl="2">
+            <a:lvl3pPr lvl="2" rtl="0">
               <a:spcBef>
                 <a:spcPts val="0"/>
               </a:spcBef>
@@ -10784,7 +10584,7 @@
               <a:buNone/>
               <a:defRPr/>
             </a:lvl3pPr>
-            <a:lvl4pPr lvl="3">
+            <a:lvl4pPr lvl="3" rtl="0">
               <a:spcBef>
                 <a:spcPts val="0"/>
               </a:spcBef>
@@ -10795,7 +10595,7 @@
               <a:buNone/>
               <a:defRPr/>
             </a:lvl4pPr>
-            <a:lvl5pPr lvl="4">
+            <a:lvl5pPr lvl="4" rtl="0">
               <a:spcBef>
                 <a:spcPts val="0"/>
               </a:spcBef>
@@ -10806,7 +10606,7 @@
               <a:buNone/>
               <a:defRPr/>
             </a:lvl5pPr>
-            <a:lvl6pPr lvl="5">
+            <a:lvl6pPr lvl="5" rtl="0">
               <a:spcBef>
                 <a:spcPts val="0"/>
               </a:spcBef>
@@ -10817,7 +10617,7 @@
               <a:buNone/>
               <a:defRPr/>
             </a:lvl6pPr>
-            <a:lvl7pPr lvl="6">
+            <a:lvl7pPr lvl="6" rtl="0">
               <a:spcBef>
                 <a:spcPts val="0"/>
               </a:spcBef>
@@ -10828,7 +10628,7 @@
               <a:buNone/>
               <a:defRPr/>
             </a:lvl7pPr>
-            <a:lvl8pPr lvl="7">
+            <a:lvl8pPr lvl="7" rtl="0">
               <a:spcBef>
                 <a:spcPts val="0"/>
               </a:spcBef>
@@ -10839,7 +10639,7 @@
               <a:buNone/>
               <a:defRPr/>
             </a:lvl8pPr>
-            <a:lvl9pPr lvl="8">
+            <a:lvl9pPr lvl="8" rtl="0">
               <a:spcBef>
                 <a:spcPts val="0"/>
               </a:spcBef>
@@ -10880,7 +10680,7 @@
             <a:noAutofit/>
           </a:bodyPr>
           <a:lstStyle>
-            <a:lvl1pPr lvl="0" algn="l">
+            <a:lvl1pPr lvl="0" rtl="0" algn="l">
               <a:spcBef>
                 <a:spcPts val="0"/>
               </a:spcBef>
@@ -10891,7 +10691,7 @@
               <a:buNone/>
               <a:defRPr/>
             </a:lvl1pPr>
-            <a:lvl2pPr lvl="1" algn="l">
+            <a:lvl2pPr lvl="1" rtl="0" algn="l">
               <a:spcBef>
                 <a:spcPts val="0"/>
               </a:spcBef>
@@ -10902,7 +10702,7 @@
               <a:buNone/>
               <a:defRPr/>
             </a:lvl2pPr>
-            <a:lvl3pPr lvl="2" algn="l">
+            <a:lvl3pPr lvl="2" rtl="0" algn="l">
               <a:spcBef>
                 <a:spcPts val="0"/>
               </a:spcBef>
@@ -10913,7 +10713,7 @@
               <a:buNone/>
               <a:defRPr/>
             </a:lvl3pPr>
-            <a:lvl4pPr lvl="3" algn="l">
+            <a:lvl4pPr lvl="3" rtl="0" algn="l">
               <a:spcBef>
                 <a:spcPts val="0"/>
               </a:spcBef>
@@ -10924,7 +10724,7 @@
               <a:buNone/>
               <a:defRPr/>
             </a:lvl4pPr>
-            <a:lvl5pPr lvl="4" algn="l">
+            <a:lvl5pPr lvl="4" rtl="0" algn="l">
               <a:spcBef>
                 <a:spcPts val="0"/>
               </a:spcBef>
@@ -10935,7 +10735,7 @@
               <a:buNone/>
               <a:defRPr/>
             </a:lvl5pPr>
-            <a:lvl6pPr lvl="5" algn="l">
+            <a:lvl6pPr lvl="5" rtl="0" algn="l">
               <a:spcBef>
                 <a:spcPts val="0"/>
               </a:spcBef>
@@ -10946,7 +10746,7 @@
               <a:buNone/>
               <a:defRPr/>
             </a:lvl6pPr>
-            <a:lvl7pPr lvl="6" algn="l">
+            <a:lvl7pPr lvl="6" rtl="0" algn="l">
               <a:spcBef>
                 <a:spcPts val="0"/>
               </a:spcBef>
@@ -10957,7 +10757,7 @@
               <a:buNone/>
               <a:defRPr/>
             </a:lvl7pPr>
-            <a:lvl8pPr lvl="7" algn="l">
+            <a:lvl8pPr lvl="7" rtl="0" algn="l">
               <a:spcBef>
                 <a:spcPts val="0"/>
               </a:spcBef>
@@ -10968,7 +10768,7 @@
               <a:buNone/>
               <a:defRPr/>
             </a:lvl8pPr>
-            <a:lvl9pPr lvl="8" algn="l">
+            <a:lvl9pPr lvl="8" rtl="0" algn="l">
               <a:spcBef>
                 <a:spcPts val="0"/>
               </a:spcBef>
@@ -11009,7 +10809,7 @@
             <a:noAutofit/>
           </a:bodyPr>
           <a:lstStyle>
-            <a:lvl1pPr lvl="0" algn="ctr">
+            <a:lvl1pPr lvl="0" rtl="0" algn="ctr">
               <a:spcBef>
                 <a:spcPts val="0"/>
               </a:spcBef>
@@ -11020,7 +10820,7 @@
               <a:buNone/>
               <a:defRPr/>
             </a:lvl1pPr>
-            <a:lvl2pPr lvl="1" algn="l">
+            <a:lvl2pPr lvl="1" rtl="0" algn="l">
               <a:spcBef>
                 <a:spcPts val="0"/>
               </a:spcBef>
@@ -11031,7 +10831,7 @@
               <a:buNone/>
               <a:defRPr/>
             </a:lvl2pPr>
-            <a:lvl3pPr lvl="2" algn="l">
+            <a:lvl3pPr lvl="2" rtl="0" algn="l">
               <a:spcBef>
                 <a:spcPts val="0"/>
               </a:spcBef>
@@ -11042,7 +10842,7 @@
               <a:buNone/>
               <a:defRPr/>
             </a:lvl3pPr>
-            <a:lvl4pPr lvl="3" algn="l">
+            <a:lvl4pPr lvl="3" rtl="0" algn="l">
               <a:spcBef>
                 <a:spcPts val="0"/>
               </a:spcBef>
@@ -11053,7 +10853,7 @@
               <a:buNone/>
               <a:defRPr/>
             </a:lvl4pPr>
-            <a:lvl5pPr lvl="4" algn="l">
+            <a:lvl5pPr lvl="4" rtl="0" algn="l">
               <a:spcBef>
                 <a:spcPts val="0"/>
               </a:spcBef>
@@ -11064,7 +10864,7 @@
               <a:buNone/>
               <a:defRPr/>
             </a:lvl5pPr>
-            <a:lvl6pPr lvl="5" algn="l">
+            <a:lvl6pPr lvl="5" rtl="0" algn="l">
               <a:spcBef>
                 <a:spcPts val="0"/>
               </a:spcBef>
@@ -11075,7 +10875,7 @@
               <a:buNone/>
               <a:defRPr/>
             </a:lvl6pPr>
-            <a:lvl7pPr lvl="6" algn="l">
+            <a:lvl7pPr lvl="6" rtl="0" algn="l">
               <a:spcBef>
                 <a:spcPts val="0"/>
               </a:spcBef>
@@ -11086,7 +10886,7 @@
               <a:buNone/>
               <a:defRPr/>
             </a:lvl7pPr>
-            <a:lvl8pPr lvl="7" algn="l">
+            <a:lvl8pPr lvl="7" rtl="0" algn="l">
               <a:spcBef>
                 <a:spcPts val="0"/>
               </a:spcBef>
@@ -11097,7 +10897,7 @@
               <a:buNone/>
               <a:defRPr/>
             </a:lvl8pPr>
-            <a:lvl9pPr lvl="8" algn="l">
+            <a:lvl9pPr lvl="8" rtl="0" algn="l">
               <a:spcBef>
                 <a:spcPts val="0"/>
               </a:spcBef>
@@ -11138,63 +10938,63 @@
             <a:noAutofit/>
           </a:bodyPr>
           <a:lstStyle>
-            <a:lvl1pPr indent="0" lvl="0" marL="0" algn="r">
+            <a:lvl1pPr indent="0" lvl="0" marL="0" rtl="0" algn="r">
               <a:spcBef>
                 <a:spcPts val="0"/>
               </a:spcBef>
               <a:buNone/>
               <a:defRPr/>
             </a:lvl1pPr>
-            <a:lvl2pPr indent="0" lvl="1" marL="0" algn="r">
+            <a:lvl2pPr indent="0" lvl="1" marL="0" rtl="0" algn="r">
               <a:spcBef>
                 <a:spcPts val="0"/>
               </a:spcBef>
               <a:buNone/>
               <a:defRPr/>
             </a:lvl2pPr>
-            <a:lvl3pPr indent="0" lvl="2" marL="0" algn="r">
+            <a:lvl3pPr indent="0" lvl="2" marL="0" rtl="0" algn="r">
               <a:spcBef>
                 <a:spcPts val="0"/>
               </a:spcBef>
               <a:buNone/>
               <a:defRPr/>
             </a:lvl3pPr>
-            <a:lvl4pPr indent="0" lvl="3" marL="0" algn="r">
+            <a:lvl4pPr indent="0" lvl="3" marL="0" rtl="0" algn="r">
               <a:spcBef>
                 <a:spcPts val="0"/>
               </a:spcBef>
               <a:buNone/>
               <a:defRPr/>
             </a:lvl4pPr>
-            <a:lvl5pPr indent="0" lvl="4" marL="0" algn="r">
+            <a:lvl5pPr indent="0" lvl="4" marL="0" rtl="0" algn="r">
               <a:spcBef>
                 <a:spcPts val="0"/>
               </a:spcBef>
               <a:buNone/>
               <a:defRPr/>
             </a:lvl5pPr>
-            <a:lvl6pPr indent="0" lvl="5" marL="0" algn="r">
+            <a:lvl6pPr indent="0" lvl="5" marL="0" rtl="0" algn="r">
               <a:spcBef>
                 <a:spcPts val="0"/>
               </a:spcBef>
               <a:buNone/>
               <a:defRPr/>
             </a:lvl6pPr>
-            <a:lvl7pPr indent="0" lvl="6" marL="0" algn="r">
+            <a:lvl7pPr indent="0" lvl="6" marL="0" rtl="0" algn="r">
               <a:spcBef>
                 <a:spcPts val="0"/>
               </a:spcBef>
               <a:buNone/>
               <a:defRPr/>
             </a:lvl7pPr>
-            <a:lvl8pPr indent="0" lvl="7" marL="0" algn="r">
+            <a:lvl8pPr indent="0" lvl="7" marL="0" rtl="0" algn="r">
               <a:spcBef>
                 <a:spcPts val="0"/>
               </a:spcBef>
               <a:buNone/>
               <a:defRPr/>
             </a:lvl8pPr>
-            <a:lvl9pPr indent="0" lvl="8" marL="0" algn="r">
+            <a:lvl9pPr indent="0" lvl="8" marL="0" rtl="0" algn="r">
               <a:spcBef>
                 <a:spcPts val="0"/>
               </a:spcBef>
@@ -11271,7 +11071,7 @@
             <a:noAutofit/>
           </a:bodyPr>
           <a:lstStyle>
-            <a:lvl1pPr lvl="0" algn="l">
+            <a:lvl1pPr lvl="0" rtl="0" algn="l">
               <a:spcBef>
                 <a:spcPts val="0"/>
               </a:spcBef>
@@ -11282,7 +11082,7 @@
               <a:buNone/>
               <a:defRPr/>
             </a:lvl1pPr>
-            <a:lvl2pPr lvl="1" algn="l">
+            <a:lvl2pPr lvl="1" rtl="0" algn="l">
               <a:spcBef>
                 <a:spcPts val="0"/>
               </a:spcBef>
@@ -11293,7 +11093,7 @@
               <a:buNone/>
               <a:defRPr/>
             </a:lvl2pPr>
-            <a:lvl3pPr lvl="2" algn="l">
+            <a:lvl3pPr lvl="2" rtl="0" algn="l">
               <a:spcBef>
                 <a:spcPts val="0"/>
               </a:spcBef>
@@ -11304,7 +11104,7 @@
               <a:buNone/>
               <a:defRPr/>
             </a:lvl3pPr>
-            <a:lvl4pPr lvl="3" algn="l">
+            <a:lvl4pPr lvl="3" rtl="0" algn="l">
               <a:spcBef>
                 <a:spcPts val="0"/>
               </a:spcBef>
@@ -11315,7 +11115,7 @@
               <a:buNone/>
               <a:defRPr/>
             </a:lvl4pPr>
-            <a:lvl5pPr lvl="4" algn="l">
+            <a:lvl5pPr lvl="4" rtl="0" algn="l">
               <a:spcBef>
                 <a:spcPts val="0"/>
               </a:spcBef>
@@ -11326,7 +11126,7 @@
               <a:buNone/>
               <a:defRPr/>
             </a:lvl5pPr>
-            <a:lvl6pPr lvl="5" algn="l">
+            <a:lvl6pPr lvl="5" rtl="0" algn="l">
               <a:spcBef>
                 <a:spcPts val="0"/>
               </a:spcBef>
@@ -11337,7 +11137,7 @@
               <a:buNone/>
               <a:defRPr/>
             </a:lvl6pPr>
-            <a:lvl7pPr lvl="6" algn="l">
+            <a:lvl7pPr lvl="6" rtl="0" algn="l">
               <a:spcBef>
                 <a:spcPts val="0"/>
               </a:spcBef>
@@ -11348,7 +11148,7 @@
               <a:buNone/>
               <a:defRPr/>
             </a:lvl7pPr>
-            <a:lvl8pPr lvl="7" algn="l">
+            <a:lvl8pPr lvl="7" rtl="0" algn="l">
               <a:spcBef>
                 <a:spcPts val="0"/>
               </a:spcBef>
@@ -11359,7 +11159,7 @@
               <a:buNone/>
               <a:defRPr/>
             </a:lvl8pPr>
-            <a:lvl9pPr lvl="8" algn="l">
+            <a:lvl9pPr lvl="8" rtl="0" algn="l">
               <a:spcBef>
                 <a:spcPts val="0"/>
               </a:spcBef>
@@ -11400,7 +11200,7 @@
             <a:noAutofit/>
           </a:bodyPr>
           <a:lstStyle>
-            <a:lvl1pPr lvl="0" algn="ctr">
+            <a:lvl1pPr lvl="0" rtl="0" algn="ctr">
               <a:spcBef>
                 <a:spcPts val="0"/>
               </a:spcBef>
@@ -11411,7 +11211,7 @@
               <a:buNone/>
               <a:defRPr/>
             </a:lvl1pPr>
-            <a:lvl2pPr lvl="1" algn="l">
+            <a:lvl2pPr lvl="1" rtl="0" algn="l">
               <a:spcBef>
                 <a:spcPts val="0"/>
               </a:spcBef>
@@ -11422,7 +11222,7 @@
               <a:buNone/>
               <a:defRPr/>
             </a:lvl2pPr>
-            <a:lvl3pPr lvl="2" algn="l">
+            <a:lvl3pPr lvl="2" rtl="0" algn="l">
               <a:spcBef>
                 <a:spcPts val="0"/>
               </a:spcBef>
@@ -11433,7 +11233,7 @@
               <a:buNone/>
               <a:defRPr/>
             </a:lvl3pPr>
-            <a:lvl4pPr lvl="3" algn="l">
+            <a:lvl4pPr lvl="3" rtl="0" algn="l">
               <a:spcBef>
                 <a:spcPts val="0"/>
               </a:spcBef>
@@ -11444,7 +11244,7 @@
               <a:buNone/>
               <a:defRPr/>
             </a:lvl4pPr>
-            <a:lvl5pPr lvl="4" algn="l">
+            <a:lvl5pPr lvl="4" rtl="0" algn="l">
               <a:spcBef>
                 <a:spcPts val="0"/>
               </a:spcBef>
@@ -11455,7 +11255,7 @@
               <a:buNone/>
               <a:defRPr/>
             </a:lvl5pPr>
-            <a:lvl6pPr lvl="5" algn="l">
+            <a:lvl6pPr lvl="5" rtl="0" algn="l">
               <a:spcBef>
                 <a:spcPts val="0"/>
               </a:spcBef>
@@ -11466,7 +11266,7 @@
               <a:buNone/>
               <a:defRPr/>
             </a:lvl6pPr>
-            <a:lvl7pPr lvl="6" algn="l">
+            <a:lvl7pPr lvl="6" rtl="0" algn="l">
               <a:spcBef>
                 <a:spcPts val="0"/>
               </a:spcBef>
@@ -11477,7 +11277,7 @@
               <a:buNone/>
               <a:defRPr/>
             </a:lvl7pPr>
-            <a:lvl8pPr lvl="7" algn="l">
+            <a:lvl8pPr lvl="7" rtl="0" algn="l">
               <a:spcBef>
                 <a:spcPts val="0"/>
               </a:spcBef>
@@ -11488,7 +11288,7 @@
               <a:buNone/>
               <a:defRPr/>
             </a:lvl8pPr>
-            <a:lvl9pPr lvl="8" algn="l">
+            <a:lvl9pPr lvl="8" rtl="0" algn="l">
               <a:spcBef>
                 <a:spcPts val="0"/>
               </a:spcBef>
@@ -11529,63 +11329,63 @@
             <a:noAutofit/>
           </a:bodyPr>
           <a:lstStyle>
-            <a:lvl1pPr indent="0" lvl="0" marL="0" algn="r">
+            <a:lvl1pPr indent="0" lvl="0" marL="0" rtl="0" algn="r">
               <a:spcBef>
                 <a:spcPts val="0"/>
               </a:spcBef>
               <a:buNone/>
               <a:defRPr/>
             </a:lvl1pPr>
-            <a:lvl2pPr indent="0" lvl="1" marL="0" algn="r">
+            <a:lvl2pPr indent="0" lvl="1" marL="0" rtl="0" algn="r">
               <a:spcBef>
                 <a:spcPts val="0"/>
               </a:spcBef>
               <a:buNone/>
               <a:defRPr/>
             </a:lvl2pPr>
-            <a:lvl3pPr indent="0" lvl="2" marL="0" algn="r">
+            <a:lvl3pPr indent="0" lvl="2" marL="0" rtl="0" algn="r">
               <a:spcBef>
                 <a:spcPts val="0"/>
               </a:spcBef>
               <a:buNone/>
               <a:defRPr/>
             </a:lvl3pPr>
-            <a:lvl4pPr indent="0" lvl="3" marL="0" algn="r">
+            <a:lvl4pPr indent="0" lvl="3" marL="0" rtl="0" algn="r">
               <a:spcBef>
                 <a:spcPts val="0"/>
               </a:spcBef>
               <a:buNone/>
               <a:defRPr/>
             </a:lvl4pPr>
-            <a:lvl5pPr indent="0" lvl="4" marL="0" algn="r">
+            <a:lvl5pPr indent="0" lvl="4" marL="0" rtl="0" algn="r">
               <a:spcBef>
                 <a:spcPts val="0"/>
               </a:spcBef>
               <a:buNone/>
               <a:defRPr/>
             </a:lvl5pPr>
-            <a:lvl6pPr indent="0" lvl="5" marL="0" algn="r">
+            <a:lvl6pPr indent="0" lvl="5" marL="0" rtl="0" algn="r">
               <a:spcBef>
                 <a:spcPts val="0"/>
               </a:spcBef>
               <a:buNone/>
               <a:defRPr/>
             </a:lvl6pPr>
-            <a:lvl7pPr indent="0" lvl="6" marL="0" algn="r">
+            <a:lvl7pPr indent="0" lvl="6" marL="0" rtl="0" algn="r">
               <a:spcBef>
                 <a:spcPts val="0"/>
               </a:spcBef>
               <a:buNone/>
               <a:defRPr/>
             </a:lvl7pPr>
-            <a:lvl8pPr indent="0" lvl="7" marL="0" algn="r">
+            <a:lvl8pPr indent="0" lvl="7" marL="0" rtl="0" algn="r">
               <a:spcBef>
                 <a:spcPts val="0"/>
               </a:spcBef>
               <a:buNone/>
               <a:defRPr/>
             </a:lvl8pPr>
-            <a:lvl9pPr indent="0" lvl="8" marL="0" algn="r">
+            <a:lvl9pPr indent="0" lvl="8" marL="0" rtl="0" algn="r">
               <a:spcBef>
                 <a:spcPts val="0"/>
               </a:spcBef>
@@ -11662,7 +11462,7 @@
             <a:normAutofit/>
           </a:bodyPr>
           <a:lstStyle>
-            <a:lvl1pPr lvl="0" algn="l">
+            <a:lvl1pPr lvl="0" rtl="0" algn="l">
               <a:lnSpc>
                 <a:spcPct val="90000"/>
               </a:lnSpc>
@@ -11680,7 +11480,7 @@
               <a:buNone/>
               <a:defRPr sz="3200"/>
             </a:lvl1pPr>
-            <a:lvl2pPr lvl="1">
+            <a:lvl2pPr lvl="1" rtl="0">
               <a:spcBef>
                 <a:spcPts val="0"/>
               </a:spcBef>
@@ -11691,7 +11491,7 @@
               <a:buNone/>
               <a:defRPr/>
             </a:lvl2pPr>
-            <a:lvl3pPr lvl="2">
+            <a:lvl3pPr lvl="2" rtl="0">
               <a:spcBef>
                 <a:spcPts val="0"/>
               </a:spcBef>
@@ -11702,7 +11502,7 @@
               <a:buNone/>
               <a:defRPr/>
             </a:lvl3pPr>
-            <a:lvl4pPr lvl="3">
+            <a:lvl4pPr lvl="3" rtl="0">
               <a:spcBef>
                 <a:spcPts val="0"/>
               </a:spcBef>
@@ -11713,7 +11513,7 @@
               <a:buNone/>
               <a:defRPr/>
             </a:lvl4pPr>
-            <a:lvl5pPr lvl="4">
+            <a:lvl5pPr lvl="4" rtl="0">
               <a:spcBef>
                 <a:spcPts val="0"/>
               </a:spcBef>
@@ -11724,7 +11524,7 @@
               <a:buNone/>
               <a:defRPr/>
             </a:lvl5pPr>
-            <a:lvl6pPr lvl="5">
+            <a:lvl6pPr lvl="5" rtl="0">
               <a:spcBef>
                 <a:spcPts val="0"/>
               </a:spcBef>
@@ -11735,7 +11535,7 @@
               <a:buNone/>
               <a:defRPr/>
             </a:lvl6pPr>
-            <a:lvl7pPr lvl="6">
+            <a:lvl7pPr lvl="6" rtl="0">
               <a:spcBef>
                 <a:spcPts val="0"/>
               </a:spcBef>
@@ -11746,7 +11546,7 @@
               <a:buNone/>
               <a:defRPr/>
             </a:lvl7pPr>
-            <a:lvl8pPr lvl="7">
+            <a:lvl8pPr lvl="7" rtl="0">
               <a:spcBef>
                 <a:spcPts val="0"/>
               </a:spcBef>
@@ -11757,7 +11557,7 @@
               <a:buNone/>
               <a:defRPr/>
             </a:lvl8pPr>
-            <a:lvl9pPr lvl="8">
+            <a:lvl9pPr lvl="8" rtl="0">
               <a:spcBef>
                 <a:spcPts val="0"/>
               </a:spcBef>
@@ -11798,7 +11598,7 @@
             <a:normAutofit/>
           </a:bodyPr>
           <a:lstStyle>
-            <a:lvl1pPr indent="-431800" lvl="0" marL="457200" algn="l">
+            <a:lvl1pPr indent="-431800" lvl="0" marL="457200" rtl="0" algn="l">
               <a:lnSpc>
                 <a:spcPct val="90000"/>
               </a:lnSpc>
@@ -11815,7 +11615,7 @@
               <a:buChar char="•"/>
               <a:defRPr sz="3200"/>
             </a:lvl1pPr>
-            <a:lvl2pPr indent="-406400" lvl="1" marL="914400" algn="l">
+            <a:lvl2pPr indent="-406400" lvl="1" marL="914400" rtl="0" algn="l">
               <a:lnSpc>
                 <a:spcPct val="90000"/>
               </a:lnSpc>
@@ -11832,7 +11632,7 @@
               <a:buChar char="•"/>
               <a:defRPr sz="2800"/>
             </a:lvl2pPr>
-            <a:lvl3pPr indent="-381000" lvl="2" marL="1371600" algn="l">
+            <a:lvl3pPr indent="-381000" lvl="2" marL="1371600" rtl="0" algn="l">
               <a:lnSpc>
                 <a:spcPct val="90000"/>
               </a:lnSpc>
@@ -11849,7 +11649,7 @@
               <a:buChar char="•"/>
               <a:defRPr sz="2400"/>
             </a:lvl3pPr>
-            <a:lvl4pPr indent="-355600" lvl="3" marL="1828800" algn="l">
+            <a:lvl4pPr indent="-355600" lvl="3" marL="1828800" rtl="0" algn="l">
               <a:lnSpc>
                 <a:spcPct val="90000"/>
               </a:lnSpc>
@@ -11866,7 +11666,7 @@
               <a:buChar char="•"/>
               <a:defRPr sz="2000"/>
             </a:lvl4pPr>
-            <a:lvl5pPr indent="-355600" lvl="4" marL="2286000" algn="l">
+            <a:lvl5pPr indent="-355600" lvl="4" marL="2286000" rtl="0" algn="l">
               <a:lnSpc>
                 <a:spcPct val="90000"/>
               </a:lnSpc>
@@ -11883,7 +11683,7 @@
               <a:buChar char="•"/>
               <a:defRPr sz="2000"/>
             </a:lvl5pPr>
-            <a:lvl6pPr indent="-355600" lvl="5" marL="2743200" algn="l">
+            <a:lvl6pPr indent="-355600" lvl="5" marL="2743200" rtl="0" algn="l">
               <a:lnSpc>
                 <a:spcPct val="90000"/>
               </a:lnSpc>
@@ -11900,7 +11700,7 @@
               <a:buChar char="•"/>
               <a:defRPr sz="2000"/>
             </a:lvl6pPr>
-            <a:lvl7pPr indent="-355600" lvl="6" marL="3200400" algn="l">
+            <a:lvl7pPr indent="-355600" lvl="6" marL="3200400" rtl="0" algn="l">
               <a:lnSpc>
                 <a:spcPct val="90000"/>
               </a:lnSpc>
@@ -11917,7 +11717,7 @@
               <a:buChar char="•"/>
               <a:defRPr sz="2000"/>
             </a:lvl7pPr>
-            <a:lvl8pPr indent="-355600" lvl="7" marL="3657600" algn="l">
+            <a:lvl8pPr indent="-355600" lvl="7" marL="3657600" rtl="0" algn="l">
               <a:lnSpc>
                 <a:spcPct val="90000"/>
               </a:lnSpc>
@@ -11934,7 +11734,7 @@
               <a:buChar char="•"/>
               <a:defRPr sz="2000"/>
             </a:lvl8pPr>
-            <a:lvl9pPr indent="-355600" lvl="8" marL="4114800" algn="l">
+            <a:lvl9pPr indent="-355600" lvl="8" marL="4114800" rtl="0" algn="l">
               <a:lnSpc>
                 <a:spcPct val="90000"/>
               </a:lnSpc>
@@ -11981,7 +11781,7 @@
             <a:normAutofit/>
           </a:bodyPr>
           <a:lstStyle>
-            <a:lvl1pPr indent="-228600" lvl="0" marL="457200" algn="l">
+            <a:lvl1pPr indent="-228600" lvl="0" marL="457200" rtl="0" algn="l">
               <a:lnSpc>
                 <a:spcPct val="90000"/>
               </a:lnSpc>
@@ -11998,7 +11798,7 @@
               <a:buNone/>
               <a:defRPr sz="1600"/>
             </a:lvl1pPr>
-            <a:lvl2pPr indent="-228600" lvl="1" marL="914400" algn="l">
+            <a:lvl2pPr indent="-228600" lvl="1" marL="914400" rtl="0" algn="l">
               <a:lnSpc>
                 <a:spcPct val="90000"/>
               </a:lnSpc>
@@ -12015,7 +11815,7 @@
               <a:buNone/>
               <a:defRPr sz="1400"/>
             </a:lvl2pPr>
-            <a:lvl3pPr indent="-228600" lvl="2" marL="1371600" algn="l">
+            <a:lvl3pPr indent="-228600" lvl="2" marL="1371600" rtl="0" algn="l">
               <a:lnSpc>
                 <a:spcPct val="90000"/>
               </a:lnSpc>
@@ -12032,7 +11832,7 @@
               <a:buNone/>
               <a:defRPr sz="1200"/>
             </a:lvl3pPr>
-            <a:lvl4pPr indent="-228600" lvl="3" marL="1828800" algn="l">
+            <a:lvl4pPr indent="-228600" lvl="3" marL="1828800" rtl="0" algn="l">
               <a:lnSpc>
                 <a:spcPct val="90000"/>
               </a:lnSpc>
@@ -12049,7 +11849,7 @@
               <a:buNone/>
               <a:defRPr sz="1000"/>
             </a:lvl4pPr>
-            <a:lvl5pPr indent="-228600" lvl="4" marL="2286000" algn="l">
+            <a:lvl5pPr indent="-228600" lvl="4" marL="2286000" rtl="0" algn="l">
               <a:lnSpc>
                 <a:spcPct val="90000"/>
               </a:lnSpc>
@@ -12066,7 +11866,7 @@
               <a:buNone/>
               <a:defRPr sz="1000"/>
             </a:lvl5pPr>
-            <a:lvl6pPr indent="-228600" lvl="5" marL="2743200" algn="l">
+            <a:lvl6pPr indent="-228600" lvl="5" marL="2743200" rtl="0" algn="l">
               <a:lnSpc>
                 <a:spcPct val="90000"/>
               </a:lnSpc>
@@ -12083,7 +11883,7 @@
               <a:buNone/>
               <a:defRPr sz="1000"/>
             </a:lvl6pPr>
-            <a:lvl7pPr indent="-228600" lvl="6" marL="3200400" algn="l">
+            <a:lvl7pPr indent="-228600" lvl="6" marL="3200400" rtl="0" algn="l">
               <a:lnSpc>
                 <a:spcPct val="90000"/>
               </a:lnSpc>
@@ -12100,7 +11900,7 @@
               <a:buNone/>
               <a:defRPr sz="1000"/>
             </a:lvl7pPr>
-            <a:lvl8pPr indent="-228600" lvl="7" marL="3657600" algn="l">
+            <a:lvl8pPr indent="-228600" lvl="7" marL="3657600" rtl="0" algn="l">
               <a:lnSpc>
                 <a:spcPct val="90000"/>
               </a:lnSpc>
@@ -12117,7 +11917,7 @@
               <a:buNone/>
               <a:defRPr sz="1000"/>
             </a:lvl8pPr>
-            <a:lvl9pPr indent="-228600" lvl="8" marL="4114800" algn="l">
+            <a:lvl9pPr indent="-228600" lvl="8" marL="4114800" rtl="0" algn="l">
               <a:lnSpc>
                 <a:spcPct val="90000"/>
               </a:lnSpc>
@@ -12164,7 +11964,7 @@
             <a:noAutofit/>
           </a:bodyPr>
           <a:lstStyle>
-            <a:lvl1pPr lvl="0" algn="l">
+            <a:lvl1pPr lvl="0" rtl="0" algn="l">
               <a:spcBef>
                 <a:spcPts val="0"/>
               </a:spcBef>
@@ -12175,7 +11975,7 @@
               <a:buNone/>
               <a:defRPr/>
             </a:lvl1pPr>
-            <a:lvl2pPr lvl="1" algn="l">
+            <a:lvl2pPr lvl="1" rtl="0" algn="l">
               <a:spcBef>
                 <a:spcPts val="0"/>
               </a:spcBef>
@@ -12186,7 +11986,7 @@
               <a:buNone/>
               <a:defRPr/>
             </a:lvl2pPr>
-            <a:lvl3pPr lvl="2" algn="l">
+            <a:lvl3pPr lvl="2" rtl="0" algn="l">
               <a:spcBef>
                 <a:spcPts val="0"/>
               </a:spcBef>
@@ -12197,7 +11997,7 @@
               <a:buNone/>
               <a:defRPr/>
             </a:lvl3pPr>
-            <a:lvl4pPr lvl="3" algn="l">
+            <a:lvl4pPr lvl="3" rtl="0" algn="l">
               <a:spcBef>
                 <a:spcPts val="0"/>
               </a:spcBef>
@@ -12208,7 +12008,7 @@
               <a:buNone/>
               <a:defRPr/>
             </a:lvl4pPr>
-            <a:lvl5pPr lvl="4" algn="l">
+            <a:lvl5pPr lvl="4" rtl="0" algn="l">
               <a:spcBef>
                 <a:spcPts val="0"/>
               </a:spcBef>
@@ -12219,7 +12019,7 @@
               <a:buNone/>
               <a:defRPr/>
             </a:lvl5pPr>
-            <a:lvl6pPr lvl="5" algn="l">
+            <a:lvl6pPr lvl="5" rtl="0" algn="l">
               <a:spcBef>
                 <a:spcPts val="0"/>
               </a:spcBef>
@@ -12230,7 +12030,7 @@
               <a:buNone/>
               <a:defRPr/>
             </a:lvl6pPr>
-            <a:lvl7pPr lvl="6" algn="l">
+            <a:lvl7pPr lvl="6" rtl="0" algn="l">
               <a:spcBef>
                 <a:spcPts val="0"/>
               </a:spcBef>
@@ -12241,7 +12041,7 @@
               <a:buNone/>
               <a:defRPr/>
             </a:lvl7pPr>
-            <a:lvl8pPr lvl="7" algn="l">
+            <a:lvl8pPr lvl="7" rtl="0" algn="l">
               <a:spcBef>
                 <a:spcPts val="0"/>
               </a:spcBef>
@@ -12252,7 +12052,7 @@
               <a:buNone/>
               <a:defRPr/>
             </a:lvl8pPr>
-            <a:lvl9pPr lvl="8" algn="l">
+            <a:lvl9pPr lvl="8" rtl="0" algn="l">
               <a:spcBef>
                 <a:spcPts val="0"/>
               </a:spcBef>
@@ -12293,7 +12093,7 @@
             <a:noAutofit/>
           </a:bodyPr>
           <a:lstStyle>
-            <a:lvl1pPr lvl="0" algn="ctr">
+            <a:lvl1pPr lvl="0" rtl="0" algn="ctr">
               <a:spcBef>
                 <a:spcPts val="0"/>
               </a:spcBef>
@@ -12304,7 +12104,7 @@
               <a:buNone/>
               <a:defRPr/>
             </a:lvl1pPr>
-            <a:lvl2pPr lvl="1" algn="l">
+            <a:lvl2pPr lvl="1" rtl="0" algn="l">
               <a:spcBef>
                 <a:spcPts val="0"/>
               </a:spcBef>
@@ -12315,7 +12115,7 @@
               <a:buNone/>
               <a:defRPr/>
             </a:lvl2pPr>
-            <a:lvl3pPr lvl="2" algn="l">
+            <a:lvl3pPr lvl="2" rtl="0" algn="l">
               <a:spcBef>
                 <a:spcPts val="0"/>
               </a:spcBef>
@@ -12326,7 +12126,7 @@
               <a:buNone/>
               <a:defRPr/>
             </a:lvl3pPr>
-            <a:lvl4pPr lvl="3" algn="l">
+            <a:lvl4pPr lvl="3" rtl="0" algn="l">
               <a:spcBef>
                 <a:spcPts val="0"/>
               </a:spcBef>
@@ -12337,7 +12137,7 @@
               <a:buNone/>
               <a:defRPr/>
             </a:lvl4pPr>
-            <a:lvl5pPr lvl="4" algn="l">
+            <a:lvl5pPr lvl="4" rtl="0" algn="l">
               <a:spcBef>
                 <a:spcPts val="0"/>
               </a:spcBef>
@@ -12348,7 +12148,7 @@
               <a:buNone/>
               <a:defRPr/>
             </a:lvl5pPr>
-            <a:lvl6pPr lvl="5" algn="l">
+            <a:lvl6pPr lvl="5" rtl="0" algn="l">
               <a:spcBef>
                 <a:spcPts val="0"/>
               </a:spcBef>
@@ -12359,7 +12159,7 @@
               <a:buNone/>
               <a:defRPr/>
             </a:lvl6pPr>
-            <a:lvl7pPr lvl="6" algn="l">
+            <a:lvl7pPr lvl="6" rtl="0" algn="l">
               <a:spcBef>
                 <a:spcPts val="0"/>
               </a:spcBef>
@@ -12370,7 +12170,7 @@
               <a:buNone/>
               <a:defRPr/>
             </a:lvl7pPr>
-            <a:lvl8pPr lvl="7" algn="l">
+            <a:lvl8pPr lvl="7" rtl="0" algn="l">
               <a:spcBef>
                 <a:spcPts val="0"/>
               </a:spcBef>
@@ -12381,7 +12181,7 @@
               <a:buNone/>
               <a:defRPr/>
             </a:lvl8pPr>
-            <a:lvl9pPr lvl="8" algn="l">
+            <a:lvl9pPr lvl="8" rtl="0" algn="l">
               <a:spcBef>
                 <a:spcPts val="0"/>
               </a:spcBef>
@@ -12422,63 +12222,63 @@
             <a:noAutofit/>
           </a:bodyPr>
           <a:lstStyle>
-            <a:lvl1pPr indent="0" lvl="0" marL="0" algn="r">
+            <a:lvl1pPr indent="0" lvl="0" marL="0" rtl="0" algn="r">
               <a:spcBef>
                 <a:spcPts val="0"/>
               </a:spcBef>
               <a:buNone/>
               <a:defRPr/>
             </a:lvl1pPr>
-            <a:lvl2pPr indent="0" lvl="1" marL="0" algn="r">
+            <a:lvl2pPr indent="0" lvl="1" marL="0" rtl="0" algn="r">
               <a:spcBef>
                 <a:spcPts val="0"/>
               </a:spcBef>
               <a:buNone/>
               <a:defRPr/>
             </a:lvl2pPr>
-            <a:lvl3pPr indent="0" lvl="2" marL="0" algn="r">
+            <a:lvl3pPr indent="0" lvl="2" marL="0" rtl="0" algn="r">
               <a:spcBef>
                 <a:spcPts val="0"/>
               </a:spcBef>
               <a:buNone/>
               <a:defRPr/>
             </a:lvl3pPr>
-            <a:lvl4pPr indent="0" lvl="3" marL="0" algn="r">
+            <a:lvl4pPr indent="0" lvl="3" marL="0" rtl="0" algn="r">
               <a:spcBef>
                 <a:spcPts val="0"/>
               </a:spcBef>
               <a:buNone/>
               <a:defRPr/>
             </a:lvl4pPr>
-            <a:lvl5pPr indent="0" lvl="4" marL="0" algn="r">
+            <a:lvl5pPr indent="0" lvl="4" marL="0" rtl="0" algn="r">
               <a:spcBef>
                 <a:spcPts val="0"/>
               </a:spcBef>
               <a:buNone/>
               <a:defRPr/>
             </a:lvl5pPr>
-            <a:lvl6pPr indent="0" lvl="5" marL="0" algn="r">
+            <a:lvl6pPr indent="0" lvl="5" marL="0" rtl="0" algn="r">
               <a:spcBef>
                 <a:spcPts val="0"/>
               </a:spcBef>
               <a:buNone/>
               <a:defRPr/>
             </a:lvl6pPr>
-            <a:lvl7pPr indent="0" lvl="6" marL="0" algn="r">
+            <a:lvl7pPr indent="0" lvl="6" marL="0" rtl="0" algn="r">
               <a:spcBef>
                 <a:spcPts val="0"/>
               </a:spcBef>
               <a:buNone/>
               <a:defRPr/>
             </a:lvl7pPr>
-            <a:lvl8pPr indent="0" lvl="7" marL="0" algn="r">
+            <a:lvl8pPr indent="0" lvl="7" marL="0" rtl="0" algn="r">
               <a:spcBef>
                 <a:spcPts val="0"/>
               </a:spcBef>
               <a:buNone/>
               <a:defRPr/>
             </a:lvl8pPr>
-            <a:lvl9pPr indent="0" lvl="8" marL="0" algn="r">
+            <a:lvl9pPr indent="0" lvl="8" marL="0" rtl="0" algn="r">
               <a:spcBef>
                 <a:spcPts val="0"/>
               </a:spcBef>
@@ -12555,7 +12355,7 @@
             <a:normAutofit/>
           </a:bodyPr>
           <a:lstStyle>
-            <a:lvl1pPr lvl="0" algn="l">
+            <a:lvl1pPr lvl="0" rtl="0" algn="l">
               <a:lnSpc>
                 <a:spcPct val="90000"/>
               </a:lnSpc>
@@ -12573,7 +12373,7 @@
               <a:buNone/>
               <a:defRPr sz="3200"/>
             </a:lvl1pPr>
-            <a:lvl2pPr lvl="1">
+            <a:lvl2pPr lvl="1" rtl="0">
               <a:spcBef>
                 <a:spcPts val="0"/>
               </a:spcBef>
@@ -12584,7 +12384,7 @@
               <a:buNone/>
               <a:defRPr/>
             </a:lvl2pPr>
-            <a:lvl3pPr lvl="2">
+            <a:lvl3pPr lvl="2" rtl="0">
               <a:spcBef>
                 <a:spcPts val="0"/>
               </a:spcBef>
@@ -12595,7 +12395,7 @@
               <a:buNone/>
               <a:defRPr/>
             </a:lvl3pPr>
-            <a:lvl4pPr lvl="3">
+            <a:lvl4pPr lvl="3" rtl="0">
               <a:spcBef>
                 <a:spcPts val="0"/>
               </a:spcBef>
@@ -12606,7 +12406,7 @@
               <a:buNone/>
               <a:defRPr/>
             </a:lvl4pPr>
-            <a:lvl5pPr lvl="4">
+            <a:lvl5pPr lvl="4" rtl="0">
               <a:spcBef>
                 <a:spcPts val="0"/>
               </a:spcBef>
@@ -12617,7 +12417,7 @@
               <a:buNone/>
               <a:defRPr/>
             </a:lvl5pPr>
-            <a:lvl6pPr lvl="5">
+            <a:lvl6pPr lvl="5" rtl="0">
               <a:spcBef>
                 <a:spcPts val="0"/>
               </a:spcBef>
@@ -12628,7 +12428,7 @@
               <a:buNone/>
               <a:defRPr/>
             </a:lvl6pPr>
-            <a:lvl7pPr lvl="6">
+            <a:lvl7pPr lvl="6" rtl="0">
               <a:spcBef>
                 <a:spcPts val="0"/>
               </a:spcBef>
@@ -12639,7 +12439,7 @@
               <a:buNone/>
               <a:defRPr/>
             </a:lvl7pPr>
-            <a:lvl8pPr lvl="7">
+            <a:lvl8pPr lvl="7" rtl="0">
               <a:spcBef>
                 <a:spcPts val="0"/>
               </a:spcBef>
@@ -12650,7 +12450,7 @@
               <a:buNone/>
               <a:defRPr/>
             </a:lvl8pPr>
-            <a:lvl9pPr lvl="8">
+            <a:lvl9pPr lvl="8" rtl="0">
               <a:spcBef>
                 <a:spcPts val="0"/>
               </a:spcBef>
@@ -12955,7 +12755,7 @@
             <a:normAutofit/>
           </a:bodyPr>
           <a:lstStyle>
-            <a:lvl1pPr indent="-228600" lvl="0" marL="457200" algn="l">
+            <a:lvl1pPr indent="-228600" lvl="0" marL="457200" rtl="0" algn="l">
               <a:lnSpc>
                 <a:spcPct val="90000"/>
               </a:lnSpc>
@@ -12972,7 +12772,7 @@
               <a:buNone/>
               <a:defRPr sz="1600"/>
             </a:lvl1pPr>
-            <a:lvl2pPr indent="-228600" lvl="1" marL="914400" algn="l">
+            <a:lvl2pPr indent="-228600" lvl="1" marL="914400" rtl="0" algn="l">
               <a:lnSpc>
                 <a:spcPct val="90000"/>
               </a:lnSpc>
@@ -12989,7 +12789,7 @@
               <a:buNone/>
               <a:defRPr sz="1400"/>
             </a:lvl2pPr>
-            <a:lvl3pPr indent="-228600" lvl="2" marL="1371600" algn="l">
+            <a:lvl3pPr indent="-228600" lvl="2" marL="1371600" rtl="0" algn="l">
               <a:lnSpc>
                 <a:spcPct val="90000"/>
               </a:lnSpc>
@@ -13006,7 +12806,7 @@
               <a:buNone/>
               <a:defRPr sz="1200"/>
             </a:lvl3pPr>
-            <a:lvl4pPr indent="-228600" lvl="3" marL="1828800" algn="l">
+            <a:lvl4pPr indent="-228600" lvl="3" marL="1828800" rtl="0" algn="l">
               <a:lnSpc>
                 <a:spcPct val="90000"/>
               </a:lnSpc>
@@ -13023,7 +12823,7 @@
               <a:buNone/>
               <a:defRPr sz="1000"/>
             </a:lvl4pPr>
-            <a:lvl5pPr indent="-228600" lvl="4" marL="2286000" algn="l">
+            <a:lvl5pPr indent="-228600" lvl="4" marL="2286000" rtl="0" algn="l">
               <a:lnSpc>
                 <a:spcPct val="90000"/>
               </a:lnSpc>
@@ -13040,7 +12840,7 @@
               <a:buNone/>
               <a:defRPr sz="1000"/>
             </a:lvl5pPr>
-            <a:lvl6pPr indent="-228600" lvl="5" marL="2743200" algn="l">
+            <a:lvl6pPr indent="-228600" lvl="5" marL="2743200" rtl="0" algn="l">
               <a:lnSpc>
                 <a:spcPct val="90000"/>
               </a:lnSpc>
@@ -13057,7 +12857,7 @@
               <a:buNone/>
               <a:defRPr sz="1000"/>
             </a:lvl6pPr>
-            <a:lvl7pPr indent="-228600" lvl="6" marL="3200400" algn="l">
+            <a:lvl7pPr indent="-228600" lvl="6" marL="3200400" rtl="0" algn="l">
               <a:lnSpc>
                 <a:spcPct val="90000"/>
               </a:lnSpc>
@@ -13074,7 +12874,7 @@
               <a:buNone/>
               <a:defRPr sz="1000"/>
             </a:lvl7pPr>
-            <a:lvl8pPr indent="-228600" lvl="7" marL="3657600" algn="l">
+            <a:lvl8pPr indent="-228600" lvl="7" marL="3657600" rtl="0" algn="l">
               <a:lnSpc>
                 <a:spcPct val="90000"/>
               </a:lnSpc>
@@ -13091,7 +12891,7 @@
               <a:buNone/>
               <a:defRPr sz="1000"/>
             </a:lvl8pPr>
-            <a:lvl9pPr indent="-228600" lvl="8" marL="4114800" algn="l">
+            <a:lvl9pPr indent="-228600" lvl="8" marL="4114800" rtl="0" algn="l">
               <a:lnSpc>
                 <a:spcPct val="90000"/>
               </a:lnSpc>
@@ -13138,7 +12938,7 @@
             <a:noAutofit/>
           </a:bodyPr>
           <a:lstStyle>
-            <a:lvl1pPr lvl="0" algn="l">
+            <a:lvl1pPr lvl="0" rtl="0" algn="l">
               <a:spcBef>
                 <a:spcPts val="0"/>
               </a:spcBef>
@@ -13149,7 +12949,7 @@
               <a:buNone/>
               <a:defRPr/>
             </a:lvl1pPr>
-            <a:lvl2pPr lvl="1" algn="l">
+            <a:lvl2pPr lvl="1" rtl="0" algn="l">
               <a:spcBef>
                 <a:spcPts val="0"/>
               </a:spcBef>
@@ -13160,7 +12960,7 @@
               <a:buNone/>
               <a:defRPr/>
             </a:lvl2pPr>
-            <a:lvl3pPr lvl="2" algn="l">
+            <a:lvl3pPr lvl="2" rtl="0" algn="l">
               <a:spcBef>
                 <a:spcPts val="0"/>
               </a:spcBef>
@@ -13171,7 +12971,7 @@
               <a:buNone/>
               <a:defRPr/>
             </a:lvl3pPr>
-            <a:lvl4pPr lvl="3" algn="l">
+            <a:lvl4pPr lvl="3" rtl="0" algn="l">
               <a:spcBef>
                 <a:spcPts val="0"/>
               </a:spcBef>
@@ -13182,7 +12982,7 @@
               <a:buNone/>
               <a:defRPr/>
             </a:lvl4pPr>
-            <a:lvl5pPr lvl="4" algn="l">
+            <a:lvl5pPr lvl="4" rtl="0" algn="l">
               <a:spcBef>
                 <a:spcPts val="0"/>
               </a:spcBef>
@@ -13193,7 +12993,7 @@
               <a:buNone/>
               <a:defRPr/>
             </a:lvl5pPr>
-            <a:lvl6pPr lvl="5" algn="l">
+            <a:lvl6pPr lvl="5" rtl="0" algn="l">
               <a:spcBef>
                 <a:spcPts val="0"/>
               </a:spcBef>
@@ -13204,7 +13004,7 @@
               <a:buNone/>
               <a:defRPr/>
             </a:lvl6pPr>
-            <a:lvl7pPr lvl="6" algn="l">
+            <a:lvl7pPr lvl="6" rtl="0" algn="l">
               <a:spcBef>
                 <a:spcPts val="0"/>
               </a:spcBef>
@@ -13215,7 +13015,7 @@
               <a:buNone/>
               <a:defRPr/>
             </a:lvl7pPr>
-            <a:lvl8pPr lvl="7" algn="l">
+            <a:lvl8pPr lvl="7" rtl="0" algn="l">
               <a:spcBef>
                 <a:spcPts val="0"/>
               </a:spcBef>
@@ -13226,7 +13026,7 @@
               <a:buNone/>
               <a:defRPr/>
             </a:lvl8pPr>
-            <a:lvl9pPr lvl="8" algn="l">
+            <a:lvl9pPr lvl="8" rtl="0" algn="l">
               <a:spcBef>
                 <a:spcPts val="0"/>
               </a:spcBef>
@@ -13267,7 +13067,7 @@
             <a:noAutofit/>
           </a:bodyPr>
           <a:lstStyle>
-            <a:lvl1pPr lvl="0" algn="ctr">
+            <a:lvl1pPr lvl="0" rtl="0" algn="ctr">
               <a:spcBef>
                 <a:spcPts val="0"/>
               </a:spcBef>
@@ -13278,7 +13078,7 @@
               <a:buNone/>
               <a:defRPr/>
             </a:lvl1pPr>
-            <a:lvl2pPr lvl="1" algn="l">
+            <a:lvl2pPr lvl="1" rtl="0" algn="l">
               <a:spcBef>
                 <a:spcPts val="0"/>
               </a:spcBef>
@@ -13289,7 +13089,7 @@
               <a:buNone/>
               <a:defRPr/>
             </a:lvl2pPr>
-            <a:lvl3pPr lvl="2" algn="l">
+            <a:lvl3pPr lvl="2" rtl="0" algn="l">
               <a:spcBef>
                 <a:spcPts val="0"/>
               </a:spcBef>
@@ -13300,7 +13100,7 @@
               <a:buNone/>
               <a:defRPr/>
             </a:lvl3pPr>
-            <a:lvl4pPr lvl="3" algn="l">
+            <a:lvl4pPr lvl="3" rtl="0" algn="l">
               <a:spcBef>
                 <a:spcPts val="0"/>
               </a:spcBef>
@@ -13311,7 +13111,7 @@
               <a:buNone/>
               <a:defRPr/>
             </a:lvl4pPr>
-            <a:lvl5pPr lvl="4" algn="l">
+            <a:lvl5pPr lvl="4" rtl="0" algn="l">
               <a:spcBef>
                 <a:spcPts val="0"/>
               </a:spcBef>
@@ -13322,7 +13122,7 @@
               <a:buNone/>
               <a:defRPr/>
             </a:lvl5pPr>
-            <a:lvl6pPr lvl="5" algn="l">
+            <a:lvl6pPr lvl="5" rtl="0" algn="l">
               <a:spcBef>
                 <a:spcPts val="0"/>
               </a:spcBef>
@@ -13333,7 +13133,7 @@
               <a:buNone/>
               <a:defRPr/>
             </a:lvl6pPr>
-            <a:lvl7pPr lvl="6" algn="l">
+            <a:lvl7pPr lvl="6" rtl="0" algn="l">
               <a:spcBef>
                 <a:spcPts val="0"/>
               </a:spcBef>
@@ -13344,7 +13144,7 @@
               <a:buNone/>
               <a:defRPr/>
             </a:lvl7pPr>
-            <a:lvl8pPr lvl="7" algn="l">
+            <a:lvl8pPr lvl="7" rtl="0" algn="l">
               <a:spcBef>
                 <a:spcPts val="0"/>
               </a:spcBef>
@@ -13355,7 +13155,7 @@
               <a:buNone/>
               <a:defRPr/>
             </a:lvl8pPr>
-            <a:lvl9pPr lvl="8" algn="l">
+            <a:lvl9pPr lvl="8" rtl="0" algn="l">
               <a:spcBef>
                 <a:spcPts val="0"/>
               </a:spcBef>
@@ -13396,63 +13196,63 @@
             <a:noAutofit/>
           </a:bodyPr>
           <a:lstStyle>
-            <a:lvl1pPr indent="0" lvl="0" marL="0" algn="r">
+            <a:lvl1pPr indent="0" lvl="0" marL="0" rtl="0" algn="r">
               <a:spcBef>
                 <a:spcPts val="0"/>
               </a:spcBef>
               <a:buNone/>
               <a:defRPr/>
             </a:lvl1pPr>
-            <a:lvl2pPr indent="0" lvl="1" marL="0" algn="r">
+            <a:lvl2pPr indent="0" lvl="1" marL="0" rtl="0" algn="r">
               <a:spcBef>
                 <a:spcPts val="0"/>
               </a:spcBef>
               <a:buNone/>
               <a:defRPr/>
             </a:lvl2pPr>
-            <a:lvl3pPr indent="0" lvl="2" marL="0" algn="r">
+            <a:lvl3pPr indent="0" lvl="2" marL="0" rtl="0" algn="r">
               <a:spcBef>
                 <a:spcPts val="0"/>
               </a:spcBef>
               <a:buNone/>
               <a:defRPr/>
             </a:lvl3pPr>
-            <a:lvl4pPr indent="0" lvl="3" marL="0" algn="r">
+            <a:lvl4pPr indent="0" lvl="3" marL="0" rtl="0" algn="r">
               <a:spcBef>
                 <a:spcPts val="0"/>
               </a:spcBef>
               <a:buNone/>
               <a:defRPr/>
             </a:lvl4pPr>
-            <a:lvl5pPr indent="0" lvl="4" marL="0" algn="r">
+            <a:lvl5pPr indent="0" lvl="4" marL="0" rtl="0" algn="r">
               <a:spcBef>
                 <a:spcPts val="0"/>
               </a:spcBef>
               <a:buNone/>
               <a:defRPr/>
             </a:lvl5pPr>
-            <a:lvl6pPr indent="0" lvl="5" marL="0" algn="r">
+            <a:lvl6pPr indent="0" lvl="5" marL="0" rtl="0" algn="r">
               <a:spcBef>
                 <a:spcPts val="0"/>
               </a:spcBef>
               <a:buNone/>
               <a:defRPr/>
             </a:lvl6pPr>
-            <a:lvl7pPr indent="0" lvl="6" marL="0" algn="r">
+            <a:lvl7pPr indent="0" lvl="6" marL="0" rtl="0" algn="r">
               <a:spcBef>
                 <a:spcPts val="0"/>
               </a:spcBef>
               <a:buNone/>
               <a:defRPr/>
             </a:lvl7pPr>
-            <a:lvl8pPr indent="0" lvl="7" marL="0" algn="r">
+            <a:lvl8pPr indent="0" lvl="7" marL="0" rtl="0" algn="r">
               <a:spcBef>
                 <a:spcPts val="0"/>
               </a:spcBef>
               <a:buNone/>
               <a:defRPr/>
             </a:lvl8pPr>
-            <a:lvl9pPr indent="0" lvl="8" marL="0" algn="r">
+            <a:lvl9pPr indent="0" lvl="8" marL="0" rtl="0" algn="r">
               <a:spcBef>
                 <a:spcPts val="0"/>
               </a:spcBef>
@@ -13562,7 +13362,7 @@
                 <a:sym typeface="Calibri"/>
               </a:defRPr>
             </a:lvl1pPr>
-            <a:lvl2pPr lvl="1">
+            <a:lvl2pPr lvl="1" rtl="0">
               <a:spcBef>
                 <a:spcPts val="0"/>
               </a:spcBef>
@@ -13573,7 +13373,7 @@
               <a:buNone/>
               <a:defRPr sz="1800"/>
             </a:lvl2pPr>
-            <a:lvl3pPr lvl="2">
+            <a:lvl3pPr lvl="2" rtl="0">
               <a:spcBef>
                 <a:spcPts val="0"/>
               </a:spcBef>
@@ -13584,7 +13384,7 @@
               <a:buNone/>
               <a:defRPr sz="1800"/>
             </a:lvl3pPr>
-            <a:lvl4pPr lvl="3">
+            <a:lvl4pPr lvl="3" rtl="0">
               <a:spcBef>
                 <a:spcPts val="0"/>
               </a:spcBef>
@@ -13595,7 +13395,7 @@
               <a:buNone/>
               <a:defRPr sz="1800"/>
             </a:lvl4pPr>
-            <a:lvl5pPr lvl="4">
+            <a:lvl5pPr lvl="4" rtl="0">
               <a:spcBef>
                 <a:spcPts val="0"/>
               </a:spcBef>
@@ -13606,7 +13406,7 @@
               <a:buNone/>
               <a:defRPr sz="1800"/>
             </a:lvl5pPr>
-            <a:lvl6pPr lvl="5">
+            <a:lvl6pPr lvl="5" rtl="0">
               <a:spcBef>
                 <a:spcPts val="0"/>
               </a:spcBef>
@@ -13617,7 +13417,7 @@
               <a:buNone/>
               <a:defRPr sz="1800"/>
             </a:lvl6pPr>
-            <a:lvl7pPr lvl="6">
+            <a:lvl7pPr lvl="6" rtl="0">
               <a:spcBef>
                 <a:spcPts val="0"/>
               </a:spcBef>
@@ -13628,7 +13428,7 @@
               <a:buNone/>
               <a:defRPr sz="1800"/>
             </a:lvl7pPr>
-            <a:lvl8pPr lvl="7">
+            <a:lvl8pPr lvl="7" rtl="0">
               <a:spcBef>
                 <a:spcPts val="0"/>
               </a:spcBef>
@@ -13639,7 +13439,7 @@
               <a:buNone/>
               <a:defRPr sz="1800"/>
             </a:lvl8pPr>
-            <a:lvl9pPr lvl="8">
+            <a:lvl9pPr lvl="8" rtl="0">
               <a:spcBef>
                 <a:spcPts val="0"/>
               </a:spcBef>
@@ -15212,6 +15012,13 @@
 <file path=ppt/slides/slide1.xml><?xml version="1.0" encoding="utf-8"?>
 <p:sld xmlns:a="http://schemas.openxmlformats.org/drawingml/2006/main" xmlns:r="http://schemas.openxmlformats.org/officeDocument/2006/relationships" xmlns:mc="http://schemas.openxmlformats.org/markup-compatibility/2006" xmlns:mv="urn:schemas-microsoft-com:mac:vml" xmlns:p="http://schemas.openxmlformats.org/presentationml/2006/main" xmlns:c="http://schemas.openxmlformats.org/drawingml/2006/chart" xmlns:dgm="http://schemas.openxmlformats.org/drawingml/2006/diagram" xmlns:o="urn:schemas-microsoft-com:office:office" xmlns:v="urn:schemas-microsoft-com:vml" xmlns:pvml="urn:schemas-microsoft-com:office:powerpoint" xmlns:com="http://schemas.openxmlformats.org/drawingml/2006/compatibility" xmlns:p14="http://schemas.microsoft.com/office/powerpoint/2010/main" xmlns:p15="http://schemas.microsoft.com/office/powerpoint/2012/main" xmlns:ahyp="http://schemas.microsoft.com/office/drawing/2018/hyperlinkcolor">
   <p:cSld>
+    <p:bg>
+      <p:bgPr>
+        <a:solidFill>
+          <a:srgbClr val="FFFFFF"/>
+        </a:solidFill>
+      </p:bgPr>
+    </p:bg>
     <p:spTree>
       <p:nvGrpSpPr>
         <p:cNvPr id="83" name="Shape 83"/>
@@ -15246,6 +15053,13 @@
           <a:ln>
             <a:noFill/>
           </a:ln>
+          <a:effectLst>
+            <a:outerShdw blurRad="57150" rotWithShape="0" algn="bl" dir="5400000" dist="19050">
+              <a:srgbClr val="000000">
+                <a:alpha val="50000"/>
+              </a:srgbClr>
+            </a:outerShdw>
+          </a:effectLst>
         </p:spPr>
         <p:txBody>
           <a:bodyPr anchorCtr="0" anchor="b" bIns="45700" lIns="91425" spcFirstLastPara="1" rIns="91425" wrap="square" tIns="45700">
@@ -15298,6 +15112,13 @@
           <a:ln>
             <a:noFill/>
           </a:ln>
+          <a:effectLst>
+            <a:outerShdw blurRad="57150" rotWithShape="0" algn="bl" dir="5400000" dist="19050">
+              <a:srgbClr val="000000">
+                <a:alpha val="50000"/>
+              </a:srgbClr>
+            </a:outerShdw>
+          </a:effectLst>
         </p:spPr>
         <p:txBody>
           <a:bodyPr anchorCtr="0" anchor="t" bIns="45700" lIns="91425" spcFirstLastPara="1" rIns="91425" wrap="square" tIns="45700">
@@ -15363,6 +15184,13 @@
 <file path=ppt/slides/slide10.xml><?xml version="1.0" encoding="utf-8"?>
 <p:sld xmlns:a="http://schemas.openxmlformats.org/drawingml/2006/main" xmlns:r="http://schemas.openxmlformats.org/officeDocument/2006/relationships" xmlns:mc="http://schemas.openxmlformats.org/markup-compatibility/2006" xmlns:mv="urn:schemas-microsoft-com:mac:vml" xmlns:p="http://schemas.openxmlformats.org/presentationml/2006/main" xmlns:c="http://schemas.openxmlformats.org/drawingml/2006/chart" xmlns:dgm="http://schemas.openxmlformats.org/drawingml/2006/diagram" xmlns:o="urn:schemas-microsoft-com:office:office" xmlns:v="urn:schemas-microsoft-com:vml" xmlns:pvml="urn:schemas-microsoft-com:office:powerpoint" xmlns:com="http://schemas.openxmlformats.org/drawingml/2006/compatibility" xmlns:p14="http://schemas.microsoft.com/office/powerpoint/2010/main" xmlns:p15="http://schemas.microsoft.com/office/powerpoint/2012/main" xmlns:ahyp="http://schemas.microsoft.com/office/drawing/2018/hyperlinkcolor">
   <p:cSld>
+    <p:bg>
+      <p:bgPr>
+        <a:solidFill>
+          <a:srgbClr val="FFFFFF"/>
+        </a:solidFill>
+      </p:bgPr>
+    </p:bg>
     <p:spTree>
       <p:nvGrpSpPr>
         <p:cNvPr id="145" name="Shape 145"/>
@@ -15652,6 +15480,13 @@
 <file path=ppt/slides/slide11.xml><?xml version="1.0" encoding="utf-8"?>
 <p:sld xmlns:a="http://schemas.openxmlformats.org/drawingml/2006/main" xmlns:r="http://schemas.openxmlformats.org/officeDocument/2006/relationships" xmlns:mc="http://schemas.openxmlformats.org/markup-compatibility/2006" xmlns:mv="urn:schemas-microsoft-com:mac:vml" xmlns:p="http://schemas.openxmlformats.org/presentationml/2006/main" xmlns:c="http://schemas.openxmlformats.org/drawingml/2006/chart" xmlns:dgm="http://schemas.openxmlformats.org/drawingml/2006/diagram" xmlns:o="urn:schemas-microsoft-com:office:office" xmlns:v="urn:schemas-microsoft-com:vml" xmlns:pvml="urn:schemas-microsoft-com:office:powerpoint" xmlns:com="http://schemas.openxmlformats.org/drawingml/2006/compatibility" xmlns:p14="http://schemas.microsoft.com/office/powerpoint/2010/main" xmlns:p15="http://schemas.microsoft.com/office/powerpoint/2012/main" xmlns:ahyp="http://schemas.microsoft.com/office/drawing/2018/hyperlinkcolor">
   <p:cSld>
+    <p:bg>
+      <p:bgPr>
+        <a:solidFill>
+          <a:srgbClr val="FFFFFF"/>
+        </a:solidFill>
+      </p:bgPr>
+    </p:bg>
     <p:spTree>
       <p:nvGrpSpPr>
         <p:cNvPr id="151" name="Shape 151"/>
@@ -16115,6 +15950,13 @@
 <file path=ppt/slides/slide12.xml><?xml version="1.0" encoding="utf-8"?>
 <p:sld xmlns:a="http://schemas.openxmlformats.org/drawingml/2006/main" xmlns:r="http://schemas.openxmlformats.org/officeDocument/2006/relationships" xmlns:mc="http://schemas.openxmlformats.org/markup-compatibility/2006" xmlns:mv="urn:schemas-microsoft-com:mac:vml" xmlns:p="http://schemas.openxmlformats.org/presentationml/2006/main" xmlns:c="http://schemas.openxmlformats.org/drawingml/2006/chart" xmlns:dgm="http://schemas.openxmlformats.org/drawingml/2006/diagram" xmlns:o="urn:schemas-microsoft-com:office:office" xmlns:v="urn:schemas-microsoft-com:vml" xmlns:pvml="urn:schemas-microsoft-com:office:powerpoint" xmlns:com="http://schemas.openxmlformats.org/drawingml/2006/compatibility" xmlns:p14="http://schemas.microsoft.com/office/powerpoint/2010/main" xmlns:p15="http://schemas.microsoft.com/office/powerpoint/2012/main" xmlns:ahyp="http://schemas.microsoft.com/office/drawing/2018/hyperlinkcolor">
   <p:cSld>
+    <p:bg>
+      <p:bgPr>
+        <a:solidFill>
+          <a:srgbClr val="FFFFFF"/>
+        </a:solidFill>
+      </p:bgPr>
+    </p:bg>
     <p:spTree>
       <p:nvGrpSpPr>
         <p:cNvPr id="158" name="Shape 158"/>
@@ -16549,6 +16391,13 @@
 <file path=ppt/slides/slide13.xml><?xml version="1.0" encoding="utf-8"?>
 <p:sld xmlns:a="http://schemas.openxmlformats.org/drawingml/2006/main" xmlns:r="http://schemas.openxmlformats.org/officeDocument/2006/relationships" xmlns:mc="http://schemas.openxmlformats.org/markup-compatibility/2006" xmlns:mv="urn:schemas-microsoft-com:mac:vml" xmlns:p="http://schemas.openxmlformats.org/presentationml/2006/main" xmlns:c="http://schemas.openxmlformats.org/drawingml/2006/chart" xmlns:dgm="http://schemas.openxmlformats.org/drawingml/2006/diagram" xmlns:o="urn:schemas-microsoft-com:office:office" xmlns:v="urn:schemas-microsoft-com:vml" xmlns:pvml="urn:schemas-microsoft-com:office:powerpoint" xmlns:com="http://schemas.openxmlformats.org/drawingml/2006/compatibility" xmlns:p14="http://schemas.microsoft.com/office/powerpoint/2010/main" xmlns:p15="http://schemas.microsoft.com/office/powerpoint/2012/main" xmlns:ahyp="http://schemas.microsoft.com/office/drawing/2018/hyperlinkcolor">
   <p:cSld>
+    <p:bg>
+      <p:bgPr>
+        <a:solidFill>
+          <a:srgbClr val="FFFFFF"/>
+        </a:solidFill>
+      </p:bgPr>
+    </p:bg>
     <p:spTree>
       <p:nvGrpSpPr>
         <p:cNvPr id="164" name="Shape 164"/>
@@ -17368,6 +17217,13 @@
 <file path=ppt/slides/slide14.xml><?xml version="1.0" encoding="utf-8"?>
 <p:sld xmlns:a="http://schemas.openxmlformats.org/drawingml/2006/main" xmlns:r="http://schemas.openxmlformats.org/officeDocument/2006/relationships" xmlns:mc="http://schemas.openxmlformats.org/markup-compatibility/2006" xmlns:mv="urn:schemas-microsoft-com:mac:vml" xmlns:p="http://schemas.openxmlformats.org/presentationml/2006/main" xmlns:c="http://schemas.openxmlformats.org/drawingml/2006/chart" xmlns:dgm="http://schemas.openxmlformats.org/drawingml/2006/diagram" xmlns:o="urn:schemas-microsoft-com:office:office" xmlns:v="urn:schemas-microsoft-com:vml" xmlns:pvml="urn:schemas-microsoft-com:office:powerpoint" xmlns:com="http://schemas.openxmlformats.org/drawingml/2006/compatibility" xmlns:p14="http://schemas.microsoft.com/office/powerpoint/2010/main" xmlns:p15="http://schemas.microsoft.com/office/powerpoint/2012/main" xmlns:ahyp="http://schemas.microsoft.com/office/drawing/2018/hyperlinkcolor">
   <p:cSld>
+    <p:bg>
+      <p:bgPr>
+        <a:solidFill>
+          <a:srgbClr val="FFFFFF"/>
+        </a:solidFill>
+      </p:bgPr>
+    </p:bg>
     <p:spTree>
       <p:nvGrpSpPr>
         <p:cNvPr id="171" name="Shape 171"/>
@@ -17819,6 +17675,13 @@
 <file path=ppt/slides/slide15.xml><?xml version="1.0" encoding="utf-8"?>
 <p:sld xmlns:a="http://schemas.openxmlformats.org/drawingml/2006/main" xmlns:r="http://schemas.openxmlformats.org/officeDocument/2006/relationships" xmlns:mc="http://schemas.openxmlformats.org/markup-compatibility/2006" xmlns:mv="urn:schemas-microsoft-com:mac:vml" xmlns:p="http://schemas.openxmlformats.org/presentationml/2006/main" xmlns:c="http://schemas.openxmlformats.org/drawingml/2006/chart" xmlns:dgm="http://schemas.openxmlformats.org/drawingml/2006/diagram" xmlns:o="urn:schemas-microsoft-com:office:office" xmlns:v="urn:schemas-microsoft-com:vml" xmlns:pvml="urn:schemas-microsoft-com:office:powerpoint" xmlns:com="http://schemas.openxmlformats.org/drawingml/2006/compatibility" xmlns:p14="http://schemas.microsoft.com/office/powerpoint/2010/main" xmlns:p15="http://schemas.microsoft.com/office/powerpoint/2012/main" xmlns:ahyp="http://schemas.microsoft.com/office/drawing/2018/hyperlinkcolor">
   <p:cSld>
+    <p:bg>
+      <p:bgPr>
+        <a:solidFill>
+          <a:srgbClr val="FFFFFF"/>
+        </a:solidFill>
+      </p:bgPr>
+    </p:bg>
     <p:spTree>
       <p:nvGrpSpPr>
         <p:cNvPr id="177" name="Shape 177"/>
@@ -18131,6 +17994,13 @@
 <file path=ppt/slides/slide16.xml><?xml version="1.0" encoding="utf-8"?>
 <p:sld xmlns:a="http://schemas.openxmlformats.org/drawingml/2006/main" xmlns:r="http://schemas.openxmlformats.org/officeDocument/2006/relationships" xmlns:mc="http://schemas.openxmlformats.org/markup-compatibility/2006" xmlns:mv="urn:schemas-microsoft-com:mac:vml" xmlns:p="http://schemas.openxmlformats.org/presentationml/2006/main" xmlns:c="http://schemas.openxmlformats.org/drawingml/2006/chart" xmlns:dgm="http://schemas.openxmlformats.org/drawingml/2006/diagram" xmlns:o="urn:schemas-microsoft-com:office:office" xmlns:v="urn:schemas-microsoft-com:vml" xmlns:pvml="urn:schemas-microsoft-com:office:powerpoint" xmlns:com="http://schemas.openxmlformats.org/drawingml/2006/compatibility" xmlns:p14="http://schemas.microsoft.com/office/powerpoint/2010/main" xmlns:p15="http://schemas.microsoft.com/office/powerpoint/2012/main" xmlns:ahyp="http://schemas.microsoft.com/office/drawing/2018/hyperlinkcolor">
   <p:cSld>
+    <p:bg>
+      <p:bgPr>
+        <a:solidFill>
+          <a:srgbClr val="FFFFFF"/>
+        </a:solidFill>
+      </p:bgPr>
+    </p:bg>
     <p:spTree>
       <p:nvGrpSpPr>
         <p:cNvPr id="183" name="Shape 183"/>
@@ -18674,6 +18544,13 @@
 <file path=ppt/slides/slide17.xml><?xml version="1.0" encoding="utf-8"?>
 <p:sld xmlns:a="http://schemas.openxmlformats.org/drawingml/2006/main" xmlns:r="http://schemas.openxmlformats.org/officeDocument/2006/relationships" xmlns:mc="http://schemas.openxmlformats.org/markup-compatibility/2006" xmlns:mv="urn:schemas-microsoft-com:mac:vml" xmlns:p="http://schemas.openxmlformats.org/presentationml/2006/main" xmlns:c="http://schemas.openxmlformats.org/drawingml/2006/chart" xmlns:dgm="http://schemas.openxmlformats.org/drawingml/2006/diagram" xmlns:o="urn:schemas-microsoft-com:office:office" xmlns:v="urn:schemas-microsoft-com:vml" xmlns:pvml="urn:schemas-microsoft-com:office:powerpoint" xmlns:com="http://schemas.openxmlformats.org/drawingml/2006/compatibility" xmlns:p14="http://schemas.microsoft.com/office/powerpoint/2010/main" xmlns:p15="http://schemas.microsoft.com/office/powerpoint/2012/main" xmlns:ahyp="http://schemas.microsoft.com/office/drawing/2018/hyperlinkcolor">
   <p:cSld>
+    <p:bg>
+      <p:bgPr>
+        <a:solidFill>
+          <a:srgbClr val="FFFFFF"/>
+        </a:solidFill>
+      </p:bgPr>
+    </p:bg>
     <p:spTree>
       <p:nvGrpSpPr>
         <p:cNvPr id="189" name="Shape 189"/>
@@ -19099,6 +18976,13 @@
 <file path=ppt/slides/slide18.xml><?xml version="1.0" encoding="utf-8"?>
 <p:sld xmlns:a="http://schemas.openxmlformats.org/drawingml/2006/main" xmlns:r="http://schemas.openxmlformats.org/officeDocument/2006/relationships" xmlns:mc="http://schemas.openxmlformats.org/markup-compatibility/2006" xmlns:mv="urn:schemas-microsoft-com:mac:vml" xmlns:p="http://schemas.openxmlformats.org/presentationml/2006/main" xmlns:c="http://schemas.openxmlformats.org/drawingml/2006/chart" xmlns:dgm="http://schemas.openxmlformats.org/drawingml/2006/diagram" xmlns:o="urn:schemas-microsoft-com:office:office" xmlns:v="urn:schemas-microsoft-com:vml" xmlns:pvml="urn:schemas-microsoft-com:office:powerpoint" xmlns:com="http://schemas.openxmlformats.org/drawingml/2006/compatibility" xmlns:p14="http://schemas.microsoft.com/office/powerpoint/2010/main" xmlns:p15="http://schemas.microsoft.com/office/powerpoint/2012/main" xmlns:ahyp="http://schemas.microsoft.com/office/drawing/2018/hyperlinkcolor">
   <p:cSld>
+    <p:bg>
+      <p:bgPr>
+        <a:solidFill>
+          <a:srgbClr val="FFFFFF"/>
+        </a:solidFill>
+      </p:bgPr>
+    </p:bg>
     <p:spTree>
       <p:nvGrpSpPr>
         <p:cNvPr id="197" name="Shape 197"/>
@@ -19638,6 +19522,13 @@
 <file path=ppt/slides/slide19.xml><?xml version="1.0" encoding="utf-8"?>
 <p:sld xmlns:a="http://schemas.openxmlformats.org/drawingml/2006/main" xmlns:r="http://schemas.openxmlformats.org/officeDocument/2006/relationships" xmlns:mc="http://schemas.openxmlformats.org/markup-compatibility/2006" xmlns:mv="urn:schemas-microsoft-com:mac:vml" xmlns:p="http://schemas.openxmlformats.org/presentationml/2006/main" xmlns:c="http://schemas.openxmlformats.org/drawingml/2006/chart" xmlns:dgm="http://schemas.openxmlformats.org/drawingml/2006/diagram" xmlns:o="urn:schemas-microsoft-com:office:office" xmlns:v="urn:schemas-microsoft-com:vml" xmlns:pvml="urn:schemas-microsoft-com:office:powerpoint" xmlns:com="http://schemas.openxmlformats.org/drawingml/2006/compatibility" xmlns:p14="http://schemas.microsoft.com/office/powerpoint/2010/main" xmlns:p15="http://schemas.microsoft.com/office/powerpoint/2012/main" xmlns:ahyp="http://schemas.microsoft.com/office/drawing/2018/hyperlinkcolor">
   <p:cSld>
+    <p:bg>
+      <p:bgPr>
+        <a:solidFill>
+          <a:srgbClr val="FFFFFF"/>
+        </a:solidFill>
+      </p:bgPr>
+    </p:bg>
     <p:spTree>
       <p:nvGrpSpPr>
         <p:cNvPr id="203" name="Shape 203"/>
@@ -20380,6 +20271,13 @@
 <file path=ppt/slides/slide2.xml><?xml version="1.0" encoding="utf-8"?>
 <p:sld xmlns:a="http://schemas.openxmlformats.org/drawingml/2006/main" xmlns:r="http://schemas.openxmlformats.org/officeDocument/2006/relationships" xmlns:mc="http://schemas.openxmlformats.org/markup-compatibility/2006" xmlns:mv="urn:schemas-microsoft-com:mac:vml" xmlns:p="http://schemas.openxmlformats.org/presentationml/2006/main" xmlns:c="http://schemas.openxmlformats.org/drawingml/2006/chart" xmlns:dgm="http://schemas.openxmlformats.org/drawingml/2006/diagram" xmlns:o="urn:schemas-microsoft-com:office:office" xmlns:v="urn:schemas-microsoft-com:vml" xmlns:pvml="urn:schemas-microsoft-com:office:powerpoint" xmlns:com="http://schemas.openxmlformats.org/drawingml/2006/compatibility" xmlns:p14="http://schemas.microsoft.com/office/powerpoint/2010/main" xmlns:p15="http://schemas.microsoft.com/office/powerpoint/2012/main" xmlns:ahyp="http://schemas.microsoft.com/office/drawing/2018/hyperlinkcolor">
   <p:cSld>
+    <p:bg>
+      <p:bgPr>
+        <a:solidFill>
+          <a:srgbClr val="FFFFFF"/>
+        </a:solidFill>
+      </p:bgPr>
+    </p:bg>
     <p:spTree>
       <p:nvGrpSpPr>
         <p:cNvPr id="89" name="Shape 89"/>
@@ -20974,6 +20872,13 @@
 <file path=ppt/slides/slide20.xml><?xml version="1.0" encoding="utf-8"?>
 <p:sld xmlns:a="http://schemas.openxmlformats.org/drawingml/2006/main" xmlns:r="http://schemas.openxmlformats.org/officeDocument/2006/relationships" xmlns:mc="http://schemas.openxmlformats.org/markup-compatibility/2006" xmlns:mv="urn:schemas-microsoft-com:mac:vml" xmlns:p="http://schemas.openxmlformats.org/presentationml/2006/main" xmlns:c="http://schemas.openxmlformats.org/drawingml/2006/chart" xmlns:dgm="http://schemas.openxmlformats.org/drawingml/2006/diagram" xmlns:o="urn:schemas-microsoft-com:office:office" xmlns:v="urn:schemas-microsoft-com:vml" xmlns:pvml="urn:schemas-microsoft-com:office:powerpoint" xmlns:com="http://schemas.openxmlformats.org/drawingml/2006/compatibility" xmlns:p14="http://schemas.microsoft.com/office/powerpoint/2010/main" xmlns:p15="http://schemas.microsoft.com/office/powerpoint/2012/main" xmlns:ahyp="http://schemas.microsoft.com/office/drawing/2018/hyperlinkcolor">
   <p:cSld>
+    <p:bg>
+      <p:bgPr>
+        <a:solidFill>
+          <a:srgbClr val="FFFFFF"/>
+        </a:solidFill>
+      </p:bgPr>
+    </p:bg>
     <p:spTree>
       <p:nvGrpSpPr>
         <p:cNvPr id="209" name="Shape 209"/>
@@ -21050,8 +20955,8 @@
         </p:nvSpPr>
         <p:spPr>
           <a:xfrm>
-            <a:off x="618750" y="2395833"/>
-            <a:ext cx="7762500" cy="5710500"/>
+            <a:off x="618750" y="1792874"/>
+            <a:ext cx="7762500" cy="6313500"/>
           </a:xfrm>
           <a:prstGeom prst="rect">
             <a:avLst/>
@@ -21063,11 +20968,11 @@
         </p:spPr>
         <p:txBody>
           <a:bodyPr anchorCtr="0" anchor="t" bIns="45700" lIns="91425" spcFirstLastPara="1" rIns="91425" wrap="square" tIns="45700">
-            <a:normAutofit fontScale="62500" lnSpcReduction="20000"/>
+            <a:normAutofit fontScale="70000" lnSpcReduction="20000"/>
           </a:bodyPr>
           <a:lstStyle/>
           <a:p>
-            <a:pPr indent="-215265" lvl="0" marL="228600" rtl="0" algn="l">
+            <a:pPr indent="-228600" lvl="0" marL="228600" rtl="0" algn="l">
               <a:lnSpc>
                 <a:spcPct val="90000"/>
               </a:lnSpc>
@@ -21326,7 +21231,7 @@
             <a:endParaRPr/>
           </a:p>
           <a:p>
-            <a:pPr indent="-215265" lvl="0" marL="228600" rtl="0" algn="l">
+            <a:pPr indent="-228600" lvl="0" marL="228600" rtl="0" algn="l">
               <a:lnSpc>
                 <a:spcPct val="90000"/>
               </a:lnSpc>
@@ -21660,7 +21565,7 @@
             </a:endParaRPr>
           </a:p>
           <a:p>
-            <a:pPr indent="-215265" lvl="0" marL="228600" rtl="0" algn="l">
+            <a:pPr indent="-228600" lvl="0" marL="228600" rtl="0" algn="l">
               <a:lnSpc>
                 <a:spcPct val="90000"/>
               </a:lnSpc>
@@ -21695,7 +21600,7 @@
             <a:endParaRPr/>
           </a:p>
           <a:p>
-            <a:pPr indent="-215265" lvl="0" marL="228600" rtl="0" algn="l">
+            <a:pPr indent="-228600" lvl="0" marL="228600" rtl="0" algn="l">
               <a:lnSpc>
                 <a:spcPct val="90000"/>
               </a:lnSpc>
@@ -21718,7 +21623,7 @@
             <a:endParaRPr/>
           </a:p>
           <a:p>
-            <a:pPr indent="-215265" lvl="0" marL="228600" rtl="0" algn="l">
+            <a:pPr indent="-228600" lvl="0" marL="228600" rtl="0" algn="l">
               <a:lnSpc>
                 <a:spcPct val="90000"/>
               </a:lnSpc>
@@ -21741,7 +21646,7 @@
             <a:endParaRPr/>
           </a:p>
           <a:p>
-            <a:pPr indent="-215265" lvl="0" marL="228600" rtl="0" algn="l">
+            <a:pPr indent="-228600" lvl="0" marL="228600" rtl="0" algn="l">
               <a:lnSpc>
                 <a:spcPct val="90000"/>
               </a:lnSpc>
@@ -21776,6 +21681,13 @@
 <file path=ppt/slides/slide21.xml><?xml version="1.0" encoding="utf-8"?>
 <p:sld xmlns:a="http://schemas.openxmlformats.org/drawingml/2006/main" xmlns:r="http://schemas.openxmlformats.org/officeDocument/2006/relationships" xmlns:mc="http://schemas.openxmlformats.org/markup-compatibility/2006" xmlns:mv="urn:schemas-microsoft-com:mac:vml" xmlns:p="http://schemas.openxmlformats.org/presentationml/2006/main" xmlns:c="http://schemas.openxmlformats.org/drawingml/2006/chart" xmlns:dgm="http://schemas.openxmlformats.org/drawingml/2006/diagram" xmlns:o="urn:schemas-microsoft-com:office:office" xmlns:v="urn:schemas-microsoft-com:vml" xmlns:pvml="urn:schemas-microsoft-com:office:powerpoint" xmlns:com="http://schemas.openxmlformats.org/drawingml/2006/compatibility" xmlns:p14="http://schemas.microsoft.com/office/powerpoint/2010/main" xmlns:p15="http://schemas.microsoft.com/office/powerpoint/2012/main" xmlns:ahyp="http://schemas.microsoft.com/office/drawing/2018/hyperlinkcolor">
   <p:cSld>
+    <p:bg>
+      <p:bgPr>
+        <a:solidFill>
+          <a:srgbClr val="FFFFFF"/>
+        </a:solidFill>
+      </p:bgPr>
+    </p:bg>
     <p:spTree>
       <p:nvGrpSpPr>
         <p:cNvPr id="215" name="Shape 215"/>
@@ -22422,6 +22334,13 @@
 <file path=ppt/slides/slide22.xml><?xml version="1.0" encoding="utf-8"?>
 <p:sld xmlns:a="http://schemas.openxmlformats.org/drawingml/2006/main" xmlns:r="http://schemas.openxmlformats.org/officeDocument/2006/relationships" xmlns:mc="http://schemas.openxmlformats.org/markup-compatibility/2006" xmlns:mv="urn:schemas-microsoft-com:mac:vml" xmlns:p="http://schemas.openxmlformats.org/presentationml/2006/main" xmlns:c="http://schemas.openxmlformats.org/drawingml/2006/chart" xmlns:dgm="http://schemas.openxmlformats.org/drawingml/2006/diagram" xmlns:o="urn:schemas-microsoft-com:office:office" xmlns:v="urn:schemas-microsoft-com:vml" xmlns:pvml="urn:schemas-microsoft-com:office:powerpoint" xmlns:com="http://schemas.openxmlformats.org/drawingml/2006/compatibility" xmlns:p14="http://schemas.microsoft.com/office/powerpoint/2010/main" xmlns:p15="http://schemas.microsoft.com/office/powerpoint/2012/main" xmlns:ahyp="http://schemas.microsoft.com/office/drawing/2018/hyperlinkcolor">
   <p:cSld>
+    <p:bg>
+      <p:bgPr>
+        <a:solidFill>
+          <a:srgbClr val="FFFFFF"/>
+        </a:solidFill>
+      </p:bgPr>
+    </p:bg>
     <p:spTree>
       <p:nvGrpSpPr>
         <p:cNvPr id="221" name="Shape 221"/>
@@ -22851,6 +22770,13 @@
 <file path=ppt/slides/slide23.xml><?xml version="1.0" encoding="utf-8"?>
 <p:sld xmlns:a="http://schemas.openxmlformats.org/drawingml/2006/main" xmlns:r="http://schemas.openxmlformats.org/officeDocument/2006/relationships" xmlns:mc="http://schemas.openxmlformats.org/markup-compatibility/2006" xmlns:mv="urn:schemas-microsoft-com:mac:vml" xmlns:p="http://schemas.openxmlformats.org/presentationml/2006/main" xmlns:c="http://schemas.openxmlformats.org/drawingml/2006/chart" xmlns:dgm="http://schemas.openxmlformats.org/drawingml/2006/diagram" xmlns:o="urn:schemas-microsoft-com:office:office" xmlns:v="urn:schemas-microsoft-com:vml" xmlns:pvml="urn:schemas-microsoft-com:office:powerpoint" xmlns:com="http://schemas.openxmlformats.org/drawingml/2006/compatibility" xmlns:p14="http://schemas.microsoft.com/office/powerpoint/2010/main" xmlns:p15="http://schemas.microsoft.com/office/powerpoint/2012/main" xmlns:ahyp="http://schemas.microsoft.com/office/drawing/2018/hyperlinkcolor">
   <p:cSld>
+    <p:bg>
+      <p:bgPr>
+        <a:solidFill>
+          <a:srgbClr val="FFFFFF"/>
+        </a:solidFill>
+      </p:bgPr>
+    </p:bg>
     <p:spTree>
       <p:nvGrpSpPr>
         <p:cNvPr id="228" name="Shape 228"/>
@@ -23595,6 +23521,13 @@
 <file path=ppt/slides/slide24.xml><?xml version="1.0" encoding="utf-8"?>
 <p:sld xmlns:a="http://schemas.openxmlformats.org/drawingml/2006/main" xmlns:r="http://schemas.openxmlformats.org/officeDocument/2006/relationships" xmlns:mc="http://schemas.openxmlformats.org/markup-compatibility/2006" xmlns:mv="urn:schemas-microsoft-com:mac:vml" xmlns:p="http://schemas.openxmlformats.org/presentationml/2006/main" xmlns:c="http://schemas.openxmlformats.org/drawingml/2006/chart" xmlns:dgm="http://schemas.openxmlformats.org/drawingml/2006/diagram" xmlns:o="urn:schemas-microsoft-com:office:office" xmlns:v="urn:schemas-microsoft-com:vml" xmlns:pvml="urn:schemas-microsoft-com:office:powerpoint" xmlns:com="http://schemas.openxmlformats.org/drawingml/2006/compatibility" xmlns:p14="http://schemas.microsoft.com/office/powerpoint/2010/main" xmlns:p15="http://schemas.microsoft.com/office/powerpoint/2012/main" xmlns:ahyp="http://schemas.microsoft.com/office/drawing/2018/hyperlinkcolor">
   <p:cSld>
+    <p:bg>
+      <p:bgPr>
+        <a:solidFill>
+          <a:srgbClr val="FFFFFF"/>
+        </a:solidFill>
+      </p:bgPr>
+    </p:bg>
     <p:spTree>
       <p:nvGrpSpPr>
         <p:cNvPr id="235" name="Shape 235"/>
@@ -24244,6 +24177,13 @@
 <file path=ppt/slides/slide25.xml><?xml version="1.0" encoding="utf-8"?>
 <p:sld xmlns:a="http://schemas.openxmlformats.org/drawingml/2006/main" xmlns:r="http://schemas.openxmlformats.org/officeDocument/2006/relationships" xmlns:mc="http://schemas.openxmlformats.org/markup-compatibility/2006" xmlns:mv="urn:schemas-microsoft-com:mac:vml" xmlns:p="http://schemas.openxmlformats.org/presentationml/2006/main" xmlns:c="http://schemas.openxmlformats.org/drawingml/2006/chart" xmlns:dgm="http://schemas.openxmlformats.org/drawingml/2006/diagram" xmlns:o="urn:schemas-microsoft-com:office:office" xmlns:v="urn:schemas-microsoft-com:vml" xmlns:pvml="urn:schemas-microsoft-com:office:powerpoint" xmlns:com="http://schemas.openxmlformats.org/drawingml/2006/compatibility" xmlns:p14="http://schemas.microsoft.com/office/powerpoint/2010/main" xmlns:p15="http://schemas.microsoft.com/office/powerpoint/2012/main" xmlns:ahyp="http://schemas.microsoft.com/office/drawing/2018/hyperlinkcolor">
   <p:cSld>
+    <p:bg>
+      <p:bgPr>
+        <a:solidFill>
+          <a:srgbClr val="FFFFFF"/>
+        </a:solidFill>
+      </p:bgPr>
+    </p:bg>
     <p:spTree>
       <p:nvGrpSpPr>
         <p:cNvPr id="242" name="Shape 242"/>
@@ -24697,6 +24637,13 @@
 <file path=ppt/slides/slide26.xml><?xml version="1.0" encoding="utf-8"?>
 <p:sld xmlns:a="http://schemas.openxmlformats.org/drawingml/2006/main" xmlns:r="http://schemas.openxmlformats.org/officeDocument/2006/relationships" xmlns:mc="http://schemas.openxmlformats.org/markup-compatibility/2006" xmlns:mv="urn:schemas-microsoft-com:mac:vml" xmlns:p="http://schemas.openxmlformats.org/presentationml/2006/main" xmlns:c="http://schemas.openxmlformats.org/drawingml/2006/chart" xmlns:dgm="http://schemas.openxmlformats.org/drawingml/2006/diagram" xmlns:o="urn:schemas-microsoft-com:office:office" xmlns:v="urn:schemas-microsoft-com:vml" xmlns:pvml="urn:schemas-microsoft-com:office:powerpoint" xmlns:com="http://schemas.openxmlformats.org/drawingml/2006/compatibility" xmlns:p14="http://schemas.microsoft.com/office/powerpoint/2010/main" xmlns:p15="http://schemas.microsoft.com/office/powerpoint/2012/main" xmlns:ahyp="http://schemas.microsoft.com/office/drawing/2018/hyperlinkcolor">
   <p:cSld>
+    <p:bg>
+      <p:bgPr>
+        <a:solidFill>
+          <a:srgbClr val="FFFFFF"/>
+        </a:solidFill>
+      </p:bgPr>
+    </p:bg>
     <p:spTree>
       <p:nvGrpSpPr>
         <p:cNvPr id="248" name="Shape 248"/>
@@ -24990,7 +24937,7 @@
             <a:tbl>
               <a:tblPr bandRow="1" firstRow="1">
                 <a:noFill/>
-                <a:tableStyleId>{B5F15346-4FE3-4CA1-A91C-7185F4E85D27}</a:tableStyleId>
+                <a:tableStyleId>{E9A01C01-0F14-4952-9C0B-35F3BD625273}</a:tableStyleId>
               </a:tblPr>
               <a:tblGrid>
                 <a:gridCol w="3129625"/>
@@ -25306,6 +25253,13 @@
 <file path=ppt/slides/slide27.xml><?xml version="1.0" encoding="utf-8"?>
 <p:sld xmlns:a="http://schemas.openxmlformats.org/drawingml/2006/main" xmlns:r="http://schemas.openxmlformats.org/officeDocument/2006/relationships" xmlns:mc="http://schemas.openxmlformats.org/markup-compatibility/2006" xmlns:mv="urn:schemas-microsoft-com:mac:vml" xmlns:p="http://schemas.openxmlformats.org/presentationml/2006/main" xmlns:c="http://schemas.openxmlformats.org/drawingml/2006/chart" xmlns:dgm="http://schemas.openxmlformats.org/drawingml/2006/diagram" xmlns:o="urn:schemas-microsoft-com:office:office" xmlns:v="urn:schemas-microsoft-com:vml" xmlns:pvml="urn:schemas-microsoft-com:office:powerpoint" xmlns:com="http://schemas.openxmlformats.org/drawingml/2006/compatibility" xmlns:p14="http://schemas.microsoft.com/office/powerpoint/2010/main" xmlns:p15="http://schemas.microsoft.com/office/powerpoint/2012/main" xmlns:ahyp="http://schemas.microsoft.com/office/drawing/2018/hyperlinkcolor">
   <p:cSld>
+    <p:bg>
+      <p:bgPr>
+        <a:solidFill>
+          <a:srgbClr val="FFFFFF"/>
+        </a:solidFill>
+      </p:bgPr>
+    </p:bg>
     <p:spTree>
       <p:nvGrpSpPr>
         <p:cNvPr id="255" name="Shape 255"/>
@@ -25537,6 +25491,13 @@
 <file path=ppt/slides/slide28.xml><?xml version="1.0" encoding="utf-8"?>
 <p:sld xmlns:a="http://schemas.openxmlformats.org/drawingml/2006/main" xmlns:r="http://schemas.openxmlformats.org/officeDocument/2006/relationships" xmlns:mc="http://schemas.openxmlformats.org/markup-compatibility/2006" xmlns:mv="urn:schemas-microsoft-com:mac:vml" xmlns:p="http://schemas.openxmlformats.org/presentationml/2006/main" xmlns:c="http://schemas.openxmlformats.org/drawingml/2006/chart" xmlns:dgm="http://schemas.openxmlformats.org/drawingml/2006/diagram" xmlns:o="urn:schemas-microsoft-com:office:office" xmlns:v="urn:schemas-microsoft-com:vml" xmlns:pvml="urn:schemas-microsoft-com:office:powerpoint" xmlns:com="http://schemas.openxmlformats.org/drawingml/2006/compatibility" xmlns:p14="http://schemas.microsoft.com/office/powerpoint/2010/main" xmlns:p15="http://schemas.microsoft.com/office/powerpoint/2012/main" xmlns:ahyp="http://schemas.microsoft.com/office/drawing/2018/hyperlinkcolor">
   <p:cSld>
+    <p:bg>
+      <p:bgPr>
+        <a:solidFill>
+          <a:srgbClr val="FFFFFF"/>
+        </a:solidFill>
+      </p:bgPr>
+    </p:bg>
     <p:spTree>
       <p:nvGrpSpPr>
         <p:cNvPr id="262" name="Shape 262"/>
@@ -25818,6 +25779,13 @@
 <file path=ppt/slides/slide29.xml><?xml version="1.0" encoding="utf-8"?>
 <p:sld xmlns:a="http://schemas.openxmlformats.org/drawingml/2006/main" xmlns:r="http://schemas.openxmlformats.org/officeDocument/2006/relationships" xmlns:mc="http://schemas.openxmlformats.org/markup-compatibility/2006" xmlns:mv="urn:schemas-microsoft-com:mac:vml" xmlns:p="http://schemas.openxmlformats.org/presentationml/2006/main" xmlns:c="http://schemas.openxmlformats.org/drawingml/2006/chart" xmlns:dgm="http://schemas.openxmlformats.org/drawingml/2006/diagram" xmlns:o="urn:schemas-microsoft-com:office:office" xmlns:v="urn:schemas-microsoft-com:vml" xmlns:pvml="urn:schemas-microsoft-com:office:powerpoint" xmlns:com="http://schemas.openxmlformats.org/drawingml/2006/compatibility" xmlns:p14="http://schemas.microsoft.com/office/powerpoint/2010/main" xmlns:p15="http://schemas.microsoft.com/office/powerpoint/2012/main" xmlns:ahyp="http://schemas.microsoft.com/office/drawing/2018/hyperlinkcolor">
   <p:cSld>
+    <p:bg>
+      <p:bgPr>
+        <a:solidFill>
+          <a:srgbClr val="FFFFFF"/>
+        </a:solidFill>
+      </p:bgPr>
+    </p:bg>
     <p:spTree>
       <p:nvGrpSpPr>
         <p:cNvPr id="268" name="Shape 268"/>
@@ -25992,6 +25960,13 @@
 <file path=ppt/slides/slide3.xml><?xml version="1.0" encoding="utf-8"?>
 <p:sld xmlns:a="http://schemas.openxmlformats.org/drawingml/2006/main" xmlns:r="http://schemas.openxmlformats.org/officeDocument/2006/relationships" xmlns:mc="http://schemas.openxmlformats.org/markup-compatibility/2006" xmlns:mv="urn:schemas-microsoft-com:mac:vml" xmlns:p="http://schemas.openxmlformats.org/presentationml/2006/main" xmlns:c="http://schemas.openxmlformats.org/drawingml/2006/chart" xmlns:dgm="http://schemas.openxmlformats.org/drawingml/2006/diagram" xmlns:o="urn:schemas-microsoft-com:office:office" xmlns:v="urn:schemas-microsoft-com:vml" xmlns:pvml="urn:schemas-microsoft-com:office:powerpoint" xmlns:com="http://schemas.openxmlformats.org/drawingml/2006/compatibility" xmlns:p14="http://schemas.microsoft.com/office/powerpoint/2010/main" xmlns:p15="http://schemas.microsoft.com/office/powerpoint/2012/main" xmlns:ahyp="http://schemas.microsoft.com/office/drawing/2018/hyperlinkcolor">
   <p:cSld>
+    <p:bg>
+      <p:bgPr>
+        <a:solidFill>
+          <a:srgbClr val="FFFFFF"/>
+        </a:solidFill>
+      </p:bgPr>
+    </p:bg>
     <p:spTree>
       <p:nvGrpSpPr>
         <p:cNvPr id="95" name="Shape 95"/>
@@ -26052,7 +26027,15 @@
             </a:pPr>
             <a:r>
               <a:rPr lang="en-GB"/>
-              <a:t>Python alternative preparation (do not use)</a:t>
+              <a:t>Python alternative </a:t>
+            </a:r>
+            <a:r>
+              <a:rPr lang="en-GB"/>
+              <a:t>preparation</a:t>
+            </a:r>
+            <a:r>
+              <a:rPr lang="en-GB"/>
+              <a:t> (do not use)</a:t>
             </a:r>
             <a:endParaRPr/>
           </a:p>
@@ -26424,6 +26407,13 @@
 <file path=ppt/slides/slide30.xml><?xml version="1.0" encoding="utf-8"?>
 <p:sld xmlns:a="http://schemas.openxmlformats.org/drawingml/2006/main" xmlns:r="http://schemas.openxmlformats.org/officeDocument/2006/relationships" xmlns:mc="http://schemas.openxmlformats.org/markup-compatibility/2006" xmlns:mv="urn:schemas-microsoft-com:mac:vml" xmlns:p="http://schemas.openxmlformats.org/presentationml/2006/main" xmlns:c="http://schemas.openxmlformats.org/drawingml/2006/chart" xmlns:dgm="http://schemas.openxmlformats.org/drawingml/2006/diagram" xmlns:o="urn:schemas-microsoft-com:office:office" xmlns:v="urn:schemas-microsoft-com:vml" xmlns:pvml="urn:schemas-microsoft-com:office:powerpoint" xmlns:com="http://schemas.openxmlformats.org/drawingml/2006/compatibility" xmlns:p14="http://schemas.microsoft.com/office/powerpoint/2010/main" xmlns:p15="http://schemas.microsoft.com/office/powerpoint/2012/main" xmlns:ahyp="http://schemas.microsoft.com/office/drawing/2018/hyperlinkcolor">
   <p:cSld>
+    <p:bg>
+      <p:bgPr>
+        <a:solidFill>
+          <a:srgbClr val="FFFFFF"/>
+        </a:solidFill>
+      </p:bgPr>
+    </p:bg>
     <p:spTree>
       <p:nvGrpSpPr>
         <p:cNvPr id="274" name="Shape 274"/>
@@ -26620,6 +26610,13 @@
 <file path=ppt/slides/slide31.xml><?xml version="1.0" encoding="utf-8"?>
 <p:sld xmlns:a="http://schemas.openxmlformats.org/drawingml/2006/main" xmlns:r="http://schemas.openxmlformats.org/officeDocument/2006/relationships" xmlns:mc="http://schemas.openxmlformats.org/markup-compatibility/2006" xmlns:mv="urn:schemas-microsoft-com:mac:vml" xmlns:p="http://schemas.openxmlformats.org/presentationml/2006/main" xmlns:c="http://schemas.openxmlformats.org/drawingml/2006/chart" xmlns:dgm="http://schemas.openxmlformats.org/drawingml/2006/diagram" xmlns:o="urn:schemas-microsoft-com:office:office" xmlns:v="urn:schemas-microsoft-com:vml" xmlns:pvml="urn:schemas-microsoft-com:office:powerpoint" xmlns:com="http://schemas.openxmlformats.org/drawingml/2006/compatibility" xmlns:p14="http://schemas.microsoft.com/office/powerpoint/2010/main" xmlns:p15="http://schemas.microsoft.com/office/powerpoint/2012/main" xmlns:ahyp="http://schemas.microsoft.com/office/drawing/2018/hyperlinkcolor">
   <p:cSld>
+    <p:bg>
+      <p:bgPr>
+        <a:solidFill>
+          <a:srgbClr val="FFFFFF"/>
+        </a:solidFill>
+      </p:bgPr>
+    </p:bg>
     <p:spTree>
       <p:nvGrpSpPr>
         <p:cNvPr id="280" name="Shape 280"/>
@@ -26916,6 +26913,13 @@
 <file path=ppt/slides/slide32.xml><?xml version="1.0" encoding="utf-8"?>
 <p:sld xmlns:a="http://schemas.openxmlformats.org/drawingml/2006/main" xmlns:r="http://schemas.openxmlformats.org/officeDocument/2006/relationships" xmlns:mc="http://schemas.openxmlformats.org/markup-compatibility/2006" xmlns:mv="urn:schemas-microsoft-com:mac:vml" xmlns:p="http://schemas.openxmlformats.org/presentationml/2006/main" xmlns:c="http://schemas.openxmlformats.org/drawingml/2006/chart" xmlns:dgm="http://schemas.openxmlformats.org/drawingml/2006/diagram" xmlns:o="urn:schemas-microsoft-com:office:office" xmlns:v="urn:schemas-microsoft-com:vml" xmlns:pvml="urn:schemas-microsoft-com:office:powerpoint" xmlns:com="http://schemas.openxmlformats.org/drawingml/2006/compatibility" xmlns:p14="http://schemas.microsoft.com/office/powerpoint/2010/main" xmlns:p15="http://schemas.microsoft.com/office/powerpoint/2012/main" xmlns:ahyp="http://schemas.microsoft.com/office/drawing/2018/hyperlinkcolor">
   <p:cSld>
+    <p:bg>
+      <p:bgPr>
+        <a:solidFill>
+          <a:srgbClr val="FFFFFF"/>
+        </a:solidFill>
+      </p:bgPr>
+    </p:bg>
     <p:spTree>
       <p:nvGrpSpPr>
         <p:cNvPr id="286" name="Shape 286"/>
@@ -27044,6 +27048,13 @@
 <file path=ppt/slides/slide33.xml><?xml version="1.0" encoding="utf-8"?>
 <p:sld xmlns:a="http://schemas.openxmlformats.org/drawingml/2006/main" xmlns:r="http://schemas.openxmlformats.org/officeDocument/2006/relationships" xmlns:mc="http://schemas.openxmlformats.org/markup-compatibility/2006" xmlns:mv="urn:schemas-microsoft-com:mac:vml" xmlns:p="http://schemas.openxmlformats.org/presentationml/2006/main" xmlns:c="http://schemas.openxmlformats.org/drawingml/2006/chart" xmlns:dgm="http://schemas.openxmlformats.org/drawingml/2006/diagram" xmlns:o="urn:schemas-microsoft-com:office:office" xmlns:v="urn:schemas-microsoft-com:vml" xmlns:pvml="urn:schemas-microsoft-com:office:powerpoint" xmlns:com="http://schemas.openxmlformats.org/drawingml/2006/compatibility" xmlns:p14="http://schemas.microsoft.com/office/powerpoint/2010/main" xmlns:p15="http://schemas.microsoft.com/office/powerpoint/2012/main" xmlns:ahyp="http://schemas.microsoft.com/office/drawing/2018/hyperlinkcolor">
   <p:cSld>
+    <p:bg>
+      <p:bgPr>
+        <a:solidFill>
+          <a:srgbClr val="FFFFFF"/>
+        </a:solidFill>
+      </p:bgPr>
+    </p:bg>
     <p:spTree>
       <p:nvGrpSpPr>
         <p:cNvPr id="292" name="Shape 292"/>
@@ -27137,30 +27148,30 @@
           </a:bodyPr>
           <a:lstStyle/>
           <a:p>
-            <a:pPr indent="-228600" lvl="0" marL="228600" rtl="0" algn="l">
-              <a:lnSpc>
-                <a:spcPct val="90000"/>
-              </a:lnSpc>
-              <a:spcBef>
-                <a:spcPts val="0"/>
-              </a:spcBef>
-              <a:spcAft>
-                <a:spcPts val="0"/>
-              </a:spcAft>
-              <a:buClr>
-                <a:schemeClr val="dk1"/>
-              </a:buClr>
-              <a:buSzPts val="2800"/>
+            <a:pPr indent="-215900" lvl="0" marL="228600" rtl="0" algn="l">
+              <a:lnSpc>
+                <a:spcPct val="90000"/>
+              </a:lnSpc>
+              <a:spcBef>
+                <a:spcPts val="0"/>
+              </a:spcBef>
+              <a:spcAft>
+                <a:spcPts val="0"/>
+              </a:spcAft>
+              <a:buClr>
+                <a:schemeClr val="dk1"/>
+              </a:buClr>
+              <a:buSzPts val="2600"/>
               <a:buChar char="•"/>
             </a:pPr>
             <a:r>
-              <a:rPr lang="en-GB"/>
+              <a:rPr lang="en-GB" sz="2600"/>
               <a:t>Ensure GIT for windows is installed: </a:t>
             </a:r>
-            <a:endParaRPr/>
-          </a:p>
-          <a:p>
-            <a:pPr indent="-228600" lvl="1" marL="685800" rtl="0" algn="l">
+            <a:endParaRPr sz="2600"/>
+          </a:p>
+          <a:p>
+            <a:pPr indent="0" lvl="0" marL="457200" rtl="0" algn="l">
               <a:lnSpc>
                 <a:spcPct val="90000"/>
               </a:lnSpc>
@@ -27170,14 +27181,10 @@
               <a:spcAft>
                 <a:spcPts val="0"/>
               </a:spcAft>
-              <a:buClr>
-                <a:schemeClr val="dk1"/>
-              </a:buClr>
-              <a:buSzPts val="2400"/>
-              <a:buChar char="•"/>
-            </a:pPr>
-            <a:r>
-              <a:rPr lang="en-GB" u="sng">
+              <a:buNone/>
+            </a:pPr>
+            <a:r>
+              <a:rPr lang="en-GB" sz="2200" u="sng">
                 <a:solidFill>
                   <a:schemeClr val="hlink"/>
                 </a:solidFill>
@@ -27185,10 +27192,10 @@
               </a:rPr>
               <a:t>https://git-scm.com/download/win</a:t>
             </a:r>
-            <a:endParaRPr/>
-          </a:p>
-          <a:p>
-            <a:pPr indent="-228600" lvl="0" marL="228600" rtl="0" algn="l">
+            <a:endParaRPr sz="2200"/>
+          </a:p>
+          <a:p>
+            <a:pPr indent="-215900" lvl="0" marL="228600" rtl="0" algn="l">
               <a:lnSpc>
                 <a:spcPct val="90000"/>
               </a:lnSpc>
@@ -27201,17 +27208,17 @@
               <a:buClr>
                 <a:schemeClr val="dk1"/>
               </a:buClr>
-              <a:buSzPts val="2800"/>
+              <a:buSzPts val="2600"/>
               <a:buChar char="•"/>
             </a:pPr>
             <a:r>
-              <a:rPr lang="en-GB"/>
+              <a:rPr lang="en-GB" sz="2600"/>
               <a:t>Install VScode as your development environment:</a:t>
             </a:r>
-            <a:endParaRPr/>
-          </a:p>
-          <a:p>
-            <a:pPr indent="-228600" lvl="1" marL="685800" rtl="0" algn="l">
+            <a:endParaRPr sz="2600"/>
+          </a:p>
+          <a:p>
+            <a:pPr indent="0" lvl="0" marL="457200" rtl="0" algn="l">
               <a:lnSpc>
                 <a:spcPct val="90000"/>
               </a:lnSpc>
@@ -27221,14 +27228,10 @@
               <a:spcAft>
                 <a:spcPts val="0"/>
               </a:spcAft>
-              <a:buClr>
-                <a:schemeClr val="dk1"/>
-              </a:buClr>
-              <a:buSzPts val="2400"/>
-              <a:buChar char="•"/>
-            </a:pPr>
-            <a:r>
-              <a:rPr lang="en-GB" u="sng">
+              <a:buNone/>
+            </a:pPr>
+            <a:r>
+              <a:rPr lang="en-GB" sz="2200" u="sng">
                 <a:solidFill>
                   <a:schemeClr val="hlink"/>
                 </a:solidFill>
@@ -27236,10 +27239,10 @@
               </a:rPr>
               <a:t>https://code.visualstudio.com/download</a:t>
             </a:r>
-            <a:endParaRPr/>
-          </a:p>
-          <a:p>
-            <a:pPr indent="-228600" lvl="0" marL="228600" rtl="0" algn="l">
+            <a:endParaRPr sz="2200"/>
+          </a:p>
+          <a:p>
+            <a:pPr indent="-215900" lvl="0" marL="228600" rtl="0" algn="l">
               <a:lnSpc>
                 <a:spcPct val="90000"/>
               </a:lnSpc>
@@ -27252,17 +27255,17 @@
               <a:buClr>
                 <a:schemeClr val="dk1"/>
               </a:buClr>
-              <a:buSzPts val="2800"/>
+              <a:buSzPts val="2600"/>
               <a:buChar char="•"/>
             </a:pPr>
             <a:r>
-              <a:rPr lang="en-GB"/>
+              <a:rPr lang="en-GB" sz="2600"/>
               <a:t>Install recommended VScode extensions:</a:t>
             </a:r>
-            <a:endParaRPr/>
-          </a:p>
-          <a:p>
-            <a:pPr indent="-228600" lvl="1" marL="685800" rtl="0" algn="l">
+            <a:endParaRPr sz="2600"/>
+          </a:p>
+          <a:p>
+            <a:pPr indent="0" lvl="0" marL="457200" rtl="0" algn="l">
               <a:lnSpc>
                 <a:spcPct val="90000"/>
               </a:lnSpc>
@@ -27272,43 +27275,39 @@
               <a:spcAft>
                 <a:spcPts val="0"/>
               </a:spcAft>
-              <a:buClr>
-                <a:schemeClr val="dk1"/>
-              </a:buClr>
-              <a:buSzPts val="2400"/>
+              <a:buNone/>
+            </a:pPr>
+            <a:r>
+              <a:rPr lang="en-GB" sz="2200"/>
+              <a:t>Python, Pylance, Material Icons, (Docker if adventurous)</a:t>
+            </a:r>
+            <a:endParaRPr sz="2200"/>
+          </a:p>
+          <a:p>
+            <a:pPr indent="-215900" lvl="0" marL="228600" rtl="0" algn="l">
+              <a:lnSpc>
+                <a:spcPct val="90000"/>
+              </a:lnSpc>
+              <a:spcBef>
+                <a:spcPts val="1000"/>
+              </a:spcBef>
+              <a:spcAft>
+                <a:spcPts val="0"/>
+              </a:spcAft>
+              <a:buClr>
+                <a:schemeClr val="dk1"/>
+              </a:buClr>
+              <a:buSzPts val="2600"/>
               <a:buChar char="•"/>
             </a:pPr>
             <a:r>
-              <a:rPr lang="en-GB"/>
-              <a:t>Python, Pylance, Material Icons, (Docker if adventurous)</a:t>
-            </a:r>
-            <a:endParaRPr/>
-          </a:p>
-          <a:p>
-            <a:pPr indent="-228600" lvl="0" marL="228600" rtl="0" algn="l">
-              <a:lnSpc>
-                <a:spcPct val="90000"/>
-              </a:lnSpc>
-              <a:spcBef>
-                <a:spcPts val="1000"/>
-              </a:spcBef>
-              <a:spcAft>
-                <a:spcPts val="0"/>
-              </a:spcAft>
-              <a:buClr>
-                <a:schemeClr val="dk1"/>
-              </a:buClr>
-              <a:buSzPts val="2800"/>
-              <a:buChar char="•"/>
-            </a:pPr>
-            <a:r>
-              <a:rPr lang="en-GB"/>
+              <a:rPr lang="en-GB" sz="2600"/>
               <a:t>Go through the VScode python intro tutorial:</a:t>
             </a:r>
-            <a:endParaRPr/>
-          </a:p>
-          <a:p>
-            <a:pPr indent="-228600" lvl="1" marL="685800" rtl="0" algn="l">
+            <a:endParaRPr sz="2600"/>
+          </a:p>
+          <a:p>
+            <a:pPr indent="0" lvl="0" marL="457200" rtl="0" algn="l">
               <a:lnSpc>
                 <a:spcPct val="90000"/>
               </a:lnSpc>
@@ -27318,14 +27317,10 @@
               <a:spcAft>
                 <a:spcPts val="0"/>
               </a:spcAft>
-              <a:buClr>
-                <a:schemeClr val="dk1"/>
-              </a:buClr>
-              <a:buSzPts val="2400"/>
-              <a:buChar char="•"/>
-            </a:pPr>
-            <a:r>
-              <a:rPr lang="en-GB" u="sng">
+              <a:buNone/>
+            </a:pPr>
+            <a:r>
+              <a:rPr lang="en-GB" sz="2200" u="sng">
                 <a:solidFill>
                   <a:schemeClr val="hlink"/>
                 </a:solidFill>
@@ -27336,7 +27331,7 @@
             <a:endParaRPr/>
           </a:p>
           <a:p>
-            <a:pPr indent="-76200" lvl="1" marL="685800" rtl="0" algn="l">
+            <a:pPr indent="0" lvl="0" marL="914400" rtl="0" algn="l">
               <a:lnSpc>
                 <a:spcPct val="90000"/>
               </a:lnSpc>
@@ -27346,16 +27341,43 @@
               <a:spcAft>
                 <a:spcPts val="0"/>
               </a:spcAft>
-              <a:buClr>
-                <a:schemeClr val="dk1"/>
-              </a:buClr>
-              <a:buSzPts val="2400"/>
-              <a:buNone/>
-            </a:pPr>
-            <a:r>
-              <a:t/>
-            </a:r>
-            <a:endParaRPr/>
+              <a:buNone/>
+            </a:pPr>
+            <a:r>
+              <a:rPr lang="en-GB" sz="2200"/>
+              <a:t>Start at the section:</a:t>
+            </a:r>
+            <a:endParaRPr sz="2200"/>
+          </a:p>
+          <a:p>
+            <a:pPr indent="0" lvl="0" marL="1371600" rtl="0" algn="l">
+              <a:lnSpc>
+                <a:spcPct val="110000"/>
+              </a:lnSpc>
+              <a:spcBef>
+                <a:spcPts val="0"/>
+              </a:spcBef>
+              <a:spcAft>
+                <a:spcPts val="0"/>
+              </a:spcAft>
+              <a:buNone/>
+            </a:pPr>
+            <a:r>
+              <a:rPr lang="en-GB" sz="1700">
+                <a:solidFill>
+                  <a:srgbClr val="444444"/>
+                </a:solidFill>
+                <a:highlight>
+                  <a:srgbClr val="FFFFFF"/>
+                </a:highlight>
+                <a:latin typeface="Arial"/>
+                <a:ea typeface="Arial"/>
+                <a:cs typeface="Arial"/>
+                <a:sym typeface="Arial"/>
+              </a:rPr>
+              <a:t>“Start VS Code in a project (workspace) folder”</a:t>
+            </a:r>
+            <a:endParaRPr sz="2200"/>
           </a:p>
           <a:p>
             <a:pPr indent="0" lvl="1" marL="457200" rtl="0" algn="l">
@@ -27363,7 +27385,7 @@
                 <a:spcPct val="90000"/>
               </a:lnSpc>
               <a:spcBef>
-                <a:spcPts val="500"/>
+                <a:spcPts val="800"/>
               </a:spcBef>
               <a:spcAft>
                 <a:spcPts val="0"/>
@@ -27392,6 +27414,13 @@
 <file path=ppt/slides/slide34.xml><?xml version="1.0" encoding="utf-8"?>
 <p:sld xmlns:a="http://schemas.openxmlformats.org/drawingml/2006/main" xmlns:r="http://schemas.openxmlformats.org/officeDocument/2006/relationships" xmlns:mc="http://schemas.openxmlformats.org/markup-compatibility/2006" xmlns:mv="urn:schemas-microsoft-com:mac:vml" xmlns:p="http://schemas.openxmlformats.org/presentationml/2006/main" xmlns:c="http://schemas.openxmlformats.org/drawingml/2006/chart" xmlns:dgm="http://schemas.openxmlformats.org/drawingml/2006/diagram" xmlns:o="urn:schemas-microsoft-com:office:office" xmlns:v="urn:schemas-microsoft-com:vml" xmlns:pvml="urn:schemas-microsoft-com:office:powerpoint" xmlns:com="http://schemas.openxmlformats.org/drawingml/2006/compatibility" xmlns:p14="http://schemas.microsoft.com/office/powerpoint/2010/main" xmlns:p15="http://schemas.microsoft.com/office/powerpoint/2012/main" xmlns:ahyp="http://schemas.microsoft.com/office/drawing/2018/hyperlinkcolor">
   <p:cSld>
+    <p:bg>
+      <p:bgPr>
+        <a:solidFill>
+          <a:srgbClr val="FFFFFF"/>
+        </a:solidFill>
+      </p:bgPr>
+    </p:bg>
     <p:spTree>
       <p:nvGrpSpPr>
         <p:cNvPr id="298" name="Shape 298"/>
@@ -27468,8 +27497,8 @@
         </p:nvSpPr>
         <p:spPr>
           <a:xfrm>
-            <a:off x="3891505" y="2218751"/>
-            <a:ext cx="4809600" cy="5887500"/>
+            <a:off x="463050" y="1446975"/>
+            <a:ext cx="8214300" cy="3444900"/>
           </a:xfrm>
           <a:prstGeom prst="rect">
             <a:avLst/>
@@ -27481,11 +27510,11 @@
         </p:spPr>
         <p:txBody>
           <a:bodyPr anchorCtr="0" anchor="t" bIns="45700" lIns="91425" spcFirstLastPara="1" rIns="91425" wrap="square" tIns="45700">
-            <a:normAutofit fontScale="85000" lnSpcReduction="20000"/>
+            <a:normAutofit fontScale="70000" lnSpcReduction="20000"/>
           </a:bodyPr>
           <a:lstStyle/>
           <a:p>
-            <a:pPr indent="-241934" lvl="0" marL="228600" rtl="0" algn="l">
+            <a:pPr indent="-215265" lvl="0" marL="228600" rtl="0" algn="l">
               <a:lnSpc>
                 <a:spcPct val="90000"/>
               </a:lnSpc>
@@ -27508,7 +27537,7 @@
             <a:endParaRPr i="1"/>
           </a:p>
           <a:p>
-            <a:pPr indent="-241934" lvl="0" marL="228600" rtl="0" algn="l">
+            <a:pPr indent="-215265" lvl="0" marL="228600" rtl="0" algn="l">
               <a:lnSpc>
                 <a:spcPct val="90000"/>
               </a:lnSpc>
@@ -27543,7 +27572,7 @@
             <a:endParaRPr/>
           </a:p>
           <a:p>
-            <a:pPr indent="-241934" lvl="0" marL="228600" rtl="0" algn="l">
+            <a:pPr indent="-215265" lvl="0" marL="228600" rtl="0" algn="l">
               <a:lnSpc>
                 <a:spcPct val="90000"/>
               </a:lnSpc>
@@ -27570,7 +27599,7 @@
             <a:endParaRPr/>
           </a:p>
           <a:p>
-            <a:pPr indent="-241934" lvl="0" marL="228600" rtl="0" algn="l">
+            <a:pPr indent="-215265" lvl="0" marL="228600" rtl="0" algn="l">
               <a:lnSpc>
                 <a:spcPct val="90000"/>
               </a:lnSpc>
@@ -27597,7 +27626,7 @@
             <a:endParaRPr/>
           </a:p>
           <a:p>
-            <a:pPr indent="-241934" lvl="0" marL="228600" rtl="0" algn="l">
+            <a:pPr indent="-215265" lvl="0" marL="228600" rtl="0" algn="l">
               <a:lnSpc>
                 <a:spcPct val="90000"/>
               </a:lnSpc>
@@ -27624,7 +27653,7 @@
             <a:endParaRPr/>
           </a:p>
           <a:p>
-            <a:pPr indent="-241934" lvl="0" marL="228600" rtl="0" algn="l">
+            <a:pPr indent="-215265" lvl="0" marL="228600" rtl="0" algn="l">
               <a:lnSpc>
                 <a:spcPct val="90000"/>
               </a:lnSpc>
@@ -27667,8 +27696,8 @@
         </p:blipFill>
         <p:spPr>
           <a:xfrm>
-            <a:off x="155625" y="3365300"/>
-            <a:ext cx="3735876" cy="4332825"/>
+            <a:off x="3870700" y="4520850"/>
+            <a:ext cx="4369400" cy="4210249"/>
           </a:xfrm>
           <a:prstGeom prst="rect">
             <a:avLst/>
@@ -27690,6 +27719,13 @@
 <file path=ppt/slides/slide35.xml><?xml version="1.0" encoding="utf-8"?>
 <p:sld xmlns:a="http://schemas.openxmlformats.org/drawingml/2006/main" xmlns:r="http://schemas.openxmlformats.org/officeDocument/2006/relationships" xmlns:mc="http://schemas.openxmlformats.org/markup-compatibility/2006" xmlns:mv="urn:schemas-microsoft-com:mac:vml" xmlns:p="http://schemas.openxmlformats.org/presentationml/2006/main" xmlns:c="http://schemas.openxmlformats.org/drawingml/2006/chart" xmlns:dgm="http://schemas.openxmlformats.org/drawingml/2006/diagram" xmlns:o="urn:schemas-microsoft-com:office:office" xmlns:v="urn:schemas-microsoft-com:vml" xmlns:pvml="urn:schemas-microsoft-com:office:powerpoint" xmlns:com="http://schemas.openxmlformats.org/drawingml/2006/compatibility" xmlns:p14="http://schemas.microsoft.com/office/powerpoint/2010/main" xmlns:p15="http://schemas.microsoft.com/office/powerpoint/2012/main" xmlns:ahyp="http://schemas.microsoft.com/office/drawing/2018/hyperlinkcolor">
   <p:cSld>
+    <p:bg>
+      <p:bgPr>
+        <a:solidFill>
+          <a:srgbClr val="FFFFFF"/>
+        </a:solidFill>
+      </p:bgPr>
+    </p:bg>
     <p:spTree>
       <p:nvGrpSpPr>
         <p:cNvPr id="305" name="Shape 305"/>
@@ -28037,6 +28073,13 @@
 <file path=ppt/slides/slide36.xml><?xml version="1.0" encoding="utf-8"?>
 <p:sld xmlns:a="http://schemas.openxmlformats.org/drawingml/2006/main" xmlns:r="http://schemas.openxmlformats.org/officeDocument/2006/relationships" xmlns:mc="http://schemas.openxmlformats.org/markup-compatibility/2006" xmlns:mv="urn:schemas-microsoft-com:mac:vml" xmlns:p="http://schemas.openxmlformats.org/presentationml/2006/main" xmlns:c="http://schemas.openxmlformats.org/drawingml/2006/chart" xmlns:dgm="http://schemas.openxmlformats.org/drawingml/2006/diagram" xmlns:o="urn:schemas-microsoft-com:office:office" xmlns:v="urn:schemas-microsoft-com:vml" xmlns:pvml="urn:schemas-microsoft-com:office:powerpoint" xmlns:com="http://schemas.openxmlformats.org/drawingml/2006/compatibility" xmlns:p14="http://schemas.microsoft.com/office/powerpoint/2010/main" xmlns:p15="http://schemas.microsoft.com/office/powerpoint/2012/main" xmlns:ahyp="http://schemas.microsoft.com/office/drawing/2018/hyperlinkcolor">
   <p:cSld>
+    <p:bg>
+      <p:bgPr>
+        <a:solidFill>
+          <a:srgbClr val="FFFFFF"/>
+        </a:solidFill>
+      </p:bgPr>
+    </p:bg>
     <p:spTree>
       <p:nvGrpSpPr>
         <p:cNvPr id="311" name="Shape 311"/>
@@ -28061,8 +28104,8 @@
         </p:nvSpPr>
         <p:spPr>
           <a:xfrm>
-            <a:off x="614063" y="2243751"/>
-            <a:ext cx="7762500" cy="3743700"/>
+            <a:off x="618750" y="479167"/>
+            <a:ext cx="7762500" cy="1739400"/>
           </a:xfrm>
           <a:prstGeom prst="rect">
             <a:avLst/>
@@ -28073,7 +28116,7 @@
           </a:ln>
         </p:spPr>
         <p:txBody>
-          <a:bodyPr anchorCtr="0" anchor="b" bIns="45700" lIns="91425" spcFirstLastPara="1" rIns="91425" wrap="square" tIns="45700">
+          <a:bodyPr anchorCtr="0" anchor="ctr" bIns="45700" lIns="91425" spcFirstLastPara="1" rIns="91425" wrap="square" tIns="45700">
             <a:normAutofit/>
           </a:bodyPr>
           <a:lstStyle/>
@@ -28091,13 +28134,13 @@
               <a:buClr>
                 <a:schemeClr val="dk1"/>
               </a:buClr>
-              <a:buSzPts val="6000"/>
+              <a:buSzPts val="4400"/>
               <a:buFont typeface="Calibri"/>
               <a:buNone/>
             </a:pPr>
             <a:r>
               <a:rPr lang="en-GB"/>
-              <a:t>Part 5</a:t>
+              <a:t>CLI programs</a:t>
             </a:r>
             <a:endParaRPr/>
           </a:p>
@@ -28113,8 +28156,8 @@
         </p:nvSpPr>
         <p:spPr>
           <a:xfrm>
-            <a:off x="614063" y="6022917"/>
-            <a:ext cx="7762500" cy="1968600"/>
+            <a:off x="618750" y="2395833"/>
+            <a:ext cx="7762500" cy="5710500"/>
           </a:xfrm>
           <a:prstGeom prst="rect">
             <a:avLst/>
@@ -28126,34 +28169,80 @@
         </p:spPr>
         <p:txBody>
           <a:bodyPr anchorCtr="0" anchor="t" bIns="45700" lIns="91425" spcFirstLastPara="1" rIns="91425" wrap="square" tIns="45700">
-            <a:normAutofit/>
+            <a:normAutofit lnSpcReduction="10000"/>
           </a:bodyPr>
           <a:lstStyle/>
           <a:p>
-            <a:pPr indent="0" lvl="0" marL="0" rtl="0" algn="l">
-              <a:lnSpc>
-                <a:spcPct val="90000"/>
-              </a:lnSpc>
-              <a:spcBef>
-                <a:spcPts val="0"/>
-              </a:spcBef>
-              <a:spcAft>
-                <a:spcPts val="0"/>
-              </a:spcAft>
-              <a:buClr>
-                <a:srgbClr val="888888"/>
+            <a:pPr indent="-228600" lvl="0" marL="228600" rtl="0" algn="l">
+              <a:lnSpc>
+                <a:spcPct val="90000"/>
+              </a:lnSpc>
+              <a:spcBef>
+                <a:spcPts val="0"/>
+              </a:spcBef>
+              <a:spcAft>
+                <a:spcPts val="0"/>
+              </a:spcAft>
+              <a:buClr>
+                <a:schemeClr val="dk1"/>
+              </a:buClr>
+              <a:buSzPts val="2800"/>
+              <a:buChar char="•"/>
+            </a:pPr>
+            <a:r>
+              <a:rPr lang="en-GB"/>
+              <a:t>Why?</a:t>
+            </a:r>
+            <a:endParaRPr/>
+          </a:p>
+          <a:p>
+            <a:pPr indent="-228600" lvl="1" marL="685800" rtl="0" algn="l">
+              <a:lnSpc>
+                <a:spcPct val="90000"/>
+              </a:lnSpc>
+              <a:spcBef>
+                <a:spcPts val="500"/>
+              </a:spcBef>
+              <a:spcAft>
+                <a:spcPts val="0"/>
+              </a:spcAft>
+              <a:buClr>
+                <a:schemeClr val="dk1"/>
               </a:buClr>
               <a:buSzPts val="2400"/>
-              <a:buNone/>
+              <a:buChar char="•"/>
             </a:pPr>
             <a:r>
               <a:rPr lang="en-GB"/>
-              <a:t>Files &amp; First CLI programs</a:t>
-            </a:r>
-            <a:endParaRPr/>
-          </a:p>
-          <a:p>
-            <a:pPr indent="0" lvl="0" marL="0" rtl="0" algn="l">
+              <a:t>Quick to develop.</a:t>
+            </a:r>
+            <a:endParaRPr/>
+          </a:p>
+          <a:p>
+            <a:pPr indent="-228600" lvl="1" marL="685800" rtl="0" algn="l">
+              <a:lnSpc>
+                <a:spcPct val="90000"/>
+              </a:lnSpc>
+              <a:spcBef>
+                <a:spcPts val="500"/>
+              </a:spcBef>
+              <a:spcAft>
+                <a:spcPts val="0"/>
+              </a:spcAft>
+              <a:buClr>
+                <a:schemeClr val="dk1"/>
+              </a:buClr>
+              <a:buSzPts val="2400"/>
+              <a:buChar char="•"/>
+            </a:pPr>
+            <a:r>
+              <a:rPr lang="en-GB"/>
+              <a:t>If you follow a sensible structure can easily be included in web &amp; GUI apps.</a:t>
+            </a:r>
+            <a:endParaRPr/>
+          </a:p>
+          <a:p>
+            <a:pPr indent="-50800" lvl="0" marL="228600" rtl="0" algn="l">
               <a:lnSpc>
                 <a:spcPct val="90000"/>
               </a:lnSpc>
@@ -28164,19 +28253,156 @@
                 <a:spcPts val="0"/>
               </a:spcAft>
               <a:buClr>
-                <a:srgbClr val="888888"/>
+                <a:schemeClr val="dk1"/>
+              </a:buClr>
+              <a:buSzPts val="2800"/>
+              <a:buNone/>
+            </a:pPr>
+            <a:r>
+              <a:t/>
+            </a:r>
+            <a:endParaRPr/>
+          </a:p>
+          <a:p>
+            <a:pPr indent="-228600" lvl="0" marL="228600" rtl="0" algn="l">
+              <a:lnSpc>
+                <a:spcPct val="90000"/>
+              </a:lnSpc>
+              <a:spcBef>
+                <a:spcPts val="1000"/>
+              </a:spcBef>
+              <a:spcAft>
+                <a:spcPts val="0"/>
+              </a:spcAft>
+              <a:buClr>
+                <a:schemeClr val="dk1"/>
+              </a:buClr>
+              <a:buSzPts val="2800"/>
+              <a:buChar char="•"/>
+            </a:pPr>
+            <a:r>
+              <a:rPr lang="en-GB"/>
+              <a:t>Good CLI program structure:</a:t>
+            </a:r>
+            <a:endParaRPr/>
+          </a:p>
+          <a:p>
+            <a:pPr indent="-228600" lvl="1" marL="685800" rtl="0" algn="l">
+              <a:lnSpc>
+                <a:spcPct val="90000"/>
+              </a:lnSpc>
+              <a:spcBef>
+                <a:spcPts val="500"/>
+              </a:spcBef>
+              <a:spcAft>
+                <a:spcPts val="0"/>
+              </a:spcAft>
+              <a:buClr>
+                <a:schemeClr val="dk1"/>
               </a:buClr>
               <a:buSzPts val="2400"/>
-              <a:buNone/>
-            </a:pPr>
-            <a:r>
-              <a:rPr i="1" lang="en-GB"/>
-              <a:t>Open  the PyTut5_Files notebook</a:t>
-            </a:r>
-            <a:endParaRPr i="1"/>
-          </a:p>
-          <a:p>
-            <a:pPr indent="0" lvl="0" marL="0" rtl="0" algn="l">
+              <a:buChar char="•"/>
+            </a:pPr>
+            <a:r>
+              <a:rPr lang="en-GB"/>
+              <a:t>If __name__=='__main__' to call cli function.</a:t>
+            </a:r>
+            <a:endParaRPr/>
+          </a:p>
+          <a:p>
+            <a:pPr indent="-228600" lvl="1" marL="685800" rtl="0" algn="l">
+              <a:lnSpc>
+                <a:spcPct val="90000"/>
+              </a:lnSpc>
+              <a:spcBef>
+                <a:spcPts val="500"/>
+              </a:spcBef>
+              <a:spcAft>
+                <a:spcPts val="0"/>
+              </a:spcAft>
+              <a:buClr>
+                <a:schemeClr val="dk1"/>
+              </a:buClr>
+              <a:buSzPts val="2400"/>
+              <a:buChar char="•"/>
+            </a:pPr>
+            <a:r>
+              <a:rPr lang="en-GB"/>
+              <a:t>cli function parses and handles CLI arguments.</a:t>
+            </a:r>
+            <a:endParaRPr/>
+          </a:p>
+          <a:p>
+            <a:pPr indent="-228600" lvl="1" marL="685800" rtl="0" algn="l">
+              <a:lnSpc>
+                <a:spcPct val="90000"/>
+              </a:lnSpc>
+              <a:spcBef>
+                <a:spcPts val="500"/>
+              </a:spcBef>
+              <a:spcAft>
+                <a:spcPts val="0"/>
+              </a:spcAft>
+              <a:buClr>
+                <a:schemeClr val="dk1"/>
+              </a:buClr>
+              <a:buSzPts val="2400"/>
+              <a:buChar char="•"/>
+            </a:pPr>
+            <a:r>
+              <a:rPr lang="en-GB"/>
+              <a:t>Separate functions with main processing functionality.</a:t>
+            </a:r>
+            <a:endParaRPr/>
+          </a:p>
+          <a:p>
+            <a:pPr indent="-228600" lvl="1" marL="685800" rtl="0" algn="l">
+              <a:lnSpc>
+                <a:spcPct val="90000"/>
+              </a:lnSpc>
+              <a:spcBef>
+                <a:spcPts val="500"/>
+              </a:spcBef>
+              <a:spcAft>
+                <a:spcPts val="0"/>
+              </a:spcAft>
+              <a:buClr>
+                <a:schemeClr val="dk1"/>
+              </a:buClr>
+              <a:buSzPts val="2400"/>
+              <a:buChar char="•"/>
+            </a:pPr>
+            <a:r>
+              <a:rPr lang="en-GB"/>
+              <a:t>Separate functions to render the output (text, html, etc).</a:t>
+            </a:r>
+            <a:endParaRPr/>
+          </a:p>
+          <a:p>
+            <a:pPr indent="-228600" lvl="1" marL="685800" rtl="0" algn="l">
+              <a:lnSpc>
+                <a:spcPct val="90000"/>
+              </a:lnSpc>
+              <a:spcBef>
+                <a:spcPts val="500"/>
+              </a:spcBef>
+              <a:spcAft>
+                <a:spcPts val="0"/>
+              </a:spcAft>
+              <a:buClr>
+                <a:schemeClr val="dk1"/>
+              </a:buClr>
+              <a:buSzPts val="2400"/>
+              <a:buChar char="•"/>
+            </a:pPr>
+            <a:r>
+              <a:rPr lang="en-GB"/>
+              <a:t>It can be a good idea for render functions to return strings and only print when the format is 'text'.</a:t>
+            </a:r>
+            <a:endParaRPr/>
+          </a:p>
+          <a:p>
+            <a:pPr indent="-50800" lvl="0" marL="228600" rtl="0" algn="l">
               <a:lnSpc>
                 <a:spcPct val="90000"/>
               </a:lnSpc>
@@ -28187,9 +28413,9 @@
                 <a:spcPts val="0"/>
               </a:spcAft>
               <a:buClr>
-                <a:srgbClr val="888888"/>
-              </a:buClr>
-              <a:buSzPts val="2400"/>
+                <a:schemeClr val="dk1"/>
+              </a:buClr>
+              <a:buSzPts val="2800"/>
               <a:buNone/>
             </a:pPr>
             <a:r>
@@ -28210,6 +28436,13 @@
 <file path=ppt/slides/slide37.xml><?xml version="1.0" encoding="utf-8"?>
 <p:sld xmlns:a="http://schemas.openxmlformats.org/drawingml/2006/main" xmlns:r="http://schemas.openxmlformats.org/officeDocument/2006/relationships" xmlns:mc="http://schemas.openxmlformats.org/markup-compatibility/2006" xmlns:mv="urn:schemas-microsoft-com:mac:vml" xmlns:p="http://schemas.openxmlformats.org/presentationml/2006/main" xmlns:c="http://schemas.openxmlformats.org/drawingml/2006/chart" xmlns:dgm="http://schemas.openxmlformats.org/drawingml/2006/diagram" xmlns:o="urn:schemas-microsoft-com:office:office" xmlns:v="urn:schemas-microsoft-com:vml" xmlns:pvml="urn:schemas-microsoft-com:office:powerpoint" xmlns:com="http://schemas.openxmlformats.org/drawingml/2006/compatibility" xmlns:p14="http://schemas.microsoft.com/office/powerpoint/2010/main" xmlns:p15="http://schemas.microsoft.com/office/powerpoint/2012/main" xmlns:ahyp="http://schemas.microsoft.com/office/drawing/2018/hyperlinkcolor">
   <p:cSld>
+    <p:bg>
+      <p:bgPr>
+        <a:solidFill>
+          <a:srgbClr val="FFFFFF"/>
+        </a:solidFill>
+      </p:bgPr>
+    </p:bg>
     <p:spTree>
       <p:nvGrpSpPr>
         <p:cNvPr id="317" name="Shape 317"/>
@@ -28234,8 +28467,8 @@
         </p:nvSpPr>
         <p:spPr>
           <a:xfrm>
-            <a:off x="618750" y="479167"/>
-            <a:ext cx="7762500" cy="1739400"/>
+            <a:off x="614063" y="2243751"/>
+            <a:ext cx="7762500" cy="3743700"/>
           </a:xfrm>
           <a:prstGeom prst="rect">
             <a:avLst/>
@@ -28246,7 +28479,7 @@
           </a:ln>
         </p:spPr>
         <p:txBody>
-          <a:bodyPr anchorCtr="0" anchor="ctr" bIns="45700" lIns="91425" spcFirstLastPara="1" rIns="91425" wrap="square" tIns="45700">
+          <a:bodyPr anchorCtr="0" anchor="b" bIns="45700" lIns="91425" spcFirstLastPara="1" rIns="91425" wrap="square" tIns="45700">
             <a:normAutofit/>
           </a:bodyPr>
           <a:lstStyle/>
@@ -28264,13 +28497,13 @@
               <a:buClr>
                 <a:schemeClr val="dk1"/>
               </a:buClr>
-              <a:buSzPts val="4400"/>
+              <a:buSzPts val="6000"/>
               <a:buFont typeface="Calibri"/>
               <a:buNone/>
             </a:pPr>
             <a:r>
               <a:rPr lang="en-GB"/>
-              <a:t>CLI programs</a:t>
+              <a:t>Part 5</a:t>
             </a:r>
             <a:endParaRPr/>
           </a:p>
@@ -28286,8 +28519,8 @@
         </p:nvSpPr>
         <p:spPr>
           <a:xfrm>
-            <a:off x="618750" y="2395833"/>
-            <a:ext cx="7762500" cy="5710500"/>
+            <a:off x="614063" y="6022917"/>
+            <a:ext cx="7762500" cy="1968600"/>
           </a:xfrm>
           <a:prstGeom prst="rect">
             <a:avLst/>
@@ -28299,253 +28532,70 @@
         </p:spPr>
         <p:txBody>
           <a:bodyPr anchorCtr="0" anchor="t" bIns="45700" lIns="91425" spcFirstLastPara="1" rIns="91425" wrap="square" tIns="45700">
-            <a:normAutofit lnSpcReduction="10000"/>
+            <a:normAutofit/>
           </a:bodyPr>
           <a:lstStyle/>
           <a:p>
-            <a:pPr indent="-228600" lvl="0" marL="228600" rtl="0" algn="l">
-              <a:lnSpc>
-                <a:spcPct val="90000"/>
-              </a:lnSpc>
-              <a:spcBef>
-                <a:spcPts val="0"/>
-              </a:spcBef>
-              <a:spcAft>
-                <a:spcPts val="0"/>
-              </a:spcAft>
-              <a:buClr>
-                <a:schemeClr val="dk1"/>
-              </a:buClr>
-              <a:buSzPts val="2800"/>
-              <a:buChar char="•"/>
+            <a:pPr indent="0" lvl="0" marL="0" rtl="0" algn="l">
+              <a:lnSpc>
+                <a:spcPct val="90000"/>
+              </a:lnSpc>
+              <a:spcBef>
+                <a:spcPts val="0"/>
+              </a:spcBef>
+              <a:spcAft>
+                <a:spcPts val="0"/>
+              </a:spcAft>
+              <a:buClr>
+                <a:srgbClr val="888888"/>
+              </a:buClr>
+              <a:buSzPts val="2400"/>
+              <a:buNone/>
             </a:pPr>
             <a:r>
               <a:rPr lang="en-GB"/>
-              <a:t>Why?</a:t>
-            </a:r>
-            <a:endParaRPr/>
-          </a:p>
-          <a:p>
-            <a:pPr indent="-228600" lvl="1" marL="685800" rtl="0" algn="l">
-              <a:lnSpc>
-                <a:spcPct val="90000"/>
-              </a:lnSpc>
-              <a:spcBef>
-                <a:spcPts val="500"/>
-              </a:spcBef>
-              <a:spcAft>
-                <a:spcPts val="0"/>
-              </a:spcAft>
-              <a:buClr>
-                <a:schemeClr val="dk1"/>
+              <a:t>Files &amp; First CLI programs</a:t>
+            </a:r>
+            <a:endParaRPr/>
+          </a:p>
+          <a:p>
+            <a:pPr indent="0" lvl="0" marL="0" rtl="0" algn="l">
+              <a:lnSpc>
+                <a:spcPct val="90000"/>
+              </a:lnSpc>
+              <a:spcBef>
+                <a:spcPts val="1000"/>
+              </a:spcBef>
+              <a:spcAft>
+                <a:spcPts val="0"/>
+              </a:spcAft>
+              <a:buClr>
+                <a:srgbClr val="888888"/>
               </a:buClr>
               <a:buSzPts val="2400"/>
-              <a:buChar char="•"/>
-            </a:pPr>
-            <a:r>
-              <a:rPr lang="en-GB"/>
-              <a:t>Quick to develop.</a:t>
-            </a:r>
-            <a:endParaRPr/>
-          </a:p>
-          <a:p>
-            <a:pPr indent="-228600" lvl="1" marL="685800" rtl="0" algn="l">
-              <a:lnSpc>
-                <a:spcPct val="90000"/>
-              </a:lnSpc>
-              <a:spcBef>
-                <a:spcPts val="500"/>
-              </a:spcBef>
-              <a:spcAft>
-                <a:spcPts val="0"/>
-              </a:spcAft>
-              <a:buClr>
-                <a:schemeClr val="dk1"/>
+              <a:buNone/>
+            </a:pPr>
+            <a:r>
+              <a:rPr i="1" lang="en-GB"/>
+              <a:t>Open  the PyTut5_Files notebook</a:t>
+            </a:r>
+            <a:endParaRPr i="1"/>
+          </a:p>
+          <a:p>
+            <a:pPr indent="0" lvl="0" marL="0" rtl="0" algn="l">
+              <a:lnSpc>
+                <a:spcPct val="90000"/>
+              </a:lnSpc>
+              <a:spcBef>
+                <a:spcPts val="1000"/>
+              </a:spcBef>
+              <a:spcAft>
+                <a:spcPts val="0"/>
+              </a:spcAft>
+              <a:buClr>
+                <a:srgbClr val="888888"/>
               </a:buClr>
               <a:buSzPts val="2400"/>
-              <a:buChar char="•"/>
-            </a:pPr>
-            <a:r>
-              <a:rPr lang="en-GB"/>
-              <a:t>If you follow a sensible structure can easily be included in web &amp; GUI apps.</a:t>
-            </a:r>
-            <a:endParaRPr/>
-          </a:p>
-          <a:p>
-            <a:pPr indent="-50800" lvl="0" marL="228600" rtl="0" algn="l">
-              <a:lnSpc>
-                <a:spcPct val="90000"/>
-              </a:lnSpc>
-              <a:spcBef>
-                <a:spcPts val="1000"/>
-              </a:spcBef>
-              <a:spcAft>
-                <a:spcPts val="0"/>
-              </a:spcAft>
-              <a:buClr>
-                <a:schemeClr val="dk1"/>
-              </a:buClr>
-              <a:buSzPts val="2800"/>
-              <a:buNone/>
-            </a:pPr>
-            <a:r>
-              <a:t/>
-            </a:r>
-            <a:endParaRPr/>
-          </a:p>
-          <a:p>
-            <a:pPr indent="-228600" lvl="0" marL="228600" rtl="0" algn="l">
-              <a:lnSpc>
-                <a:spcPct val="90000"/>
-              </a:lnSpc>
-              <a:spcBef>
-                <a:spcPts val="1000"/>
-              </a:spcBef>
-              <a:spcAft>
-                <a:spcPts val="0"/>
-              </a:spcAft>
-              <a:buClr>
-                <a:schemeClr val="dk1"/>
-              </a:buClr>
-              <a:buSzPts val="2800"/>
-              <a:buChar char="•"/>
-            </a:pPr>
-            <a:r>
-              <a:rPr lang="en-GB"/>
-              <a:t>Good CLI program structure:</a:t>
-            </a:r>
-            <a:endParaRPr/>
-          </a:p>
-          <a:p>
-            <a:pPr indent="-228600" lvl="1" marL="685800" rtl="0" algn="l">
-              <a:lnSpc>
-                <a:spcPct val="90000"/>
-              </a:lnSpc>
-              <a:spcBef>
-                <a:spcPts val="500"/>
-              </a:spcBef>
-              <a:spcAft>
-                <a:spcPts val="0"/>
-              </a:spcAft>
-              <a:buClr>
-                <a:schemeClr val="dk1"/>
-              </a:buClr>
-              <a:buSzPts val="2400"/>
-              <a:buChar char="•"/>
-            </a:pPr>
-            <a:r>
-              <a:rPr lang="en-GB"/>
-              <a:t>If __name__=='__main__' to call cli function.</a:t>
-            </a:r>
-            <a:endParaRPr/>
-          </a:p>
-          <a:p>
-            <a:pPr indent="-228600" lvl="1" marL="685800" rtl="0" algn="l">
-              <a:lnSpc>
-                <a:spcPct val="90000"/>
-              </a:lnSpc>
-              <a:spcBef>
-                <a:spcPts val="500"/>
-              </a:spcBef>
-              <a:spcAft>
-                <a:spcPts val="0"/>
-              </a:spcAft>
-              <a:buClr>
-                <a:schemeClr val="dk1"/>
-              </a:buClr>
-              <a:buSzPts val="2400"/>
-              <a:buChar char="•"/>
-            </a:pPr>
-            <a:r>
-              <a:rPr lang="en-GB"/>
-              <a:t>cli function parses and handles CLI arguments.</a:t>
-            </a:r>
-            <a:endParaRPr/>
-          </a:p>
-          <a:p>
-            <a:pPr indent="-228600" lvl="1" marL="685800" rtl="0" algn="l">
-              <a:lnSpc>
-                <a:spcPct val="90000"/>
-              </a:lnSpc>
-              <a:spcBef>
-                <a:spcPts val="500"/>
-              </a:spcBef>
-              <a:spcAft>
-                <a:spcPts val="0"/>
-              </a:spcAft>
-              <a:buClr>
-                <a:schemeClr val="dk1"/>
-              </a:buClr>
-              <a:buSzPts val="2400"/>
-              <a:buChar char="•"/>
-            </a:pPr>
-            <a:r>
-              <a:rPr lang="en-GB"/>
-              <a:t>Separate functions with main processing functionality.</a:t>
-            </a:r>
-            <a:endParaRPr/>
-          </a:p>
-          <a:p>
-            <a:pPr indent="-228600" lvl="1" marL="685800" rtl="0" algn="l">
-              <a:lnSpc>
-                <a:spcPct val="90000"/>
-              </a:lnSpc>
-              <a:spcBef>
-                <a:spcPts val="500"/>
-              </a:spcBef>
-              <a:spcAft>
-                <a:spcPts val="0"/>
-              </a:spcAft>
-              <a:buClr>
-                <a:schemeClr val="dk1"/>
-              </a:buClr>
-              <a:buSzPts val="2400"/>
-              <a:buChar char="•"/>
-            </a:pPr>
-            <a:r>
-              <a:rPr lang="en-GB"/>
-              <a:t>Separate functions to render the output (text, html, etc).</a:t>
-            </a:r>
-            <a:endParaRPr/>
-          </a:p>
-          <a:p>
-            <a:pPr indent="-228600" lvl="1" marL="685800" rtl="0" algn="l">
-              <a:lnSpc>
-                <a:spcPct val="90000"/>
-              </a:lnSpc>
-              <a:spcBef>
-                <a:spcPts val="500"/>
-              </a:spcBef>
-              <a:spcAft>
-                <a:spcPts val="0"/>
-              </a:spcAft>
-              <a:buClr>
-                <a:schemeClr val="dk1"/>
-              </a:buClr>
-              <a:buSzPts val="2400"/>
-              <a:buChar char="•"/>
-            </a:pPr>
-            <a:r>
-              <a:rPr lang="en-GB"/>
-              <a:t>It can be a good idea for render functions to return strings and only print when the format is 'text'.</a:t>
-            </a:r>
-            <a:endParaRPr/>
-          </a:p>
-          <a:p>
-            <a:pPr indent="-50800" lvl="0" marL="228600" rtl="0" algn="l">
-              <a:lnSpc>
-                <a:spcPct val="90000"/>
-              </a:lnSpc>
-              <a:spcBef>
-                <a:spcPts val="1000"/>
-              </a:spcBef>
-              <a:spcAft>
-                <a:spcPts val="0"/>
-              </a:spcAft>
-              <a:buClr>
-                <a:schemeClr val="dk1"/>
-              </a:buClr>
-              <a:buSzPts val="2800"/>
               <a:buNone/>
             </a:pPr>
             <a:r>
@@ -28566,6 +28616,13 @@
 <file path=ppt/slides/slide38.xml><?xml version="1.0" encoding="utf-8"?>
 <p:sld xmlns:a="http://schemas.openxmlformats.org/drawingml/2006/main" xmlns:r="http://schemas.openxmlformats.org/officeDocument/2006/relationships" xmlns:mc="http://schemas.openxmlformats.org/markup-compatibility/2006" xmlns:mv="urn:schemas-microsoft-com:mac:vml" xmlns:p="http://schemas.openxmlformats.org/presentationml/2006/main" xmlns:c="http://schemas.openxmlformats.org/drawingml/2006/chart" xmlns:dgm="http://schemas.openxmlformats.org/drawingml/2006/diagram" xmlns:o="urn:schemas-microsoft-com:office:office" xmlns:v="urn:schemas-microsoft-com:vml" xmlns:pvml="urn:schemas-microsoft-com:office:powerpoint" xmlns:com="http://schemas.openxmlformats.org/drawingml/2006/compatibility" xmlns:p14="http://schemas.microsoft.com/office/powerpoint/2010/main" xmlns:p15="http://schemas.microsoft.com/office/powerpoint/2012/main" xmlns:ahyp="http://schemas.microsoft.com/office/drawing/2018/hyperlinkcolor">
   <p:cSld>
+    <p:bg>
+      <p:bgPr>
+        <a:solidFill>
+          <a:srgbClr val="FFFFFF"/>
+        </a:solidFill>
+      </p:bgPr>
+    </p:bg>
     <p:spTree>
       <p:nvGrpSpPr>
         <p:cNvPr id="323" name="Shape 323"/>
@@ -28655,11 +28712,11 @@
         </p:spPr>
         <p:txBody>
           <a:bodyPr anchorCtr="0" anchor="t" bIns="45700" lIns="91425" spcFirstLastPara="1" rIns="91425" wrap="square" tIns="45700">
-            <a:normAutofit fontScale="70000" lnSpcReduction="20000"/>
+            <a:normAutofit fontScale="62500" lnSpcReduction="10000"/>
           </a:bodyPr>
           <a:lstStyle/>
           <a:p>
-            <a:pPr indent="-255270" lvl="0" marL="228600" rtl="0" algn="l">
+            <a:pPr indent="-241934" lvl="0" marL="228600" rtl="0" algn="l">
               <a:lnSpc>
                 <a:spcPct val="90000"/>
               </a:lnSpc>
@@ -28682,7 +28739,7 @@
             <a:endParaRPr/>
           </a:p>
           <a:p>
-            <a:pPr indent="-255270" lvl="0" marL="228600" rtl="0" algn="l">
+            <a:pPr indent="-241934" lvl="0" marL="228600" rtl="0" algn="l">
               <a:lnSpc>
                 <a:spcPct val="90000"/>
               </a:lnSpc>
@@ -28705,7 +28762,7 @@
             <a:endParaRPr/>
           </a:p>
           <a:p>
-            <a:pPr indent="-255270" lvl="0" marL="228600" rtl="0" algn="l">
+            <a:pPr indent="-241934" lvl="0" marL="228600" rtl="0" algn="l">
               <a:lnSpc>
                 <a:spcPct val="90000"/>
               </a:lnSpc>
@@ -28756,7 +28813,7 @@
             <a:endParaRPr/>
           </a:p>
           <a:p>
-            <a:pPr indent="-255269" lvl="1" marL="685800" rtl="0" algn="l">
+            <a:pPr indent="-241934" lvl="1" marL="685800" rtl="0" algn="l">
               <a:lnSpc>
                 <a:spcPct val="90000"/>
               </a:lnSpc>
@@ -28835,7 +28892,7 @@
             <a:endParaRPr sz="2400"/>
           </a:p>
           <a:p>
-            <a:pPr indent="-259080" lvl="0" marL="228600" rtl="0" algn="l">
+            <a:pPr indent="-243840" lvl="0" marL="228600" rtl="0" algn="l">
               <a:lnSpc>
                 <a:spcPct val="90000"/>
               </a:lnSpc>
@@ -28858,9 +28915,9 @@
             <a:endParaRPr/>
           </a:p>
           <a:p>
-            <a:pPr indent="-255269" lvl="1" marL="685800" rtl="0" algn="l">
-              <a:lnSpc>
-                <a:spcPct val="90000"/>
+            <a:pPr indent="-241934" lvl="1" marL="685800" rtl="0" algn="l">
+              <a:lnSpc>
+                <a:spcPct val="115000"/>
               </a:lnSpc>
               <a:spcBef>
                 <a:spcPts val="500"/>
@@ -28889,9 +28946,9 @@
             <a:endParaRPr/>
           </a:p>
           <a:p>
-            <a:pPr indent="-255269" lvl="1" marL="685800" rtl="0" algn="l">
-              <a:lnSpc>
-                <a:spcPct val="90000"/>
+            <a:pPr indent="-241934" lvl="1" marL="685800" rtl="0" algn="l">
+              <a:lnSpc>
+                <a:spcPct val="115000"/>
               </a:lnSpc>
               <a:spcBef>
                 <a:spcPts val="500"/>
@@ -28916,9 +28973,9 @@
             <a:endParaRPr/>
           </a:p>
           <a:p>
-            <a:pPr indent="-255269" lvl="1" marL="685800" rtl="0" algn="l">
-              <a:lnSpc>
-                <a:spcPct val="90000"/>
+            <a:pPr indent="-241934" lvl="1" marL="685800" rtl="0" algn="l">
+              <a:lnSpc>
+                <a:spcPct val="115000"/>
               </a:lnSpc>
               <a:spcBef>
                 <a:spcPts val="500"/>
@@ -28951,9 +29008,9 @@
             <a:endParaRPr/>
           </a:p>
           <a:p>
-            <a:pPr indent="-255269" lvl="1" marL="685800" rtl="0" algn="l">
-              <a:lnSpc>
-                <a:spcPct val="90000"/>
+            <a:pPr indent="-241934" lvl="1" marL="685800" rtl="0" algn="l">
+              <a:lnSpc>
+                <a:spcPct val="115000"/>
               </a:lnSpc>
               <a:spcBef>
                 <a:spcPts val="500"/>
@@ -28986,9 +29043,9 @@
             <a:endParaRPr/>
           </a:p>
           <a:p>
-            <a:pPr indent="-255269" lvl="1" marL="685800" rtl="0" algn="l">
-              <a:lnSpc>
-                <a:spcPct val="90000"/>
+            <a:pPr indent="-241934" lvl="1" marL="685800" rtl="0" algn="l">
+              <a:lnSpc>
+                <a:spcPct val="115000"/>
               </a:lnSpc>
               <a:spcBef>
                 <a:spcPts val="500"/>
@@ -29013,9 +29070,9 @@
             <a:endParaRPr/>
           </a:p>
           <a:p>
-            <a:pPr indent="-255269" lvl="1" marL="685800" rtl="0" algn="l">
-              <a:lnSpc>
-                <a:spcPct val="90000"/>
+            <a:pPr indent="-241934" lvl="1" marL="685800" rtl="0" algn="l">
+              <a:lnSpc>
+                <a:spcPct val="115000"/>
               </a:lnSpc>
               <a:spcBef>
                 <a:spcPts val="500"/>
@@ -29040,9 +29097,9 @@
             <a:endParaRPr/>
           </a:p>
           <a:p>
-            <a:pPr indent="-255269" lvl="1" marL="685800" rtl="0" algn="l">
-              <a:lnSpc>
-                <a:spcPct val="90000"/>
+            <a:pPr indent="-241934" lvl="1" marL="685800" rtl="0" algn="l">
+              <a:lnSpc>
+                <a:spcPct val="115000"/>
               </a:lnSpc>
               <a:spcBef>
                 <a:spcPts val="500"/>
@@ -29067,9 +29124,9 @@
             <a:endParaRPr/>
           </a:p>
           <a:p>
-            <a:pPr indent="-255269" lvl="1" marL="685800" rtl="0" algn="l">
-              <a:lnSpc>
-                <a:spcPct val="90000"/>
+            <a:pPr indent="-241934" lvl="1" marL="685800" rtl="0" algn="l">
+              <a:lnSpc>
+                <a:spcPct val="115000"/>
               </a:lnSpc>
               <a:spcBef>
                 <a:spcPts val="500"/>
@@ -29094,7 +29151,7 @@
             <a:endParaRPr/>
           </a:p>
           <a:p>
-            <a:pPr indent="-259080" lvl="0" marL="228600" rtl="0" algn="l">
+            <a:pPr indent="-243840" lvl="0" marL="228600" rtl="0" algn="l">
               <a:lnSpc>
                 <a:spcPct val="90000"/>
               </a:lnSpc>
@@ -29112,7 +29169,15 @@
             </a:pPr>
             <a:r>
               <a:rPr lang="en-GB" sz="3200"/>
-              <a:t>Exercise: Try the VScode debugger!</a:t>
+              <a:t>Exercise: VScode python </a:t>
+            </a:r>
+            <a:r>
+              <a:rPr lang="en-GB" sz="3200"/>
+              <a:t>getting</a:t>
+            </a:r>
+            <a:r>
+              <a:rPr lang="en-GB" sz="3200"/>
+              <a:t> started tutorial will provide an intro.</a:t>
             </a:r>
             <a:endParaRPr/>
           </a:p>
@@ -29129,6 +29194,13 @@
 <file path=ppt/slides/slide39.xml><?xml version="1.0" encoding="utf-8"?>
 <p:sld xmlns:a="http://schemas.openxmlformats.org/drawingml/2006/main" xmlns:r="http://schemas.openxmlformats.org/officeDocument/2006/relationships" xmlns:mc="http://schemas.openxmlformats.org/markup-compatibility/2006" xmlns:mv="urn:schemas-microsoft-com:mac:vml" xmlns:p="http://schemas.openxmlformats.org/presentationml/2006/main" xmlns:c="http://schemas.openxmlformats.org/drawingml/2006/chart" xmlns:dgm="http://schemas.openxmlformats.org/drawingml/2006/diagram" xmlns:o="urn:schemas-microsoft-com:office:office" xmlns:v="urn:schemas-microsoft-com:vml" xmlns:pvml="urn:schemas-microsoft-com:office:powerpoint" xmlns:com="http://schemas.openxmlformats.org/drawingml/2006/compatibility" xmlns:p14="http://schemas.microsoft.com/office/powerpoint/2010/main" xmlns:p15="http://schemas.microsoft.com/office/powerpoint/2012/main" xmlns:ahyp="http://schemas.microsoft.com/office/drawing/2018/hyperlinkcolor">
   <p:cSld>
+    <p:bg>
+      <p:bgPr>
+        <a:solidFill>
+          <a:srgbClr val="FFFFFF"/>
+        </a:solidFill>
+      </p:bgPr>
+    </p:bg>
     <p:spTree>
       <p:nvGrpSpPr>
         <p:cNvPr id="329" name="Shape 329"/>
@@ -29302,6 +29374,13 @@
 <file path=ppt/slides/slide4.xml><?xml version="1.0" encoding="utf-8"?>
 <p:sld xmlns:a="http://schemas.openxmlformats.org/drawingml/2006/main" xmlns:r="http://schemas.openxmlformats.org/officeDocument/2006/relationships" xmlns:mc="http://schemas.openxmlformats.org/markup-compatibility/2006" xmlns:mv="urn:schemas-microsoft-com:mac:vml" xmlns:p="http://schemas.openxmlformats.org/presentationml/2006/main" xmlns:c="http://schemas.openxmlformats.org/drawingml/2006/chart" xmlns:dgm="http://schemas.openxmlformats.org/drawingml/2006/diagram" xmlns:o="urn:schemas-microsoft-com:office:office" xmlns:v="urn:schemas-microsoft-com:vml" xmlns:pvml="urn:schemas-microsoft-com:office:powerpoint" xmlns:com="http://schemas.openxmlformats.org/drawingml/2006/compatibility" xmlns:p14="http://schemas.microsoft.com/office/powerpoint/2010/main" xmlns:p15="http://schemas.microsoft.com/office/powerpoint/2012/main" xmlns:ahyp="http://schemas.microsoft.com/office/drawing/2018/hyperlinkcolor">
   <p:cSld>
+    <p:bg>
+      <p:bgPr>
+        <a:solidFill>
+          <a:srgbClr val="FFFFFF"/>
+        </a:solidFill>
+      </p:bgPr>
+    </p:bg>
     <p:spTree>
       <p:nvGrpSpPr>
         <p:cNvPr id="101" name="Shape 101"/>
@@ -29563,6 +29642,13 @@
 <file path=ppt/slides/slide40.xml><?xml version="1.0" encoding="utf-8"?>
 <p:sld xmlns:a="http://schemas.openxmlformats.org/drawingml/2006/main" xmlns:r="http://schemas.openxmlformats.org/officeDocument/2006/relationships" xmlns:mc="http://schemas.openxmlformats.org/markup-compatibility/2006" xmlns:mv="urn:schemas-microsoft-com:mac:vml" xmlns:p="http://schemas.openxmlformats.org/presentationml/2006/main" xmlns:c="http://schemas.openxmlformats.org/drawingml/2006/chart" xmlns:dgm="http://schemas.openxmlformats.org/drawingml/2006/diagram" xmlns:o="urn:schemas-microsoft-com:office:office" xmlns:v="urn:schemas-microsoft-com:vml" xmlns:pvml="urn:schemas-microsoft-com:office:powerpoint" xmlns:com="http://schemas.openxmlformats.org/drawingml/2006/compatibility" xmlns:p14="http://schemas.microsoft.com/office/powerpoint/2010/main" xmlns:p15="http://schemas.microsoft.com/office/powerpoint/2012/main" xmlns:ahyp="http://schemas.microsoft.com/office/drawing/2018/hyperlinkcolor">
   <p:cSld>
+    <p:bg>
+      <p:bgPr>
+        <a:solidFill>
+          <a:srgbClr val="FFFFFF"/>
+        </a:solidFill>
+      </p:bgPr>
+    </p:bg>
     <p:spTree>
       <p:nvGrpSpPr>
         <p:cNvPr id="335" name="Shape 335"/>
@@ -29587,8 +29673,8 @@
         </p:nvSpPr>
         <p:spPr>
           <a:xfrm>
-            <a:off x="618750" y="479167"/>
-            <a:ext cx="7762500" cy="1739400"/>
+            <a:off x="614063" y="2243751"/>
+            <a:ext cx="7762500" cy="3743700"/>
           </a:xfrm>
           <a:prstGeom prst="rect">
             <a:avLst/>
@@ -29599,7 +29685,7 @@
           </a:ln>
         </p:spPr>
         <p:txBody>
-          <a:bodyPr anchorCtr="0" anchor="ctr" bIns="45700" lIns="91425" spcFirstLastPara="1" rIns="91425" wrap="square" tIns="45700">
+          <a:bodyPr anchorCtr="0" anchor="b" bIns="45700" lIns="91425" spcFirstLastPara="1" rIns="91425" wrap="square" tIns="45700">
             <a:normAutofit/>
           </a:bodyPr>
           <a:lstStyle/>
@@ -29617,13 +29703,13 @@
               <a:buClr>
                 <a:schemeClr val="dk1"/>
               </a:buClr>
-              <a:buSzPts val="4400"/>
+              <a:buSzPts val="6000"/>
               <a:buFont typeface="Calibri"/>
               <a:buNone/>
             </a:pPr>
             <a:r>
               <a:rPr lang="en-GB"/>
-              <a:t>Zip module</a:t>
+              <a:t>Part 7</a:t>
             </a:r>
             <a:endParaRPr/>
           </a:p>
@@ -29639,8 +29725,8 @@
         </p:nvSpPr>
         <p:spPr>
           <a:xfrm>
-            <a:off x="618750" y="2395833"/>
-            <a:ext cx="7762500" cy="5710500"/>
+            <a:off x="614063" y="6022917"/>
+            <a:ext cx="7762500" cy="1968600"/>
           </a:xfrm>
           <a:prstGeom prst="rect">
             <a:avLst/>
@@ -29656,30 +29742,30 @@
           </a:bodyPr>
           <a:lstStyle/>
           <a:p>
-            <a:pPr indent="-228600" lvl="0" marL="228600" rtl="0" algn="l">
-              <a:lnSpc>
-                <a:spcPct val="90000"/>
-              </a:lnSpc>
-              <a:spcBef>
-                <a:spcPts val="0"/>
-              </a:spcBef>
-              <a:spcAft>
-                <a:spcPts val="0"/>
-              </a:spcAft>
-              <a:buClr>
-                <a:schemeClr val="dk1"/>
-              </a:buClr>
-              <a:buSzPts val="2800"/>
-              <a:buChar char="•"/>
+            <a:pPr indent="0" lvl="0" marL="0" rtl="0" algn="l">
+              <a:lnSpc>
+                <a:spcPct val="90000"/>
+              </a:lnSpc>
+              <a:spcBef>
+                <a:spcPts val="0"/>
+              </a:spcBef>
+              <a:spcAft>
+                <a:spcPts val="0"/>
+              </a:spcAft>
+              <a:buClr>
+                <a:srgbClr val="888888"/>
+              </a:buClr>
+              <a:buSzPts val="2400"/>
+              <a:buNone/>
             </a:pPr>
             <a:r>
               <a:rPr lang="en-GB"/>
-              <a:t>Create program to open zip file xxx</a:t>
-            </a:r>
-            <a:endParaRPr/>
-          </a:p>
-          <a:p>
-            <a:pPr indent="-228600" lvl="0" marL="228600" rtl="0" algn="l">
+              <a:t>Advanced</a:t>
+            </a:r>
+            <a:endParaRPr/>
+          </a:p>
+          <a:p>
+            <a:pPr indent="0" lvl="0" marL="0" rtl="0" algn="l">
               <a:lnSpc>
                 <a:spcPct val="90000"/>
               </a:lnSpc>
@@ -29690,19 +29776,19 @@
                 <a:spcPts val="0"/>
               </a:spcAft>
               <a:buClr>
-                <a:schemeClr val="dk1"/>
-              </a:buClr>
-              <a:buSzPts val="2800"/>
-              <a:buChar char="•"/>
-            </a:pPr>
-            <a:r>
-              <a:rPr lang="en-GB"/>
-              <a:t>List the contents</a:t>
-            </a:r>
-            <a:endParaRPr/>
-          </a:p>
-          <a:p>
-            <a:pPr indent="-228600" lvl="0" marL="228600" rtl="0" algn="l">
+                <a:srgbClr val="888888"/>
+              </a:buClr>
+              <a:buSzPts val="2400"/>
+              <a:buNone/>
+            </a:pPr>
+            <a:r>
+              <a:rPr i="1" lang="en-GB"/>
+              <a:t>Open  the PyTut7_Advanced notebook</a:t>
+            </a:r>
+            <a:endParaRPr i="1"/>
+          </a:p>
+          <a:p>
+            <a:pPr indent="0" lvl="0" marL="0" rtl="0" algn="l">
               <a:lnSpc>
                 <a:spcPct val="90000"/>
               </a:lnSpc>
@@ -29713,123 +29799,9 @@
                 <a:spcPts val="0"/>
               </a:spcAft>
               <a:buClr>
-                <a:schemeClr val="dk1"/>
-              </a:buClr>
-              <a:buSzPts val="2800"/>
-              <a:buChar char="•"/>
-            </a:pPr>
-            <a:r>
-              <a:rPr lang="en-GB"/>
-              <a:t>Find a certain file yyy</a:t>
-            </a:r>
-            <a:endParaRPr/>
-          </a:p>
-          <a:p>
-            <a:pPr indent="-228600" lvl="0" marL="228600" rtl="0" algn="l">
-              <a:lnSpc>
-                <a:spcPct val="90000"/>
-              </a:lnSpc>
-              <a:spcBef>
-                <a:spcPts val="1000"/>
-              </a:spcBef>
-              <a:spcAft>
-                <a:spcPts val="0"/>
-              </a:spcAft>
-              <a:buClr>
-                <a:schemeClr val="dk1"/>
-              </a:buClr>
-              <a:buSzPts val="2800"/>
-              <a:buChar char="•"/>
-            </a:pPr>
-            <a:r>
-              <a:rPr lang="en-GB"/>
-              <a:t>Get the file contents</a:t>
-            </a:r>
-            <a:endParaRPr/>
-          </a:p>
-          <a:p>
-            <a:pPr indent="-228600" lvl="0" marL="228600" rtl="0" algn="l">
-              <a:lnSpc>
-                <a:spcPct val="90000"/>
-              </a:lnSpc>
-              <a:spcBef>
-                <a:spcPts val="1000"/>
-              </a:spcBef>
-              <a:spcAft>
-                <a:spcPts val="0"/>
-              </a:spcAft>
-              <a:buClr>
-                <a:schemeClr val="dk1"/>
-              </a:buClr>
-              <a:buSzPts val="2800"/>
-              <a:buChar char="•"/>
-            </a:pPr>
-            <a:r>
-              <a:rPr lang="en-GB"/>
-              <a:t>Search lines containing zzz and output</a:t>
-            </a:r>
-            <a:endParaRPr/>
-          </a:p>
-          <a:p>
-            <a:pPr indent="-50800" lvl="0" marL="228600" rtl="0" algn="l">
-              <a:lnSpc>
-                <a:spcPct val="90000"/>
-              </a:lnSpc>
-              <a:spcBef>
-                <a:spcPts val="1000"/>
-              </a:spcBef>
-              <a:spcAft>
-                <a:spcPts val="0"/>
-              </a:spcAft>
-              <a:buClr>
-                <a:schemeClr val="dk1"/>
-              </a:buClr>
-              <a:buSzPts val="2800"/>
-              <a:buNone/>
-            </a:pPr>
-            <a:r>
-              <a:t/>
-            </a:r>
-            <a:endParaRPr/>
-          </a:p>
-          <a:p>
-            <a:pPr indent="-228600" lvl="0" marL="228600" rtl="0" algn="l">
-              <a:lnSpc>
-                <a:spcPct val="90000"/>
-              </a:lnSpc>
-              <a:spcBef>
-                <a:spcPts val="1000"/>
-              </a:spcBef>
-              <a:spcAft>
-                <a:spcPts val="0"/>
-              </a:spcAft>
-              <a:buClr>
-                <a:schemeClr val="dk1"/>
-              </a:buClr>
-              <a:buSzPts val="2800"/>
-              <a:buChar char="•"/>
-            </a:pPr>
-            <a:r>
-              <a:rPr lang="en-GB"/>
-              <a:t>Change previous regex program to make a zip file containing the csv file.  Go direct from memory to file or from intermediate csv file.</a:t>
-            </a:r>
-            <a:endParaRPr/>
-          </a:p>
-          <a:p>
-            <a:pPr indent="-50800" lvl="0" marL="228600" rtl="0" algn="l">
-              <a:lnSpc>
-                <a:spcPct val="90000"/>
-              </a:lnSpc>
-              <a:spcBef>
-                <a:spcPts val="1000"/>
-              </a:spcBef>
-              <a:spcAft>
-                <a:spcPts val="0"/>
-              </a:spcAft>
-              <a:buClr>
-                <a:schemeClr val="dk1"/>
-              </a:buClr>
-              <a:buSzPts val="2800"/>
+                <a:srgbClr val="888888"/>
+              </a:buClr>
+              <a:buSzPts val="2400"/>
               <a:buNone/>
             </a:pPr>
             <a:r>
@@ -29850,6 +29822,13 @@
 <file path=ppt/slides/slide41.xml><?xml version="1.0" encoding="utf-8"?>
 <p:sld xmlns:a="http://schemas.openxmlformats.org/drawingml/2006/main" xmlns:r="http://schemas.openxmlformats.org/officeDocument/2006/relationships" xmlns:mc="http://schemas.openxmlformats.org/markup-compatibility/2006" xmlns:mv="urn:schemas-microsoft-com:mac:vml" xmlns:p="http://schemas.openxmlformats.org/presentationml/2006/main" xmlns:c="http://schemas.openxmlformats.org/drawingml/2006/chart" xmlns:dgm="http://schemas.openxmlformats.org/drawingml/2006/diagram" xmlns:o="urn:schemas-microsoft-com:office:office" xmlns:v="urn:schemas-microsoft-com:vml" xmlns:pvml="urn:schemas-microsoft-com:office:powerpoint" xmlns:com="http://schemas.openxmlformats.org/drawingml/2006/compatibility" xmlns:p14="http://schemas.microsoft.com/office/powerpoint/2010/main" xmlns:p15="http://schemas.microsoft.com/office/powerpoint/2012/main" xmlns:ahyp="http://schemas.microsoft.com/office/drawing/2018/hyperlinkcolor">
   <p:cSld>
+    <p:bg>
+      <p:bgPr>
+        <a:solidFill>
+          <a:srgbClr val="FFFFFF"/>
+        </a:solidFill>
+      </p:bgPr>
+    </p:bg>
     <p:spTree>
       <p:nvGrpSpPr>
         <p:cNvPr id="341" name="Shape 341"/>
@@ -29910,7 +29889,7 @@
             </a:pPr>
             <a:r>
               <a:rPr lang="en-GB"/>
-              <a:t>Pandas</a:t>
+              <a:t>Other reading &amp; projects</a:t>
             </a:r>
             <a:endParaRPr/>
           </a:p>
@@ -29939,330 +29918,6 @@
         </p:spPr>
         <p:txBody>
           <a:bodyPr anchorCtr="0" anchor="t" bIns="45700" lIns="91425" spcFirstLastPara="1" rIns="91425" wrap="square" tIns="45700">
-            <a:normAutofit/>
-          </a:bodyPr>
-          <a:lstStyle/>
-          <a:p>
-            <a:pPr indent="-228600" lvl="0" marL="228600" rtl="0" algn="l">
-              <a:lnSpc>
-                <a:spcPct val="90000"/>
-              </a:lnSpc>
-              <a:spcBef>
-                <a:spcPts val="0"/>
-              </a:spcBef>
-              <a:spcAft>
-                <a:spcPts val="0"/>
-              </a:spcAft>
-              <a:buClr>
-                <a:schemeClr val="dk1"/>
-              </a:buClr>
-              <a:buSzPts val="2800"/>
-              <a:buChar char="•"/>
-            </a:pPr>
-            <a:r>
-              <a:rPr lang="en-GB"/>
-              <a:t>Read the previous csv file out of the zipfile into a Dataframe</a:t>
-            </a:r>
-            <a:endParaRPr/>
-          </a:p>
-          <a:p>
-            <a:pPr indent="-228600" lvl="0" marL="228600" rtl="0" algn="l">
-              <a:lnSpc>
-                <a:spcPct val="90000"/>
-              </a:lnSpc>
-              <a:spcBef>
-                <a:spcPts val="1000"/>
-              </a:spcBef>
-              <a:spcAft>
-                <a:spcPts val="0"/>
-              </a:spcAft>
-              <a:buClr>
-                <a:schemeClr val="dk1"/>
-              </a:buClr>
-              <a:buSzPts val="2800"/>
-              <a:buChar char="•"/>
-            </a:pPr>
-            <a:r>
-              <a:rPr lang="en-GB"/>
-              <a:t>Average the columns</a:t>
-            </a:r>
-            <a:endParaRPr/>
-          </a:p>
-          <a:p>
-            <a:pPr indent="-50800" lvl="0" marL="228600" rtl="0" algn="l">
-              <a:lnSpc>
-                <a:spcPct val="90000"/>
-              </a:lnSpc>
-              <a:spcBef>
-                <a:spcPts val="1000"/>
-              </a:spcBef>
-              <a:spcAft>
-                <a:spcPts val="0"/>
-              </a:spcAft>
-              <a:buClr>
-                <a:schemeClr val="dk1"/>
-              </a:buClr>
-              <a:buSzPts val="2800"/>
-              <a:buNone/>
-            </a:pPr>
-            <a:r>
-              <a:t/>
-            </a:r>
-            <a:endParaRPr/>
-          </a:p>
-        </p:txBody>
-      </p:sp>
-    </p:spTree>
-  </p:cSld>
-  <p:clrMapOvr>
-    <a:masterClrMapping/>
-  </p:clrMapOvr>
-</p:sld>
-</file>
-
-<file path=ppt/slides/slide42.xml><?xml version="1.0" encoding="utf-8"?>
-<p:sld xmlns:a="http://schemas.openxmlformats.org/drawingml/2006/main" xmlns:r="http://schemas.openxmlformats.org/officeDocument/2006/relationships" xmlns:mc="http://schemas.openxmlformats.org/markup-compatibility/2006" xmlns:mv="urn:schemas-microsoft-com:mac:vml" xmlns:p="http://schemas.openxmlformats.org/presentationml/2006/main" xmlns:c="http://schemas.openxmlformats.org/drawingml/2006/chart" xmlns:dgm="http://schemas.openxmlformats.org/drawingml/2006/diagram" xmlns:o="urn:schemas-microsoft-com:office:office" xmlns:v="urn:schemas-microsoft-com:vml" xmlns:pvml="urn:schemas-microsoft-com:office:powerpoint" xmlns:com="http://schemas.openxmlformats.org/drawingml/2006/compatibility" xmlns:p14="http://schemas.microsoft.com/office/powerpoint/2010/main" xmlns:p15="http://schemas.microsoft.com/office/powerpoint/2012/main" xmlns:ahyp="http://schemas.microsoft.com/office/drawing/2018/hyperlinkcolor">
-  <p:cSld>
-    <p:spTree>
-      <p:nvGrpSpPr>
-        <p:cNvPr id="347" name="Shape 347"/>
-        <p:cNvGrpSpPr/>
-        <p:nvPr/>
-      </p:nvGrpSpPr>
-      <p:grpSpPr>
-        <a:xfrm>
-          <a:off x="0" y="0"/>
-          <a:ext cx="0" cy="0"/>
-          <a:chOff x="0" y="0"/>
-          <a:chExt cx="0" cy="0"/>
-        </a:xfrm>
-      </p:grpSpPr>
-      <p:sp>
-        <p:nvSpPr>
-          <p:cNvPr id="348" name="Google Shape;348;p54"/>
-          <p:cNvSpPr txBox="1"/>
-          <p:nvPr>
-            <p:ph type="title"/>
-          </p:nvPr>
-        </p:nvSpPr>
-        <p:spPr>
-          <a:xfrm>
-            <a:off x="618750" y="479167"/>
-            <a:ext cx="7762500" cy="1739400"/>
-          </a:xfrm>
-          <a:prstGeom prst="rect">
-            <a:avLst/>
-          </a:prstGeom>
-          <a:noFill/>
-          <a:ln>
-            <a:noFill/>
-          </a:ln>
-        </p:spPr>
-        <p:txBody>
-          <a:bodyPr anchorCtr="0" anchor="ctr" bIns="45700" lIns="91425" spcFirstLastPara="1" rIns="91425" wrap="square" tIns="45700">
-            <a:normAutofit/>
-          </a:bodyPr>
-          <a:lstStyle/>
-          <a:p>
-            <a:pPr indent="0" lvl="0" marL="0" rtl="0" algn="l">
-              <a:lnSpc>
-                <a:spcPct val="90000"/>
-              </a:lnSpc>
-              <a:spcBef>
-                <a:spcPts val="0"/>
-              </a:spcBef>
-              <a:spcAft>
-                <a:spcPts val="0"/>
-              </a:spcAft>
-              <a:buClr>
-                <a:schemeClr val="dk1"/>
-              </a:buClr>
-              <a:buSzPts val="4400"/>
-              <a:buFont typeface="Calibri"/>
-              <a:buNone/>
-            </a:pPr>
-            <a:r>
-              <a:rPr lang="en-GB"/>
-              <a:t>Output to Excel</a:t>
-            </a:r>
-            <a:endParaRPr/>
-          </a:p>
-        </p:txBody>
-      </p:sp>
-      <p:sp>
-        <p:nvSpPr>
-          <p:cNvPr id="349" name="Google Shape;349;p54"/>
-          <p:cNvSpPr txBox="1"/>
-          <p:nvPr>
-            <p:ph idx="1" type="body"/>
-          </p:nvPr>
-        </p:nvSpPr>
-        <p:spPr>
-          <a:xfrm>
-            <a:off x="618750" y="2395833"/>
-            <a:ext cx="7762500" cy="5710500"/>
-          </a:xfrm>
-          <a:prstGeom prst="rect">
-            <a:avLst/>
-          </a:prstGeom>
-          <a:noFill/>
-          <a:ln>
-            <a:noFill/>
-          </a:ln>
-        </p:spPr>
-        <p:txBody>
-          <a:bodyPr anchorCtr="0" anchor="t" bIns="45700" lIns="91425" spcFirstLastPara="1" rIns="91425" wrap="square" tIns="45700">
-            <a:normAutofit/>
-          </a:bodyPr>
-          <a:lstStyle/>
-          <a:p>
-            <a:pPr indent="-228600" lvl="0" marL="228600" rtl="0" algn="l">
-              <a:lnSpc>
-                <a:spcPct val="90000"/>
-              </a:lnSpc>
-              <a:spcBef>
-                <a:spcPts val="0"/>
-              </a:spcBef>
-              <a:spcAft>
-                <a:spcPts val="0"/>
-              </a:spcAft>
-              <a:buClr>
-                <a:schemeClr val="dk1"/>
-              </a:buClr>
-              <a:buSzPts val="2800"/>
-              <a:buChar char="•"/>
-            </a:pPr>
-            <a:r>
-              <a:rPr lang="en-GB"/>
-              <a:t>Change the previous Regex program to output an excel file</a:t>
-            </a:r>
-            <a:endParaRPr/>
-          </a:p>
-          <a:p>
-            <a:pPr indent="-228600" lvl="0" marL="228600" rtl="0" algn="l">
-              <a:lnSpc>
-                <a:spcPct val="90000"/>
-              </a:lnSpc>
-              <a:spcBef>
-                <a:spcPts val="1000"/>
-              </a:spcBef>
-              <a:spcAft>
-                <a:spcPts val="0"/>
-              </a:spcAft>
-              <a:buClr>
-                <a:schemeClr val="dk1"/>
-              </a:buClr>
-              <a:buSzPts val="2800"/>
-              <a:buChar char="•"/>
-            </a:pPr>
-            <a:r>
-              <a:rPr lang="en-GB"/>
-              <a:t>Change the Pandas program to read either a csv or an excel</a:t>
-            </a:r>
-            <a:endParaRPr/>
-          </a:p>
-        </p:txBody>
-      </p:sp>
-    </p:spTree>
-  </p:cSld>
-  <p:clrMapOvr>
-    <a:masterClrMapping/>
-  </p:clrMapOvr>
-</p:sld>
-</file>
-
-<file path=ppt/slides/slide43.xml><?xml version="1.0" encoding="utf-8"?>
-<p:sld xmlns:a="http://schemas.openxmlformats.org/drawingml/2006/main" xmlns:r="http://schemas.openxmlformats.org/officeDocument/2006/relationships" xmlns:mc="http://schemas.openxmlformats.org/markup-compatibility/2006" xmlns:mv="urn:schemas-microsoft-com:mac:vml" xmlns:p="http://schemas.openxmlformats.org/presentationml/2006/main" xmlns:c="http://schemas.openxmlformats.org/drawingml/2006/chart" xmlns:dgm="http://schemas.openxmlformats.org/drawingml/2006/diagram" xmlns:o="urn:schemas-microsoft-com:office:office" xmlns:v="urn:schemas-microsoft-com:vml" xmlns:pvml="urn:schemas-microsoft-com:office:powerpoint" xmlns:com="http://schemas.openxmlformats.org/drawingml/2006/compatibility" xmlns:p14="http://schemas.microsoft.com/office/powerpoint/2010/main" xmlns:p15="http://schemas.microsoft.com/office/powerpoint/2012/main" xmlns:ahyp="http://schemas.microsoft.com/office/drawing/2018/hyperlinkcolor">
-  <p:cSld>
-    <p:spTree>
-      <p:nvGrpSpPr>
-        <p:cNvPr id="353" name="Shape 353"/>
-        <p:cNvGrpSpPr/>
-        <p:nvPr/>
-      </p:nvGrpSpPr>
-      <p:grpSpPr>
-        <a:xfrm>
-          <a:off x="0" y="0"/>
-          <a:ext cx="0" cy="0"/>
-          <a:chOff x="0" y="0"/>
-          <a:chExt cx="0" cy="0"/>
-        </a:xfrm>
-      </p:grpSpPr>
-      <p:sp>
-        <p:nvSpPr>
-          <p:cNvPr id="354" name="Google Shape;354;p55"/>
-          <p:cNvSpPr txBox="1"/>
-          <p:nvPr>
-            <p:ph type="title"/>
-          </p:nvPr>
-        </p:nvSpPr>
-        <p:spPr>
-          <a:xfrm>
-            <a:off x="618750" y="479167"/>
-            <a:ext cx="7762500" cy="1739400"/>
-          </a:xfrm>
-          <a:prstGeom prst="rect">
-            <a:avLst/>
-          </a:prstGeom>
-          <a:noFill/>
-          <a:ln>
-            <a:noFill/>
-          </a:ln>
-        </p:spPr>
-        <p:txBody>
-          <a:bodyPr anchorCtr="0" anchor="ctr" bIns="45700" lIns="91425" spcFirstLastPara="1" rIns="91425" wrap="square" tIns="45700">
-            <a:normAutofit/>
-          </a:bodyPr>
-          <a:lstStyle/>
-          <a:p>
-            <a:pPr indent="0" lvl="0" marL="0" rtl="0" algn="l">
-              <a:lnSpc>
-                <a:spcPct val="90000"/>
-              </a:lnSpc>
-              <a:spcBef>
-                <a:spcPts val="0"/>
-              </a:spcBef>
-              <a:spcAft>
-                <a:spcPts val="0"/>
-              </a:spcAft>
-              <a:buClr>
-                <a:schemeClr val="dk1"/>
-              </a:buClr>
-              <a:buSzPts val="4400"/>
-              <a:buFont typeface="Calibri"/>
-              <a:buNone/>
-            </a:pPr>
-            <a:r>
-              <a:rPr lang="en-GB"/>
-              <a:t>Other reading &amp; projects</a:t>
-            </a:r>
-            <a:endParaRPr/>
-          </a:p>
-        </p:txBody>
-      </p:sp>
-      <p:sp>
-        <p:nvSpPr>
-          <p:cNvPr id="355" name="Google Shape;355;p55"/>
-          <p:cNvSpPr txBox="1"/>
-          <p:nvPr>
-            <p:ph idx="1" type="body"/>
-          </p:nvPr>
-        </p:nvSpPr>
-        <p:spPr>
-          <a:xfrm>
-            <a:off x="618750" y="2395833"/>
-            <a:ext cx="7762500" cy="5710500"/>
-          </a:xfrm>
-          <a:prstGeom prst="rect">
-            <a:avLst/>
-          </a:prstGeom>
-          <a:noFill/>
-          <a:ln>
-            <a:noFill/>
-          </a:ln>
-        </p:spPr>
-        <p:txBody>
-          <a:bodyPr anchorCtr="0" anchor="t" bIns="45700" lIns="91425" spcFirstLastPara="1" rIns="91425" wrap="square" tIns="45700">
             <a:normAutofit lnSpcReduction="10000"/>
           </a:bodyPr>
           <a:lstStyle/>
@@ -30551,6 +30206,13 @@
 <file path=ppt/slides/slide5.xml><?xml version="1.0" encoding="utf-8"?>
 <p:sld xmlns:a="http://schemas.openxmlformats.org/drawingml/2006/main" xmlns:r="http://schemas.openxmlformats.org/officeDocument/2006/relationships" xmlns:mc="http://schemas.openxmlformats.org/markup-compatibility/2006" xmlns:mv="urn:schemas-microsoft-com:mac:vml" xmlns:p="http://schemas.openxmlformats.org/presentationml/2006/main" xmlns:c="http://schemas.openxmlformats.org/drawingml/2006/chart" xmlns:dgm="http://schemas.openxmlformats.org/drawingml/2006/diagram" xmlns:o="urn:schemas-microsoft-com:office:office" xmlns:v="urn:schemas-microsoft-com:vml" xmlns:pvml="urn:schemas-microsoft-com:office:powerpoint" xmlns:com="http://schemas.openxmlformats.org/drawingml/2006/compatibility" xmlns:p14="http://schemas.microsoft.com/office/powerpoint/2010/main" xmlns:p15="http://schemas.microsoft.com/office/powerpoint/2012/main" xmlns:ahyp="http://schemas.microsoft.com/office/drawing/2018/hyperlinkcolor">
   <p:cSld>
+    <p:bg>
+      <p:bgPr>
+        <a:solidFill>
+          <a:srgbClr val="FFFFFF"/>
+        </a:solidFill>
+      </p:bgPr>
+    </p:bg>
     <p:spTree>
       <p:nvGrpSpPr>
         <p:cNvPr id="109" name="Shape 109"/>
@@ -30863,6 +30525,13 @@
 <file path=ppt/slides/slide6.xml><?xml version="1.0" encoding="utf-8"?>
 <p:sld xmlns:a="http://schemas.openxmlformats.org/drawingml/2006/main" xmlns:r="http://schemas.openxmlformats.org/officeDocument/2006/relationships" xmlns:mc="http://schemas.openxmlformats.org/markup-compatibility/2006" xmlns:mv="urn:schemas-microsoft-com:mac:vml" xmlns:p="http://schemas.openxmlformats.org/presentationml/2006/main" xmlns:c="http://schemas.openxmlformats.org/drawingml/2006/chart" xmlns:dgm="http://schemas.openxmlformats.org/drawingml/2006/diagram" xmlns:o="urn:schemas-microsoft-com:office:office" xmlns:v="urn:schemas-microsoft-com:vml" xmlns:pvml="urn:schemas-microsoft-com:office:powerpoint" xmlns:com="http://schemas.openxmlformats.org/drawingml/2006/compatibility" xmlns:p14="http://schemas.microsoft.com/office/powerpoint/2010/main" xmlns:p15="http://schemas.microsoft.com/office/powerpoint/2012/main" xmlns:ahyp="http://schemas.microsoft.com/office/drawing/2018/hyperlinkcolor">
   <p:cSld>
+    <p:bg>
+      <p:bgPr>
+        <a:solidFill>
+          <a:srgbClr val="FFFFFF"/>
+        </a:solidFill>
+      </p:bgPr>
+    </p:bg>
     <p:spTree>
       <p:nvGrpSpPr>
         <p:cNvPr id="121" name="Shape 121"/>
@@ -31179,6 +30848,13 @@
 <file path=ppt/slides/slide7.xml><?xml version="1.0" encoding="utf-8"?>
 <p:sld xmlns:a="http://schemas.openxmlformats.org/drawingml/2006/main" xmlns:r="http://schemas.openxmlformats.org/officeDocument/2006/relationships" xmlns:mc="http://schemas.openxmlformats.org/markup-compatibility/2006" xmlns:mv="urn:schemas-microsoft-com:mac:vml" xmlns:p="http://schemas.openxmlformats.org/presentationml/2006/main" xmlns:c="http://schemas.openxmlformats.org/drawingml/2006/chart" xmlns:dgm="http://schemas.openxmlformats.org/drawingml/2006/diagram" xmlns:o="urn:schemas-microsoft-com:office:office" xmlns:v="urn:schemas-microsoft-com:vml" xmlns:pvml="urn:schemas-microsoft-com:office:powerpoint" xmlns:com="http://schemas.openxmlformats.org/drawingml/2006/compatibility" xmlns:p14="http://schemas.microsoft.com/office/powerpoint/2010/main" xmlns:p15="http://schemas.microsoft.com/office/powerpoint/2012/main" xmlns:ahyp="http://schemas.microsoft.com/office/drawing/2018/hyperlinkcolor">
   <p:cSld>
+    <p:bg>
+      <p:bgPr>
+        <a:solidFill>
+          <a:srgbClr val="FFFFFF"/>
+        </a:solidFill>
+      </p:bgPr>
+    </p:bg>
     <p:spTree>
       <p:nvGrpSpPr>
         <p:cNvPr id="127" name="Shape 127"/>
@@ -31582,6 +31258,13 @@
 <file path=ppt/slides/slide8.xml><?xml version="1.0" encoding="utf-8"?>
 <p:sld xmlns:a="http://schemas.openxmlformats.org/drawingml/2006/main" xmlns:r="http://schemas.openxmlformats.org/officeDocument/2006/relationships" xmlns:mc="http://schemas.openxmlformats.org/markup-compatibility/2006" xmlns:mv="urn:schemas-microsoft-com:mac:vml" xmlns:p="http://schemas.openxmlformats.org/presentationml/2006/main" xmlns:c="http://schemas.openxmlformats.org/drawingml/2006/chart" xmlns:dgm="http://schemas.openxmlformats.org/drawingml/2006/diagram" xmlns:o="urn:schemas-microsoft-com:office:office" xmlns:v="urn:schemas-microsoft-com:vml" xmlns:pvml="urn:schemas-microsoft-com:office:powerpoint" xmlns:com="http://schemas.openxmlformats.org/drawingml/2006/compatibility" xmlns:p14="http://schemas.microsoft.com/office/powerpoint/2010/main" xmlns:p15="http://schemas.microsoft.com/office/powerpoint/2012/main" xmlns:ahyp="http://schemas.microsoft.com/office/drawing/2018/hyperlinkcolor">
   <p:cSld>
+    <p:bg>
+      <p:bgPr>
+        <a:solidFill>
+          <a:srgbClr val="FFFFFF"/>
+        </a:solidFill>
+      </p:bgPr>
+    </p:bg>
     <p:spTree>
       <p:nvGrpSpPr>
         <p:cNvPr id="133" name="Shape 133"/>
@@ -31879,6 +31562,13 @@
 <file path=ppt/slides/slide9.xml><?xml version="1.0" encoding="utf-8"?>
 <p:sld xmlns:a="http://schemas.openxmlformats.org/drawingml/2006/main" xmlns:r="http://schemas.openxmlformats.org/officeDocument/2006/relationships" xmlns:mc="http://schemas.openxmlformats.org/markup-compatibility/2006" xmlns:mv="urn:schemas-microsoft-com:mac:vml" xmlns:p="http://schemas.openxmlformats.org/presentationml/2006/main" xmlns:c="http://schemas.openxmlformats.org/drawingml/2006/chart" xmlns:dgm="http://schemas.openxmlformats.org/drawingml/2006/diagram" xmlns:o="urn:schemas-microsoft-com:office:office" xmlns:v="urn:schemas-microsoft-com:vml" xmlns:pvml="urn:schemas-microsoft-com:office:powerpoint" xmlns:com="http://schemas.openxmlformats.org/drawingml/2006/compatibility" xmlns:p14="http://schemas.microsoft.com/office/powerpoint/2010/main" xmlns:p15="http://schemas.microsoft.com/office/powerpoint/2012/main" xmlns:ahyp="http://schemas.microsoft.com/office/drawing/2018/hyperlinkcolor">
   <p:cSld>
+    <p:bg>
+      <p:bgPr>
+        <a:solidFill>
+          <a:srgbClr val="FFFFFF"/>
+        </a:solidFill>
+      </p:bgPr>
+    </p:bg>
     <p:spTree>
       <p:nvGrpSpPr>
         <p:cNvPr id="139" name="Shape 139"/>

--- a/PyTut1_Intro.pptx
+++ b/PyTut1_Intro.pptx
@@ -15102,8 +15102,8 @@
         </p:nvSpPr>
         <p:spPr>
           <a:xfrm>
-            <a:off x="1125000" y="4727084"/>
-            <a:ext cx="6750000" cy="2172900"/>
+            <a:off x="1125000" y="4684621"/>
+            <a:ext cx="6750000" cy="3133500"/>
           </a:xfrm>
           <a:prstGeom prst="rect">
             <a:avLst/>
@@ -15122,7 +15122,7 @@
         </p:spPr>
         <p:txBody>
           <a:bodyPr anchorCtr="0" anchor="t" bIns="45700" lIns="91425" spcFirstLastPara="1" rIns="91425" wrap="square" tIns="45700">
-            <a:normAutofit/>
+            <a:normAutofit lnSpcReduction="10000"/>
           </a:bodyPr>
           <a:lstStyle/>
           <a:p>
@@ -15143,8 +15143,76 @@
               <a:buNone/>
             </a:pPr>
             <a:r>
+              <a:rPr b="1" lang="en-GB"/>
+              <a:t>Author: Mark Butterworth</a:t>
+            </a:r>
+            <a:endParaRPr b="1"/>
+          </a:p>
+          <a:p>
+            <a:pPr indent="0" lvl="0" marL="0" rtl="0" algn="ctr">
+              <a:lnSpc>
+                <a:spcPct val="90000"/>
+              </a:lnSpc>
+              <a:spcBef>
+                <a:spcPts val="1000"/>
+              </a:spcBef>
+              <a:spcAft>
+                <a:spcPts val="0"/>
+              </a:spcAft>
+              <a:buClr>
+                <a:schemeClr val="dk1"/>
+              </a:buClr>
+              <a:buSzPts val="2400"/>
+              <a:buNone/>
+            </a:pPr>
+            <a:r>
+              <a:rPr b="1" lang="en-GB"/>
+              <a:t>Feb 2021</a:t>
+            </a:r>
+            <a:endParaRPr b="1"/>
+          </a:p>
+          <a:p>
+            <a:pPr indent="0" lvl="0" marL="0" rtl="0" algn="ctr">
+              <a:lnSpc>
+                <a:spcPct val="90000"/>
+              </a:lnSpc>
+              <a:spcBef>
+                <a:spcPts val="1000"/>
+              </a:spcBef>
+              <a:spcAft>
+                <a:spcPts val="0"/>
+              </a:spcAft>
+              <a:buClr>
+                <a:schemeClr val="dk1"/>
+              </a:buClr>
+              <a:buSzPts val="2400"/>
+              <a:buNone/>
+            </a:pPr>
+            <a:r>
+              <a:t/>
+            </a:r>
+            <a:endParaRPr/>
+          </a:p>
+          <a:p>
+            <a:pPr indent="0" lvl="0" marL="0" rtl="0" algn="ctr">
+              <a:lnSpc>
+                <a:spcPct val="90000"/>
+              </a:lnSpc>
+              <a:spcBef>
+                <a:spcPts val="1000"/>
+              </a:spcBef>
+              <a:spcAft>
+                <a:spcPts val="0"/>
+              </a:spcAft>
+              <a:buClr>
+                <a:schemeClr val="dk1"/>
+              </a:buClr>
+              <a:buSzPts val="2400"/>
+              <a:buNone/>
+            </a:pPr>
+            <a:r>
               <a:rPr lang="en-GB"/>
-              <a:t>Mark Butterworth</a:t>
+              <a:t>Major contributors:</a:t>
             </a:r>
             <a:endParaRPr/>
           </a:p>
@@ -15167,7 +15235,53 @@
             </a:pPr>
             <a:r>
               <a:rPr lang="en-GB"/>
-              <a:t>Feb 2021</a:t>
+              <a:t>Adam Symm</a:t>
+            </a:r>
+            <a:endParaRPr/>
+          </a:p>
+          <a:p>
+            <a:pPr indent="0" lvl="0" marL="0" rtl="0" algn="ctr">
+              <a:lnSpc>
+                <a:spcPct val="90000"/>
+              </a:lnSpc>
+              <a:spcBef>
+                <a:spcPts val="1000"/>
+              </a:spcBef>
+              <a:spcAft>
+                <a:spcPts val="0"/>
+              </a:spcAft>
+              <a:buClr>
+                <a:schemeClr val="dk1"/>
+              </a:buClr>
+              <a:buSzPts val="2400"/>
+              <a:buNone/>
+            </a:pPr>
+            <a:r>
+              <a:rPr lang="en-GB"/>
+              <a:t>Daxa Dandiker</a:t>
+            </a:r>
+            <a:endParaRPr/>
+          </a:p>
+          <a:p>
+            <a:pPr indent="0" lvl="0" marL="0" rtl="0" algn="ctr">
+              <a:lnSpc>
+                <a:spcPct val="90000"/>
+              </a:lnSpc>
+              <a:spcBef>
+                <a:spcPts val="1000"/>
+              </a:spcBef>
+              <a:spcAft>
+                <a:spcPts val="0"/>
+              </a:spcAft>
+              <a:buClr>
+                <a:schemeClr val="dk1"/>
+              </a:buClr>
+              <a:buSzPts val="2400"/>
+              <a:buNone/>
+            </a:pPr>
+            <a:r>
+              <a:rPr lang="en-GB"/>
+              <a:t>Irajasingham Chumaran</a:t>
             </a:r>
             <a:endParaRPr/>
           </a:p>
@@ -15267,8 +15381,8 @@
         </p:nvSpPr>
         <p:spPr>
           <a:xfrm>
-            <a:off x="618750" y="2395833"/>
-            <a:ext cx="7762500" cy="5710500"/>
+            <a:off x="511900" y="1899724"/>
+            <a:ext cx="7762500" cy="6206700"/>
           </a:xfrm>
           <a:prstGeom prst="rect">
             <a:avLst/>
@@ -15280,11 +15394,11 @@
         </p:spPr>
         <p:txBody>
           <a:bodyPr anchorCtr="0" anchor="t" bIns="45700" lIns="91425" spcFirstLastPara="1" rIns="91425" wrap="square" tIns="45700">
-            <a:normAutofit fontScale="70000" lnSpcReduction="20000"/>
+            <a:normAutofit fontScale="77500" lnSpcReduction="20000"/>
           </a:bodyPr>
           <a:lstStyle/>
           <a:p>
-            <a:pPr indent="-215265" lvl="0" marL="228600" rtl="0" algn="l">
+            <a:pPr indent="-228600" lvl="0" marL="228600" rtl="0" algn="l">
               <a:lnSpc>
                 <a:spcPct val="115000"/>
               </a:lnSpc>
@@ -15307,7 +15421,7 @@
             <a:endParaRPr/>
           </a:p>
           <a:p>
-            <a:pPr indent="-215265" lvl="0" marL="228600" rtl="0" algn="l">
+            <a:pPr indent="-228600" lvl="0" marL="228600" rtl="0" algn="l">
               <a:lnSpc>
                 <a:spcPct val="115000"/>
               </a:lnSpc>
@@ -15330,7 +15444,7 @@
             <a:endParaRPr/>
           </a:p>
           <a:p>
-            <a:pPr indent="-215265" lvl="0" marL="228600" rtl="0" algn="l">
+            <a:pPr indent="-228600" lvl="0" marL="228600" rtl="0" algn="l">
               <a:lnSpc>
                 <a:spcPct val="115000"/>
               </a:lnSpc>
@@ -15353,7 +15467,7 @@
             <a:endParaRPr/>
           </a:p>
           <a:p>
-            <a:pPr indent="-215265" lvl="0" marL="228600" rtl="0" algn="l">
+            <a:pPr indent="-228600" lvl="0" marL="228600" rtl="0" algn="l">
               <a:lnSpc>
                 <a:spcPct val="115000"/>
               </a:lnSpc>
@@ -15376,7 +15490,7 @@
             <a:endParaRPr/>
           </a:p>
           <a:p>
-            <a:pPr indent="-215265" lvl="0" marL="228600" rtl="0" algn="l">
+            <a:pPr indent="-228600" lvl="0" marL="228600" rtl="0" algn="l">
               <a:lnSpc>
                 <a:spcPct val="115000"/>
               </a:lnSpc>
@@ -15399,7 +15513,7 @@
             <a:endParaRPr/>
           </a:p>
           <a:p>
-            <a:pPr indent="-215265" lvl="0" marL="228600" rtl="0" algn="l">
+            <a:pPr indent="-228600" lvl="0" marL="228600" rtl="0" algn="l">
               <a:lnSpc>
                 <a:spcPct val="115000"/>
               </a:lnSpc>
@@ -15422,7 +15536,7 @@
             <a:endParaRPr/>
           </a:p>
           <a:p>
-            <a:pPr indent="-215265" lvl="0" marL="228600" rtl="0" algn="l">
+            <a:pPr indent="-228600" lvl="0" marL="228600" rtl="0" algn="l">
               <a:lnSpc>
                 <a:spcPct val="115000"/>
               </a:lnSpc>
@@ -15445,7 +15559,7 @@
             <a:endParaRPr/>
           </a:p>
           <a:p>
-            <a:pPr indent="-215265" lvl="0" marL="228600" rtl="0" algn="l">
+            <a:pPr indent="-228600" lvl="0" marL="228600" rtl="0" algn="l">
               <a:lnSpc>
                 <a:spcPct val="115000"/>
               </a:lnSpc>
@@ -16509,7 +16623,7 @@
             </a:pPr>
             <a:r>
               <a:rPr lang="en-GB"/>
-              <a:t>Long time Pythoneer Tim Peters succinctly channels the BDFL’s </a:t>
+              <a:t>Long time Pythoneer Tim Peters succinctly channels the BDFL’s:</a:t>
             </a:r>
             <a:endParaRPr/>
           </a:p>
@@ -16532,7 +16646,11 @@
             </a:pPr>
             <a:r>
               <a:rPr lang="en-GB"/>
-              <a:t>Guiding principles for Python's design into 20 aphorisms, only 19 of which have been written down:</a:t>
+              <a:t>G</a:t>
+            </a:r>
+            <a:r>
+              <a:rPr lang="en-GB"/>
+              <a:t>uiding principles for Python's design into 20 aphorisms, only 19 of which have been written down:</a:t>
             </a:r>
             <a:endParaRPr/>
           </a:p>
@@ -20739,7 +20857,7 @@
                   <a:srgbClr val="FF0000"/>
                 </a:solidFill>
               </a:rPr>
-              <a:t>Then run the following as both a</a:t>
+              <a:t>Then run the following a</a:t>
             </a:r>
             <a:r>
               <a:rPr lang="en-GB">
@@ -20755,7 +20873,39 @@
                   <a:srgbClr val="FF0000"/>
                 </a:solidFill>
               </a:rPr>
-              <a:t> admin and your own user conda prompt:</a:t>
+              <a:t> </a:t>
+            </a:r>
+            <a:r>
+              <a:rPr lang="en-GB">
+                <a:solidFill>
+                  <a:srgbClr val="FF0000"/>
+                </a:solidFill>
+              </a:rPr>
+              <a:t>“as </a:t>
+            </a:r>
+            <a:r>
+              <a:rPr lang="en-GB" sz="2400">
+                <a:solidFill>
+                  <a:srgbClr val="FF0000"/>
+                </a:solidFill>
+              </a:rPr>
+              <a:t>admin</a:t>
+            </a:r>
+            <a:r>
+              <a:rPr lang="en-GB">
+                <a:solidFill>
+                  <a:srgbClr val="FF0000"/>
+                </a:solidFill>
+              </a:rPr>
+              <a:t>”</a:t>
+            </a:r>
+            <a:r>
+              <a:rPr lang="en-GB" sz="2400">
+                <a:solidFill>
+                  <a:srgbClr val="FF0000"/>
+                </a:solidFill>
+              </a:rPr>
+              <a:t> and your own normal user conda prompt:</a:t>
             </a:r>
             <a:endParaRPr sz="2400">
               <a:solidFill>
@@ -24937,7 +25087,7 @@
             <a:tbl>
               <a:tblPr bandRow="1" firstRow="1">
                 <a:noFill/>
-                <a:tableStyleId>{E9A01C01-0F14-4952-9C0B-35F3BD625273}</a:tableStyleId>
+                <a:tableStyleId>{D2B50DD4-2A13-4F72-91B7-360666F6C465}</a:tableStyleId>
               </a:tblPr>
               <a:tblGrid>
                 <a:gridCol w="3129625"/>
@@ -25402,7 +25552,43 @@
                 <a:cs typeface="Calibri"/>
                 <a:sym typeface="Calibri"/>
               </a:rPr>
-              <a:t>Tip to set a particular browser for your jupyter notebooks:</a:t>
+              <a:t>T</a:t>
+            </a:r>
+            <a:r>
+              <a:rPr lang="en-GB" sz="1800">
+                <a:solidFill>
+                  <a:schemeClr val="dk1"/>
+                </a:solidFill>
+                <a:latin typeface="Calibri"/>
+                <a:ea typeface="Calibri"/>
+                <a:cs typeface="Calibri"/>
+                <a:sym typeface="Calibri"/>
+              </a:rPr>
+              <a:t>IP:</a:t>
+            </a:r>
+            <a:r>
+              <a:rPr b="0" i="0" lang="en-GB" sz="1800" u="none" cap="none" strike="noStrike">
+                <a:solidFill>
+                  <a:schemeClr val="dk1"/>
+                </a:solidFill>
+                <a:latin typeface="Calibri"/>
+                <a:ea typeface="Calibri"/>
+                <a:cs typeface="Calibri"/>
+                <a:sym typeface="Calibri"/>
+              </a:rPr>
+              <a:t> to set a particular browser for your jupyter notebooks</a:t>
+            </a:r>
+            <a:r>
+              <a:rPr lang="en-GB" sz="1800">
+                <a:solidFill>
+                  <a:schemeClr val="dk1"/>
+                </a:solidFill>
+                <a:latin typeface="Calibri"/>
+                <a:ea typeface="Calibri"/>
+                <a:cs typeface="Calibri"/>
+                <a:sym typeface="Calibri"/>
+              </a:rPr>
+              <a:t>:</a:t>
             </a:r>
             <a:endParaRPr/>
           </a:p>
@@ -25920,7 +26106,7 @@
             </a:pPr>
             <a:r>
               <a:rPr lang="en-GB"/>
-              <a:t>Into the interactive tutorial notebooks...</a:t>
+              <a:t>Into the interactive Jupyter notebooks...</a:t>
             </a:r>
             <a:endParaRPr/>
           </a:p>
@@ -25943,7 +26129,34 @@
             </a:pPr>
             <a:r>
               <a:rPr i="1" lang="en-GB"/>
-              <a:t>Open  the PyTut2_Types notebook</a:t>
+              <a:t>Open  the #Scrap notebook</a:t>
+            </a:r>
+            <a:endParaRPr i="1"/>
+          </a:p>
+          <a:p>
+            <a:pPr indent="0" lvl="0" marL="0" rtl="0" algn="l">
+              <a:lnSpc>
+                <a:spcPct val="90000"/>
+              </a:lnSpc>
+              <a:spcBef>
+                <a:spcPts val="1000"/>
+              </a:spcBef>
+              <a:spcAft>
+                <a:spcPts val="0"/>
+              </a:spcAft>
+              <a:buClr>
+                <a:srgbClr val="888888"/>
+              </a:buClr>
+              <a:buSzPts val="2400"/>
+              <a:buNone/>
+            </a:pPr>
+            <a:r>
+              <a:rPr i="1" lang="en-GB"/>
+              <a:t>Followed by  </a:t>
+            </a:r>
+            <a:r>
+              <a:rPr i="1" lang="en-GB"/>
+              <a:t>PyTut2.1_JupyterOrientation notebook</a:t>
             </a:r>
             <a:endParaRPr i="1"/>
           </a:p>
@@ -26571,7 +26784,7 @@
             </a:pPr>
             <a:r>
               <a:rPr i="1" lang="en-GB"/>
-              <a:t>Open  the PyTut3_LoopsFunctionsClasses notebook</a:t>
+              <a:t>Open  the PyTut3.1_ForLoops notebook</a:t>
             </a:r>
             <a:endParaRPr i="1"/>
           </a:p>
@@ -27032,6 +27245,27 @@
             <a:r>
               <a:rPr lang="en-GB"/>
               <a:t>Vscode editor &amp; Namespaces</a:t>
+            </a:r>
+            <a:endParaRPr/>
+          </a:p>
+          <a:p>
+            <a:pPr indent="0" lvl="0" marL="0" rtl="0" algn="l">
+              <a:spcBef>
+                <a:spcPts val="1000"/>
+              </a:spcBef>
+              <a:spcAft>
+                <a:spcPts val="0"/>
+              </a:spcAft>
+              <a:buClr>
+                <a:srgbClr val="888888"/>
+              </a:buClr>
+              <a:buSzPts val="2400"/>
+              <a:buFont typeface="Arial"/>
+              <a:buNone/>
+            </a:pPr>
+            <a:r>
+              <a:rPr i="1" lang="en-GB"/>
+              <a:t>Open  the PyTut4.1_Namespaces notebook</a:t>
             </a:r>
             <a:endParaRPr/>
           </a:p>
@@ -28577,7 +28811,7 @@
             </a:pPr>
             <a:r>
               <a:rPr i="1" lang="en-GB"/>
-              <a:t>Open  the PyTut5_Files notebook</a:t>
+              <a:t>Open  the PyTut5.1_Files notebook</a:t>
             </a:r>
             <a:endParaRPr i="1"/>
           </a:p>
@@ -28712,11 +28946,11 @@
         </p:spPr>
         <p:txBody>
           <a:bodyPr anchorCtr="0" anchor="t" bIns="45700" lIns="91425" spcFirstLastPara="1" rIns="91425" wrap="square" tIns="45700">
-            <a:normAutofit fontScale="62500" lnSpcReduction="10000"/>
+            <a:normAutofit fontScale="70000" lnSpcReduction="20000"/>
           </a:bodyPr>
           <a:lstStyle/>
           <a:p>
-            <a:pPr indent="-241934" lvl="0" marL="228600" rtl="0" algn="l">
+            <a:pPr indent="-255270" lvl="0" marL="228600" rtl="0" algn="l">
               <a:lnSpc>
                 <a:spcPct val="90000"/>
               </a:lnSpc>
@@ -28739,7 +28973,7 @@
             <a:endParaRPr/>
           </a:p>
           <a:p>
-            <a:pPr indent="-241934" lvl="0" marL="228600" rtl="0" algn="l">
+            <a:pPr indent="-255270" lvl="0" marL="228600" rtl="0" algn="l">
               <a:lnSpc>
                 <a:spcPct val="90000"/>
               </a:lnSpc>
@@ -28762,7 +28996,7 @@
             <a:endParaRPr/>
           </a:p>
           <a:p>
-            <a:pPr indent="-241934" lvl="0" marL="228600" rtl="0" algn="l">
+            <a:pPr indent="-255270" lvl="0" marL="228600" rtl="0" algn="l">
               <a:lnSpc>
                 <a:spcPct val="90000"/>
               </a:lnSpc>
@@ -28813,7 +29047,7 @@
             <a:endParaRPr/>
           </a:p>
           <a:p>
-            <a:pPr indent="-241934" lvl="1" marL="685800" rtl="0" algn="l">
+            <a:pPr indent="-255269" lvl="1" marL="685800" rtl="0" algn="l">
               <a:lnSpc>
                 <a:spcPct val="90000"/>
               </a:lnSpc>
@@ -28892,7 +29126,7 @@
             <a:endParaRPr sz="2400"/>
           </a:p>
           <a:p>
-            <a:pPr indent="-243840" lvl="0" marL="228600" rtl="0" algn="l">
+            <a:pPr indent="-259080" lvl="0" marL="228600" rtl="0" algn="l">
               <a:lnSpc>
                 <a:spcPct val="90000"/>
               </a:lnSpc>
@@ -28915,7 +29149,7 @@
             <a:endParaRPr/>
           </a:p>
           <a:p>
-            <a:pPr indent="-241934" lvl="1" marL="685800" rtl="0" algn="l">
+            <a:pPr indent="-255269" lvl="1" marL="685800" rtl="0" algn="l">
               <a:lnSpc>
                 <a:spcPct val="115000"/>
               </a:lnSpc>
@@ -28946,7 +29180,7 @@
             <a:endParaRPr/>
           </a:p>
           <a:p>
-            <a:pPr indent="-241934" lvl="1" marL="685800" rtl="0" algn="l">
+            <a:pPr indent="-255269" lvl="1" marL="685800" rtl="0" algn="l">
               <a:lnSpc>
                 <a:spcPct val="115000"/>
               </a:lnSpc>
@@ -28973,7 +29207,7 @@
             <a:endParaRPr/>
           </a:p>
           <a:p>
-            <a:pPr indent="-241934" lvl="1" marL="685800" rtl="0" algn="l">
+            <a:pPr indent="-255269" lvl="1" marL="685800" rtl="0" algn="l">
               <a:lnSpc>
                 <a:spcPct val="115000"/>
               </a:lnSpc>
@@ -29008,7 +29242,7 @@
             <a:endParaRPr/>
           </a:p>
           <a:p>
-            <a:pPr indent="-241934" lvl="1" marL="685800" rtl="0" algn="l">
+            <a:pPr indent="-255269" lvl="1" marL="685800" rtl="0" algn="l">
               <a:lnSpc>
                 <a:spcPct val="115000"/>
               </a:lnSpc>
@@ -29043,7 +29277,7 @@
             <a:endParaRPr/>
           </a:p>
           <a:p>
-            <a:pPr indent="-241934" lvl="1" marL="685800" rtl="0" algn="l">
+            <a:pPr indent="-255269" lvl="1" marL="685800" rtl="0" algn="l">
               <a:lnSpc>
                 <a:spcPct val="115000"/>
               </a:lnSpc>
@@ -29070,7 +29304,7 @@
             <a:endParaRPr/>
           </a:p>
           <a:p>
-            <a:pPr indent="-241934" lvl="1" marL="685800" rtl="0" algn="l">
+            <a:pPr indent="-255269" lvl="1" marL="685800" rtl="0" algn="l">
               <a:lnSpc>
                 <a:spcPct val="115000"/>
               </a:lnSpc>
@@ -29097,7 +29331,7 @@
             <a:endParaRPr/>
           </a:p>
           <a:p>
-            <a:pPr indent="-241934" lvl="1" marL="685800" rtl="0" algn="l">
+            <a:pPr indent="-255269" lvl="1" marL="685800" rtl="0" algn="l">
               <a:lnSpc>
                 <a:spcPct val="115000"/>
               </a:lnSpc>
@@ -29124,7 +29358,7 @@
             <a:endParaRPr/>
           </a:p>
           <a:p>
-            <a:pPr indent="-241934" lvl="1" marL="685800" rtl="0" algn="l">
+            <a:pPr indent="-255269" lvl="1" marL="685800" rtl="0" algn="l">
               <a:lnSpc>
                 <a:spcPct val="115000"/>
               </a:lnSpc>
@@ -29147,37 +29381,6 @@
             <a:r>
               <a:rPr lang="en-GB" sz="2800"/>
               <a:t> &lt;line&gt; = execuate up</a:t>
-            </a:r>
-            <a:endParaRPr/>
-          </a:p>
-          <a:p>
-            <a:pPr indent="-243840" lvl="0" marL="228600" rtl="0" algn="l">
-              <a:lnSpc>
-                <a:spcPct val="90000"/>
-              </a:lnSpc>
-              <a:spcBef>
-                <a:spcPts val="1000"/>
-              </a:spcBef>
-              <a:spcAft>
-                <a:spcPts val="0"/>
-              </a:spcAft>
-              <a:buClr>
-                <a:schemeClr val="dk1"/>
-              </a:buClr>
-              <a:buSzPct val="100000"/>
-              <a:buChar char="•"/>
-            </a:pPr>
-            <a:r>
-              <a:rPr lang="en-GB" sz="3200"/>
-              <a:t>Exercise: VScode python </a:t>
-            </a:r>
-            <a:r>
-              <a:rPr lang="en-GB" sz="3200"/>
-              <a:t>getting</a:t>
-            </a:r>
-            <a:r>
-              <a:rPr lang="en-GB" sz="3200"/>
-              <a:t> started tutorial will provide an intro.</a:t>
             </a:r>
             <a:endParaRPr/>
           </a:p>
@@ -30237,7 +30440,7 @@
         </p:nvSpPr>
         <p:spPr>
           <a:xfrm>
-            <a:off x="618750" y="-8"/>
+            <a:off x="618750" y="-403708"/>
             <a:ext cx="7762500" cy="1739400"/>
           </a:xfrm>
           <a:prstGeom prst="rect">
@@ -30289,7 +30492,7 @@
         </p:nvSpPr>
         <p:spPr>
           <a:xfrm>
-            <a:off x="476250" y="1078225"/>
+            <a:off x="500000" y="745775"/>
             <a:ext cx="7762500" cy="1533900"/>
           </a:xfrm>
           <a:prstGeom prst="rect">
@@ -30325,6 +30528,26 @@
             <a:r>
               <a:rPr lang="en-GB"/>
               <a:t>Maybe carbon black or Windows security:</a:t>
+            </a:r>
+            <a:endParaRPr/>
+          </a:p>
+          <a:p>
+            <a:pPr indent="-165100" lvl="0" marL="228600" rtl="0" algn="l">
+              <a:lnSpc>
+                <a:spcPct val="90000"/>
+              </a:lnSpc>
+              <a:spcBef>
+                <a:spcPts val="0"/>
+              </a:spcBef>
+              <a:spcAft>
+                <a:spcPts val="0"/>
+              </a:spcAft>
+              <a:buSzPts val="1800"/>
+              <a:buChar char="•"/>
+            </a:pPr>
+            <a:r>
+              <a:rPr lang="en-GB"/>
+              <a:t>Ask IT to add you to a less restricted policy!</a:t>
             </a:r>
             <a:endParaRPr/>
           </a:p>
